--- a/기획문서/게임 제안서.pptx
+++ b/기획문서/게임 제안서.pptx
@@ -22,12 +22,12 @@
   <p:notesSz cx="6858000" cy="9144000"/>
   <p:embeddedFontLst>
     <p:embeddedFont>
-      <p:font typeface="맑은 고딕" pitchFamily="50" charset="-127"/>
-      <p:regular r:id="rId12"/>
-      <p:bold r:id="rId13"/>
+      <p:font typeface="나눔고딕 ExtraBold" charset="-127"/>
+      <p:bold r:id="rId12"/>
     </p:embeddedFont>
     <p:embeddedFont>
-      <p:font typeface="나눔고딕 ExtraBold" charset="-127"/>
+      <p:font typeface="맑은 고딕" pitchFamily="50" charset="-127"/>
+      <p:regular r:id="rId13"/>
       <p:bold r:id="rId14"/>
     </p:embeddedFont>
   </p:embeddedFontLst>
@@ -212,7 +212,7 @@
             <a:fld id="{D84393A8-633A-44BC-88CE-FCA3A15FDEAB}" type="datetimeFigureOut">
               <a:rPr lang="ko-KR" altLang="en-US" smtClean="0"/>
               <a:pPr/>
-              <a:t>2017-11-09</a:t>
+              <a:t>2017-11-27</a:t>
             </a:fld>
             <a:endParaRPr lang="ko-KR" altLang="en-US"/>
           </a:p>
@@ -993,7 +993,7 @@
             <a:fld id="{D4F645AA-E039-4E57-8F7F-F37FFD3EA154}" type="datetimeFigureOut">
               <a:rPr lang="ko-KR" altLang="en-US" smtClean="0"/>
               <a:pPr/>
-              <a:t>2017-11-09</a:t>
+              <a:t>2017-11-27</a:t>
             </a:fld>
             <a:endParaRPr lang="ko-KR" altLang="en-US"/>
           </a:p>
@@ -1165,7 +1165,7 @@
             <a:fld id="{D4F645AA-E039-4E57-8F7F-F37FFD3EA154}" type="datetimeFigureOut">
               <a:rPr lang="ko-KR" altLang="en-US" smtClean="0"/>
               <a:pPr/>
-              <a:t>2017-11-09</a:t>
+              <a:t>2017-11-27</a:t>
             </a:fld>
             <a:endParaRPr lang="ko-KR" altLang="en-US"/>
           </a:p>
@@ -1347,7 +1347,7 @@
             <a:fld id="{D4F645AA-E039-4E57-8F7F-F37FFD3EA154}" type="datetimeFigureOut">
               <a:rPr lang="ko-KR" altLang="en-US" smtClean="0"/>
               <a:pPr/>
-              <a:t>2017-11-09</a:t>
+              <a:t>2017-11-27</a:t>
             </a:fld>
             <a:endParaRPr lang="ko-KR" altLang="en-US"/>
           </a:p>
@@ -1519,7 +1519,7 @@
             <a:fld id="{D4F645AA-E039-4E57-8F7F-F37FFD3EA154}" type="datetimeFigureOut">
               <a:rPr lang="ko-KR" altLang="en-US" smtClean="0"/>
               <a:pPr/>
-              <a:t>2017-11-09</a:t>
+              <a:t>2017-11-27</a:t>
             </a:fld>
             <a:endParaRPr lang="ko-KR" altLang="en-US"/>
           </a:p>
@@ -1767,7 +1767,7 @@
             <a:fld id="{D4F645AA-E039-4E57-8F7F-F37FFD3EA154}" type="datetimeFigureOut">
               <a:rPr lang="ko-KR" altLang="en-US" smtClean="0"/>
               <a:pPr/>
-              <a:t>2017-11-09</a:t>
+              <a:t>2017-11-27</a:t>
             </a:fld>
             <a:endParaRPr lang="ko-KR" altLang="en-US"/>
           </a:p>
@@ -2057,7 +2057,7 @@
             <a:fld id="{D4F645AA-E039-4E57-8F7F-F37FFD3EA154}" type="datetimeFigureOut">
               <a:rPr lang="ko-KR" altLang="en-US" smtClean="0"/>
               <a:pPr/>
-              <a:t>2017-11-09</a:t>
+              <a:t>2017-11-27</a:t>
             </a:fld>
             <a:endParaRPr lang="ko-KR" altLang="en-US"/>
           </a:p>
@@ -2481,7 +2481,7 @@
             <a:fld id="{D4F645AA-E039-4E57-8F7F-F37FFD3EA154}" type="datetimeFigureOut">
               <a:rPr lang="ko-KR" altLang="en-US" smtClean="0"/>
               <a:pPr/>
-              <a:t>2017-11-09</a:t>
+              <a:t>2017-11-27</a:t>
             </a:fld>
             <a:endParaRPr lang="ko-KR" altLang="en-US"/>
           </a:p>
@@ -2601,7 +2601,7 @@
             <a:fld id="{D4F645AA-E039-4E57-8F7F-F37FFD3EA154}" type="datetimeFigureOut">
               <a:rPr lang="ko-KR" altLang="en-US" smtClean="0"/>
               <a:pPr/>
-              <a:t>2017-11-09</a:t>
+              <a:t>2017-11-27</a:t>
             </a:fld>
             <a:endParaRPr lang="ko-KR" altLang="en-US"/>
           </a:p>
@@ -2698,7 +2698,7 @@
             <a:fld id="{D4F645AA-E039-4E57-8F7F-F37FFD3EA154}" type="datetimeFigureOut">
               <a:rPr lang="ko-KR" altLang="en-US" smtClean="0"/>
               <a:pPr/>
-              <a:t>2017-11-09</a:t>
+              <a:t>2017-11-27</a:t>
             </a:fld>
             <a:endParaRPr lang="ko-KR" altLang="en-US"/>
           </a:p>
@@ -2977,7 +2977,7 @@
             <a:fld id="{D4F645AA-E039-4E57-8F7F-F37FFD3EA154}" type="datetimeFigureOut">
               <a:rPr lang="ko-KR" altLang="en-US" smtClean="0"/>
               <a:pPr/>
-              <a:t>2017-11-09</a:t>
+              <a:t>2017-11-27</a:t>
             </a:fld>
             <a:endParaRPr lang="ko-KR" altLang="en-US"/>
           </a:p>
@@ -3232,7 +3232,7 @@
             <a:fld id="{D4F645AA-E039-4E57-8F7F-F37FFD3EA154}" type="datetimeFigureOut">
               <a:rPr lang="ko-KR" altLang="en-US" smtClean="0"/>
               <a:pPr/>
-              <a:t>2017-11-09</a:t>
+              <a:t>2017-11-27</a:t>
             </a:fld>
             <a:endParaRPr lang="ko-KR" altLang="en-US"/>
           </a:p>
@@ -3447,7 +3447,7 @@
             <a:fld id="{D4F645AA-E039-4E57-8F7F-F37FFD3EA154}" type="datetimeFigureOut">
               <a:rPr lang="ko-KR" altLang="en-US" smtClean="0"/>
               <a:pPr/>
-              <a:t>2017-11-09</a:t>
+              <a:t>2017-11-27</a:t>
             </a:fld>
             <a:endParaRPr lang="ko-KR" altLang="en-US"/>
           </a:p>
@@ -4112,7 +4112,7 @@
         <p:spPr>
           <a:xfrm>
             <a:off x="6900506" y="5733256"/>
-            <a:ext cx="1847942" cy="738664"/>
+            <a:ext cx="1779654" cy="523220"/>
           </a:xfrm>
           <a:prstGeom prst="rect">
             <a:avLst/>
@@ -4138,15 +4138,13 @@
           <a:p>
             <a:r>
               <a:rPr lang="en-US" altLang="ko-KR" sz="1400" dirty="0" smtClean="0"/>
-              <a:t>010.9957.1758</a:t>
-            </a:r>
-          </a:p>
-          <a:p>
-            <a:r>
-              <a:rPr lang="en-US" altLang="ko-KR" sz="1400" dirty="0" smtClean="0"/>
-              <a:t>gdfnekd@naver.com</a:t>
-            </a:r>
-            <a:endParaRPr lang="ko-KR" altLang="en-US" sz="1400" dirty="0"/>
+              <a:t>2011180000 </a:t>
+            </a:r>
+            <a:r>
+              <a:rPr lang="ko-KR" altLang="en-US" sz="1400" dirty="0" smtClean="0"/>
+              <a:t>정우준</a:t>
+            </a:r>
+            <a:endParaRPr lang="en-US" altLang="ko-KR" sz="1400" dirty="0" smtClean="0"/>
           </a:p>
         </p:txBody>
       </p:sp>
@@ -4345,7 +4343,7 @@
                 </a:solidFill>
                 <a:latin typeface="+mn-ea"/>
               </a:rPr>
-              <a:t>게임컨</a:t>
+              <a:t>기획컨</a:t>
             </a:r>
             <a:r>
               <a:rPr lang="ko-KR" altLang="en-US" dirty="0" err="1">
@@ -4444,26 +4442,7 @@
                 </a:solidFill>
                 <a:latin typeface="+mn-ea"/>
               </a:rPr>
-              <a:t>스토</a:t>
-            </a:r>
-            <a:r>
-              <a:rPr lang="ko-KR" altLang="en-US" dirty="0">
-                <a:ln>
-                  <a:solidFill>
-                    <a:schemeClr val="accent1">
-                      <a:alpha val="0"/>
-                    </a:schemeClr>
-                  </a:solidFill>
-                </a:ln>
-                <a:solidFill>
-                  <a:schemeClr val="tx1">
-                    <a:lumMod val="75000"/>
-                    <a:lumOff val="25000"/>
-                  </a:schemeClr>
-                </a:solidFill>
-                <a:latin typeface="+mn-ea"/>
-              </a:rPr>
-              <a:t>리</a:t>
+              <a:t>게임 스토리</a:t>
             </a:r>
             <a:endParaRPr lang="ko-KR" altLang="en-US" sz="1600" dirty="0">
               <a:ln>
@@ -4547,7 +4526,7 @@
               <a:t>/ </a:t>
             </a:r>
             <a:r>
-              <a:rPr lang="ko-KR" altLang="en-US" dirty="0" err="1" smtClean="0">
+              <a:rPr lang="ko-KR" altLang="en-US" dirty="0" smtClean="0">
                 <a:ln>
                   <a:solidFill>
                     <a:schemeClr val="accent1">
@@ -4563,26 +4542,7 @@
                 </a:solidFill>
                 <a:latin typeface="+mn-ea"/>
               </a:rPr>
-              <a:t>클리어</a:t>
-            </a:r>
-            <a:r>
-              <a:rPr lang="ko-KR" altLang="en-US" dirty="0" smtClean="0">
-                <a:ln>
-                  <a:solidFill>
-                    <a:schemeClr val="accent1">
-                      <a:alpha val="0"/>
-                    </a:schemeClr>
-                  </a:solidFill>
-                </a:ln>
-                <a:solidFill>
-                  <a:schemeClr val="tx1">
-                    <a:lumMod val="75000"/>
-                    <a:lumOff val="25000"/>
-                  </a:schemeClr>
-                </a:solidFill>
-                <a:latin typeface="+mn-ea"/>
-              </a:rPr>
-              <a:t> 조건</a:t>
+              <a:t>조작법</a:t>
             </a:r>
             <a:endParaRPr lang="ko-KR" altLang="en-US" sz="1600" dirty="0">
               <a:ln>
@@ -4682,26 +4642,7 @@
                 </a:solidFill>
                 <a:latin typeface="+mn-ea"/>
               </a:rPr>
-              <a:t>게임방</a:t>
-            </a:r>
-            <a:r>
-              <a:rPr lang="ko-KR" altLang="en-US" dirty="0">
-                <a:ln>
-                  <a:solidFill>
-                    <a:schemeClr val="accent1">
-                      <a:alpha val="0"/>
-                    </a:schemeClr>
-                  </a:solidFill>
-                </a:ln>
-                <a:solidFill>
-                  <a:schemeClr val="tx1">
-                    <a:lumMod val="75000"/>
-                    <a:lumOff val="25000"/>
-                  </a:schemeClr>
-                </a:solidFill>
-                <a:latin typeface="+mn-ea"/>
-              </a:rPr>
-              <a:t>법</a:t>
+              <a:t>게임플레이</a:t>
             </a:r>
             <a:endParaRPr lang="ko-KR" altLang="en-US" sz="1600" dirty="0">
               <a:ln>
@@ -4801,7 +4742,7 @@
                 </a:solidFill>
                 <a:latin typeface="+mn-ea"/>
               </a:rPr>
-              <a:t>출</a:t>
+              <a:t>일</a:t>
             </a:r>
             <a:r>
               <a:rPr lang="ko-KR" altLang="en-US" dirty="0">
@@ -4820,7 +4761,7 @@
                 </a:solidFill>
                 <a:latin typeface="+mn-ea"/>
               </a:rPr>
-              <a:t>처</a:t>
+              <a:t>정</a:t>
             </a:r>
             <a:endParaRPr lang="ko-KR" altLang="en-US" sz="1600" dirty="0">
               <a:ln>
@@ -5044,7 +4985,33 @@
                 </a:ln>
                 <a:latin typeface="+mn-ea"/>
               </a:rPr>
-              <a:t>게임컨셉</a:t>
+              <a:t>기</a:t>
+            </a:r>
+            <a:r>
+              <a:rPr lang="ko-KR" altLang="en-US" sz="2000" b="1" dirty="0" err="1">
+                <a:ln>
+                  <a:solidFill>
+                    <a:schemeClr val="accent1">
+                      <a:alpha val="0"/>
+                    </a:schemeClr>
+                  </a:solidFill>
+                </a:ln>
+                <a:latin typeface="+mn-ea"/>
+              </a:rPr>
+              <a:t>획</a:t>
+            </a:r>
+            <a:r>
+              <a:rPr lang="ko-KR" altLang="en-US" sz="2000" b="1" dirty="0" err="1" smtClean="0">
+                <a:ln>
+                  <a:solidFill>
+                    <a:schemeClr val="accent1">
+                      <a:alpha val="0"/>
+                    </a:schemeClr>
+                  </a:solidFill>
+                </a:ln>
+                <a:latin typeface="+mn-ea"/>
+              </a:rPr>
+              <a:t>컨셉</a:t>
             </a:r>
             <a:endParaRPr lang="ko-KR" altLang="en-US" b="1" dirty="0">
               <a:ln>
@@ -5068,7 +5035,7 @@
         <p:spPr>
           <a:xfrm>
             <a:off x="539552" y="1552726"/>
-            <a:ext cx="3456384" cy="338554"/>
+            <a:ext cx="3456384" cy="400110"/>
           </a:xfrm>
           <a:prstGeom prst="rect">
             <a:avLst/>
@@ -5114,7 +5081,7 @@
               <a:t> </a:t>
             </a:r>
             <a:r>
-              <a:rPr lang="ko-KR" altLang="en-US" sz="1600" b="1" dirty="0" smtClean="0">
+              <a:rPr lang="ko-KR" altLang="en-US" sz="2000" b="1" dirty="0" smtClean="0">
                 <a:ln>
                   <a:solidFill>
                     <a:schemeClr val="accent1">
@@ -5127,7 +5094,7 @@
               <a:t>시점</a:t>
             </a:r>
             <a:r>
-              <a:rPr lang="ko-KR" altLang="en-US" sz="1600" dirty="0" smtClean="0">
+              <a:rPr lang="ko-KR" altLang="en-US" sz="2000" dirty="0" smtClean="0">
                 <a:ln>
                   <a:solidFill>
                     <a:schemeClr val="accent1">
@@ -5140,7 +5107,7 @@
               <a:t> </a:t>
             </a:r>
             <a:r>
-              <a:rPr lang="en-US" altLang="ko-KR" sz="1600" dirty="0" smtClean="0">
+              <a:rPr lang="en-US" altLang="ko-KR" sz="2000" dirty="0" smtClean="0">
                 <a:ln>
                   <a:solidFill>
                     <a:schemeClr val="accent1">
@@ -5153,7 +5120,7 @@
               <a:t>– 3</a:t>
             </a:r>
             <a:r>
-              <a:rPr lang="ko-KR" altLang="en-US" sz="1600" dirty="0" smtClean="0">
+              <a:rPr lang="ko-KR" altLang="en-US" sz="2000" dirty="0" smtClean="0">
                 <a:ln>
                   <a:solidFill>
                     <a:schemeClr val="accent1">
@@ -5166,7 +5133,7 @@
               <a:t>인</a:t>
             </a:r>
             <a:r>
-              <a:rPr lang="ko-KR" altLang="en-US" sz="1600" dirty="0">
+              <a:rPr lang="ko-KR" altLang="en-US" sz="2000" dirty="0">
                 <a:ln>
                   <a:solidFill>
                     <a:schemeClr val="accent1">
@@ -5189,8 +5156,8 @@
         </p:nvSpPr>
         <p:spPr>
           <a:xfrm>
-            <a:off x="551400" y="2232012"/>
-            <a:ext cx="3456384" cy="338554"/>
+            <a:off x="551400" y="3068960"/>
+            <a:ext cx="4668672" cy="400110"/>
           </a:xfrm>
           <a:prstGeom prst="rect">
             <a:avLst/>
@@ -5236,7 +5203,7 @@
               <a:t> </a:t>
             </a:r>
             <a:r>
-              <a:rPr lang="ko-KR" altLang="en-US" sz="1600" b="1" dirty="0" smtClean="0">
+              <a:rPr lang="ko-KR" altLang="en-US" sz="2000" b="1" dirty="0" smtClean="0">
                 <a:ln>
                   <a:solidFill>
                     <a:schemeClr val="accent1">
@@ -5249,7 +5216,7 @@
               <a:t>게임장르</a:t>
             </a:r>
             <a:r>
-              <a:rPr lang="ko-KR" altLang="en-US" sz="1600" dirty="0" smtClean="0">
+              <a:rPr lang="ko-KR" altLang="en-US" sz="2000" dirty="0" smtClean="0">
                 <a:ln>
                   <a:solidFill>
                     <a:schemeClr val="accent1">
@@ -5262,7 +5229,7 @@
               <a:t> </a:t>
             </a:r>
             <a:r>
-              <a:rPr lang="en-US" altLang="ko-KR" sz="1600" dirty="0" smtClean="0">
+              <a:rPr lang="en-US" altLang="ko-KR" sz="2000" dirty="0" smtClean="0">
                 <a:ln>
                   <a:solidFill>
                     <a:schemeClr val="accent1">
@@ -5275,19 +5242,32 @@
               <a:t>– </a:t>
             </a:r>
             <a:r>
-              <a:rPr lang="ko-KR" altLang="en-US" sz="1600" dirty="0" smtClean="0">
-                <a:ln>
-                  <a:solidFill>
-                    <a:schemeClr val="accent1">
-                      <a:alpha val="0"/>
-                    </a:schemeClr>
-                  </a:solidFill>
-                </a:ln>
-                <a:latin typeface="+mn-ea"/>
-              </a:rPr>
-              <a:t>어드벤처 게임</a:t>
-            </a:r>
-            <a:endParaRPr lang="ko-KR" altLang="en-US" sz="1600" dirty="0">
+              <a:rPr lang="ko-KR" altLang="en-US" sz="2000" dirty="0" smtClean="0">
+                <a:ln>
+                  <a:solidFill>
+                    <a:schemeClr val="accent1">
+                      <a:alpha val="0"/>
+                    </a:schemeClr>
+                  </a:solidFill>
+                </a:ln>
+                <a:latin typeface="+mn-ea"/>
+              </a:rPr>
+              <a:t>어드벤처 액션 </a:t>
+            </a:r>
+            <a:r>
+              <a:rPr lang="ko-KR" altLang="en-US" sz="2000" dirty="0" smtClean="0">
+                <a:ln>
+                  <a:solidFill>
+                    <a:schemeClr val="accent1">
+                      <a:alpha val="0"/>
+                    </a:schemeClr>
+                  </a:solidFill>
+                </a:ln>
+                <a:latin typeface="+mn-ea"/>
+              </a:rPr>
+              <a:t>게임</a:t>
+            </a:r>
+            <a:endParaRPr lang="ko-KR" altLang="en-US" sz="2000" dirty="0">
               <a:ln>
                 <a:solidFill>
                   <a:schemeClr val="accent1">
@@ -5308,8 +5288,8 @@
         </p:nvSpPr>
         <p:spPr>
           <a:xfrm>
-            <a:off x="563432" y="2976209"/>
-            <a:ext cx="6456840" cy="584775"/>
+            <a:off x="551400" y="3861048"/>
+            <a:ext cx="7837024" cy="707886"/>
           </a:xfrm>
           <a:prstGeom prst="rect">
             <a:avLst/>
@@ -5355,7 +5335,7 @@
               <a:t> </a:t>
             </a:r>
             <a:r>
-              <a:rPr lang="ko-KR" altLang="en-US" sz="1600" b="1" dirty="0" err="1" smtClean="0">
+              <a:rPr lang="ko-KR" altLang="en-US" sz="2000" b="1" dirty="0" err="1" smtClean="0">
                 <a:ln>
                   <a:solidFill>
                     <a:schemeClr val="accent1">
@@ -5368,7 +5348,7 @@
               <a:t>컨셉</a:t>
             </a:r>
             <a:r>
-              <a:rPr lang="ko-KR" altLang="en-US" sz="1600" dirty="0" smtClean="0">
+              <a:rPr lang="ko-KR" altLang="en-US" sz="2000" dirty="0" smtClean="0">
                 <a:ln>
                   <a:solidFill>
                     <a:schemeClr val="accent1">
@@ -5381,7 +5361,7 @@
               <a:t> </a:t>
             </a:r>
             <a:r>
-              <a:rPr lang="en-US" altLang="ko-KR" sz="1600" dirty="0" smtClean="0">
+              <a:rPr lang="en-US" altLang="ko-KR" sz="2000" dirty="0" smtClean="0">
                 <a:ln>
                   <a:solidFill>
                     <a:schemeClr val="accent1">
@@ -5394,7 +5374,7 @@
               <a:t>– </a:t>
             </a:r>
             <a:r>
-              <a:rPr lang="ko-KR" altLang="en-US" sz="1600" dirty="0" smtClean="0">
+              <a:rPr lang="ko-KR" altLang="en-US" sz="2000" dirty="0" smtClean="0">
                 <a:ln>
                   <a:solidFill>
                     <a:schemeClr val="accent1">
@@ -5407,7 +5387,7 @@
               <a:t>태엽을 뺏긴 태엽인형이 태엽을 찾아 장난감 인형들을 </a:t>
             </a:r>
             <a:r>
-              <a:rPr lang="en-US" altLang="ko-KR" sz="1600" dirty="0">
+              <a:rPr lang="en-US" altLang="ko-KR" sz="2000" dirty="0">
                 <a:ln>
                   <a:solidFill>
                     <a:schemeClr val="accent1">
@@ -5420,7 +5400,7 @@
               <a:t> </a:t>
             </a:r>
             <a:r>
-              <a:rPr lang="en-US" altLang="ko-KR" sz="1600" dirty="0" smtClean="0">
+              <a:rPr lang="en-US" altLang="ko-KR" sz="2000" dirty="0" smtClean="0">
                 <a:ln>
                   <a:solidFill>
                     <a:schemeClr val="accent1">
@@ -5433,7 +5413,7 @@
               <a:t>   	</a:t>
             </a:r>
             <a:r>
-              <a:rPr lang="ko-KR" altLang="en-US" sz="1600" dirty="0" smtClean="0">
+              <a:rPr lang="ko-KR" altLang="en-US" sz="2000" dirty="0" smtClean="0">
                 <a:ln>
                   <a:solidFill>
                     <a:schemeClr val="accent1">
@@ -5446,32 +5426,19 @@
               <a:t>처치하며 스테이지를 나아가는 </a:t>
             </a:r>
             <a:r>
-              <a:rPr lang="en-US" altLang="ko-KR" sz="1600" dirty="0" smtClean="0">
-                <a:ln>
-                  <a:solidFill>
-                    <a:schemeClr val="accent1">
-                      <a:alpha val="0"/>
-                    </a:schemeClr>
-                  </a:solidFill>
-                </a:ln>
-                <a:latin typeface="+mn-ea"/>
-              </a:rPr>
-              <a:t>1</a:t>
-            </a:r>
-            <a:r>
-              <a:rPr lang="ko-KR" altLang="en-US" sz="1600" dirty="0" smtClean="0">
-                <a:ln>
-                  <a:solidFill>
-                    <a:schemeClr val="accent1">
-                      <a:alpha val="0"/>
-                    </a:schemeClr>
-                  </a:solidFill>
-                </a:ln>
-                <a:latin typeface="+mn-ea"/>
-              </a:rPr>
-              <a:t>인 게임</a:t>
-            </a:r>
-            <a:endParaRPr lang="ko-KR" altLang="en-US" sz="1600" dirty="0">
+              <a:rPr lang="ko-KR" altLang="en-US" sz="2000" dirty="0" smtClean="0">
+                <a:ln>
+                  <a:solidFill>
+                    <a:schemeClr val="accent1">
+                      <a:alpha val="0"/>
+                    </a:schemeClr>
+                  </a:solidFill>
+                </a:ln>
+                <a:latin typeface="+mn-ea"/>
+              </a:rPr>
+              <a:t>오프라인 게임</a:t>
+            </a:r>
+            <a:endParaRPr lang="ko-KR" altLang="en-US" sz="2000" dirty="0">
               <a:ln>
                 <a:solidFill>
                   <a:schemeClr val="accent1">
@@ -5484,57 +5451,16 @@
           </a:p>
         </p:txBody>
       </p:sp>
-      <p:pic>
-        <p:nvPicPr>
-          <p:cNvPr id="1026" name="Picture 2" descr="C:\Users\하은\Desktop\금색 태엽.png"/>
-          <p:cNvPicPr>
-            <a:picLocks noChangeAspect="1" noChangeArrowheads="1"/>
-          </p:cNvPicPr>
-          <p:nvPr/>
-        </p:nvPicPr>
-        <p:blipFill>
-          <a:blip r:embed="rId2" cstate="print">
-            <a:extLst>
-              <a:ext uri="{28A0092B-C50C-407E-A947-70E740481C1C}">
-                <a14:useLocalDpi xmlns:a14="http://schemas.microsoft.com/office/drawing/2010/main" val="0"/>
-              </a:ext>
-            </a:extLst>
-          </a:blip>
-          <a:srcRect/>
-          <a:stretch>
-            <a:fillRect/>
-          </a:stretch>
-        </p:blipFill>
-        <p:spPr bwMode="auto">
-          <a:xfrm>
-            <a:off x="6300192" y="4384767"/>
-            <a:ext cx="1728192" cy="1572897"/>
-          </a:xfrm>
-          <a:prstGeom prst="rect">
-            <a:avLst/>
-          </a:prstGeom>
-          <a:noFill/>
-          <a:extLst>
-            <a:ext uri="{909E8E84-426E-40DD-AFC4-6F175D3DCCD1}">
-              <a14:hiddenFill xmlns:a14="http://schemas.microsoft.com/office/drawing/2010/main">
-                <a:solidFill>
-                  <a:srgbClr val="FFFFFF"/>
-                </a:solidFill>
-              </a14:hiddenFill>
-            </a:ext>
-          </a:extLst>
-        </p:spPr>
-      </p:pic>
-      <p:sp>
-        <p:nvSpPr>
-          <p:cNvPr id="2" name="TextBox 1"/>
+      <p:sp>
+        <p:nvSpPr>
+          <p:cNvPr id="13" name="TextBox 12"/>
           <p:cNvSpPr txBox="1"/>
           <p:nvPr/>
         </p:nvSpPr>
         <p:spPr>
           <a:xfrm>
-            <a:off x="6424342" y="6196662"/>
-            <a:ext cx="1479892" cy="369332"/>
+            <a:off x="539552" y="2348880"/>
+            <a:ext cx="3456384" cy="400110"/>
           </a:xfrm>
           <a:prstGeom prst="rect">
             <a:avLst/>
@@ -5542,181 +5468,121 @@
           <a:noFill/>
         </p:spPr>
         <p:txBody>
-          <a:bodyPr wrap="none" rtlCol="0">
+          <a:bodyPr wrap="square" rtlCol="0">
             <a:spAutoFit/>
           </a:bodyPr>
           <a:lstStyle/>
           <a:p>
-            <a:r>
-              <a:rPr lang="ko-KR" altLang="en-US" dirty="0" smtClean="0"/>
-              <a:t>목표물</a:t>
-            </a:r>
-            <a:r>
-              <a:rPr lang="en-US" altLang="ko-KR" dirty="0" smtClean="0"/>
-              <a:t>(</a:t>
-            </a:r>
-            <a:r>
-              <a:rPr lang="ko-KR" altLang="en-US" dirty="0" smtClean="0"/>
-              <a:t>태엽</a:t>
-            </a:r>
-            <a:r>
-              <a:rPr lang="en-US" altLang="ko-KR" dirty="0" smtClean="0"/>
-              <a:t>)</a:t>
-            </a:r>
-            <a:endParaRPr lang="ko-KR" altLang="en-US" dirty="0"/>
-          </a:p>
-        </p:txBody>
-      </p:sp>
-      <p:sp>
-        <p:nvSpPr>
-          <p:cNvPr id="3" name="TextBox 2"/>
-          <p:cNvSpPr txBox="1"/>
-          <p:nvPr/>
-        </p:nvSpPr>
-        <p:spPr>
-          <a:xfrm>
-            <a:off x="1596860" y="6213285"/>
-            <a:ext cx="1107996" cy="369332"/>
-          </a:xfrm>
-          <a:prstGeom prst="rect">
-            <a:avLst/>
-          </a:prstGeom>
-          <a:noFill/>
-        </p:spPr>
-        <p:txBody>
-          <a:bodyPr wrap="none" rtlCol="0">
-            <a:spAutoFit/>
-          </a:bodyPr>
-          <a:lstStyle/>
-          <a:p>
-            <a:r>
-              <a:rPr lang="ko-KR" altLang="en-US" dirty="0" smtClean="0"/>
-              <a:t>관</a:t>
-            </a:r>
-            <a:r>
-              <a:rPr lang="ko-KR" altLang="en-US" dirty="0"/>
-              <a:t>절</a:t>
-            </a:r>
-            <a:r>
-              <a:rPr lang="ko-KR" altLang="en-US" dirty="0" smtClean="0"/>
-              <a:t>인형</a:t>
-            </a:r>
-            <a:endParaRPr lang="ko-KR" altLang="en-US" dirty="0"/>
-          </a:p>
-        </p:txBody>
-      </p:sp>
-      <p:pic>
-        <p:nvPicPr>
-          <p:cNvPr id="1028" name="Picture 4" descr="C:\Users\하은\Desktop\$_35.jpg"/>
-          <p:cNvPicPr>
-            <a:picLocks noChangeAspect="1" noChangeArrowheads="1"/>
-          </p:cNvPicPr>
-          <p:nvPr/>
-        </p:nvPicPr>
-        <p:blipFill>
-          <a:blip r:embed="rId3">
-            <a:extLst>
-              <a:ext uri="{28A0092B-C50C-407E-A947-70E740481C1C}">
-                <a14:useLocalDpi xmlns:a14="http://schemas.microsoft.com/office/drawing/2010/main" val="0"/>
-              </a:ext>
-            </a:extLst>
-          </a:blip>
-          <a:srcRect/>
-          <a:stretch>
-            <a:fillRect/>
-          </a:stretch>
-        </p:blipFill>
-        <p:spPr bwMode="auto">
-          <a:xfrm>
-            <a:off x="3929062" y="4166085"/>
-            <a:ext cx="1285875" cy="1876425"/>
-          </a:xfrm>
-          <a:prstGeom prst="rect">
-            <a:avLst/>
-          </a:prstGeom>
-          <a:noFill/>
-          <a:extLst>
-            <a:ext uri="{909E8E84-426E-40DD-AFC4-6F175D3DCCD1}">
-              <a14:hiddenFill xmlns:a14="http://schemas.microsoft.com/office/drawing/2010/main">
-                <a:solidFill>
-                  <a:srgbClr val="FFFFFF"/>
-                </a:solidFill>
-              </a14:hiddenFill>
-            </a:ext>
-          </a:extLst>
-        </p:spPr>
-      </p:pic>
-      <p:sp>
-        <p:nvSpPr>
-          <p:cNvPr id="15" name="TextBox 14"/>
-          <p:cNvSpPr txBox="1"/>
-          <p:nvPr/>
-        </p:nvSpPr>
-        <p:spPr>
-          <a:xfrm>
-            <a:off x="4105671" y="6237312"/>
-            <a:ext cx="1107996" cy="369332"/>
-          </a:xfrm>
-          <a:prstGeom prst="rect">
-            <a:avLst/>
-          </a:prstGeom>
-          <a:noFill/>
-        </p:spPr>
-        <p:txBody>
-          <a:bodyPr wrap="none" rtlCol="0">
-            <a:spAutoFit/>
-          </a:bodyPr>
-          <a:lstStyle/>
-          <a:p>
-            <a:r>
-              <a:rPr lang="ko-KR" altLang="en-US" smtClean="0"/>
-              <a:t>로봇인형</a:t>
-            </a:r>
-            <a:endParaRPr lang="ko-KR" altLang="en-US"/>
-          </a:p>
-        </p:txBody>
-      </p:sp>
-      <p:pic>
-        <p:nvPicPr>
-          <p:cNvPr id="1029" name="Picture 5" descr="C:\Users\하은\Desktop\A001253520_01.jpg"/>
-          <p:cNvPicPr>
-            <a:picLocks noChangeAspect="1" noChangeArrowheads="1"/>
-          </p:cNvPicPr>
-          <p:nvPr/>
-        </p:nvPicPr>
-        <p:blipFill>
-          <a:blip r:embed="rId4">
-            <a:extLst>
-              <a:ext uri="{28A0092B-C50C-407E-A947-70E740481C1C}">
-                <a14:useLocalDpi xmlns:a14="http://schemas.microsoft.com/office/drawing/2010/main" val="0"/>
-              </a:ext>
-            </a:extLst>
-          </a:blip>
-          <a:srcRect/>
-          <a:stretch>
-            <a:fillRect/>
-          </a:stretch>
-        </p:blipFill>
-        <p:spPr bwMode="auto">
-          <a:xfrm>
-            <a:off x="1519224" y="4077072"/>
-            <a:ext cx="1263267" cy="1911273"/>
-          </a:xfrm>
-          <a:prstGeom prst="rect">
-            <a:avLst/>
-          </a:prstGeom>
-          <a:noFill/>
-          <a:extLst>
-            <a:ext uri="{909E8E84-426E-40DD-AFC4-6F175D3DCCD1}">
-              <a14:hiddenFill xmlns:a14="http://schemas.microsoft.com/office/drawing/2010/main">
-                <a:solidFill>
-                  <a:srgbClr val="FFFFFF"/>
-                </a:solidFill>
-              </a14:hiddenFill>
-            </a:ext>
-          </a:extLst>
-        </p:spPr>
-      </p:pic>
+            <a:pPr>
+              <a:buFont typeface="Arial" pitchFamily="34" charset="0"/>
+              <a:buChar char="•"/>
+            </a:pPr>
+            <a:r>
+              <a:rPr lang="en-US" altLang="ko-KR" sz="1600" dirty="0" smtClean="0">
+                <a:ln>
+                  <a:solidFill>
+                    <a:schemeClr val="accent1">
+                      <a:alpha val="0"/>
+                    </a:schemeClr>
+                  </a:solidFill>
+                </a:ln>
+                <a:latin typeface="나눔고딕 ExtraBold" panose="020D0904000000000000" pitchFamily="50" charset="-127"/>
+                <a:ea typeface="나눔고딕 ExtraBold" panose="020D0904000000000000" pitchFamily="50" charset="-127"/>
+              </a:rPr>
+              <a:t> </a:t>
+            </a:r>
+            <a:r>
+              <a:rPr lang="en-US" altLang="ko-KR" sz="1600" dirty="0">
+                <a:ln>
+                  <a:solidFill>
+                    <a:schemeClr val="accent1">
+                      <a:alpha val="0"/>
+                    </a:schemeClr>
+                  </a:solidFill>
+                </a:ln>
+                <a:latin typeface="나눔고딕 ExtraBold" panose="020D0904000000000000" pitchFamily="50" charset="-127"/>
+                <a:ea typeface="나눔고딕 ExtraBold" panose="020D0904000000000000" pitchFamily="50" charset="-127"/>
+              </a:rPr>
+              <a:t> </a:t>
+            </a:r>
+            <a:r>
+              <a:rPr lang="ko-KR" altLang="en-US" sz="2000" b="1" dirty="0" smtClean="0">
+                <a:ln>
+                  <a:solidFill>
+                    <a:schemeClr val="accent1">
+                      <a:alpha val="0"/>
+                    </a:schemeClr>
+                  </a:solidFill>
+                </a:ln>
+                <a:latin typeface="+mn-ea"/>
+              </a:rPr>
+              <a:t>개발환</a:t>
+            </a:r>
+            <a:r>
+              <a:rPr lang="ko-KR" altLang="en-US" sz="2000" b="1" dirty="0">
+                <a:ln>
+                  <a:solidFill>
+                    <a:schemeClr val="accent1">
+                      <a:alpha val="0"/>
+                    </a:schemeClr>
+                  </a:solidFill>
+                </a:ln>
+                <a:latin typeface="+mn-ea"/>
+              </a:rPr>
+              <a:t>경</a:t>
+            </a:r>
+            <a:r>
+              <a:rPr lang="ko-KR" altLang="en-US" sz="2000" dirty="0" smtClean="0">
+                <a:ln>
+                  <a:solidFill>
+                    <a:schemeClr val="accent1">
+                      <a:alpha val="0"/>
+                    </a:schemeClr>
+                  </a:solidFill>
+                </a:ln>
+                <a:latin typeface="+mn-ea"/>
+              </a:rPr>
+              <a:t> </a:t>
+            </a:r>
+            <a:r>
+              <a:rPr lang="en-US" altLang="ko-KR" sz="2000" dirty="0" smtClean="0">
+                <a:ln>
+                  <a:solidFill>
+                    <a:schemeClr val="accent1">
+                      <a:alpha val="0"/>
+                    </a:schemeClr>
+                  </a:solidFill>
+                </a:ln>
+                <a:latin typeface="+mn-ea"/>
+              </a:rPr>
+              <a:t>– </a:t>
+            </a:r>
+            <a:r>
+              <a:rPr lang="en-US" altLang="ko-KR" sz="2000" dirty="0" smtClean="0">
+                <a:ln>
+                  <a:solidFill>
+                    <a:schemeClr val="accent1">
+                      <a:alpha val="0"/>
+                    </a:schemeClr>
+                  </a:solidFill>
+                </a:ln>
+                <a:latin typeface="+mn-ea"/>
+              </a:rPr>
+              <a:t>DIRECT X</a:t>
+            </a:r>
+            <a:endParaRPr lang="ko-KR" altLang="en-US" sz="2000" dirty="0">
+              <a:ln>
+                <a:solidFill>
+                  <a:schemeClr val="accent1">
+                    <a:alpha val="0"/>
+                  </a:schemeClr>
+                </a:solidFill>
+              </a:ln>
+              <a:latin typeface="+mn-ea"/>
+            </a:endParaRPr>
+          </a:p>
+        </p:txBody>
+      </p:sp>
     </p:spTree>
     <p:extLst>
       <p:ext uri="{BB962C8B-B14F-4D97-AF65-F5344CB8AC3E}">
@@ -5871,20 +5737,34 @@
                 </a:ln>
                 <a:latin typeface="+mn-ea"/>
               </a:rPr>
-              <a:t>스토</a:t>
-            </a:r>
-            <a:r>
-              <a:rPr lang="ko-KR" altLang="en-US" sz="2000" b="1" dirty="0">
-                <a:ln>
-                  <a:solidFill>
-                    <a:schemeClr val="accent1">
-                      <a:alpha val="0"/>
-                    </a:schemeClr>
-                  </a:solidFill>
-                </a:ln>
-                <a:latin typeface="+mn-ea"/>
-              </a:rPr>
-              <a:t>리</a:t>
+              <a:t>게임</a:t>
+            </a:r>
+            <a:r>
+              <a:rPr lang="ko-KR" altLang="en-US" sz="2000" dirty="0" smtClean="0">
+                <a:ln>
+                  <a:solidFill>
+                    <a:schemeClr val="accent1">
+                      <a:alpha val="0"/>
+                    </a:schemeClr>
+                  </a:solidFill>
+                </a:ln>
+                <a:latin typeface="나눔고딕 ExtraBold" panose="020D0904000000000000" pitchFamily="50" charset="-127"/>
+                <a:ea typeface="나눔고딕 ExtraBold" panose="020D0904000000000000" pitchFamily="50" charset="-127"/>
+              </a:rPr>
+              <a:t> </a:t>
+            </a:r>
+            <a:r>
+              <a:rPr lang="ko-KR" altLang="en-US" sz="2000" b="1" dirty="0" smtClean="0">
+                <a:ln>
+                  <a:solidFill>
+                    <a:schemeClr val="accent1">
+                      <a:alpha val="0"/>
+                    </a:schemeClr>
+                  </a:solidFill>
+                </a:ln>
+                <a:latin typeface="+mn-ea"/>
+              </a:rPr>
+              <a:t>스토리</a:t>
             </a:r>
             <a:endParaRPr lang="ko-KR" altLang="en-US" b="1" dirty="0">
               <a:ln>
@@ -5908,7 +5788,7 @@
         <p:spPr>
           <a:xfrm>
             <a:off x="539552" y="1552726"/>
-            <a:ext cx="7704856" cy="2800767"/>
+            <a:ext cx="7704856" cy="3785652"/>
           </a:xfrm>
           <a:prstGeom prst="rect">
             <a:avLst/>
@@ -5926,7 +5806,7 @@
               <a:buChar char="•"/>
             </a:pPr>
             <a:r>
-              <a:rPr lang="en-US" altLang="ko-KR" sz="1600" dirty="0" smtClean="0">
+              <a:rPr lang="en-US" altLang="ko-KR" sz="2000" dirty="0" smtClean="0">
                 <a:ln>
                   <a:solidFill>
                     <a:schemeClr val="accent1">
@@ -5940,7 +5820,7 @@
               <a:t> </a:t>
             </a:r>
             <a:r>
-              <a:rPr lang="ko-KR" altLang="en-US" sz="1600" dirty="0" smtClean="0">
+              <a:rPr lang="ko-KR" altLang="en-US" sz="2000" dirty="0" smtClean="0">
                 <a:ln>
                   <a:solidFill>
                     <a:schemeClr val="accent1">
@@ -5953,7 +5833,7 @@
               <a:t>제조자의 사랑을 독차지 하는 인형 공방에 유일한 태엽인형의 태엽을 훔쳐 달아난 로봇 인형</a:t>
             </a:r>
             <a:r>
-              <a:rPr lang="en-US" altLang="ko-KR" sz="1600" dirty="0" smtClean="0">
+              <a:rPr lang="en-US" altLang="ko-KR" sz="2000" dirty="0" smtClean="0">
                 <a:ln>
                   <a:solidFill>
                     <a:schemeClr val="accent1">
@@ -5966,7 +5846,7 @@
               <a:t>.</a:t>
             </a:r>
             <a:r>
-              <a:rPr lang="ko-KR" altLang="en-US" sz="1600" dirty="0" smtClean="0">
+              <a:rPr lang="ko-KR" altLang="en-US" sz="2000" dirty="0" smtClean="0">
                 <a:ln>
                   <a:solidFill>
                     <a:schemeClr val="accent1">
@@ -5978,7 +5858,7 @@
               </a:rPr>
               <a:t> </a:t>
             </a:r>
-            <a:endParaRPr lang="en-US" altLang="ko-KR" sz="1600" dirty="0" smtClean="0">
+            <a:endParaRPr lang="en-US" altLang="ko-KR" sz="2000" dirty="0" smtClean="0">
               <a:ln>
                 <a:solidFill>
                   <a:schemeClr val="accent1">
@@ -5994,7 +5874,7 @@
               <a:buFont typeface="Arial" pitchFamily="34" charset="0"/>
               <a:buChar char="•"/>
             </a:pPr>
-            <a:endParaRPr lang="en-US" altLang="ko-KR" sz="1600" dirty="0" smtClean="0">
+            <a:endParaRPr lang="en-US" altLang="ko-KR" sz="2000" dirty="0" smtClean="0">
               <a:ln>
                 <a:solidFill>
                   <a:schemeClr val="accent1">
@@ -6011,7 +5891,7 @@
               <a:buChar char="•"/>
             </a:pPr>
             <a:r>
-              <a:rPr lang="ko-KR" altLang="en-US" sz="1600" dirty="0" smtClean="0">
+              <a:rPr lang="ko-KR" altLang="en-US" sz="2000" dirty="0" smtClean="0">
                 <a:ln>
                   <a:solidFill>
                     <a:schemeClr val="accent1">
@@ -6024,7 +5904,7 @@
               <a:t>태엽인형은 태엽을 다시 돌려야 하는 시간이 오기 전까지 태엽을 찾아 공방을 돌아다닌다</a:t>
             </a:r>
             <a:r>
-              <a:rPr lang="en-US" altLang="ko-KR" sz="1600" dirty="0" smtClean="0">
+              <a:rPr lang="en-US" altLang="ko-KR" sz="2000" dirty="0" smtClean="0">
                 <a:ln>
                   <a:solidFill>
                     <a:schemeClr val="accent1">
@@ -6042,7 +5922,7 @@
               <a:buFont typeface="Arial" pitchFamily="34" charset="0"/>
               <a:buChar char="•"/>
             </a:pPr>
-            <a:endParaRPr lang="en-US" altLang="ko-KR" sz="1600" dirty="0">
+            <a:endParaRPr lang="en-US" altLang="ko-KR" sz="2000" dirty="0">
               <a:ln>
                 <a:solidFill>
                   <a:schemeClr val="accent1">
@@ -6059,7 +5939,7 @@
               <a:buChar char="•"/>
             </a:pPr>
             <a:r>
-              <a:rPr lang="ko-KR" altLang="en-US" sz="1600" dirty="0" smtClean="0">
+              <a:rPr lang="ko-KR" altLang="en-US" sz="2000" dirty="0" smtClean="0">
                 <a:ln>
                   <a:solidFill>
                     <a:schemeClr val="accent1">
@@ -6072,7 +5952,7 @@
               <a:t>몇몇의 봉제 인형들의 도움을 받아 태엽인형은 태엽이 숨겨진 방에 근접해간다</a:t>
             </a:r>
             <a:r>
-              <a:rPr lang="en-US" altLang="ko-KR" sz="1600" dirty="0" smtClean="0">
+              <a:rPr lang="en-US" altLang="ko-KR" sz="2000" dirty="0" smtClean="0">
                 <a:ln>
                   <a:solidFill>
                     <a:schemeClr val="accent1">
@@ -6090,7 +5970,7 @@
               <a:buFont typeface="Arial" pitchFamily="34" charset="0"/>
               <a:buChar char="•"/>
             </a:pPr>
-            <a:endParaRPr lang="en-US" altLang="ko-KR" sz="1600" dirty="0">
+            <a:endParaRPr lang="en-US" altLang="ko-KR" sz="2000" dirty="0">
               <a:ln>
                 <a:solidFill>
                   <a:schemeClr val="accent1">
@@ -6107,7 +5987,7 @@
               <a:buChar char="•"/>
             </a:pPr>
             <a:r>
-              <a:rPr lang="ko-KR" altLang="en-US" sz="1600" dirty="0" smtClean="0">
+              <a:rPr lang="ko-KR" altLang="en-US" sz="2000" dirty="0" smtClean="0">
                 <a:ln>
                   <a:solidFill>
                     <a:schemeClr val="accent1">
@@ -6120,7 +6000,7 @@
               <a:t>태엽이 숨겨져 있는 방안에서 태엽을 지키고 있는 로봇인형</a:t>
             </a:r>
             <a:r>
-              <a:rPr lang="en-US" altLang="ko-KR" sz="1600" dirty="0" smtClean="0">
+              <a:rPr lang="en-US" altLang="ko-KR" sz="2000" dirty="0" smtClean="0">
                 <a:ln>
                   <a:solidFill>
                     <a:schemeClr val="accent1">
@@ -6138,7 +6018,7 @@
               <a:buFont typeface="Arial" pitchFamily="34" charset="0"/>
               <a:buChar char="•"/>
             </a:pPr>
-            <a:endParaRPr lang="en-US" altLang="ko-KR" sz="1600" dirty="0">
+            <a:endParaRPr lang="en-US" altLang="ko-KR" sz="2000" dirty="0">
               <a:ln>
                 <a:solidFill>
                   <a:schemeClr val="accent1">
@@ -6155,33 +6035,20 @@
               <a:buChar char="•"/>
             </a:pPr>
             <a:r>
-              <a:rPr lang="ko-KR" altLang="en-US" sz="1600" dirty="0" smtClean="0">
-                <a:ln>
-                  <a:solidFill>
-                    <a:schemeClr val="accent1">
-                      <a:alpha val="0"/>
-                    </a:schemeClr>
-                  </a:solidFill>
-                </a:ln>
-                <a:latin typeface="+mn-ea"/>
-              </a:rPr>
-              <a:t>로봇인형을 처리하고 자신의 태엽을 </a:t>
-            </a:r>
-            <a:r>
-              <a:rPr lang="ko-KR" altLang="en-US" sz="1600" dirty="0" smtClean="0">
-                <a:ln>
-                  <a:solidFill>
-                    <a:schemeClr val="accent1">
-                      <a:alpha val="0"/>
-                    </a:schemeClr>
-                  </a:solidFill>
-                </a:ln>
-                <a:latin typeface="+mn-ea"/>
-              </a:rPr>
-              <a:t>찾는다</a:t>
-            </a:r>
-            <a:r>
-              <a:rPr lang="en-US" altLang="ko-KR" sz="1600" dirty="0" smtClean="0">
+              <a:rPr lang="ko-KR" altLang="en-US" sz="2000" dirty="0" smtClean="0">
+                <a:ln>
+                  <a:solidFill>
+                    <a:schemeClr val="accent1">
+                      <a:alpha val="0"/>
+                    </a:schemeClr>
+                  </a:solidFill>
+                </a:ln>
+                <a:latin typeface="+mn-ea"/>
+              </a:rPr>
+              <a:t>로봇인형을 처리하고 자신의 태엽을 찾는다</a:t>
+            </a:r>
+            <a:r>
+              <a:rPr lang="en-US" altLang="ko-KR" sz="2000" dirty="0" smtClean="0">
                 <a:ln>
                   <a:solidFill>
                     <a:schemeClr val="accent1">
@@ -6193,7 +6060,7 @@
               </a:rPr>
               <a:t>.</a:t>
             </a:r>
-            <a:endParaRPr lang="ko-KR" altLang="en-US" sz="1600" dirty="0">
+            <a:endParaRPr lang="ko-KR" altLang="en-US" sz="2000" dirty="0">
               <a:ln>
                 <a:solidFill>
                   <a:schemeClr val="accent1">
@@ -6343,19 +6210,6 @@
               <a:t>/ </a:t>
             </a:r>
             <a:r>
-              <a:rPr lang="ko-KR" altLang="en-US" sz="2000" b="1" dirty="0" err="1" smtClean="0">
-                <a:ln>
-                  <a:solidFill>
-                    <a:schemeClr val="accent1">
-                      <a:alpha val="0"/>
-                    </a:schemeClr>
-                  </a:solidFill>
-                </a:ln>
-                <a:latin typeface="+mn-ea"/>
-              </a:rPr>
-              <a:t>클리어</a:t>
-            </a:r>
-            <a:r>
               <a:rPr lang="ko-KR" altLang="en-US" sz="2000" b="1" dirty="0" smtClean="0">
                 <a:ln>
                   <a:solidFill>
@@ -6366,7 +6220,20 @@
                 </a:ln>
                 <a:latin typeface="+mn-ea"/>
               </a:rPr>
-              <a:t> 조건</a:t>
+              <a:t>조작</a:t>
+            </a:r>
+            <a:r>
+              <a:rPr lang="ko-KR" altLang="en-US" sz="2000" b="1" dirty="0">
+                <a:ln>
+                  <a:solidFill>
+                    <a:schemeClr val="accent1">
+                      <a:alpha val="0"/>
+                    </a:schemeClr>
+                  </a:solidFill>
+                </a:ln>
+                <a:latin typeface="+mn-ea"/>
+              </a:rPr>
+              <a:t>법</a:t>
             </a:r>
             <a:endParaRPr lang="ko-KR" altLang="en-US" b="1" dirty="0">
               <a:ln>
@@ -6381,527 +6248,332 @@
           </a:p>
         </p:txBody>
       </p:sp>
-      <p:sp>
-        <p:nvSpPr>
-          <p:cNvPr id="6" name="TextBox 5"/>
-          <p:cNvSpPr txBox="1"/>
+      <p:pic>
+        <p:nvPicPr>
+          <p:cNvPr id="1026" name="Picture 2" descr="C:\Users\JHE\AppData\Local\Temp\BNZ.5a1c09231616f9b4\키보드.png"/>
+          <p:cNvPicPr>
+            <a:picLocks noChangeAspect="1" noChangeArrowheads="1"/>
+          </p:cNvPicPr>
           <p:nvPr/>
-        </p:nvSpPr>
-        <p:spPr>
+        </p:nvPicPr>
+        <p:blipFill>
+          <a:blip r:embed="rId3">
+            <a:extLst>
+              <a:ext uri="{28A0092B-C50C-407E-A947-70E740481C1C}">
+                <a14:useLocalDpi xmlns:a14="http://schemas.microsoft.com/office/drawing/2010/main" val="0"/>
+              </a:ext>
+            </a:extLst>
+          </a:blip>
+          <a:srcRect/>
+          <a:stretch>
+            <a:fillRect/>
+          </a:stretch>
+        </p:blipFill>
+        <p:spPr bwMode="auto">
           <a:xfrm>
-            <a:off x="539552" y="1528748"/>
-            <a:ext cx="6048672" cy="400110"/>
+            <a:off x="1" y="1554982"/>
+            <a:ext cx="9144000" cy="4577976"/>
           </a:xfrm>
           <a:prstGeom prst="rect">
             <a:avLst/>
           </a:prstGeom>
           <a:noFill/>
+          <a:extLst>
+            <a:ext uri="{909E8E84-426E-40DD-AFC4-6F175D3DCCD1}">
+              <a14:hiddenFill xmlns:a14="http://schemas.microsoft.com/office/drawing/2010/main">
+                <a:solidFill>
+                  <a:srgbClr val="FFFFFF"/>
+                </a:solidFill>
+              </a14:hiddenFill>
+            </a:ext>
+          </a:extLst>
         </p:spPr>
-        <p:txBody>
-          <a:bodyPr wrap="square" rtlCol="0">
-            <a:spAutoFit/>
-          </a:bodyPr>
-          <a:lstStyle/>
-          <a:p>
-            <a:pPr>
-              <a:buFont typeface="Arial" pitchFamily="34" charset="0"/>
-              <a:buChar char="•"/>
-            </a:pPr>
-            <a:r>
-              <a:rPr lang="en-US" altLang="ko-KR" sz="1600" dirty="0" smtClean="0">
-                <a:ln>
-                  <a:solidFill>
-                    <a:schemeClr val="accent1">
-                      <a:alpha val="0"/>
-                    </a:schemeClr>
-                  </a:solidFill>
-                </a:ln>
-                <a:latin typeface="나눔고딕 ExtraBold" panose="020D0904000000000000" pitchFamily="50" charset="-127"/>
-                <a:ea typeface="나눔고딕 ExtraBold" panose="020D0904000000000000" pitchFamily="50" charset="-127"/>
-              </a:rPr>
-              <a:t> </a:t>
-            </a:r>
-            <a:r>
-              <a:rPr lang="ko-KR" altLang="en-US" sz="2000" b="1" dirty="0" err="1" smtClean="0">
-                <a:ln>
-                  <a:solidFill>
-                    <a:schemeClr val="accent1">
-                      <a:alpha val="0"/>
-                    </a:schemeClr>
-                  </a:solidFill>
-                </a:ln>
-                <a:latin typeface="+mn-ea"/>
-              </a:rPr>
-              <a:t>클리어</a:t>
-            </a:r>
-            <a:r>
-              <a:rPr lang="ko-KR" altLang="en-US" sz="2000" b="1" dirty="0" smtClean="0">
-                <a:ln>
-                  <a:solidFill>
-                    <a:schemeClr val="accent1">
-                      <a:alpha val="0"/>
-                    </a:schemeClr>
-                  </a:solidFill>
-                </a:ln>
-                <a:latin typeface="+mn-ea"/>
-              </a:rPr>
-              <a:t> 조건 </a:t>
-            </a:r>
-            <a:r>
-              <a:rPr lang="en-US" altLang="ko-KR" sz="2000" dirty="0" smtClean="0">
-                <a:ln>
-                  <a:solidFill>
-                    <a:schemeClr val="accent1">
-                      <a:alpha val="0"/>
-                    </a:schemeClr>
-                  </a:solidFill>
-                </a:ln>
-                <a:latin typeface="+mn-ea"/>
-              </a:rPr>
-              <a:t>– </a:t>
-            </a:r>
-            <a:r>
-              <a:rPr lang="ko-KR" altLang="en-US" sz="2000" dirty="0" smtClean="0">
-                <a:ln>
-                  <a:solidFill>
-                    <a:schemeClr val="accent1">
-                      <a:alpha val="0"/>
-                    </a:schemeClr>
-                  </a:solidFill>
-                </a:ln>
-                <a:latin typeface="+mn-ea"/>
-              </a:rPr>
-              <a:t>스테이지</a:t>
-            </a:r>
-            <a:r>
-              <a:rPr lang="en-US" altLang="ko-KR" sz="2000" dirty="0" smtClean="0">
-                <a:ln>
-                  <a:solidFill>
-                    <a:schemeClr val="accent1">
-                      <a:alpha val="0"/>
-                    </a:schemeClr>
-                  </a:solidFill>
-                </a:ln>
-                <a:latin typeface="+mn-ea"/>
-              </a:rPr>
-              <a:t>3</a:t>
-            </a:r>
-            <a:r>
-              <a:rPr lang="ko-KR" altLang="en-US" sz="2000" dirty="0" smtClean="0">
-                <a:ln>
-                  <a:solidFill>
-                    <a:schemeClr val="accent1">
-                      <a:alpha val="0"/>
-                    </a:schemeClr>
-                  </a:solidFill>
-                </a:ln>
-                <a:latin typeface="+mn-ea"/>
-              </a:rPr>
-              <a:t>에 있는 태엽을 찾는다</a:t>
-            </a:r>
-            <a:r>
-              <a:rPr lang="en-US" altLang="ko-KR" sz="2000" dirty="0" smtClean="0">
-                <a:ln>
-                  <a:solidFill>
-                    <a:schemeClr val="accent1">
-                      <a:alpha val="0"/>
-                    </a:schemeClr>
-                  </a:solidFill>
-                </a:ln>
-                <a:latin typeface="+mn-ea"/>
-              </a:rPr>
-              <a:t>.</a:t>
-            </a:r>
-            <a:r>
-              <a:rPr lang="en-US" altLang="ko-KR" sz="2000" dirty="0" smtClean="0">
-                <a:ln>
-                  <a:solidFill>
-                    <a:schemeClr val="accent1">
-                      <a:alpha val="0"/>
-                    </a:schemeClr>
-                  </a:solidFill>
-                </a:ln>
-                <a:latin typeface="+mn-ea"/>
-              </a:rPr>
-              <a:t> </a:t>
-            </a:r>
-            <a:endParaRPr lang="ko-KR" altLang="en-US" sz="1600" dirty="0">
-              <a:ln>
-                <a:solidFill>
-                  <a:schemeClr val="accent1">
-                    <a:alpha val="0"/>
-                  </a:schemeClr>
-                </a:solidFill>
-              </a:ln>
-              <a:latin typeface="+mn-ea"/>
-            </a:endParaRPr>
-          </a:p>
-        </p:txBody>
-      </p:sp>
-      <p:cxnSp>
-        <p:nvCxnSpPr>
-          <p:cNvPr id="3" name="직선 연결선 2"/>
-          <p:cNvCxnSpPr/>
+      </p:pic>
+      <p:sp>
+        <p:nvSpPr>
+          <p:cNvPr id="2" name="직사각형 1"/>
+          <p:cNvSpPr/>
           <p:nvPr/>
-        </p:nvCxnSpPr>
+        </p:nvSpPr>
         <p:spPr>
           <a:xfrm>
-            <a:off x="1403648" y="4437112"/>
-            <a:ext cx="6336704" cy="0"/>
+            <a:off x="467544" y="5157192"/>
+            <a:ext cx="576064" cy="576064"/>
           </a:xfrm>
-          <a:prstGeom prst="line">
+          <a:prstGeom prst="rect">
             <a:avLst/>
           </a:prstGeom>
-          <a:ln w="25400">
-            <a:solidFill>
-              <a:schemeClr val="tx1"/>
-            </a:solidFill>
+          <a:solidFill>
+            <a:schemeClr val="accent6">
+              <a:lumMod val="75000"/>
+            </a:schemeClr>
+          </a:solidFill>
+          <a:ln>
+            <a:noFill/>
           </a:ln>
         </p:spPr>
         <p:style>
-          <a:lnRef idx="1">
-            <a:schemeClr val="accent1"/>
+          <a:lnRef idx="2">
+            <a:schemeClr val="accent1">
+              <a:shade val="50000"/>
+            </a:schemeClr>
           </a:lnRef>
-          <a:fillRef idx="0">
+          <a:fillRef idx="1">
             <a:schemeClr val="accent1"/>
           </a:fillRef>
           <a:effectRef idx="0">
             <a:schemeClr val="accent1"/>
           </a:effectRef>
           <a:fontRef idx="minor">
-            <a:schemeClr val="tx1"/>
+            <a:schemeClr val="lt1"/>
           </a:fontRef>
         </p:style>
-      </p:cxnSp>
-      <p:cxnSp>
-        <p:nvCxnSpPr>
-          <p:cNvPr id="8" name="직선 연결선 7"/>
-          <p:cNvCxnSpPr/>
+        <p:txBody>
+          <a:bodyPr rtlCol="0" anchor="ctr"/>
+          <a:lstStyle/>
+          <a:p>
+            <a:pPr algn="ctr"/>
+            <a:r>
+              <a:rPr lang="en-US" altLang="ko-KR" sz="2000" b="1" dirty="0" err="1" smtClean="0">
+                <a:solidFill>
+                  <a:schemeClr val="tx1"/>
+                </a:solidFill>
+              </a:rPr>
+              <a:t>Ctr</a:t>
+            </a:r>
+            <a:endParaRPr lang="ko-KR" altLang="en-US" sz="2000" b="1" dirty="0">
+              <a:solidFill>
+                <a:schemeClr val="tx1"/>
+              </a:solidFill>
+            </a:endParaRPr>
+          </a:p>
+        </p:txBody>
+      </p:sp>
+      <p:sp>
+        <p:nvSpPr>
+          <p:cNvPr id="21" name="직사각형 20"/>
+          <p:cNvSpPr/>
           <p:nvPr/>
-        </p:nvCxnSpPr>
+        </p:nvSpPr>
         <p:spPr>
           <a:xfrm>
-            <a:off x="1835696" y="4149080"/>
-            <a:ext cx="0" cy="648072"/>
+            <a:off x="7020272" y="5157192"/>
+            <a:ext cx="1728192" cy="576064"/>
           </a:xfrm>
-          <a:prstGeom prst="line">
+          <a:prstGeom prst="rect">
             <a:avLst/>
           </a:prstGeom>
-          <a:ln w="25400">
-            <a:solidFill>
-              <a:schemeClr val="tx1"/>
-            </a:solidFill>
+          <a:solidFill>
+            <a:schemeClr val="accent6">
+              <a:lumMod val="75000"/>
+            </a:schemeClr>
+          </a:solidFill>
+          <a:ln>
+            <a:noFill/>
           </a:ln>
         </p:spPr>
         <p:style>
-          <a:lnRef idx="1">
-            <a:schemeClr val="accent1"/>
+          <a:lnRef idx="2">
+            <a:schemeClr val="accent1">
+              <a:shade val="50000"/>
+            </a:schemeClr>
           </a:lnRef>
-          <a:fillRef idx="0">
+          <a:fillRef idx="1">
             <a:schemeClr val="accent1"/>
           </a:fillRef>
           <a:effectRef idx="0">
             <a:schemeClr val="accent1"/>
           </a:effectRef>
           <a:fontRef idx="minor">
-            <a:schemeClr val="tx1"/>
+            <a:schemeClr val="lt1"/>
           </a:fontRef>
         </p:style>
-      </p:cxnSp>
-      <p:cxnSp>
-        <p:nvCxnSpPr>
-          <p:cNvPr id="11" name="직선 연결선 10"/>
-          <p:cNvCxnSpPr/>
+        <p:txBody>
+          <a:bodyPr rtlCol="0" anchor="ctr"/>
+          <a:lstStyle/>
+          <a:p>
+            <a:pPr algn="ctr"/>
+            <a:r>
+              <a:rPr lang="ko-KR" altLang="en-US" b="1" dirty="0" smtClean="0">
+                <a:solidFill>
+                  <a:schemeClr val="tx1"/>
+                </a:solidFill>
+              </a:rPr>
+              <a:t>방향키</a:t>
+            </a:r>
+            <a:endParaRPr lang="ko-KR" altLang="en-US" b="1" dirty="0">
+              <a:solidFill>
+                <a:schemeClr val="tx1"/>
+              </a:solidFill>
+            </a:endParaRPr>
+          </a:p>
+        </p:txBody>
+      </p:sp>
+      <p:sp>
+        <p:nvSpPr>
+          <p:cNvPr id="22" name="직사각형 21"/>
+          <p:cNvSpPr/>
           <p:nvPr/>
-        </p:nvCxnSpPr>
+        </p:nvSpPr>
         <p:spPr>
           <a:xfrm>
-            <a:off x="3779912" y="4166501"/>
-            <a:ext cx="0" cy="648072"/>
+            <a:off x="1619671" y="5157192"/>
+            <a:ext cx="630179" cy="576064"/>
           </a:xfrm>
-          <a:prstGeom prst="line">
+          <a:prstGeom prst="rect">
             <a:avLst/>
           </a:prstGeom>
-          <a:ln w="25400">
-            <a:solidFill>
-              <a:schemeClr val="tx1"/>
-            </a:solidFill>
+          <a:solidFill>
+            <a:schemeClr val="accent6">
+              <a:lumMod val="75000"/>
+            </a:schemeClr>
+          </a:solidFill>
+          <a:ln>
+            <a:noFill/>
           </a:ln>
         </p:spPr>
         <p:style>
-          <a:lnRef idx="1">
-            <a:schemeClr val="accent1"/>
+          <a:lnRef idx="2">
+            <a:schemeClr val="accent1">
+              <a:shade val="50000"/>
+            </a:schemeClr>
           </a:lnRef>
-          <a:fillRef idx="0">
+          <a:fillRef idx="1">
             <a:schemeClr val="accent1"/>
           </a:fillRef>
           <a:effectRef idx="0">
             <a:schemeClr val="accent1"/>
           </a:effectRef>
           <a:fontRef idx="minor">
-            <a:schemeClr val="tx1"/>
+            <a:schemeClr val="lt1"/>
           </a:fontRef>
         </p:style>
-      </p:cxnSp>
-      <p:cxnSp>
-        <p:nvCxnSpPr>
-          <p:cNvPr id="12" name="직선 연결선 11"/>
-          <p:cNvCxnSpPr/>
+        <p:txBody>
+          <a:bodyPr rtlCol="0" anchor="ctr"/>
+          <a:lstStyle/>
+          <a:p>
+            <a:pPr algn="ctr"/>
+            <a:r>
+              <a:rPr lang="en-US" altLang="ko-KR" b="1" dirty="0" smtClean="0">
+                <a:solidFill>
+                  <a:schemeClr val="tx1"/>
+                </a:solidFill>
+              </a:rPr>
+              <a:t>Alt</a:t>
+            </a:r>
+            <a:endParaRPr lang="ko-KR" altLang="en-US" b="1" dirty="0">
+              <a:solidFill>
+                <a:schemeClr val="tx1"/>
+              </a:solidFill>
+            </a:endParaRPr>
+          </a:p>
+        </p:txBody>
+      </p:sp>
+      <p:sp>
+        <p:nvSpPr>
+          <p:cNvPr id="23" name="직사각형 22"/>
+          <p:cNvSpPr/>
           <p:nvPr/>
-        </p:nvCxnSpPr>
+        </p:nvSpPr>
         <p:spPr>
           <a:xfrm>
-            <a:off x="5940152" y="4166501"/>
-            <a:ext cx="0" cy="648072"/>
+            <a:off x="1763688" y="4581128"/>
+            <a:ext cx="576064" cy="576064"/>
           </a:xfrm>
-          <a:prstGeom prst="line">
+          <a:prstGeom prst="rect">
             <a:avLst/>
           </a:prstGeom>
-          <a:ln w="25400">
-            <a:solidFill>
-              <a:schemeClr val="tx1"/>
-            </a:solidFill>
+          <a:solidFill>
+            <a:schemeClr val="accent6">
+              <a:lumMod val="75000"/>
+            </a:schemeClr>
+          </a:solidFill>
+          <a:ln>
+            <a:noFill/>
           </a:ln>
         </p:spPr>
         <p:style>
-          <a:lnRef idx="1">
-            <a:schemeClr val="accent1"/>
+          <a:lnRef idx="2">
+            <a:schemeClr val="accent1">
+              <a:shade val="50000"/>
+            </a:schemeClr>
           </a:lnRef>
-          <a:fillRef idx="0">
+          <a:fillRef idx="1">
             <a:schemeClr val="accent1"/>
           </a:fillRef>
           <a:effectRef idx="0">
             <a:schemeClr val="accent1"/>
           </a:effectRef>
           <a:fontRef idx="minor">
-            <a:schemeClr val="tx1"/>
+            <a:schemeClr val="lt1"/>
           </a:fontRef>
         </p:style>
-      </p:cxnSp>
-      <p:cxnSp>
-        <p:nvCxnSpPr>
-          <p:cNvPr id="10" name="직선 화살표 연결선 9"/>
-          <p:cNvCxnSpPr/>
+        <p:txBody>
+          <a:bodyPr rtlCol="0" anchor="ctr"/>
+          <a:lstStyle/>
+          <a:p>
+            <a:pPr algn="ctr"/>
+            <a:endParaRPr lang="ko-KR" altLang="en-US"/>
+          </a:p>
+        </p:txBody>
+      </p:sp>
+      <p:sp>
+        <p:nvSpPr>
+          <p:cNvPr id="24" name="직사각형 23"/>
+          <p:cNvSpPr/>
           <p:nvPr/>
-        </p:nvCxnSpPr>
+        </p:nvSpPr>
         <p:spPr>
           <a:xfrm>
-            <a:off x="1475656" y="3789040"/>
-            <a:ext cx="0" cy="504056"/>
+            <a:off x="1817803" y="4615317"/>
+            <a:ext cx="432048" cy="507685"/>
           </a:xfrm>
-          <a:prstGeom prst="straightConnector1">
+          <a:prstGeom prst="rect">
             <a:avLst/>
           </a:prstGeom>
-          <a:ln w="31750">
-            <a:solidFill>
-              <a:schemeClr val="accent6">
-                <a:lumMod val="75000"/>
-              </a:schemeClr>
-            </a:solidFill>
-            <a:tailEnd type="arrow"/>
+          <a:solidFill>
+            <a:schemeClr val="accent6">
+              <a:lumMod val="75000"/>
+            </a:schemeClr>
+          </a:solidFill>
+          <a:ln>
+            <a:noFill/>
           </a:ln>
         </p:spPr>
         <p:style>
-          <a:lnRef idx="1">
-            <a:schemeClr val="accent1"/>
+          <a:lnRef idx="2">
+            <a:schemeClr val="accent1">
+              <a:shade val="50000"/>
+            </a:schemeClr>
           </a:lnRef>
-          <a:fillRef idx="0">
+          <a:fillRef idx="1">
             <a:schemeClr val="accent1"/>
           </a:fillRef>
           <a:effectRef idx="0">
             <a:schemeClr val="accent1"/>
           </a:effectRef>
           <a:fontRef idx="minor">
-            <a:schemeClr val="tx1"/>
+            <a:schemeClr val="lt1"/>
           </a:fontRef>
         </p:style>
-      </p:cxnSp>
-      <p:sp>
-        <p:nvSpPr>
-          <p:cNvPr id="13" name="TextBox 12"/>
-          <p:cNvSpPr txBox="1"/>
-          <p:nvPr/>
-        </p:nvSpPr>
-        <p:spPr>
-          <a:xfrm>
-            <a:off x="603379" y="3388350"/>
-            <a:ext cx="800219" cy="338554"/>
-          </a:xfrm>
-          <a:prstGeom prst="rect">
-            <a:avLst/>
-          </a:prstGeom>
-          <a:noFill/>
-        </p:spPr>
-        <p:txBody>
-          <a:bodyPr wrap="none" rtlCol="0">
-            <a:spAutoFit/>
-          </a:bodyPr>
-          <a:lstStyle/>
-          <a:p>
-            <a:r>
-              <a:rPr lang="ko-KR" altLang="en-US" sz="1600" b="1" dirty="0" smtClean="0"/>
-              <a:t>시작점</a:t>
-            </a:r>
-            <a:endParaRPr lang="ko-KR" altLang="en-US" sz="1600" b="1" dirty="0"/>
-          </a:p>
-        </p:txBody>
-      </p:sp>
-      <p:sp>
-        <p:nvSpPr>
-          <p:cNvPr id="14" name="TextBox 13"/>
-          <p:cNvSpPr txBox="1"/>
-          <p:nvPr/>
-        </p:nvSpPr>
-        <p:spPr>
-          <a:xfrm>
-            <a:off x="2302513" y="4763796"/>
-            <a:ext cx="973343" cy="369332"/>
-          </a:xfrm>
-          <a:prstGeom prst="rect">
-            <a:avLst/>
-          </a:prstGeom>
-          <a:noFill/>
-        </p:spPr>
-        <p:txBody>
-          <a:bodyPr wrap="none" rtlCol="0">
-            <a:spAutoFit/>
-          </a:bodyPr>
-          <a:lstStyle/>
-          <a:p>
-            <a:r>
-              <a:rPr lang="en-US" altLang="ko-KR" dirty="0" smtClean="0"/>
-              <a:t>Stage 1</a:t>
-            </a:r>
-            <a:endParaRPr lang="ko-KR" altLang="en-US" dirty="0"/>
-          </a:p>
-        </p:txBody>
-      </p:sp>
-      <p:sp>
-        <p:nvSpPr>
-          <p:cNvPr id="17" name="TextBox 16"/>
-          <p:cNvSpPr txBox="1"/>
-          <p:nvPr/>
-        </p:nvSpPr>
-        <p:spPr>
-          <a:xfrm>
-            <a:off x="4390745" y="4732457"/>
-            <a:ext cx="973343" cy="369332"/>
-          </a:xfrm>
-          <a:prstGeom prst="rect">
-            <a:avLst/>
-          </a:prstGeom>
-          <a:noFill/>
-        </p:spPr>
-        <p:txBody>
-          <a:bodyPr wrap="none" rtlCol="0">
-            <a:spAutoFit/>
-          </a:bodyPr>
-          <a:lstStyle/>
-          <a:p>
-            <a:r>
-              <a:rPr lang="en-US" altLang="ko-KR" dirty="0" smtClean="0"/>
-              <a:t>Stage 2</a:t>
-            </a:r>
-            <a:endParaRPr lang="ko-KR" altLang="en-US" dirty="0"/>
-          </a:p>
-        </p:txBody>
-      </p:sp>
-      <p:sp>
-        <p:nvSpPr>
-          <p:cNvPr id="18" name="TextBox 17"/>
-          <p:cNvSpPr txBox="1"/>
-          <p:nvPr/>
-        </p:nvSpPr>
-        <p:spPr>
-          <a:xfrm>
-            <a:off x="6406969" y="4724236"/>
-            <a:ext cx="973343" cy="369332"/>
-          </a:xfrm>
-          <a:prstGeom prst="rect">
-            <a:avLst/>
-          </a:prstGeom>
-          <a:noFill/>
-        </p:spPr>
-        <p:txBody>
-          <a:bodyPr wrap="none" rtlCol="0">
-            <a:spAutoFit/>
-          </a:bodyPr>
-          <a:lstStyle/>
-          <a:p>
-            <a:r>
-              <a:rPr lang="en-US" altLang="ko-KR" dirty="0" smtClean="0"/>
-              <a:t>Stage 3</a:t>
-            </a:r>
-            <a:endParaRPr lang="ko-KR" altLang="en-US" dirty="0"/>
-          </a:p>
-        </p:txBody>
-      </p:sp>
-      <p:cxnSp>
-        <p:nvCxnSpPr>
-          <p:cNvPr id="19" name="직선 화살표 연결선 18"/>
-          <p:cNvCxnSpPr/>
-          <p:nvPr/>
-        </p:nvCxnSpPr>
-        <p:spPr>
-          <a:xfrm>
-            <a:off x="6804248" y="3811561"/>
-            <a:ext cx="0" cy="504056"/>
-          </a:xfrm>
-          <a:prstGeom prst="straightConnector1">
-            <a:avLst/>
-          </a:prstGeom>
-          <a:ln w="31750">
-            <a:solidFill>
-              <a:schemeClr val="tx2">
-                <a:lumMod val="60000"/>
-                <a:lumOff val="40000"/>
-              </a:schemeClr>
-            </a:solidFill>
-            <a:tailEnd type="arrow"/>
-          </a:ln>
-        </p:spPr>
-        <p:style>
-          <a:lnRef idx="1">
-            <a:schemeClr val="accent1"/>
-          </a:lnRef>
-          <a:fillRef idx="0">
-            <a:schemeClr val="accent1"/>
-          </a:fillRef>
-          <a:effectRef idx="0">
-            <a:schemeClr val="accent1"/>
-          </a:effectRef>
-          <a:fontRef idx="minor">
-            <a:schemeClr val="tx1"/>
-          </a:fontRef>
-        </p:style>
-      </p:cxnSp>
-      <p:sp>
-        <p:nvSpPr>
-          <p:cNvPr id="20" name="TextBox 19"/>
-          <p:cNvSpPr txBox="1"/>
-          <p:nvPr/>
-        </p:nvSpPr>
-        <p:spPr>
-          <a:xfrm>
-            <a:off x="6097589" y="3388350"/>
-            <a:ext cx="1282723" cy="338554"/>
-          </a:xfrm>
-          <a:prstGeom prst="rect">
-            <a:avLst/>
-          </a:prstGeom>
-          <a:noFill/>
-        </p:spPr>
-        <p:txBody>
-          <a:bodyPr wrap="none" rtlCol="0">
-            <a:spAutoFit/>
-          </a:bodyPr>
-          <a:lstStyle/>
-          <a:p>
-            <a:r>
-              <a:rPr lang="ko-KR" altLang="en-US" sz="1600" b="1" dirty="0" smtClean="0"/>
-              <a:t>숨겨진 태엽</a:t>
-            </a:r>
-            <a:endParaRPr lang="ko-KR" altLang="en-US" sz="1600" b="1" dirty="0"/>
+        <p:txBody>
+          <a:bodyPr rtlCol="0" anchor="ctr"/>
+          <a:lstStyle/>
+          <a:p>
+            <a:pPr algn="ctr"/>
+            <a:r>
+              <a:rPr lang="en-US" altLang="ko-KR" b="1" dirty="0">
+                <a:solidFill>
+                  <a:schemeClr val="tx1"/>
+                </a:solidFill>
+              </a:rPr>
+              <a:t>Z</a:t>
+            </a:r>
+            <a:endParaRPr lang="ko-KR" altLang="en-US" b="1" dirty="0">
+              <a:solidFill>
+                <a:schemeClr val="tx1"/>
+              </a:solidFill>
+            </a:endParaRPr>
           </a:p>
         </p:txBody>
       </p:sp>

--- a/기획문서/게임 제안서.pptx
+++ b/기획문서/게임 제안서.pptx
@@ -5,30 +5,31 @@
     <p:sldMasterId id="2147483648" r:id="rId1"/>
   </p:sldMasterIdLst>
   <p:notesMasterIdLst>
-    <p:notesMasterId r:id="rId11"/>
+    <p:notesMasterId r:id="rId12"/>
   </p:notesMasterIdLst>
   <p:sldIdLst>
     <p:sldId id="257" r:id="rId2"/>
     <p:sldId id="259" r:id="rId3"/>
-    <p:sldId id="258" r:id="rId4"/>
+    <p:sldId id="267" r:id="rId4"/>
     <p:sldId id="260" r:id="rId5"/>
     <p:sldId id="261" r:id="rId6"/>
-    <p:sldId id="264" r:id="rId7"/>
+    <p:sldId id="268" r:id="rId7"/>
     <p:sldId id="265" r:id="rId8"/>
-    <p:sldId id="266" r:id="rId9"/>
-    <p:sldId id="263" r:id="rId10"/>
+    <p:sldId id="269" r:id="rId9"/>
+    <p:sldId id="266" r:id="rId10"/>
+    <p:sldId id="263" r:id="rId11"/>
   </p:sldIdLst>
   <p:sldSz cx="9144000" cy="6858000" type="screen4x3"/>
   <p:notesSz cx="6858000" cy="9144000"/>
   <p:embeddedFontLst>
     <p:embeddedFont>
       <p:font typeface="나눔고딕 ExtraBold" charset="-127"/>
-      <p:bold r:id="rId12"/>
+      <p:bold r:id="rId13"/>
     </p:embeddedFont>
     <p:embeddedFont>
       <p:font typeface="맑은 고딕" pitchFamily="50" charset="-127"/>
-      <p:regular r:id="rId13"/>
-      <p:bold r:id="rId14"/>
+      <p:regular r:id="rId14"/>
+      <p:bold r:id="rId15"/>
     </p:embeddedFont>
   </p:embeddedFontLst>
   <p:defaultTextStyle>
@@ -212,7 +213,7 @@
             <a:fld id="{D84393A8-633A-44BC-88CE-FCA3A15FDEAB}" type="datetimeFigureOut">
               <a:rPr lang="ko-KR" altLang="en-US" smtClean="0"/>
               <a:pPr/>
-              <a:t>2017-11-27</a:t>
+              <a:t>2017-11-28</a:t>
             </a:fld>
             <a:endParaRPr lang="ko-KR" altLang="en-US"/>
           </a:p>
@@ -811,6 +812,88 @@
 </p:notes>
 </file>
 
+<file path=ppt/notesSlides/notesSlide5.xml><?xml version="1.0" encoding="utf-8"?>
+<p:notes xmlns:a="http://schemas.openxmlformats.org/drawingml/2006/main" xmlns:r="http://schemas.openxmlformats.org/officeDocument/2006/relationships" xmlns:p="http://schemas.openxmlformats.org/presentationml/2006/main">
+  <p:cSld>
+    <p:spTree>
+      <p:nvGrpSpPr>
+        <p:cNvPr id="1" name=""/>
+        <p:cNvGrpSpPr/>
+        <p:nvPr/>
+      </p:nvGrpSpPr>
+      <p:grpSpPr>
+        <a:xfrm>
+          <a:off x="0" y="0"/>
+          <a:ext cx="0" cy="0"/>
+          <a:chOff x="0" y="0"/>
+          <a:chExt cx="0" cy="0"/>
+        </a:xfrm>
+      </p:grpSpPr>
+      <p:sp>
+        <p:nvSpPr>
+          <p:cNvPr id="2" name="슬라이드 이미지 개체 틀 1"/>
+          <p:cNvSpPr>
+            <a:spLocks noGrp="1" noRot="1" noChangeAspect="1"/>
+          </p:cNvSpPr>
+          <p:nvPr>
+            <p:ph type="sldImg"/>
+          </p:nvPr>
+        </p:nvSpPr>
+        <p:spPr/>
+      </p:sp>
+      <p:sp>
+        <p:nvSpPr>
+          <p:cNvPr id="3" name="슬라이드 노트 개체 틀 2"/>
+          <p:cNvSpPr>
+            <a:spLocks noGrp="1"/>
+          </p:cNvSpPr>
+          <p:nvPr>
+            <p:ph type="body" idx="1"/>
+          </p:nvPr>
+        </p:nvSpPr>
+        <p:spPr/>
+        <p:txBody>
+          <a:bodyPr>
+            <a:normAutofit/>
+          </a:bodyPr>
+          <a:lstStyle/>
+          <a:p>
+            <a:endParaRPr lang="ko-KR" altLang="en-US" dirty="0"/>
+          </a:p>
+        </p:txBody>
+      </p:sp>
+      <p:sp>
+        <p:nvSpPr>
+          <p:cNvPr id="4" name="슬라이드 번호 개체 틀 3"/>
+          <p:cNvSpPr>
+            <a:spLocks noGrp="1"/>
+          </p:cNvSpPr>
+          <p:nvPr>
+            <p:ph type="sldNum" sz="quarter" idx="10"/>
+          </p:nvPr>
+        </p:nvSpPr>
+        <p:spPr/>
+        <p:txBody>
+          <a:bodyPr/>
+          <a:lstStyle/>
+          <a:p>
+            <a:fld id="{4A154A2B-6412-4D58-A6C1-BD0167DA1068}" type="slidenum">
+              <a:rPr lang="ko-KR" altLang="en-US" smtClean="0"/>
+              <a:pPr/>
+              <a:t>9</a:t>
+            </a:fld>
+            <a:endParaRPr lang="ko-KR" altLang="en-US"/>
+          </a:p>
+        </p:txBody>
+      </p:sp>
+    </p:spTree>
+  </p:cSld>
+  <p:clrMapOvr>
+    <a:masterClrMapping/>
+  </p:clrMapOvr>
+</p:notes>
+</file>
+
 <file path=ppt/slideLayouts/slideLayout1.xml><?xml version="1.0" encoding="utf-8"?>
 <p:sldLayout xmlns:a="http://schemas.openxmlformats.org/drawingml/2006/main" xmlns:r="http://schemas.openxmlformats.org/officeDocument/2006/relationships" xmlns:p="http://schemas.openxmlformats.org/presentationml/2006/main" type="title" preserve="1">
   <p:cSld name="제목 슬라이드">
@@ -993,7 +1076,7 @@
             <a:fld id="{D4F645AA-E039-4E57-8F7F-F37FFD3EA154}" type="datetimeFigureOut">
               <a:rPr lang="ko-KR" altLang="en-US" smtClean="0"/>
               <a:pPr/>
-              <a:t>2017-11-27</a:t>
+              <a:t>2017-11-28</a:t>
             </a:fld>
             <a:endParaRPr lang="ko-KR" altLang="en-US"/>
           </a:p>
@@ -1165,7 +1248,7 @@
             <a:fld id="{D4F645AA-E039-4E57-8F7F-F37FFD3EA154}" type="datetimeFigureOut">
               <a:rPr lang="ko-KR" altLang="en-US" smtClean="0"/>
               <a:pPr/>
-              <a:t>2017-11-27</a:t>
+              <a:t>2017-11-28</a:t>
             </a:fld>
             <a:endParaRPr lang="ko-KR" altLang="en-US"/>
           </a:p>
@@ -1347,7 +1430,7 @@
             <a:fld id="{D4F645AA-E039-4E57-8F7F-F37FFD3EA154}" type="datetimeFigureOut">
               <a:rPr lang="ko-KR" altLang="en-US" smtClean="0"/>
               <a:pPr/>
-              <a:t>2017-11-27</a:t>
+              <a:t>2017-11-28</a:t>
             </a:fld>
             <a:endParaRPr lang="ko-KR" altLang="en-US"/>
           </a:p>
@@ -1519,7 +1602,7 @@
             <a:fld id="{D4F645AA-E039-4E57-8F7F-F37FFD3EA154}" type="datetimeFigureOut">
               <a:rPr lang="ko-KR" altLang="en-US" smtClean="0"/>
               <a:pPr/>
-              <a:t>2017-11-27</a:t>
+              <a:t>2017-11-28</a:t>
             </a:fld>
             <a:endParaRPr lang="ko-KR" altLang="en-US"/>
           </a:p>
@@ -1767,7 +1850,7 @@
             <a:fld id="{D4F645AA-E039-4E57-8F7F-F37FFD3EA154}" type="datetimeFigureOut">
               <a:rPr lang="ko-KR" altLang="en-US" smtClean="0"/>
               <a:pPr/>
-              <a:t>2017-11-27</a:t>
+              <a:t>2017-11-28</a:t>
             </a:fld>
             <a:endParaRPr lang="ko-KR" altLang="en-US"/>
           </a:p>
@@ -2057,7 +2140,7 @@
             <a:fld id="{D4F645AA-E039-4E57-8F7F-F37FFD3EA154}" type="datetimeFigureOut">
               <a:rPr lang="ko-KR" altLang="en-US" smtClean="0"/>
               <a:pPr/>
-              <a:t>2017-11-27</a:t>
+              <a:t>2017-11-28</a:t>
             </a:fld>
             <a:endParaRPr lang="ko-KR" altLang="en-US"/>
           </a:p>
@@ -2481,7 +2564,7 @@
             <a:fld id="{D4F645AA-E039-4E57-8F7F-F37FFD3EA154}" type="datetimeFigureOut">
               <a:rPr lang="ko-KR" altLang="en-US" smtClean="0"/>
               <a:pPr/>
-              <a:t>2017-11-27</a:t>
+              <a:t>2017-11-28</a:t>
             </a:fld>
             <a:endParaRPr lang="ko-KR" altLang="en-US"/>
           </a:p>
@@ -2601,7 +2684,7 @@
             <a:fld id="{D4F645AA-E039-4E57-8F7F-F37FFD3EA154}" type="datetimeFigureOut">
               <a:rPr lang="ko-KR" altLang="en-US" smtClean="0"/>
               <a:pPr/>
-              <a:t>2017-11-27</a:t>
+              <a:t>2017-11-28</a:t>
             </a:fld>
             <a:endParaRPr lang="ko-KR" altLang="en-US"/>
           </a:p>
@@ -2698,7 +2781,7 @@
             <a:fld id="{D4F645AA-E039-4E57-8F7F-F37FFD3EA154}" type="datetimeFigureOut">
               <a:rPr lang="ko-KR" altLang="en-US" smtClean="0"/>
               <a:pPr/>
-              <a:t>2017-11-27</a:t>
+              <a:t>2017-11-28</a:t>
             </a:fld>
             <a:endParaRPr lang="ko-KR" altLang="en-US"/>
           </a:p>
@@ -2977,7 +3060,7 @@
             <a:fld id="{D4F645AA-E039-4E57-8F7F-F37FFD3EA154}" type="datetimeFigureOut">
               <a:rPr lang="ko-KR" altLang="en-US" smtClean="0"/>
               <a:pPr/>
-              <a:t>2017-11-27</a:t>
+              <a:t>2017-11-28</a:t>
             </a:fld>
             <a:endParaRPr lang="ko-KR" altLang="en-US"/>
           </a:p>
@@ -3232,7 +3315,7 @@
             <a:fld id="{D4F645AA-E039-4E57-8F7F-F37FFD3EA154}" type="datetimeFigureOut">
               <a:rPr lang="ko-KR" altLang="en-US" smtClean="0"/>
               <a:pPr/>
-              <a:t>2017-11-27</a:t>
+              <a:t>2017-11-28</a:t>
             </a:fld>
             <a:endParaRPr lang="ko-KR" altLang="en-US"/>
           </a:p>
@@ -3447,7 +3530,7 @@
             <a:fld id="{D4F645AA-E039-4E57-8F7F-F37FFD3EA154}" type="datetimeFigureOut">
               <a:rPr lang="ko-KR" altLang="en-US" smtClean="0"/>
               <a:pPr/>
-              <a:t>2017-11-27</a:t>
+              <a:t>2017-11-28</a:t>
             </a:fld>
             <a:endParaRPr lang="ko-KR" altLang="en-US"/>
           </a:p>
@@ -4161,6 +4244,108 @@
 </p:sld>
 </file>
 
+<file path=ppt/slides/slide10.xml><?xml version="1.0" encoding="utf-8"?>
+<p:sld xmlns:a="http://schemas.openxmlformats.org/drawingml/2006/main" xmlns:r="http://schemas.openxmlformats.org/officeDocument/2006/relationships" xmlns:p="http://schemas.openxmlformats.org/presentationml/2006/main">
+  <p:cSld>
+    <p:spTree>
+      <p:nvGrpSpPr>
+        <p:cNvPr id="1" name=""/>
+        <p:cNvGrpSpPr/>
+        <p:nvPr/>
+      </p:nvGrpSpPr>
+      <p:grpSpPr>
+        <a:xfrm>
+          <a:off x="0" y="0"/>
+          <a:ext cx="0" cy="0"/>
+          <a:chOff x="0" y="0"/>
+          <a:chExt cx="0" cy="0"/>
+        </a:xfrm>
+      </p:grpSpPr>
+      <p:sp>
+        <p:nvSpPr>
+          <p:cNvPr id="4" name="직사각형 3"/>
+          <p:cNvSpPr/>
+          <p:nvPr/>
+        </p:nvSpPr>
+        <p:spPr>
+          <a:xfrm>
+            <a:off x="0" y="2996952"/>
+            <a:ext cx="9144000" cy="504056"/>
+          </a:xfrm>
+          <a:prstGeom prst="rect">
+            <a:avLst/>
+          </a:prstGeom>
+          <a:solidFill>
+            <a:srgbClr val="FD4B62"/>
+          </a:solidFill>
+          <a:ln>
+            <a:noFill/>
+          </a:ln>
+        </p:spPr>
+        <p:style>
+          <a:lnRef idx="2">
+            <a:schemeClr val="accent1">
+              <a:shade val="50000"/>
+            </a:schemeClr>
+          </a:lnRef>
+          <a:fillRef idx="1">
+            <a:schemeClr val="accent1"/>
+          </a:fillRef>
+          <a:effectRef idx="0">
+            <a:schemeClr val="accent1"/>
+          </a:effectRef>
+          <a:fontRef idx="minor">
+            <a:schemeClr val="lt1"/>
+          </a:fontRef>
+        </p:style>
+        <p:txBody>
+          <a:bodyPr rtlCol="0" anchor="ctr"/>
+          <a:lstStyle/>
+          <a:p>
+            <a:pPr algn="ctr"/>
+            <a:r>
+              <a:rPr lang="en-US" altLang="ko-KR" dirty="0" smtClean="0">
+                <a:ln>
+                  <a:solidFill>
+                    <a:schemeClr val="accent1">
+                      <a:alpha val="0"/>
+                    </a:schemeClr>
+                  </a:solidFill>
+                </a:ln>
+                <a:latin typeface="나눔고딕 ExtraBold" panose="020D0904000000000000" pitchFamily="50" charset="-127"/>
+                <a:ea typeface="나눔고딕 ExtraBold" panose="020D0904000000000000" pitchFamily="50" charset="-127"/>
+              </a:rPr>
+              <a:t>Thank you for listening!</a:t>
+            </a:r>
+            <a:endParaRPr lang="ko-KR" altLang="en-US" dirty="0">
+              <a:ln>
+                <a:solidFill>
+                  <a:schemeClr val="accent1">
+                    <a:alpha val="0"/>
+                  </a:schemeClr>
+                </a:solidFill>
+              </a:ln>
+              <a:latin typeface="나눔고딕 ExtraBold" panose="020D0904000000000000" pitchFamily="50" charset="-127"/>
+              <a:ea typeface="나눔고딕 ExtraBold" panose="020D0904000000000000" pitchFamily="50" charset="-127"/>
+            </a:endParaRPr>
+          </a:p>
+        </p:txBody>
+      </p:sp>
+    </p:spTree>
+  </p:cSld>
+  <p:clrMapOvr>
+    <a:masterClrMapping/>
+  </p:clrMapOvr>
+  <p:timing>
+    <p:tnLst>
+      <p:par>
+        <p:cTn id="1" dur="indefinite" restart="never" nodeType="tmRoot"/>
+      </p:par>
+    </p:tnLst>
+  </p:timing>
+</p:sld>
+</file>
+
 <file path=ppt/slides/slide2.xml><?xml version="1.0" encoding="utf-8"?>
 <p:sld xmlns:a="http://schemas.openxmlformats.org/drawingml/2006/main" xmlns:r="http://schemas.openxmlformats.org/officeDocument/2006/relationships" xmlns:p="http://schemas.openxmlformats.org/presentationml/2006/main">
   <p:cSld>
@@ -4292,7 +4477,7 @@
         </p:nvSpPr>
         <p:spPr>
           <a:xfrm>
-            <a:off x="683568" y="1988840"/>
+            <a:off x="1115616" y="1988840"/>
             <a:ext cx="3059832" cy="369332"/>
           </a:xfrm>
           <a:prstGeom prst="rect">
@@ -4391,8 +4576,8 @@
         </p:nvSpPr>
         <p:spPr>
           <a:xfrm>
-            <a:off x="683568" y="2618910"/>
-            <a:ext cx="3059832" cy="369332"/>
+            <a:off x="1115616" y="2618910"/>
+            <a:ext cx="3059832" cy="2123658"/>
           </a:xfrm>
           <a:prstGeom prst="rect">
             <a:avLst/>
@@ -4442,9 +4627,9 @@
                 </a:solidFill>
                 <a:latin typeface="+mn-ea"/>
               </a:rPr>
-              <a:t>게임 스토리</a:t>
-            </a:r>
-            <a:endParaRPr lang="ko-KR" altLang="en-US" sz="1600" dirty="0">
+              <a:t>게임 소개</a:t>
+            </a:r>
+            <a:endParaRPr lang="en-US" altLang="ko-KR" dirty="0" smtClean="0">
               <a:ln>
                 <a:solidFill>
                   <a:schemeClr val="accent1">
@@ -4461,32 +4646,9 @@
               <a:latin typeface="+mn-ea"/>
             </a:endParaRPr>
           </a:p>
-        </p:txBody>
-      </p:sp>
-      <p:sp>
-        <p:nvSpPr>
-          <p:cNvPr id="10" name="TextBox 9"/>
-          <p:cNvSpPr txBox="1"/>
-          <p:nvPr/>
-        </p:nvSpPr>
-        <p:spPr>
-          <a:xfrm>
-            <a:off x="683568" y="3248980"/>
-            <a:ext cx="3059832" cy="369332"/>
-          </a:xfrm>
-          <a:prstGeom prst="rect">
-            <a:avLst/>
-          </a:prstGeom>
-          <a:noFill/>
-        </p:spPr>
-        <p:txBody>
-          <a:bodyPr wrap="square" rtlCol="0">
-            <a:spAutoFit/>
-          </a:bodyPr>
-          <a:lstStyle/>
-          <a:p>
-            <a:r>
-              <a:rPr lang="en-US" altLang="ko-KR" dirty="0">
+          <a:p>
+            <a:r>
+              <a:rPr lang="en-US" altLang="ko-KR" sz="1600" dirty="0">
                 <a:ln>
                   <a:solidFill>
                     <a:schemeClr val="accent1">
@@ -4500,13 +4662,12 @@
                     <a:lumOff val="25000"/>
                   </a:schemeClr>
                 </a:solidFill>
-                <a:latin typeface="나눔고딕 ExtraBold" panose="020D0904000000000000" pitchFamily="50" charset="-127"/>
-                <a:ea typeface="나눔고딕 ExtraBold" panose="020D0904000000000000" pitchFamily="50" charset="-127"/>
-              </a:rPr>
-              <a:t>3</a:t>
-            </a:r>
-            <a:r>
-              <a:rPr lang="en-US" altLang="ko-KR" dirty="0" smtClean="0">
+                <a:latin typeface="+mn-ea"/>
+              </a:rPr>
+              <a:t> </a:t>
+            </a:r>
+            <a:r>
+              <a:rPr lang="en-US" altLang="ko-KR" sz="1600" dirty="0" smtClean="0">
                 <a:ln>
                   <a:solidFill>
                     <a:schemeClr val="accent1">
@@ -4520,13 +4681,14 @@
                     <a:lumOff val="25000"/>
                   </a:schemeClr>
                 </a:solidFill>
-                <a:latin typeface="나눔고딕 ExtraBold" panose="020D0904000000000000" pitchFamily="50" charset="-127"/>
-                <a:ea typeface="나눔고딕 ExtraBold" panose="020D0904000000000000" pitchFamily="50" charset="-127"/>
-              </a:rPr>
-              <a:t>/ </a:t>
-            </a:r>
-            <a:r>
-              <a:rPr lang="ko-KR" altLang="en-US" dirty="0" smtClean="0">
+                <a:latin typeface="+mn-ea"/>
+              </a:rPr>
+              <a:t>    </a:t>
+            </a:r>
+          </a:p>
+          <a:p>
+            <a:r>
+              <a:rPr lang="en-US" altLang="ko-KR" dirty="0">
                 <a:ln>
                   <a:solidFill>
                     <a:schemeClr val="accent1">
@@ -4542,9 +4704,85 @@
                 </a:solidFill>
                 <a:latin typeface="+mn-ea"/>
               </a:rPr>
-              <a:t>조작법</a:t>
-            </a:r>
-            <a:endParaRPr lang="ko-KR" altLang="en-US" sz="1600" dirty="0">
+              <a:t> </a:t>
+            </a:r>
+            <a:r>
+              <a:rPr lang="en-US" altLang="ko-KR" dirty="0" smtClean="0">
+                <a:ln>
+                  <a:solidFill>
+                    <a:schemeClr val="accent1">
+                      <a:alpha val="0"/>
+                    </a:schemeClr>
+                  </a:solidFill>
+                </a:ln>
+                <a:solidFill>
+                  <a:schemeClr val="tx1">
+                    <a:lumMod val="75000"/>
+                    <a:lumOff val="25000"/>
+                  </a:schemeClr>
+                </a:solidFill>
+                <a:latin typeface="+mn-ea"/>
+              </a:rPr>
+              <a:t>     </a:t>
+            </a:r>
+            <a:r>
+              <a:rPr lang="en-US" altLang="ko-KR" sz="1600" dirty="0" smtClean="0">
+                <a:ln>
+                  <a:solidFill>
+                    <a:schemeClr val="accent1">
+                      <a:alpha val="0"/>
+                    </a:schemeClr>
+                  </a:solidFill>
+                </a:ln>
+                <a:solidFill>
+                  <a:schemeClr val="tx1">
+                    <a:lumMod val="75000"/>
+                    <a:lumOff val="25000"/>
+                  </a:schemeClr>
+                </a:solidFill>
+                <a:latin typeface="+mn-ea"/>
+              </a:rPr>
+              <a:t>- </a:t>
+            </a:r>
+            <a:r>
+              <a:rPr lang="ko-KR" altLang="en-US" sz="1600" dirty="0" smtClean="0">
+                <a:ln>
+                  <a:solidFill>
+                    <a:schemeClr val="accent1">
+                      <a:alpha val="0"/>
+                    </a:schemeClr>
+                  </a:solidFill>
+                </a:ln>
+                <a:solidFill>
+                  <a:schemeClr val="tx1">
+                    <a:lumMod val="75000"/>
+                    <a:lumOff val="25000"/>
+                  </a:schemeClr>
+                </a:solidFill>
+                <a:latin typeface="+mn-ea"/>
+              </a:rPr>
+              <a:t>스토</a:t>
+            </a:r>
+            <a:r>
+              <a:rPr lang="ko-KR" altLang="en-US" sz="1600" dirty="0">
+                <a:ln>
+                  <a:solidFill>
+                    <a:schemeClr val="accent1">
+                      <a:alpha val="0"/>
+                    </a:schemeClr>
+                  </a:solidFill>
+                </a:ln>
+                <a:solidFill>
+                  <a:schemeClr val="tx1">
+                    <a:lumMod val="75000"/>
+                    <a:lumOff val="25000"/>
+                  </a:schemeClr>
+                </a:solidFill>
+                <a:latin typeface="+mn-ea"/>
+              </a:rPr>
+              <a:t>리</a:t>
+            </a:r>
+            <a:endParaRPr lang="en-US" altLang="ko-KR" sz="1600" dirty="0" smtClean="0">
               <a:ln>
                 <a:solidFill>
                   <a:schemeClr val="accent1">
@@ -4561,32 +4799,9 @@
               <a:latin typeface="+mn-ea"/>
             </a:endParaRPr>
           </a:p>
-        </p:txBody>
-      </p:sp>
-      <p:sp>
-        <p:nvSpPr>
-          <p:cNvPr id="11" name="TextBox 10"/>
-          <p:cNvSpPr txBox="1"/>
-          <p:nvPr/>
-        </p:nvSpPr>
-        <p:spPr>
-          <a:xfrm>
-            <a:off x="683568" y="3879050"/>
-            <a:ext cx="3059832" cy="369332"/>
-          </a:xfrm>
-          <a:prstGeom prst="rect">
-            <a:avLst/>
-          </a:prstGeom>
-          <a:noFill/>
-        </p:spPr>
-        <p:txBody>
-          <a:bodyPr wrap="square" rtlCol="0">
-            <a:spAutoFit/>
-          </a:bodyPr>
-          <a:lstStyle/>
-          <a:p>
-            <a:r>
-              <a:rPr lang="en-US" altLang="ko-KR" dirty="0">
+          <a:p>
+            <a:r>
+              <a:rPr lang="en-US" altLang="ko-KR" sz="1600" dirty="0">
                 <a:ln>
                   <a:solidFill>
                     <a:schemeClr val="accent1">
@@ -4600,13 +4815,12 @@
                     <a:lumOff val="25000"/>
                   </a:schemeClr>
                 </a:solidFill>
-                <a:latin typeface="나눔고딕 ExtraBold" panose="020D0904000000000000" pitchFamily="50" charset="-127"/>
-                <a:ea typeface="나눔고딕 ExtraBold" panose="020D0904000000000000" pitchFamily="50" charset="-127"/>
-              </a:rPr>
-              <a:t>4</a:t>
-            </a:r>
-            <a:r>
-              <a:rPr lang="en-US" altLang="ko-KR" dirty="0" smtClean="0">
+                <a:latin typeface="+mn-ea"/>
+              </a:rPr>
+              <a:t> </a:t>
+            </a:r>
+            <a:r>
+              <a:rPr lang="en-US" altLang="ko-KR" sz="1600" dirty="0" smtClean="0">
                 <a:ln>
                   <a:solidFill>
                     <a:schemeClr val="accent1">
@@ -4620,13 +4834,12 @@
                     <a:lumOff val="25000"/>
                   </a:schemeClr>
                 </a:solidFill>
-                <a:latin typeface="나눔고딕 ExtraBold" panose="020D0904000000000000" pitchFamily="50" charset="-127"/>
-                <a:ea typeface="나눔고딕 ExtraBold" panose="020D0904000000000000" pitchFamily="50" charset="-127"/>
-              </a:rPr>
-              <a:t>/ </a:t>
-            </a:r>
-            <a:r>
-              <a:rPr lang="ko-KR" altLang="en-US" dirty="0" smtClean="0">
+                <a:latin typeface="+mn-ea"/>
+              </a:rPr>
+              <a:t>      - </a:t>
+            </a:r>
+            <a:r>
+              <a:rPr lang="ko-KR" altLang="en-US" sz="1600" dirty="0" smtClean="0">
                 <a:ln>
                   <a:solidFill>
                     <a:schemeClr val="accent1">
@@ -4642,9 +4855,28 @@
                 </a:solidFill>
                 <a:latin typeface="+mn-ea"/>
               </a:rPr>
-              <a:t>게임플레이</a:t>
-            </a:r>
-            <a:endParaRPr lang="ko-KR" altLang="en-US" sz="1600" dirty="0">
+              <a:t>조작</a:t>
+            </a:r>
+            <a:r>
+              <a:rPr lang="ko-KR" altLang="en-US" sz="1600" dirty="0">
+                <a:ln>
+                  <a:solidFill>
+                    <a:schemeClr val="accent1">
+                      <a:alpha val="0"/>
+                    </a:schemeClr>
+                  </a:solidFill>
+                </a:ln>
+                <a:solidFill>
+                  <a:schemeClr val="tx1">
+                    <a:lumMod val="75000"/>
+                    <a:lumOff val="25000"/>
+                  </a:schemeClr>
+                </a:solidFill>
+                <a:latin typeface="+mn-ea"/>
+              </a:rPr>
+              <a:t>법</a:t>
+            </a:r>
+            <a:endParaRPr lang="en-US" altLang="ko-KR" sz="1600" dirty="0" smtClean="0">
               <a:ln>
                 <a:solidFill>
                   <a:schemeClr val="accent1">
@@ -4661,17 +4893,298 @@
               <a:latin typeface="+mn-ea"/>
             </a:endParaRPr>
           </a:p>
-        </p:txBody>
-      </p:sp>
-      <p:sp>
-        <p:nvSpPr>
-          <p:cNvPr id="12" name="TextBox 11"/>
+          <a:p>
+            <a:r>
+              <a:rPr lang="en-US" altLang="ko-KR" sz="1600" dirty="0">
+                <a:ln>
+                  <a:solidFill>
+                    <a:schemeClr val="accent1">
+                      <a:alpha val="0"/>
+                    </a:schemeClr>
+                  </a:solidFill>
+                </a:ln>
+                <a:solidFill>
+                  <a:schemeClr val="tx1">
+                    <a:lumMod val="75000"/>
+                    <a:lumOff val="25000"/>
+                  </a:schemeClr>
+                </a:solidFill>
+                <a:latin typeface="+mn-ea"/>
+              </a:rPr>
+              <a:t> </a:t>
+            </a:r>
+            <a:r>
+              <a:rPr lang="en-US" altLang="ko-KR" sz="1600" dirty="0" smtClean="0">
+                <a:ln>
+                  <a:solidFill>
+                    <a:schemeClr val="accent1">
+                      <a:alpha val="0"/>
+                    </a:schemeClr>
+                  </a:solidFill>
+                </a:ln>
+                <a:solidFill>
+                  <a:schemeClr val="tx1">
+                    <a:lumMod val="75000"/>
+                    <a:lumOff val="25000"/>
+                  </a:schemeClr>
+                </a:solidFill>
+                <a:latin typeface="+mn-ea"/>
+              </a:rPr>
+              <a:t>      -</a:t>
+            </a:r>
+            <a:r>
+              <a:rPr lang="ko-KR" altLang="en-US" sz="1600" dirty="0">
+                <a:ln>
+                  <a:solidFill>
+                    <a:schemeClr val="accent1">
+                      <a:alpha val="0"/>
+                    </a:schemeClr>
+                  </a:solidFill>
+                </a:ln>
+                <a:solidFill>
+                  <a:schemeClr val="tx1">
+                    <a:lumMod val="75000"/>
+                    <a:lumOff val="25000"/>
+                  </a:schemeClr>
+                </a:solidFill>
+                <a:latin typeface="+mn-ea"/>
+              </a:rPr>
+              <a:t> </a:t>
+            </a:r>
+            <a:r>
+              <a:rPr lang="ko-KR" altLang="en-US" sz="1600" dirty="0" smtClean="0">
+                <a:ln>
+                  <a:solidFill>
+                    <a:schemeClr val="accent1">
+                      <a:alpha val="0"/>
+                    </a:schemeClr>
+                  </a:solidFill>
+                </a:ln>
+                <a:solidFill>
+                  <a:schemeClr val="tx1">
+                    <a:lumMod val="75000"/>
+                    <a:lumOff val="25000"/>
+                  </a:schemeClr>
+                </a:solidFill>
+                <a:latin typeface="+mn-ea"/>
+              </a:rPr>
+              <a:t>캐릭터</a:t>
+            </a:r>
+            <a:endParaRPr lang="en-US" altLang="ko-KR" sz="1600" dirty="0" smtClean="0">
+              <a:ln>
+                <a:solidFill>
+                  <a:schemeClr val="accent1">
+                    <a:alpha val="0"/>
+                  </a:schemeClr>
+                </a:solidFill>
+              </a:ln>
+              <a:solidFill>
+                <a:schemeClr val="tx1">
+                  <a:lumMod val="75000"/>
+                  <a:lumOff val="25000"/>
+                </a:schemeClr>
+              </a:solidFill>
+              <a:latin typeface="+mn-ea"/>
+            </a:endParaRPr>
+          </a:p>
+          <a:p>
+            <a:r>
+              <a:rPr lang="en-US" altLang="ko-KR" sz="1600" dirty="0">
+                <a:ln>
+                  <a:solidFill>
+                    <a:schemeClr val="accent1">
+                      <a:alpha val="0"/>
+                    </a:schemeClr>
+                  </a:solidFill>
+                </a:ln>
+                <a:solidFill>
+                  <a:schemeClr val="tx1">
+                    <a:lumMod val="75000"/>
+                    <a:lumOff val="25000"/>
+                  </a:schemeClr>
+                </a:solidFill>
+                <a:latin typeface="+mn-ea"/>
+              </a:rPr>
+              <a:t> </a:t>
+            </a:r>
+            <a:r>
+              <a:rPr lang="en-US" altLang="ko-KR" sz="1600" dirty="0" smtClean="0">
+                <a:ln>
+                  <a:solidFill>
+                    <a:schemeClr val="accent1">
+                      <a:alpha val="0"/>
+                    </a:schemeClr>
+                  </a:solidFill>
+                </a:ln>
+                <a:solidFill>
+                  <a:schemeClr val="tx1">
+                    <a:lumMod val="75000"/>
+                    <a:lumOff val="25000"/>
+                  </a:schemeClr>
+                </a:solidFill>
+                <a:latin typeface="+mn-ea"/>
+              </a:rPr>
+              <a:t>      - </a:t>
+            </a:r>
+            <a:r>
+              <a:rPr lang="ko-KR" altLang="en-US" sz="1600" dirty="0" err="1">
+                <a:ln>
+                  <a:solidFill>
+                    <a:schemeClr val="accent1">
+                      <a:alpha val="0"/>
+                    </a:schemeClr>
+                  </a:solidFill>
+                </a:ln>
+                <a:solidFill>
+                  <a:schemeClr val="tx1">
+                    <a:lumMod val="75000"/>
+                    <a:lumOff val="25000"/>
+                  </a:schemeClr>
+                </a:solidFill>
+                <a:latin typeface="+mn-ea"/>
+              </a:rPr>
+              <a:t>맵</a:t>
+            </a:r>
+            <a:endParaRPr lang="en-US" altLang="ko-KR" sz="1600" dirty="0" smtClean="0">
+              <a:ln>
+                <a:solidFill>
+                  <a:schemeClr val="accent1">
+                    <a:alpha val="0"/>
+                  </a:schemeClr>
+                </a:solidFill>
+              </a:ln>
+              <a:solidFill>
+                <a:schemeClr val="tx1">
+                  <a:lumMod val="75000"/>
+                  <a:lumOff val="25000"/>
+                </a:schemeClr>
+              </a:solidFill>
+              <a:latin typeface="+mn-ea"/>
+            </a:endParaRPr>
+          </a:p>
+          <a:p>
+            <a:r>
+              <a:rPr lang="en-US" altLang="ko-KR" sz="1600" dirty="0" smtClean="0">
+                <a:ln>
+                  <a:solidFill>
+                    <a:schemeClr val="accent1">
+                      <a:alpha val="0"/>
+                    </a:schemeClr>
+                  </a:solidFill>
+                </a:ln>
+                <a:solidFill>
+                  <a:schemeClr val="tx1">
+                    <a:lumMod val="75000"/>
+                    <a:lumOff val="25000"/>
+                  </a:schemeClr>
+                </a:solidFill>
+                <a:latin typeface="+mn-ea"/>
+              </a:rPr>
+              <a:t>       - </a:t>
+            </a:r>
+            <a:r>
+              <a:rPr lang="ko-KR" altLang="en-US" sz="1600" dirty="0" smtClean="0">
+                <a:ln>
+                  <a:solidFill>
+                    <a:schemeClr val="accent1">
+                      <a:alpha val="0"/>
+                    </a:schemeClr>
+                  </a:solidFill>
+                </a:ln>
+                <a:solidFill>
+                  <a:schemeClr val="tx1">
+                    <a:lumMod val="75000"/>
+                    <a:lumOff val="25000"/>
+                  </a:schemeClr>
+                </a:solidFill>
+                <a:latin typeface="+mn-ea"/>
+              </a:rPr>
+              <a:t>게임 플레이</a:t>
+            </a:r>
+            <a:endParaRPr lang="en-US" altLang="ko-KR" sz="1600" dirty="0" smtClean="0">
+              <a:ln>
+                <a:solidFill>
+                  <a:schemeClr val="accent1">
+                    <a:alpha val="0"/>
+                  </a:schemeClr>
+                </a:solidFill>
+              </a:ln>
+              <a:solidFill>
+                <a:schemeClr val="tx1">
+                  <a:lumMod val="75000"/>
+                  <a:lumOff val="25000"/>
+                </a:schemeClr>
+              </a:solidFill>
+              <a:latin typeface="+mn-ea"/>
+            </a:endParaRPr>
+          </a:p>
+          <a:p>
+            <a:r>
+              <a:rPr lang="en-US" altLang="ko-KR" sz="1600" dirty="0">
+                <a:ln>
+                  <a:solidFill>
+                    <a:schemeClr val="accent1">
+                      <a:alpha val="0"/>
+                    </a:schemeClr>
+                  </a:solidFill>
+                </a:ln>
+                <a:solidFill>
+                  <a:schemeClr val="tx1">
+                    <a:lumMod val="75000"/>
+                    <a:lumOff val="25000"/>
+                  </a:schemeClr>
+                </a:solidFill>
+                <a:latin typeface="+mn-ea"/>
+              </a:rPr>
+              <a:t> </a:t>
+            </a:r>
+            <a:r>
+              <a:rPr lang="en-US" altLang="ko-KR" sz="1600" dirty="0" smtClean="0">
+                <a:ln>
+                  <a:solidFill>
+                    <a:schemeClr val="accent1">
+                      <a:alpha val="0"/>
+                    </a:schemeClr>
+                  </a:solidFill>
+                </a:ln>
+                <a:solidFill>
+                  <a:schemeClr val="tx1">
+                    <a:lumMod val="75000"/>
+                    <a:lumOff val="25000"/>
+                  </a:schemeClr>
+                </a:solidFill>
+                <a:latin typeface="+mn-ea"/>
+              </a:rPr>
+              <a:t>      </a:t>
+            </a:r>
+            <a:endParaRPr lang="ko-KR" altLang="en-US" sz="1600" dirty="0">
+              <a:ln>
+                <a:solidFill>
+                  <a:schemeClr val="accent1">
+                    <a:alpha val="0"/>
+                  </a:schemeClr>
+                </a:solidFill>
+              </a:ln>
+              <a:solidFill>
+                <a:schemeClr val="tx1">
+                  <a:lumMod val="75000"/>
+                  <a:lumOff val="25000"/>
+                </a:schemeClr>
+              </a:solidFill>
+              <a:latin typeface="+mn-ea"/>
+            </a:endParaRPr>
+          </a:p>
+        </p:txBody>
+      </p:sp>
+      <p:sp>
+        <p:nvSpPr>
+          <p:cNvPr id="10" name="TextBox 9"/>
           <p:cNvSpPr txBox="1"/>
           <p:nvPr/>
         </p:nvSpPr>
         <p:spPr>
           <a:xfrm>
-            <a:off x="683568" y="4509120"/>
+            <a:off x="5148064" y="1988840"/>
             <a:ext cx="3059832" cy="369332"/>
           </a:xfrm>
           <a:prstGeom prst="rect">
@@ -4703,7 +5216,7 @@
                 <a:latin typeface="나눔고딕 ExtraBold" panose="020D0904000000000000" pitchFamily="50" charset="-127"/>
                 <a:ea typeface="나눔고딕 ExtraBold" panose="020D0904000000000000" pitchFamily="50" charset="-127"/>
               </a:rPr>
-              <a:t>5</a:t>
+              <a:t>3</a:t>
             </a:r>
             <a:r>
               <a:rPr lang="en-US" altLang="ko-KR" dirty="0" smtClean="0">
@@ -4742,7 +5255,7 @@
                 </a:solidFill>
                 <a:latin typeface="+mn-ea"/>
               </a:rPr>
-              <a:t>일</a:t>
+              <a:t>기술요</a:t>
             </a:r>
             <a:r>
               <a:rPr lang="ko-KR" altLang="en-US" dirty="0">
@@ -4761,9 +5274,226 @@
                 </a:solidFill>
                 <a:latin typeface="+mn-ea"/>
               </a:rPr>
-              <a:t>정</a:t>
+              <a:t>소</a:t>
             </a:r>
             <a:endParaRPr lang="ko-KR" altLang="en-US" sz="1600" dirty="0">
+              <a:ln>
+                <a:solidFill>
+                  <a:schemeClr val="accent1">
+                    <a:alpha val="0"/>
+                  </a:schemeClr>
+                </a:solidFill>
+              </a:ln>
+              <a:solidFill>
+                <a:schemeClr val="tx1">
+                  <a:lumMod val="75000"/>
+                  <a:lumOff val="25000"/>
+                </a:schemeClr>
+              </a:solidFill>
+              <a:latin typeface="+mn-ea"/>
+            </a:endParaRPr>
+          </a:p>
+        </p:txBody>
+      </p:sp>
+      <p:sp>
+        <p:nvSpPr>
+          <p:cNvPr id="11" name="TextBox 10"/>
+          <p:cNvSpPr txBox="1"/>
+          <p:nvPr/>
+        </p:nvSpPr>
+        <p:spPr>
+          <a:xfrm>
+            <a:off x="5143527" y="2659088"/>
+            <a:ext cx="3059832" cy="369332"/>
+          </a:xfrm>
+          <a:prstGeom prst="rect">
+            <a:avLst/>
+          </a:prstGeom>
+          <a:noFill/>
+        </p:spPr>
+        <p:txBody>
+          <a:bodyPr wrap="square" rtlCol="0">
+            <a:spAutoFit/>
+          </a:bodyPr>
+          <a:lstStyle/>
+          <a:p>
+            <a:r>
+              <a:rPr lang="en-US" altLang="ko-KR" dirty="0">
+                <a:ln>
+                  <a:solidFill>
+                    <a:schemeClr val="accent1">
+                      <a:alpha val="0"/>
+                    </a:schemeClr>
+                  </a:solidFill>
+                </a:ln>
+                <a:solidFill>
+                  <a:schemeClr val="tx1">
+                    <a:lumMod val="75000"/>
+                    <a:lumOff val="25000"/>
+                  </a:schemeClr>
+                </a:solidFill>
+                <a:latin typeface="나눔고딕 ExtraBold" panose="020D0904000000000000" pitchFamily="50" charset="-127"/>
+                <a:ea typeface="나눔고딕 ExtraBold" panose="020D0904000000000000" pitchFamily="50" charset="-127"/>
+              </a:rPr>
+              <a:t>4</a:t>
+            </a:r>
+            <a:r>
+              <a:rPr lang="en-US" altLang="ko-KR" dirty="0" smtClean="0">
+                <a:ln>
+                  <a:solidFill>
+                    <a:schemeClr val="accent1">
+                      <a:alpha val="0"/>
+                    </a:schemeClr>
+                  </a:solidFill>
+                </a:ln>
+                <a:solidFill>
+                  <a:schemeClr val="tx1">
+                    <a:lumMod val="75000"/>
+                    <a:lumOff val="25000"/>
+                  </a:schemeClr>
+                </a:solidFill>
+                <a:latin typeface="나눔고딕 ExtraBold" panose="020D0904000000000000" pitchFamily="50" charset="-127"/>
+                <a:ea typeface="나눔고딕 ExtraBold" panose="020D0904000000000000" pitchFamily="50" charset="-127"/>
+              </a:rPr>
+              <a:t>/ </a:t>
+            </a:r>
+            <a:r>
+              <a:rPr lang="ko-KR" altLang="en-US" dirty="0" smtClean="0">
+                <a:ln>
+                  <a:solidFill>
+                    <a:schemeClr val="accent1">
+                      <a:alpha val="0"/>
+                    </a:schemeClr>
+                  </a:solidFill>
+                </a:ln>
+                <a:solidFill>
+                  <a:schemeClr val="tx1">
+                    <a:lumMod val="75000"/>
+                    <a:lumOff val="25000"/>
+                  </a:schemeClr>
+                </a:solidFill>
+                <a:latin typeface="+mn-ea"/>
+              </a:rPr>
+              <a:t>역할분</a:t>
+            </a:r>
+            <a:r>
+              <a:rPr lang="ko-KR" altLang="en-US" dirty="0">
+                <a:ln>
+                  <a:solidFill>
+                    <a:schemeClr val="accent1">
+                      <a:alpha val="0"/>
+                    </a:schemeClr>
+                  </a:solidFill>
+                </a:ln>
+                <a:solidFill>
+                  <a:schemeClr val="tx1">
+                    <a:lumMod val="75000"/>
+                    <a:lumOff val="25000"/>
+                  </a:schemeClr>
+                </a:solidFill>
+                <a:latin typeface="+mn-ea"/>
+              </a:rPr>
+              <a:t>담</a:t>
+            </a:r>
+            <a:endParaRPr lang="ko-KR" altLang="en-US" sz="1600" dirty="0">
+              <a:ln>
+                <a:solidFill>
+                  <a:schemeClr val="accent1">
+                    <a:alpha val="0"/>
+                  </a:schemeClr>
+                </a:solidFill>
+              </a:ln>
+              <a:solidFill>
+                <a:schemeClr val="tx1">
+                  <a:lumMod val="75000"/>
+                  <a:lumOff val="25000"/>
+                </a:schemeClr>
+              </a:solidFill>
+              <a:latin typeface="+mn-ea"/>
+            </a:endParaRPr>
+          </a:p>
+        </p:txBody>
+      </p:sp>
+      <p:sp>
+        <p:nvSpPr>
+          <p:cNvPr id="12" name="TextBox 11"/>
+          <p:cNvSpPr txBox="1"/>
+          <p:nvPr/>
+        </p:nvSpPr>
+        <p:spPr>
+          <a:xfrm>
+            <a:off x="5148064" y="3323265"/>
+            <a:ext cx="3059832" cy="400110"/>
+          </a:xfrm>
+          <a:prstGeom prst="rect">
+            <a:avLst/>
+          </a:prstGeom>
+          <a:noFill/>
+        </p:spPr>
+        <p:txBody>
+          <a:bodyPr wrap="square" rtlCol="0">
+            <a:spAutoFit/>
+          </a:bodyPr>
+          <a:lstStyle/>
+          <a:p>
+            <a:r>
+              <a:rPr lang="en-US" altLang="ko-KR" b="1" dirty="0" smtClean="0">
+                <a:ln>
+                  <a:solidFill>
+                    <a:schemeClr val="accent1">
+                      <a:alpha val="0"/>
+                    </a:schemeClr>
+                  </a:solidFill>
+                </a:ln>
+                <a:solidFill>
+                  <a:schemeClr val="tx1">
+                    <a:lumMod val="75000"/>
+                    <a:lumOff val="25000"/>
+                  </a:schemeClr>
+                </a:solidFill>
+                <a:latin typeface="+mn-ea"/>
+              </a:rPr>
+              <a:t>5</a:t>
+            </a:r>
+            <a:r>
+              <a:rPr lang="en-US" altLang="ko-KR" sz="2000" b="1" dirty="0" smtClean="0">
+                <a:ln>
+                  <a:solidFill>
+                    <a:schemeClr val="accent1">
+                      <a:alpha val="0"/>
+                    </a:schemeClr>
+                  </a:solidFill>
+                </a:ln>
+                <a:solidFill>
+                  <a:schemeClr val="tx1">
+                    <a:lumMod val="75000"/>
+                    <a:lumOff val="25000"/>
+                  </a:schemeClr>
+                </a:solidFill>
+                <a:latin typeface="+mn-ea"/>
+              </a:rPr>
+              <a:t>/ </a:t>
+            </a:r>
+            <a:r>
+              <a:rPr lang="ko-KR" altLang="en-US" dirty="0" smtClean="0">
+                <a:ln>
+                  <a:solidFill>
+                    <a:schemeClr val="accent1">
+                      <a:alpha val="0"/>
+                    </a:schemeClr>
+                  </a:solidFill>
+                </a:ln>
+                <a:solidFill>
+                  <a:schemeClr val="tx1">
+                    <a:lumMod val="75000"/>
+                    <a:lumOff val="25000"/>
+                  </a:schemeClr>
+                </a:solidFill>
+                <a:latin typeface="+mn-ea"/>
+              </a:rPr>
+              <a:t>일정</a:t>
+            </a:r>
+            <a:endParaRPr lang="ko-KR" altLang="en-US" dirty="0">
               <a:ln>
                 <a:solidFill>
                   <a:schemeClr val="accent1">
@@ -5252,20 +5982,7 @@
                 </a:ln>
                 <a:latin typeface="+mn-ea"/>
               </a:rPr>
-              <a:t>어드벤처 액션 </a:t>
-            </a:r>
-            <a:r>
-              <a:rPr lang="ko-KR" altLang="en-US" sz="2000" dirty="0" smtClean="0">
-                <a:ln>
-                  <a:solidFill>
-                    <a:schemeClr val="accent1">
-                      <a:alpha val="0"/>
-                    </a:schemeClr>
-                  </a:solidFill>
-                </a:ln>
-                <a:latin typeface="+mn-ea"/>
-              </a:rPr>
-              <a:t>게임</a:t>
+              <a:t>어드벤처 액션 게임</a:t>
             </a:r>
             <a:endParaRPr lang="ko-KR" altLang="en-US" sz="2000" dirty="0">
               <a:ln>
@@ -5423,20 +6140,7 @@
                 </a:ln>
                 <a:latin typeface="+mn-ea"/>
               </a:rPr>
-              <a:t>처치하며 스테이지를 나아가는 </a:t>
-            </a:r>
-            <a:r>
-              <a:rPr lang="ko-KR" altLang="en-US" sz="2000" dirty="0" smtClean="0">
-                <a:ln>
-                  <a:solidFill>
-                    <a:schemeClr val="accent1">
-                      <a:alpha val="0"/>
-                    </a:schemeClr>
-                  </a:solidFill>
-                </a:ln>
-                <a:latin typeface="+mn-ea"/>
-              </a:rPr>
-              <a:t>오프라인 게임</a:t>
+              <a:t>처치하며 스테이지를 나아가는 오프라인 게임</a:t>
             </a:r>
             <a:endParaRPr lang="ko-KR" altLang="en-US" sz="2000" dirty="0">
               <a:ln>
@@ -5555,20 +6259,7 @@
                 </a:ln>
                 <a:latin typeface="+mn-ea"/>
               </a:rPr>
-              <a:t>– </a:t>
-            </a:r>
-            <a:r>
-              <a:rPr lang="en-US" altLang="ko-KR" sz="2000" dirty="0" smtClean="0">
-                <a:ln>
-                  <a:solidFill>
-                    <a:schemeClr val="accent1">
-                      <a:alpha val="0"/>
-                    </a:schemeClr>
-                  </a:solidFill>
-                </a:ln>
-                <a:latin typeface="+mn-ea"/>
-              </a:rPr>
-              <a:t>DIRECT X</a:t>
+              <a:t>– DIRECT X</a:t>
             </a:r>
             <a:endParaRPr lang="ko-KR" altLang="en-US" sz="2000" dirty="0">
               <a:ln>
@@ -5586,7 +6277,7 @@
     </p:spTree>
     <p:extLst>
       <p:ext uri="{BB962C8B-B14F-4D97-AF65-F5344CB8AC3E}">
-        <p14:creationId xmlns:p14="http://schemas.microsoft.com/office/powerpoint/2010/main" val="2184570779"/>
+        <p14:creationId xmlns:p14="http://schemas.microsoft.com/office/powerpoint/2010/main" val="3115935007"/>
       </p:ext>
     </p:extLst>
   </p:cSld>
@@ -5737,24 +6428,10 @@
                 </a:ln>
                 <a:latin typeface="+mn-ea"/>
               </a:rPr>
-              <a:t>게임</a:t>
-            </a:r>
-            <a:r>
-              <a:rPr lang="ko-KR" altLang="en-US" sz="2000" dirty="0" smtClean="0">
-                <a:ln>
-                  <a:solidFill>
-                    <a:schemeClr val="accent1">
-                      <a:alpha val="0"/>
-                    </a:schemeClr>
-                  </a:solidFill>
-                </a:ln>
-                <a:latin typeface="나눔고딕 ExtraBold" panose="020D0904000000000000" pitchFamily="50" charset="-127"/>
-                <a:ea typeface="나눔고딕 ExtraBold" panose="020D0904000000000000" pitchFamily="50" charset="-127"/>
-              </a:rPr>
-              <a:t> </a:t>
-            </a:r>
-            <a:r>
-              <a:rPr lang="ko-KR" altLang="en-US" sz="2000" b="1" dirty="0" smtClean="0">
+              <a:t>스토</a:t>
+            </a:r>
+            <a:r>
+              <a:rPr lang="ko-KR" altLang="en-US" sz="2000" b="1" dirty="0">
                 <a:ln>
                   <a:solidFill>
                     <a:schemeClr val="accent1">
@@ -5764,7 +6441,7 @@
                 </a:ln>
                 <a:latin typeface="+mn-ea"/>
               </a:rPr>
-              <a:t>스토리</a:t>
+              <a:t>리</a:t>
             </a:r>
             <a:endParaRPr lang="ko-KR" altLang="en-US" b="1" dirty="0">
               <a:ln>
@@ -5787,7 +6464,7 @@
         </p:nvSpPr>
         <p:spPr>
           <a:xfrm>
-            <a:off x="539552" y="1552726"/>
+            <a:off x="539552" y="1340768"/>
             <a:ext cx="7704856" cy="3785652"/>
           </a:xfrm>
           <a:prstGeom prst="rect">
@@ -6193,7 +6870,7 @@
                 <a:latin typeface="나눔고딕 ExtraBold" panose="020D0904000000000000" pitchFamily="50" charset="-127"/>
                 <a:ea typeface="나눔고딕 ExtraBold" panose="020D0904000000000000" pitchFamily="50" charset="-127"/>
               </a:rPr>
-              <a:t>3</a:t>
+              <a:t>2</a:t>
             </a:r>
             <a:r>
               <a:rPr lang="en-US" altLang="ko-KR" sz="2000" dirty="0" smtClean="0">
@@ -6304,8 +6981,9 @@
             <a:avLst/>
           </a:prstGeom>
           <a:solidFill>
-            <a:schemeClr val="accent6">
-              <a:lumMod val="75000"/>
+            <a:schemeClr val="accent5">
+              <a:lumMod val="60000"/>
+              <a:lumOff val="40000"/>
             </a:schemeClr>
           </a:solidFill>
           <a:ln>
@@ -6364,8 +7042,9 @@
             <a:avLst/>
           </a:prstGeom>
           <a:solidFill>
-            <a:schemeClr val="accent6">
-              <a:lumMod val="75000"/>
+            <a:schemeClr val="accent5">
+              <a:lumMod val="60000"/>
+              <a:lumOff val="40000"/>
             </a:schemeClr>
           </a:solidFill>
           <a:ln>
@@ -6424,8 +7103,9 @@
             <a:avLst/>
           </a:prstGeom>
           <a:solidFill>
-            <a:schemeClr val="accent6">
-              <a:lumMod val="75000"/>
+            <a:schemeClr val="accent5">
+              <a:lumMod val="60000"/>
+              <a:lumOff val="40000"/>
             </a:schemeClr>
           </a:solidFill>
           <a:ln>
@@ -6471,21 +7151,22 @@
       </p:sp>
       <p:sp>
         <p:nvSpPr>
-          <p:cNvPr id="23" name="직사각형 22"/>
+          <p:cNvPr id="24" name="직사각형 23"/>
           <p:cNvSpPr/>
           <p:nvPr/>
         </p:nvSpPr>
         <p:spPr>
           <a:xfrm>
-            <a:off x="1763688" y="4581128"/>
-            <a:ext cx="576064" cy="576064"/>
+            <a:off x="1817802" y="4577860"/>
+            <a:ext cx="432048" cy="507685"/>
           </a:xfrm>
           <a:prstGeom prst="rect">
             <a:avLst/>
           </a:prstGeom>
           <a:solidFill>
-            <a:schemeClr val="accent6">
-              <a:lumMod val="75000"/>
+            <a:schemeClr val="accent5">
+              <a:lumMod val="60000"/>
+              <a:lumOff val="40000"/>
             </a:schemeClr>
           </a:solidFill>
           <a:ln>
@@ -6513,67 +7194,294 @@
           <a:lstStyle/>
           <a:p>
             <a:pPr algn="ctr"/>
-            <a:endParaRPr lang="ko-KR" altLang="en-US"/>
-          </a:p>
-        </p:txBody>
-      </p:sp>
-      <p:sp>
-        <p:nvSpPr>
-          <p:cNvPr id="24" name="직사각형 23"/>
-          <p:cNvSpPr/>
+            <a:r>
+              <a:rPr lang="en-US" altLang="ko-KR" b="1" dirty="0">
+                <a:solidFill>
+                  <a:schemeClr val="tx1"/>
+                </a:solidFill>
+              </a:rPr>
+              <a:t>Z</a:t>
+            </a:r>
+            <a:endParaRPr lang="ko-KR" altLang="en-US" b="1" dirty="0">
+              <a:solidFill>
+                <a:schemeClr val="tx1"/>
+              </a:solidFill>
+            </a:endParaRPr>
+          </a:p>
+        </p:txBody>
+      </p:sp>
+      <p:cxnSp>
+        <p:nvCxnSpPr>
+          <p:cNvPr id="6" name="직선 화살표 연결선 5"/>
+          <p:cNvCxnSpPr>
+            <a:stCxn id="2" idx="2"/>
+          </p:cNvCxnSpPr>
           <p:nvPr/>
-        </p:nvSpPr>
+        </p:nvCxnSpPr>
         <p:spPr>
           <a:xfrm>
-            <a:off x="1817803" y="4615317"/>
-            <a:ext cx="432048" cy="507685"/>
-          </a:xfrm>
-          <a:prstGeom prst="rect">
+            <a:off x="755576" y="5733256"/>
+            <a:ext cx="0" cy="576064"/>
+          </a:xfrm>
+          <a:prstGeom prst="straightConnector1">
             <a:avLst/>
           </a:prstGeom>
-          <a:solidFill>
-            <a:schemeClr val="accent6">
-              <a:lumMod val="75000"/>
-            </a:schemeClr>
-          </a:solidFill>
-          <a:ln>
-            <a:noFill/>
+          <a:ln w="38100">
+            <a:solidFill>
+              <a:schemeClr val="tx1"/>
+            </a:solidFill>
+            <a:tailEnd type="arrow"/>
           </a:ln>
         </p:spPr>
         <p:style>
-          <a:lnRef idx="2">
-            <a:schemeClr val="accent1">
-              <a:shade val="50000"/>
-            </a:schemeClr>
+          <a:lnRef idx="1">
+            <a:schemeClr val="accent1"/>
           </a:lnRef>
-          <a:fillRef idx="1">
+          <a:fillRef idx="0">
             <a:schemeClr val="accent1"/>
           </a:fillRef>
           <a:effectRef idx="0">
             <a:schemeClr val="accent1"/>
           </a:effectRef>
           <a:fontRef idx="minor">
-            <a:schemeClr val="lt1"/>
+            <a:schemeClr val="tx1"/>
           </a:fontRef>
         </p:style>
-        <p:txBody>
-          <a:bodyPr rtlCol="0" anchor="ctr"/>
-          <a:lstStyle/>
-          <a:p>
-            <a:pPr algn="ctr"/>
-            <a:r>
-              <a:rPr lang="en-US" altLang="ko-KR" b="1" dirty="0">
-                <a:solidFill>
-                  <a:schemeClr val="tx1"/>
-                </a:solidFill>
-              </a:rPr>
-              <a:t>Z</a:t>
-            </a:r>
-            <a:endParaRPr lang="ko-KR" altLang="en-US" b="1" dirty="0">
-              <a:solidFill>
-                <a:schemeClr val="tx1"/>
-              </a:solidFill>
-            </a:endParaRPr>
+      </p:cxnSp>
+      <p:sp>
+        <p:nvSpPr>
+          <p:cNvPr id="7" name="TextBox 6"/>
+          <p:cNvSpPr txBox="1"/>
+          <p:nvPr/>
+        </p:nvSpPr>
+        <p:spPr>
+          <a:xfrm>
+            <a:off x="397277" y="6358281"/>
+            <a:ext cx="646331" cy="369332"/>
+          </a:xfrm>
+          <a:prstGeom prst="rect">
+            <a:avLst/>
+          </a:prstGeom>
+          <a:noFill/>
+        </p:spPr>
+        <p:txBody>
+          <a:bodyPr wrap="none" rtlCol="0">
+            <a:spAutoFit/>
+          </a:bodyPr>
+          <a:lstStyle/>
+          <a:p>
+            <a:r>
+              <a:rPr lang="ko-KR" altLang="en-US" dirty="0" smtClean="0"/>
+              <a:t>공격</a:t>
+            </a:r>
+            <a:endParaRPr lang="ko-KR" altLang="en-US" dirty="0"/>
+          </a:p>
+        </p:txBody>
+      </p:sp>
+      <p:sp>
+        <p:nvSpPr>
+          <p:cNvPr id="13" name="TextBox 12"/>
+          <p:cNvSpPr txBox="1"/>
+          <p:nvPr/>
+        </p:nvSpPr>
+        <p:spPr>
+          <a:xfrm>
+            <a:off x="1603519" y="6358281"/>
+            <a:ext cx="646331" cy="369332"/>
+          </a:xfrm>
+          <a:prstGeom prst="rect">
+            <a:avLst/>
+          </a:prstGeom>
+          <a:noFill/>
+        </p:spPr>
+        <p:txBody>
+          <a:bodyPr wrap="none" rtlCol="0">
+            <a:spAutoFit/>
+          </a:bodyPr>
+          <a:lstStyle/>
+          <a:p>
+            <a:r>
+              <a:rPr lang="ko-KR" altLang="en-US" dirty="0" smtClean="0"/>
+              <a:t>점</a:t>
+            </a:r>
+            <a:r>
+              <a:rPr lang="ko-KR" altLang="en-US" dirty="0"/>
+              <a:t>프</a:t>
+            </a:r>
+          </a:p>
+        </p:txBody>
+      </p:sp>
+      <p:cxnSp>
+        <p:nvCxnSpPr>
+          <p:cNvPr id="14" name="직선 화살표 연결선 13"/>
+          <p:cNvCxnSpPr/>
+          <p:nvPr/>
+        </p:nvCxnSpPr>
+        <p:spPr>
+          <a:xfrm>
+            <a:off x="1926684" y="5647238"/>
+            <a:ext cx="0" cy="576064"/>
+          </a:xfrm>
+          <a:prstGeom prst="straightConnector1">
+            <a:avLst/>
+          </a:prstGeom>
+          <a:ln w="38100">
+            <a:solidFill>
+              <a:schemeClr val="tx1"/>
+            </a:solidFill>
+            <a:tailEnd type="arrow"/>
+          </a:ln>
+        </p:spPr>
+        <p:style>
+          <a:lnRef idx="1">
+            <a:schemeClr val="accent1"/>
+          </a:lnRef>
+          <a:fillRef idx="0">
+            <a:schemeClr val="accent1"/>
+          </a:fillRef>
+          <a:effectRef idx="0">
+            <a:schemeClr val="accent1"/>
+          </a:effectRef>
+          <a:fontRef idx="minor">
+            <a:schemeClr val="tx1"/>
+          </a:fontRef>
+        </p:style>
+      </p:cxnSp>
+      <p:cxnSp>
+        <p:nvCxnSpPr>
+          <p:cNvPr id="15" name="직선 화살표 연결선 14"/>
+          <p:cNvCxnSpPr/>
+          <p:nvPr/>
+        </p:nvCxnSpPr>
+        <p:spPr>
+          <a:xfrm>
+            <a:off x="2125104" y="4959504"/>
+            <a:ext cx="1078744" cy="1263798"/>
+          </a:xfrm>
+          <a:prstGeom prst="straightConnector1">
+            <a:avLst/>
+          </a:prstGeom>
+          <a:ln w="38100">
+            <a:solidFill>
+              <a:schemeClr val="tx1"/>
+            </a:solidFill>
+            <a:tailEnd type="arrow"/>
+          </a:ln>
+        </p:spPr>
+        <p:style>
+          <a:lnRef idx="1">
+            <a:schemeClr val="accent1"/>
+          </a:lnRef>
+          <a:fillRef idx="0">
+            <a:schemeClr val="accent1"/>
+          </a:fillRef>
+          <a:effectRef idx="0">
+            <a:schemeClr val="accent1"/>
+          </a:effectRef>
+          <a:fontRef idx="minor">
+            <a:schemeClr val="tx1"/>
+          </a:fontRef>
+        </p:style>
+      </p:cxnSp>
+      <p:sp>
+        <p:nvSpPr>
+          <p:cNvPr id="17" name="TextBox 16"/>
+          <p:cNvSpPr txBox="1"/>
+          <p:nvPr/>
+        </p:nvSpPr>
+        <p:spPr>
+          <a:xfrm>
+            <a:off x="2915816" y="6309320"/>
+            <a:ext cx="1107996" cy="369332"/>
+          </a:xfrm>
+          <a:prstGeom prst="rect">
+            <a:avLst/>
+          </a:prstGeom>
+          <a:noFill/>
+        </p:spPr>
+        <p:txBody>
+          <a:bodyPr wrap="none" rtlCol="0">
+            <a:spAutoFit/>
+          </a:bodyPr>
+          <a:lstStyle/>
+          <a:p>
+            <a:r>
+              <a:rPr lang="ko-KR" altLang="en-US" dirty="0" smtClean="0"/>
+              <a:t>엎드리</a:t>
+            </a:r>
+            <a:r>
+              <a:rPr lang="ko-KR" altLang="en-US" dirty="0"/>
+              <a:t>기</a:t>
+            </a:r>
+          </a:p>
+        </p:txBody>
+      </p:sp>
+      <p:cxnSp>
+        <p:nvCxnSpPr>
+          <p:cNvPr id="19" name="직선 화살표 연결선 18"/>
+          <p:cNvCxnSpPr/>
+          <p:nvPr/>
+        </p:nvCxnSpPr>
+        <p:spPr>
+          <a:xfrm>
+            <a:off x="8100392" y="5647238"/>
+            <a:ext cx="0" cy="576064"/>
+          </a:xfrm>
+          <a:prstGeom prst="straightConnector1">
+            <a:avLst/>
+          </a:prstGeom>
+          <a:ln w="38100">
+            <a:solidFill>
+              <a:schemeClr val="tx1"/>
+            </a:solidFill>
+            <a:tailEnd type="arrow"/>
+          </a:ln>
+        </p:spPr>
+        <p:style>
+          <a:lnRef idx="1">
+            <a:schemeClr val="accent1"/>
+          </a:lnRef>
+          <a:fillRef idx="0">
+            <a:schemeClr val="accent1"/>
+          </a:fillRef>
+          <a:effectRef idx="0">
+            <a:schemeClr val="accent1"/>
+          </a:effectRef>
+          <a:fontRef idx="minor">
+            <a:schemeClr val="tx1"/>
+          </a:fontRef>
+        </p:style>
+      </p:cxnSp>
+      <p:sp>
+        <p:nvSpPr>
+          <p:cNvPr id="20" name="TextBox 19"/>
+          <p:cNvSpPr txBox="1"/>
+          <p:nvPr/>
+        </p:nvSpPr>
+        <p:spPr>
+          <a:xfrm>
+            <a:off x="7777226" y="6290029"/>
+            <a:ext cx="877163" cy="369332"/>
+          </a:xfrm>
+          <a:prstGeom prst="rect">
+            <a:avLst/>
+          </a:prstGeom>
+          <a:noFill/>
+        </p:spPr>
+        <p:txBody>
+          <a:bodyPr wrap="none" rtlCol="0">
+            <a:spAutoFit/>
+          </a:bodyPr>
+          <a:lstStyle/>
+          <a:p>
+            <a:r>
+              <a:rPr lang="ko-KR" altLang="en-US" dirty="0" smtClean="0"/>
+              <a:t>방향</a:t>
+            </a:r>
+            <a:r>
+              <a:rPr lang="ko-KR" altLang="en-US" dirty="0"/>
+              <a:t>키</a:t>
+            </a:r>
           </a:p>
         </p:txBody>
       </p:sp>
@@ -6649,98 +7557,7 @@
           <a:lstStyle/>
           <a:p>
             <a:pPr algn="ctr"/>
-            <a:r>
-              <a:rPr lang="ko-KR" altLang="en-US" sz="2000" b="1" dirty="0" smtClean="0">
-                <a:ln>
-                  <a:solidFill>
-                    <a:schemeClr val="accent1">
-                      <a:alpha val="0"/>
-                    </a:schemeClr>
-                  </a:solidFill>
-                </a:ln>
-                <a:latin typeface="+mn-ea"/>
-              </a:rPr>
-              <a:t>숨고</a:t>
-            </a:r>
-            <a:r>
-              <a:rPr lang="en-US" altLang="ko-KR" sz="2000" b="1" dirty="0" smtClean="0">
-                <a:ln>
-                  <a:solidFill>
-                    <a:schemeClr val="accent1">
-                      <a:alpha val="0"/>
-                    </a:schemeClr>
-                  </a:solidFill>
-                </a:ln>
-                <a:latin typeface="+mn-ea"/>
-              </a:rPr>
-              <a:t>, </a:t>
-            </a:r>
-            <a:r>
-              <a:rPr lang="ko-KR" altLang="en-US" sz="2000" b="1" dirty="0" smtClean="0">
-                <a:ln>
-                  <a:solidFill>
-                    <a:schemeClr val="accent1">
-                      <a:alpha val="0"/>
-                    </a:schemeClr>
-                  </a:solidFill>
-                </a:ln>
-                <a:latin typeface="+mn-ea"/>
-              </a:rPr>
-              <a:t>피</a:t>
-            </a:r>
-            <a:r>
-              <a:rPr lang="ko-KR" altLang="en-US" sz="2000" b="1" dirty="0">
-                <a:ln>
-                  <a:solidFill>
-                    <a:schemeClr val="accent1">
-                      <a:alpha val="0"/>
-                    </a:schemeClr>
-                  </a:solidFill>
-                </a:ln>
-                <a:latin typeface="+mn-ea"/>
-              </a:rPr>
-              <a:t>하</a:t>
-            </a:r>
-            <a:r>
-              <a:rPr lang="ko-KR" altLang="en-US" sz="2000" b="1" dirty="0" smtClean="0">
-                <a:ln>
-                  <a:solidFill>
-                    <a:schemeClr val="accent1">
-                      <a:alpha val="0"/>
-                    </a:schemeClr>
-                  </a:solidFill>
-                </a:ln>
-                <a:latin typeface="+mn-ea"/>
-              </a:rPr>
-              <a:t>고</a:t>
-            </a:r>
-            <a:r>
-              <a:rPr lang="en-US" altLang="ko-KR" sz="2000" b="1" dirty="0" smtClean="0">
-                <a:ln>
-                  <a:solidFill>
-                    <a:schemeClr val="accent1">
-                      <a:alpha val="0"/>
-                    </a:schemeClr>
-                  </a:solidFill>
-                </a:ln>
-                <a:latin typeface="+mn-ea"/>
-              </a:rPr>
-              <a:t>, </a:t>
-            </a:r>
-            <a:r>
-              <a:rPr lang="ko-KR" altLang="en-US" sz="2000" b="1" dirty="0" smtClean="0">
-                <a:ln>
-                  <a:solidFill>
-                    <a:schemeClr val="accent1">
-                      <a:alpha val="0"/>
-                    </a:schemeClr>
-                  </a:solidFill>
-                </a:ln>
-                <a:latin typeface="+mn-ea"/>
-              </a:rPr>
-              <a:t>처치하고</a:t>
-            </a:r>
-            <a:endParaRPr lang="ko-KR" altLang="en-US" sz="2000" b="1" dirty="0">
+            <a:endParaRPr lang="ko-KR" altLang="en-US" dirty="0">
               <a:ln>
                 <a:solidFill>
                   <a:schemeClr val="accent1">
@@ -6748,7 +7565,8 @@
                   </a:schemeClr>
                 </a:solidFill>
               </a:ln>
-              <a:latin typeface="+mn-ea"/>
+              <a:latin typeface="나눔고딕 ExtraBold" panose="020D0904000000000000" pitchFamily="50" charset="-127"/>
+              <a:ea typeface="나눔고딕 ExtraBold" panose="020D0904000000000000" pitchFamily="50" charset="-127"/>
             </a:endParaRPr>
           </a:p>
         </p:txBody>
@@ -6787,7 +7605,7 @@
                 <a:latin typeface="나눔고딕 ExtraBold" panose="020D0904000000000000" pitchFamily="50" charset="-127"/>
                 <a:ea typeface="나눔고딕 ExtraBold" panose="020D0904000000000000" pitchFamily="50" charset="-127"/>
               </a:rPr>
-              <a:t>4</a:t>
+              <a:t>2</a:t>
             </a:r>
             <a:r>
               <a:rPr lang="en-US" altLang="ko-KR" sz="2000" dirty="0" smtClean="0">
@@ -6814,7 +7632,7 @@
                 </a:ln>
                 <a:latin typeface="+mn-ea"/>
               </a:rPr>
-              <a:t>게임방법</a:t>
+              <a:t>캐릭터</a:t>
             </a:r>
             <a:endParaRPr lang="ko-KR" altLang="en-US" b="1" dirty="0">
               <a:ln>
@@ -6829,150 +7647,57 @@
           </a:p>
         </p:txBody>
       </p:sp>
-      <p:sp>
-        <p:nvSpPr>
-          <p:cNvPr id="6" name="TextBox 5"/>
-          <p:cNvSpPr txBox="1"/>
+      <p:pic>
+        <p:nvPicPr>
+          <p:cNvPr id="3" name="Picture 2" descr="C:\Users\JHE\Desktop\그림3.jpg"/>
+          <p:cNvPicPr>
+            <a:picLocks noChangeAspect="1" noChangeArrowheads="1"/>
+          </p:cNvPicPr>
           <p:nvPr/>
-        </p:nvSpPr>
-        <p:spPr>
+        </p:nvPicPr>
+        <p:blipFill>
+          <a:blip r:embed="rId3">
+            <a:extLst>
+              <a:ext uri="{28A0092B-C50C-407E-A947-70E740481C1C}">
+                <a14:useLocalDpi xmlns:a14="http://schemas.microsoft.com/office/drawing/2010/main" val="0"/>
+              </a:ext>
+            </a:extLst>
+          </a:blip>
+          <a:srcRect/>
+          <a:stretch>
+            <a:fillRect/>
+          </a:stretch>
+        </p:blipFill>
+        <p:spPr bwMode="auto">
           <a:xfrm>
-            <a:off x="539552" y="1552726"/>
-            <a:ext cx="6552728" cy="369332"/>
+            <a:off x="1854073" y="1628800"/>
+            <a:ext cx="1296144" cy="1957242"/>
           </a:xfrm>
           <a:prstGeom prst="rect">
             <a:avLst/>
           </a:prstGeom>
           <a:noFill/>
-        </p:spPr>
-        <p:txBody>
-          <a:bodyPr wrap="square" rtlCol="0">
-            <a:spAutoFit/>
-          </a:bodyPr>
-          <a:lstStyle/>
-          <a:p>
-            <a:pPr>
-              <a:buFont typeface="Arial" pitchFamily="34" charset="0"/>
-              <a:buChar char="•"/>
-            </a:pPr>
-            <a:r>
-              <a:rPr lang="en-US" altLang="ko-KR" sz="1600" dirty="0" smtClean="0">
-                <a:ln>
-                  <a:solidFill>
-                    <a:schemeClr val="accent1">
-                      <a:alpha val="0"/>
-                    </a:schemeClr>
-                  </a:solidFill>
-                </a:ln>
-                <a:latin typeface="나눔고딕 ExtraBold" panose="020D0904000000000000" pitchFamily="50" charset="-127"/>
-                <a:ea typeface="나눔고딕 ExtraBold" panose="020D0904000000000000" pitchFamily="50" charset="-127"/>
-              </a:rPr>
-              <a:t> </a:t>
-            </a:r>
-            <a:r>
-              <a:rPr lang="ko-KR" altLang="en-US" b="1" dirty="0" smtClean="0">
-                <a:ln>
-                  <a:solidFill>
-                    <a:schemeClr val="accent1">
-                      <a:alpha val="0"/>
-                    </a:schemeClr>
-                  </a:solidFill>
-                </a:ln>
-                <a:latin typeface="+mn-ea"/>
-              </a:rPr>
-              <a:t>빛이 들지 않는 곳으로 </a:t>
-            </a:r>
-            <a:r>
-              <a:rPr lang="ko-KR" altLang="en-US" b="1" dirty="0" smtClean="0">
-                <a:ln>
-                  <a:solidFill>
-                    <a:schemeClr val="accent1">
-                      <a:alpha val="0"/>
-                    </a:schemeClr>
-                  </a:solidFill>
-                </a:ln>
-                <a:solidFill>
-                  <a:srgbClr val="FF0000"/>
-                </a:solidFill>
-                <a:latin typeface="+mn-ea"/>
-              </a:rPr>
-              <a:t>숨어라</a:t>
-            </a:r>
-            <a:r>
-              <a:rPr lang="en-US" altLang="ko-KR" sz="1600" b="1" dirty="0" smtClean="0">
-                <a:ln>
-                  <a:solidFill>
-                    <a:schemeClr val="accent1">
-                      <a:alpha val="0"/>
-                    </a:schemeClr>
-                  </a:solidFill>
-                </a:ln>
-                <a:latin typeface="+mn-ea"/>
-              </a:rPr>
-              <a:t>!(</a:t>
-            </a:r>
-            <a:r>
-              <a:rPr lang="ko-KR" altLang="en-US" sz="1600" b="1" dirty="0" smtClean="0">
-                <a:ln>
-                  <a:solidFill>
-                    <a:schemeClr val="accent1">
-                      <a:alpha val="0"/>
-                    </a:schemeClr>
-                  </a:solidFill>
-                </a:ln>
-                <a:latin typeface="+mn-ea"/>
-              </a:rPr>
-              <a:t>삭제 될 수 있음</a:t>
-            </a:r>
-            <a:r>
-              <a:rPr lang="en-US" altLang="ko-KR" sz="1600" b="1" dirty="0" smtClean="0">
-                <a:ln>
-                  <a:solidFill>
-                    <a:schemeClr val="accent1">
-                      <a:alpha val="0"/>
-                    </a:schemeClr>
-                  </a:solidFill>
-                </a:ln>
-                <a:latin typeface="+mn-ea"/>
-              </a:rPr>
-              <a:t>.)</a:t>
-            </a:r>
-            <a:r>
-              <a:rPr lang="ko-KR" altLang="en-US" sz="1600" b="1" dirty="0" smtClean="0">
-                <a:ln>
-                  <a:solidFill>
-                    <a:schemeClr val="accent1">
-                      <a:alpha val="0"/>
-                    </a:schemeClr>
-                  </a:solidFill>
-                </a:ln>
-                <a:latin typeface="+mn-ea"/>
-              </a:rPr>
-              <a:t> </a:t>
-            </a:r>
-            <a:endParaRPr lang="ko-KR" altLang="en-US" sz="1600" b="1" dirty="0">
-              <a:ln>
-                <a:solidFill>
-                  <a:schemeClr val="accent1">
-                    <a:alpha val="0"/>
-                  </a:schemeClr>
-                </a:solidFill>
-              </a:ln>
-              <a:latin typeface="+mn-ea"/>
-            </a:endParaRPr>
-          </a:p>
-        </p:txBody>
-      </p:sp>
-      <p:sp>
-        <p:nvSpPr>
-          <p:cNvPr id="7" name="TextBox 6"/>
+          <a:extLst>
+            <a:ext uri="{909E8E84-426E-40DD-AFC4-6F175D3DCCD1}">
+              <a14:hiddenFill xmlns:a14="http://schemas.microsoft.com/office/drawing/2010/main">
+                <a:solidFill>
+                  <a:srgbClr val="FFFFFF"/>
+                </a:solidFill>
+              </a14:hiddenFill>
+            </a:ext>
+          </a:extLst>
+        </p:spPr>
+      </p:pic>
+      <p:sp>
+        <p:nvSpPr>
+          <p:cNvPr id="12" name="TextBox 11"/>
           <p:cNvSpPr txBox="1"/>
           <p:nvPr/>
         </p:nvSpPr>
         <p:spPr>
           <a:xfrm>
-            <a:off x="617602" y="3110317"/>
-            <a:ext cx="3059832" cy="338554"/>
+            <a:off x="827584" y="4149080"/>
+            <a:ext cx="184731" cy="369332"/>
           </a:xfrm>
           <a:prstGeom prst="rect">
             <a:avLst/>
@@ -6980,94 +7705,505 @@
           <a:noFill/>
         </p:spPr>
         <p:txBody>
-          <a:bodyPr wrap="square" rtlCol="0">
+          <a:bodyPr wrap="none" rtlCol="0">
             <a:spAutoFit/>
           </a:bodyPr>
           <a:lstStyle/>
           <a:p>
-            <a:pPr>
-              <a:buFont typeface="Arial" pitchFamily="34" charset="0"/>
-              <a:buChar char="•"/>
-            </a:pPr>
-            <a:r>
-              <a:rPr lang="en-US" altLang="ko-KR" sz="1600" dirty="0" smtClean="0">
-                <a:ln>
-                  <a:solidFill>
-                    <a:schemeClr val="accent1">
-                      <a:alpha val="0"/>
-                    </a:schemeClr>
-                  </a:solidFill>
-                </a:ln>
-                <a:latin typeface="나눔고딕 ExtraBold" panose="020D0904000000000000" pitchFamily="50" charset="-127"/>
-                <a:ea typeface="나눔고딕 ExtraBold" panose="020D0904000000000000" pitchFamily="50" charset="-127"/>
-              </a:rPr>
-              <a:t> </a:t>
-            </a:r>
-            <a:r>
-              <a:rPr lang="ko-KR" altLang="en-US" sz="1600" b="1" dirty="0" smtClean="0">
-                <a:ln>
-                  <a:solidFill>
-                    <a:schemeClr val="accent1">
-                      <a:alpha val="0"/>
-                    </a:schemeClr>
-                  </a:solidFill>
-                </a:ln>
-                <a:latin typeface="+mn-ea"/>
-              </a:rPr>
-              <a:t>사물 위로 </a:t>
-            </a:r>
-            <a:r>
-              <a:rPr lang="ko-KR" altLang="en-US" sz="1600" b="1" dirty="0" smtClean="0">
-                <a:ln>
-                  <a:solidFill>
-                    <a:schemeClr val="accent1">
-                      <a:alpha val="0"/>
-                    </a:schemeClr>
-                  </a:solidFill>
-                </a:ln>
-                <a:solidFill>
-                  <a:srgbClr val="FF0000"/>
-                </a:solidFill>
-                <a:latin typeface="+mn-ea"/>
-              </a:rPr>
-              <a:t>피해라</a:t>
-            </a:r>
-            <a:r>
-              <a:rPr lang="en-US" altLang="ko-KR" sz="1600" b="1" dirty="0" smtClean="0">
-                <a:ln>
-                  <a:solidFill>
-                    <a:schemeClr val="accent1">
-                      <a:alpha val="0"/>
-                    </a:schemeClr>
-                  </a:solidFill>
-                </a:ln>
-                <a:latin typeface="+mn-ea"/>
-              </a:rPr>
-              <a:t>!</a:t>
-            </a:r>
-            <a:endParaRPr lang="ko-KR" altLang="en-US" sz="1600" b="1" dirty="0">
-              <a:ln>
-                <a:solidFill>
-                  <a:schemeClr val="accent1">
-                    <a:alpha val="0"/>
-                  </a:schemeClr>
-                </a:solidFill>
-              </a:ln>
-              <a:latin typeface="+mn-ea"/>
-            </a:endParaRPr>
-          </a:p>
-        </p:txBody>
-      </p:sp>
-      <p:sp>
-        <p:nvSpPr>
-          <p:cNvPr id="8" name="TextBox 7"/>
+            <a:endParaRPr lang="ko-KR" altLang="en-US" dirty="0"/>
+          </a:p>
+        </p:txBody>
+      </p:sp>
+      <p:sp>
+        <p:nvSpPr>
+          <p:cNvPr id="50" name="직사각형 49"/>
+          <p:cNvSpPr/>
+          <p:nvPr/>
+        </p:nvSpPr>
+        <p:spPr>
+          <a:xfrm flipV="1">
+            <a:off x="636134" y="1340767"/>
+            <a:ext cx="3720806" cy="45719"/>
+          </a:xfrm>
+          <a:prstGeom prst="rect">
+            <a:avLst/>
+          </a:prstGeom>
+          <a:solidFill>
+            <a:schemeClr val="bg1">
+              <a:lumMod val="65000"/>
+            </a:schemeClr>
+          </a:solidFill>
+          <a:ln>
+            <a:noFill/>
+          </a:ln>
+        </p:spPr>
+        <p:style>
+          <a:lnRef idx="2">
+            <a:schemeClr val="accent1">
+              <a:shade val="50000"/>
+            </a:schemeClr>
+          </a:lnRef>
+          <a:fillRef idx="1">
+            <a:schemeClr val="accent1"/>
+          </a:fillRef>
+          <a:effectRef idx="0">
+            <a:schemeClr val="accent1"/>
+          </a:effectRef>
+          <a:fontRef idx="minor">
+            <a:schemeClr val="lt1"/>
+          </a:fontRef>
+        </p:style>
+        <p:txBody>
+          <a:bodyPr rtlCol="0" anchor="ctr"/>
+          <a:lstStyle/>
+          <a:p>
+            <a:pPr algn="ctr"/>
+            <a:endParaRPr lang="ko-KR" altLang="en-US"/>
+          </a:p>
+        </p:txBody>
+      </p:sp>
+      <p:sp>
+        <p:nvSpPr>
+          <p:cNvPr id="38" name="직사각형 37"/>
+          <p:cNvSpPr/>
+          <p:nvPr/>
+        </p:nvSpPr>
+        <p:spPr>
+          <a:xfrm>
+            <a:off x="638878" y="1386487"/>
+            <a:ext cx="45719" cy="5184576"/>
+          </a:xfrm>
+          <a:prstGeom prst="rect">
+            <a:avLst/>
+          </a:prstGeom>
+          <a:solidFill>
+            <a:schemeClr val="bg1">
+              <a:lumMod val="65000"/>
+            </a:schemeClr>
+          </a:solidFill>
+          <a:ln>
+            <a:noFill/>
+          </a:ln>
+        </p:spPr>
+        <p:style>
+          <a:lnRef idx="2">
+            <a:schemeClr val="accent1">
+              <a:shade val="50000"/>
+            </a:schemeClr>
+          </a:lnRef>
+          <a:fillRef idx="1">
+            <a:schemeClr val="accent1"/>
+          </a:fillRef>
+          <a:effectRef idx="0">
+            <a:schemeClr val="accent1"/>
+          </a:effectRef>
+          <a:fontRef idx="minor">
+            <a:schemeClr val="lt1"/>
+          </a:fontRef>
+        </p:style>
+        <p:txBody>
+          <a:bodyPr rtlCol="0" anchor="ctr"/>
+          <a:lstStyle/>
+          <a:p>
+            <a:pPr algn="ctr"/>
+            <a:endParaRPr lang="ko-KR" altLang="en-US"/>
+          </a:p>
+        </p:txBody>
+      </p:sp>
+      <p:sp>
+        <p:nvSpPr>
+          <p:cNvPr id="58" name="직사각형 57"/>
+          <p:cNvSpPr/>
+          <p:nvPr/>
+        </p:nvSpPr>
+        <p:spPr>
+          <a:xfrm flipV="1">
+            <a:off x="634830" y="6562434"/>
+            <a:ext cx="3727718" cy="45719"/>
+          </a:xfrm>
+          <a:prstGeom prst="rect">
+            <a:avLst/>
+          </a:prstGeom>
+          <a:solidFill>
+            <a:schemeClr val="bg1">
+              <a:lumMod val="65000"/>
+            </a:schemeClr>
+          </a:solidFill>
+          <a:ln>
+            <a:noFill/>
+          </a:ln>
+        </p:spPr>
+        <p:style>
+          <a:lnRef idx="2">
+            <a:schemeClr val="accent1">
+              <a:shade val="50000"/>
+            </a:schemeClr>
+          </a:lnRef>
+          <a:fillRef idx="1">
+            <a:schemeClr val="accent1"/>
+          </a:fillRef>
+          <a:effectRef idx="0">
+            <a:schemeClr val="accent1"/>
+          </a:effectRef>
+          <a:fontRef idx="minor">
+            <a:schemeClr val="lt1"/>
+          </a:fontRef>
+        </p:style>
+        <p:txBody>
+          <a:bodyPr rtlCol="0" anchor="ctr"/>
+          <a:lstStyle/>
+          <a:p>
+            <a:pPr algn="ctr"/>
+            <a:endParaRPr lang="ko-KR" altLang="en-US"/>
+          </a:p>
+        </p:txBody>
+      </p:sp>
+      <p:sp>
+        <p:nvSpPr>
+          <p:cNvPr id="59" name="직사각형 58"/>
+          <p:cNvSpPr/>
+          <p:nvPr/>
+        </p:nvSpPr>
+        <p:spPr>
+          <a:xfrm>
+            <a:off x="4500126" y="8493759"/>
+            <a:ext cx="45719" cy="2424073"/>
+          </a:xfrm>
+          <a:prstGeom prst="rect">
+            <a:avLst/>
+          </a:prstGeom>
+          <a:solidFill>
+            <a:schemeClr val="bg1">
+              <a:lumMod val="75000"/>
+            </a:schemeClr>
+          </a:solidFill>
+          <a:ln>
+            <a:noFill/>
+          </a:ln>
+        </p:spPr>
+        <p:style>
+          <a:lnRef idx="2">
+            <a:schemeClr val="accent1">
+              <a:shade val="50000"/>
+            </a:schemeClr>
+          </a:lnRef>
+          <a:fillRef idx="1">
+            <a:schemeClr val="accent1"/>
+          </a:fillRef>
+          <a:effectRef idx="0">
+            <a:schemeClr val="accent1"/>
+          </a:effectRef>
+          <a:fontRef idx="minor">
+            <a:schemeClr val="lt1"/>
+          </a:fontRef>
+        </p:style>
+        <p:txBody>
+          <a:bodyPr rtlCol="0" anchor="ctr"/>
+          <a:lstStyle/>
+          <a:p>
+            <a:pPr algn="ctr"/>
+            <a:endParaRPr lang="ko-KR" altLang="en-US"/>
+          </a:p>
+        </p:txBody>
+      </p:sp>
+      <p:sp>
+        <p:nvSpPr>
+          <p:cNvPr id="60" name="직사각형 59"/>
+          <p:cNvSpPr/>
+          <p:nvPr/>
+        </p:nvSpPr>
+        <p:spPr>
+          <a:xfrm>
+            <a:off x="4316829" y="1351981"/>
+            <a:ext cx="45719" cy="5233314"/>
+          </a:xfrm>
+          <a:prstGeom prst="rect">
+            <a:avLst/>
+          </a:prstGeom>
+          <a:solidFill>
+            <a:schemeClr val="bg1">
+              <a:lumMod val="65000"/>
+            </a:schemeClr>
+          </a:solidFill>
+          <a:ln>
+            <a:noFill/>
+          </a:ln>
+        </p:spPr>
+        <p:style>
+          <a:lnRef idx="2">
+            <a:schemeClr val="accent1">
+              <a:shade val="50000"/>
+            </a:schemeClr>
+          </a:lnRef>
+          <a:fillRef idx="1">
+            <a:schemeClr val="accent1"/>
+          </a:fillRef>
+          <a:effectRef idx="0">
+            <a:schemeClr val="accent1"/>
+          </a:effectRef>
+          <a:fontRef idx="minor">
+            <a:schemeClr val="lt1"/>
+          </a:fontRef>
+        </p:style>
+        <p:txBody>
+          <a:bodyPr rtlCol="0" anchor="ctr"/>
+          <a:lstStyle/>
+          <a:p>
+            <a:pPr algn="ctr"/>
+            <a:endParaRPr lang="ko-KR" altLang="en-US"/>
+          </a:p>
+        </p:txBody>
+      </p:sp>
+      <p:sp>
+        <p:nvSpPr>
+          <p:cNvPr id="61" name="직사각형 60"/>
+          <p:cNvSpPr/>
+          <p:nvPr/>
+        </p:nvSpPr>
+        <p:spPr>
+          <a:xfrm>
+            <a:off x="4549140" y="1337996"/>
+            <a:ext cx="45719" cy="5247299"/>
+          </a:xfrm>
+          <a:prstGeom prst="rect">
+            <a:avLst/>
+          </a:prstGeom>
+          <a:solidFill>
+            <a:schemeClr val="bg1">
+              <a:lumMod val="65000"/>
+            </a:schemeClr>
+          </a:solidFill>
+          <a:ln>
+            <a:noFill/>
+          </a:ln>
+        </p:spPr>
+        <p:style>
+          <a:lnRef idx="2">
+            <a:schemeClr val="accent1">
+              <a:shade val="50000"/>
+            </a:schemeClr>
+          </a:lnRef>
+          <a:fillRef idx="1">
+            <a:schemeClr val="accent1"/>
+          </a:fillRef>
+          <a:effectRef idx="0">
+            <a:schemeClr val="accent1"/>
+          </a:effectRef>
+          <a:fontRef idx="minor">
+            <a:schemeClr val="lt1"/>
+          </a:fontRef>
+        </p:style>
+        <p:txBody>
+          <a:bodyPr rtlCol="0" anchor="ctr"/>
+          <a:lstStyle/>
+          <a:p>
+            <a:pPr algn="ctr"/>
+            <a:endParaRPr lang="ko-KR" altLang="en-US"/>
+          </a:p>
+        </p:txBody>
+      </p:sp>
+      <p:sp>
+        <p:nvSpPr>
+          <p:cNvPr id="63" name="직사각형 62"/>
+          <p:cNvSpPr/>
+          <p:nvPr/>
+        </p:nvSpPr>
+        <p:spPr>
+          <a:xfrm flipV="1">
+            <a:off x="4549140" y="1340767"/>
+            <a:ext cx="3720806" cy="45719"/>
+          </a:xfrm>
+          <a:prstGeom prst="rect">
+            <a:avLst/>
+          </a:prstGeom>
+          <a:solidFill>
+            <a:schemeClr val="bg1">
+              <a:lumMod val="65000"/>
+            </a:schemeClr>
+          </a:solidFill>
+          <a:ln>
+            <a:noFill/>
+          </a:ln>
+        </p:spPr>
+        <p:style>
+          <a:lnRef idx="2">
+            <a:schemeClr val="accent1">
+              <a:shade val="50000"/>
+            </a:schemeClr>
+          </a:lnRef>
+          <a:fillRef idx="1">
+            <a:schemeClr val="accent1"/>
+          </a:fillRef>
+          <a:effectRef idx="0">
+            <a:schemeClr val="accent1"/>
+          </a:effectRef>
+          <a:fontRef idx="minor">
+            <a:schemeClr val="lt1"/>
+          </a:fontRef>
+        </p:style>
+        <p:txBody>
+          <a:bodyPr rtlCol="0" anchor="ctr"/>
+          <a:lstStyle/>
+          <a:p>
+            <a:pPr algn="ctr"/>
+            <a:endParaRPr lang="ko-KR" altLang="en-US"/>
+          </a:p>
+        </p:txBody>
+      </p:sp>
+      <p:sp>
+        <p:nvSpPr>
+          <p:cNvPr id="64" name="직사각형 63"/>
+          <p:cNvSpPr/>
+          <p:nvPr/>
+        </p:nvSpPr>
+        <p:spPr>
+          <a:xfrm flipV="1">
+            <a:off x="4594859" y="6539575"/>
+            <a:ext cx="3697946" cy="45719"/>
+          </a:xfrm>
+          <a:prstGeom prst="rect">
+            <a:avLst/>
+          </a:prstGeom>
+          <a:solidFill>
+            <a:schemeClr val="bg1">
+              <a:lumMod val="75000"/>
+            </a:schemeClr>
+          </a:solidFill>
+          <a:ln>
+            <a:noFill/>
+          </a:ln>
+        </p:spPr>
+        <p:style>
+          <a:lnRef idx="2">
+            <a:schemeClr val="accent1">
+              <a:shade val="50000"/>
+            </a:schemeClr>
+          </a:lnRef>
+          <a:fillRef idx="1">
+            <a:schemeClr val="accent1"/>
+          </a:fillRef>
+          <a:effectRef idx="0">
+            <a:schemeClr val="accent1"/>
+          </a:effectRef>
+          <a:fontRef idx="minor">
+            <a:schemeClr val="lt1"/>
+          </a:fontRef>
+        </p:style>
+        <p:txBody>
+          <a:bodyPr rtlCol="0" anchor="ctr"/>
+          <a:lstStyle/>
+          <a:p>
+            <a:pPr algn="ctr"/>
+            <a:endParaRPr lang="ko-KR" altLang="en-US"/>
+          </a:p>
+        </p:txBody>
+      </p:sp>
+      <p:sp>
+        <p:nvSpPr>
+          <p:cNvPr id="65" name="직사각형 64"/>
+          <p:cNvSpPr/>
+          <p:nvPr/>
+        </p:nvSpPr>
+        <p:spPr>
+          <a:xfrm>
+            <a:off x="8247086" y="1337996"/>
+            <a:ext cx="45719" cy="5247299"/>
+          </a:xfrm>
+          <a:prstGeom prst="rect">
+            <a:avLst/>
+          </a:prstGeom>
+          <a:solidFill>
+            <a:schemeClr val="bg1">
+              <a:lumMod val="65000"/>
+            </a:schemeClr>
+          </a:solidFill>
+          <a:ln>
+            <a:noFill/>
+          </a:ln>
+        </p:spPr>
+        <p:style>
+          <a:lnRef idx="2">
+            <a:schemeClr val="accent1">
+              <a:shade val="50000"/>
+            </a:schemeClr>
+          </a:lnRef>
+          <a:fillRef idx="1">
+            <a:schemeClr val="accent1"/>
+          </a:fillRef>
+          <a:effectRef idx="0">
+            <a:schemeClr val="accent1"/>
+          </a:effectRef>
+          <a:fontRef idx="minor">
+            <a:schemeClr val="lt1"/>
+          </a:fontRef>
+        </p:style>
+        <p:txBody>
+          <a:bodyPr rtlCol="0" anchor="ctr"/>
+          <a:lstStyle/>
+          <a:p>
+            <a:pPr algn="ctr"/>
+            <a:endParaRPr lang="ko-KR" altLang="en-US"/>
+          </a:p>
+        </p:txBody>
+      </p:sp>
+      <p:sp>
+        <p:nvSpPr>
+          <p:cNvPr id="66" name="직사각형 65"/>
+          <p:cNvSpPr/>
+          <p:nvPr/>
+        </p:nvSpPr>
+        <p:spPr>
+          <a:xfrm flipV="1">
+            <a:off x="636134" y="5200299"/>
+            <a:ext cx="3720806" cy="309591"/>
+          </a:xfrm>
+          <a:prstGeom prst="rect">
+            <a:avLst/>
+          </a:prstGeom>
+          <a:solidFill>
+            <a:schemeClr val="bg1">
+              <a:lumMod val="65000"/>
+            </a:schemeClr>
+          </a:solidFill>
+          <a:ln>
+            <a:noFill/>
+          </a:ln>
+        </p:spPr>
+        <p:style>
+          <a:lnRef idx="2">
+            <a:schemeClr val="accent1">
+              <a:shade val="50000"/>
+            </a:schemeClr>
+          </a:lnRef>
+          <a:fillRef idx="1">
+            <a:schemeClr val="accent1"/>
+          </a:fillRef>
+          <a:effectRef idx="0">
+            <a:schemeClr val="accent1"/>
+          </a:effectRef>
+          <a:fontRef idx="minor">
+            <a:schemeClr val="lt1"/>
+          </a:fontRef>
+        </p:style>
+        <p:txBody>
+          <a:bodyPr rtlCol="0" anchor="ctr"/>
+          <a:lstStyle/>
+          <a:p>
+            <a:pPr algn="ctr"/>
+            <a:endParaRPr lang="ko-KR" altLang="en-US"/>
+          </a:p>
+        </p:txBody>
+      </p:sp>
+      <p:sp>
+        <p:nvSpPr>
+          <p:cNvPr id="45" name="TextBox 44"/>
           <p:cNvSpPr txBox="1"/>
           <p:nvPr/>
         </p:nvSpPr>
         <p:spPr>
           <a:xfrm>
-            <a:off x="617602" y="4746630"/>
-            <a:ext cx="4752112" cy="338554"/>
+            <a:off x="951182" y="5200300"/>
+            <a:ext cx="2776722" cy="1384995"/>
           </a:xfrm>
           <a:prstGeom prst="rect">
             <a:avLst/>
@@ -7075,94 +8211,144 @@
           <a:noFill/>
         </p:spPr>
         <p:txBody>
-          <a:bodyPr wrap="square" rtlCol="0">
+          <a:bodyPr wrap="none" rtlCol="0">
             <a:spAutoFit/>
           </a:bodyPr>
           <a:lstStyle/>
           <a:p>
-            <a:pPr>
-              <a:buFont typeface="Arial" pitchFamily="34" charset="0"/>
-              <a:buChar char="•"/>
-            </a:pPr>
-            <a:r>
-              <a:rPr lang="en-US" altLang="ko-KR" sz="1600" dirty="0" smtClean="0">
-                <a:ln>
-                  <a:solidFill>
-                    <a:schemeClr val="accent1">
-                      <a:alpha val="0"/>
-                    </a:schemeClr>
-                  </a:solidFill>
-                </a:ln>
-                <a:latin typeface="나눔고딕 ExtraBold" panose="020D0904000000000000" pitchFamily="50" charset="-127"/>
-                <a:ea typeface="나눔고딕 ExtraBold" panose="020D0904000000000000" pitchFamily="50" charset="-127"/>
-              </a:rPr>
-              <a:t> </a:t>
-            </a:r>
-            <a:r>
-              <a:rPr lang="ko-KR" altLang="en-US" sz="1600" b="1" dirty="0" smtClean="0">
-                <a:ln>
-                  <a:solidFill>
-                    <a:schemeClr val="accent1">
-                      <a:alpha val="0"/>
-                    </a:schemeClr>
-                  </a:solidFill>
-                </a:ln>
-                <a:latin typeface="+mn-ea"/>
-              </a:rPr>
-              <a:t>태엽을 지키고 있는 로봇인형을 </a:t>
-            </a:r>
-            <a:r>
-              <a:rPr lang="ko-KR" altLang="en-US" sz="1600" b="1" dirty="0" smtClean="0">
-                <a:ln>
-                  <a:solidFill>
-                    <a:schemeClr val="accent1">
-                      <a:alpha val="0"/>
-                    </a:schemeClr>
-                  </a:solidFill>
-                </a:ln>
-                <a:solidFill>
-                  <a:srgbClr val="FF0000"/>
-                </a:solidFill>
-                <a:latin typeface="+mn-ea"/>
-              </a:rPr>
-              <a:t>처치하라</a:t>
-            </a:r>
-            <a:r>
-              <a:rPr lang="en-US" altLang="ko-KR" sz="1600" b="1" dirty="0" smtClean="0">
-                <a:ln>
-                  <a:solidFill>
-                    <a:schemeClr val="accent1">
-                      <a:alpha val="0"/>
-                    </a:schemeClr>
-                  </a:solidFill>
-                </a:ln>
-                <a:latin typeface="+mn-ea"/>
-              </a:rPr>
-              <a:t>!</a:t>
-            </a:r>
-            <a:endParaRPr lang="ko-KR" altLang="en-US" sz="1600" b="1" dirty="0">
-              <a:ln>
-                <a:solidFill>
-                  <a:schemeClr val="accent1">
-                    <a:alpha val="0"/>
-                  </a:schemeClr>
-                </a:solidFill>
-              </a:ln>
-              <a:latin typeface="+mn-ea"/>
-            </a:endParaRPr>
-          </a:p>
-        </p:txBody>
-      </p:sp>
-      <p:sp>
-        <p:nvSpPr>
-          <p:cNvPr id="2" name="TextBox 1"/>
+            <a:r>
+              <a:rPr lang="ko-KR" altLang="en-US" sz="1400" b="1" dirty="0" smtClean="0"/>
+              <a:t>               가능한 행동</a:t>
+            </a:r>
+            <a:endParaRPr lang="en-US" altLang="ko-KR" sz="1400" b="1" dirty="0" smtClean="0"/>
+          </a:p>
+          <a:p>
+            <a:endParaRPr lang="en-US" altLang="ko-KR" sz="1400" b="1" dirty="0" smtClean="0"/>
+          </a:p>
+          <a:p>
+            <a:r>
+              <a:rPr lang="en-US" altLang="ko-KR" sz="1400" dirty="0" smtClean="0"/>
+              <a:t>      -</a:t>
+            </a:r>
+            <a:r>
+              <a:rPr lang="ko-KR" altLang="en-US" sz="1400" dirty="0" smtClean="0"/>
+              <a:t>걷기             </a:t>
+            </a:r>
+            <a:r>
+              <a:rPr lang="en-US" altLang="ko-KR" sz="1400" dirty="0" smtClean="0"/>
+              <a:t>-</a:t>
+            </a:r>
+            <a:r>
+              <a:rPr lang="ko-KR" altLang="en-US" sz="1400" dirty="0" smtClean="0"/>
+              <a:t>기어오르기</a:t>
+            </a:r>
+            <a:endParaRPr lang="en-US" altLang="ko-KR" sz="1400" dirty="0" smtClean="0"/>
+          </a:p>
+          <a:p>
+            <a:r>
+              <a:rPr lang="en-US" altLang="ko-KR" sz="1400" dirty="0" smtClean="0"/>
+              <a:t>      -</a:t>
+            </a:r>
+            <a:r>
+              <a:rPr lang="ko-KR" altLang="en-US" sz="1400" dirty="0" smtClean="0"/>
+              <a:t>점프             </a:t>
+            </a:r>
+            <a:r>
+              <a:rPr lang="en-US" altLang="ko-KR" sz="1400" dirty="0" smtClean="0"/>
+              <a:t>-</a:t>
+            </a:r>
+            <a:r>
+              <a:rPr lang="ko-KR" altLang="en-US" sz="1400" dirty="0" smtClean="0"/>
+              <a:t>매달리</a:t>
+            </a:r>
+            <a:r>
+              <a:rPr lang="ko-KR" altLang="en-US" sz="1400" dirty="0"/>
+              <a:t>기</a:t>
+            </a:r>
+            <a:endParaRPr lang="en-US" altLang="ko-KR" sz="1400" dirty="0" smtClean="0"/>
+          </a:p>
+          <a:p>
+            <a:r>
+              <a:rPr lang="en-US" altLang="ko-KR" sz="1400" dirty="0" smtClean="0"/>
+              <a:t>      -</a:t>
+            </a:r>
+            <a:r>
+              <a:rPr lang="ko-KR" altLang="en-US" sz="1400" dirty="0" smtClean="0"/>
+              <a:t>엎드리기       </a:t>
+            </a:r>
+            <a:r>
+              <a:rPr lang="en-US" altLang="ko-KR" sz="1400" dirty="0" smtClean="0"/>
+              <a:t>-</a:t>
+            </a:r>
+            <a:r>
+              <a:rPr lang="ko-KR" altLang="en-US" sz="1400" dirty="0" smtClean="0"/>
+              <a:t>공격</a:t>
+            </a:r>
+            <a:endParaRPr lang="en-US" altLang="ko-KR" sz="1400" dirty="0" smtClean="0"/>
+          </a:p>
+          <a:p>
+            <a:endParaRPr lang="en-US" altLang="ko-KR" sz="1400" b="1" dirty="0"/>
+          </a:p>
+        </p:txBody>
+      </p:sp>
+      <p:sp>
+        <p:nvSpPr>
+          <p:cNvPr id="67" name="직사각형 66"/>
+          <p:cNvSpPr/>
+          <p:nvPr/>
+        </p:nvSpPr>
+        <p:spPr>
+          <a:xfrm flipV="1">
+            <a:off x="641742" y="3902858"/>
+            <a:ext cx="3720806" cy="309591"/>
+          </a:xfrm>
+          <a:prstGeom prst="rect">
+            <a:avLst/>
+          </a:prstGeom>
+          <a:solidFill>
+            <a:schemeClr val="bg1">
+              <a:lumMod val="65000"/>
+            </a:schemeClr>
+          </a:solidFill>
+          <a:ln>
+            <a:noFill/>
+          </a:ln>
+        </p:spPr>
+        <p:style>
+          <a:lnRef idx="2">
+            <a:schemeClr val="accent1">
+              <a:shade val="50000"/>
+            </a:schemeClr>
+          </a:lnRef>
+          <a:fillRef idx="1">
+            <a:schemeClr val="accent1"/>
+          </a:fillRef>
+          <a:effectRef idx="0">
+            <a:schemeClr val="accent1"/>
+          </a:effectRef>
+          <a:fontRef idx="minor">
+            <a:schemeClr val="lt1"/>
+          </a:fontRef>
+        </p:style>
+        <p:txBody>
+          <a:bodyPr rtlCol="0" anchor="ctr"/>
+          <a:lstStyle/>
+          <a:p>
+            <a:pPr algn="ctr"/>
+            <a:endParaRPr lang="ko-KR" altLang="en-US"/>
+          </a:p>
+        </p:txBody>
+      </p:sp>
+      <p:sp>
+        <p:nvSpPr>
+          <p:cNvPr id="18" name="TextBox 17"/>
           <p:cNvSpPr txBox="1"/>
           <p:nvPr/>
         </p:nvSpPr>
         <p:spPr>
           <a:xfrm>
-            <a:off x="951242" y="2071046"/>
-            <a:ext cx="6795450" cy="584775"/>
+            <a:off x="827584" y="3933636"/>
+            <a:ext cx="2662908" cy="1169551"/>
           </a:xfrm>
           <a:prstGeom prst="rect">
             <a:avLst/>
@@ -7175,51 +8361,108 @@
           </a:bodyPr>
           <a:lstStyle/>
           <a:p>
-            <a:pPr marL="285750" indent="-285750">
-              <a:buFontTx/>
-              <a:buChar char="-"/>
-            </a:pPr>
-            <a:r>
-              <a:rPr lang="ko-KR" altLang="en-US" sz="1600" dirty="0" smtClean="0"/>
-              <a:t>움직이는 빛 줄기를 피해서 장애물의 그림자 뒤로 숨어 로봇인형에게</a:t>
-            </a:r>
-            <a:endParaRPr lang="en-US" altLang="ko-KR" sz="1600" dirty="0" smtClean="0"/>
-          </a:p>
-          <a:p>
-            <a:r>
-              <a:rPr lang="en-US" altLang="ko-KR" sz="1600" dirty="0"/>
-              <a:t> </a:t>
-            </a:r>
-            <a:r>
-              <a:rPr lang="en-US" altLang="ko-KR" sz="1600" dirty="0" smtClean="0"/>
-              <a:t>   </a:t>
-            </a:r>
-            <a:r>
-              <a:rPr lang="ko-KR" altLang="en-US" sz="1600" dirty="0" smtClean="0"/>
-              <a:t>들키지 않을 수 있다</a:t>
-            </a:r>
-            <a:r>
-              <a:rPr lang="en-US" altLang="ko-KR" sz="1600" dirty="0" smtClean="0"/>
-              <a:t>.</a:t>
-            </a:r>
-            <a:r>
-              <a:rPr lang="ko-KR" altLang="en-US" sz="1600" dirty="0" smtClean="0"/>
-              <a:t> </a:t>
-            </a:r>
-            <a:endParaRPr lang="ko-KR" altLang="en-US" sz="1600" dirty="0"/>
-          </a:p>
-        </p:txBody>
-      </p:sp>
-      <p:sp>
-        <p:nvSpPr>
-          <p:cNvPr id="10" name="TextBox 9"/>
+            <a:r>
+              <a:rPr lang="ko-KR" altLang="en-US" sz="1400" b="1" dirty="0" smtClean="0"/>
+              <a:t>                      특징</a:t>
+            </a:r>
+            <a:endParaRPr lang="en-US" altLang="ko-KR" sz="1400" b="1" dirty="0" smtClean="0"/>
+          </a:p>
+          <a:p>
+            <a:endParaRPr lang="en-US" altLang="ko-KR" sz="1400" dirty="0" smtClean="0"/>
+          </a:p>
+          <a:p>
+            <a:r>
+              <a:rPr lang="en-US" altLang="ko-KR" sz="1400" dirty="0" smtClean="0"/>
+              <a:t>  -</a:t>
+            </a:r>
+            <a:r>
+              <a:rPr lang="ko-KR" altLang="en-US" sz="1400" dirty="0" smtClean="0"/>
+              <a:t>인간형 인형</a:t>
+            </a:r>
+            <a:endParaRPr lang="en-US" altLang="ko-KR" sz="1400" dirty="0"/>
+          </a:p>
+          <a:p>
+            <a:r>
+              <a:rPr lang="en-US" altLang="ko-KR" sz="1400" dirty="0" smtClean="0"/>
+              <a:t>  -</a:t>
+            </a:r>
+            <a:r>
+              <a:rPr lang="ko-KR" altLang="en-US" sz="1400" dirty="0" smtClean="0"/>
+              <a:t>태엽인형이라는 </a:t>
+            </a:r>
+            <a:r>
+              <a:rPr lang="ko-KR" altLang="en-US" sz="1400" dirty="0" err="1" smtClean="0"/>
+              <a:t>컨셉을</a:t>
+            </a:r>
+            <a:r>
+              <a:rPr lang="ko-KR" altLang="en-US" sz="1400" dirty="0" smtClean="0"/>
+              <a:t> 가짐</a:t>
+            </a:r>
+            <a:endParaRPr lang="en-US" altLang="ko-KR" sz="1400" dirty="0"/>
+          </a:p>
+          <a:p>
+            <a:endParaRPr lang="en-US" altLang="ko-KR" sz="1400" dirty="0" smtClean="0"/>
+          </a:p>
+        </p:txBody>
+      </p:sp>
+      <p:sp>
+        <p:nvSpPr>
+          <p:cNvPr id="68" name="직사각형 67"/>
+          <p:cNvSpPr/>
+          <p:nvPr/>
+        </p:nvSpPr>
+        <p:spPr>
+          <a:xfrm flipV="1">
+            <a:off x="641742" y="1117602"/>
+            <a:ext cx="3720806" cy="367182"/>
+          </a:xfrm>
+          <a:prstGeom prst="rect">
+            <a:avLst/>
+          </a:prstGeom>
+          <a:solidFill>
+            <a:schemeClr val="bg1">
+              <a:lumMod val="65000"/>
+            </a:schemeClr>
+          </a:solidFill>
+          <a:ln>
+            <a:noFill/>
+          </a:ln>
+        </p:spPr>
+        <p:style>
+          <a:lnRef idx="2">
+            <a:schemeClr val="accent1">
+              <a:shade val="50000"/>
+            </a:schemeClr>
+          </a:lnRef>
+          <a:fillRef idx="1">
+            <a:schemeClr val="accent1"/>
+          </a:fillRef>
+          <a:effectRef idx="0">
+            <a:schemeClr val="accent1"/>
+          </a:effectRef>
+          <a:fontRef idx="minor">
+            <a:schemeClr val="lt1"/>
+          </a:fontRef>
+        </p:style>
+        <p:txBody>
+          <a:bodyPr rtlCol="0" anchor="ctr"/>
+          <a:lstStyle/>
+          <a:p>
+            <a:pPr algn="ctr"/>
+            <a:endParaRPr lang="ko-KR" altLang="en-US" dirty="0"/>
+          </a:p>
+        </p:txBody>
+      </p:sp>
+      <p:sp>
+        <p:nvSpPr>
+          <p:cNvPr id="54" name="TextBox 53"/>
           <p:cNvSpPr txBox="1"/>
           <p:nvPr/>
         </p:nvSpPr>
         <p:spPr>
           <a:xfrm>
-            <a:off x="966540" y="3645023"/>
-            <a:ext cx="7000634" cy="584775"/>
+            <a:off x="2039312" y="1115452"/>
+            <a:ext cx="1010085" cy="369332"/>
           </a:xfrm>
           <a:prstGeom prst="rect">
             <a:avLst/>
@@ -7232,39 +8475,64 @@
           </a:bodyPr>
           <a:lstStyle/>
           <a:p>
-            <a:pPr marL="285750" indent="-285750">
-              <a:buFontTx/>
-              <a:buChar char="-"/>
-            </a:pPr>
-            <a:r>
-              <a:rPr lang="ko-KR" altLang="en-US" sz="1600" dirty="0" smtClean="0"/>
-              <a:t>줄을 타고 로봇인형들이 올라오지 못하는 사물 위로 올라가 로봇인형의</a:t>
-            </a:r>
-            <a:endParaRPr lang="en-US" altLang="ko-KR" sz="1600" dirty="0" smtClean="0"/>
-          </a:p>
-          <a:p>
-            <a:r>
-              <a:rPr lang="ko-KR" altLang="en-US" sz="1600" dirty="0" smtClean="0"/>
-              <a:t>    공격을 피할 수 있다</a:t>
-            </a:r>
-            <a:r>
-              <a:rPr lang="en-US" altLang="ko-KR" sz="1600" dirty="0" smtClean="0"/>
-              <a:t>.</a:t>
-            </a:r>
-            <a:endParaRPr lang="ko-KR" altLang="en-US" sz="1600" dirty="0"/>
-          </a:p>
-        </p:txBody>
-      </p:sp>
-      <p:sp>
-        <p:nvSpPr>
-          <p:cNvPr id="11" name="TextBox 10"/>
+            <a:r>
+              <a:rPr lang="en-US" altLang="ko-KR" b="1" dirty="0" smtClean="0"/>
+              <a:t>PLAYER</a:t>
+            </a:r>
+            <a:endParaRPr lang="ko-KR" altLang="en-US" b="1" dirty="0"/>
+          </a:p>
+        </p:txBody>
+      </p:sp>
+      <p:cxnSp>
+        <p:nvCxnSpPr>
+          <p:cNvPr id="56" name="직선 화살표 연결선 55"/>
+          <p:cNvCxnSpPr/>
+          <p:nvPr/>
+        </p:nvCxnSpPr>
+        <p:spPr>
+          <a:xfrm>
+            <a:off x="1619672" y="1772816"/>
+            <a:ext cx="0" cy="1813226"/>
+          </a:xfrm>
+          <a:prstGeom prst="straightConnector1">
+            <a:avLst/>
+          </a:prstGeom>
+          <a:ln w="25400">
+            <a:solidFill>
+              <a:schemeClr val="tx1">
+                <a:lumMod val="95000"/>
+                <a:lumOff val="5000"/>
+              </a:schemeClr>
+            </a:solidFill>
+            <a:headEnd type="arrow"/>
+            <a:tailEnd type="arrow"/>
+          </a:ln>
+        </p:spPr>
+        <p:style>
+          <a:lnRef idx="1">
+            <a:schemeClr val="accent1"/>
+          </a:lnRef>
+          <a:fillRef idx="0">
+            <a:schemeClr val="accent1"/>
+          </a:fillRef>
+          <a:effectRef idx="0">
+            <a:schemeClr val="accent1"/>
+          </a:effectRef>
+          <a:fontRef idx="minor">
+            <a:schemeClr val="tx1"/>
+          </a:fontRef>
+        </p:style>
+      </p:cxnSp>
+      <p:sp>
+        <p:nvSpPr>
+          <p:cNvPr id="57" name="TextBox 56"/>
           <p:cNvSpPr txBox="1"/>
           <p:nvPr/>
         </p:nvSpPr>
         <p:spPr>
           <a:xfrm>
-            <a:off x="1035587" y="5344253"/>
-            <a:ext cx="6797054" cy="584775"/>
+            <a:off x="925229" y="2492896"/>
+            <a:ext cx="764953" cy="338554"/>
           </a:xfrm>
           <a:prstGeom prst="rect">
             <a:avLst/>
@@ -7277,33 +8545,475 @@
           </a:bodyPr>
           <a:lstStyle/>
           <a:p>
-            <a:pPr marL="285750" indent="-285750">
-              <a:buFontTx/>
-              <a:buChar char="-"/>
-            </a:pPr>
-            <a:r>
-              <a:rPr lang="ko-KR" altLang="en-US" sz="1600" dirty="0" smtClean="0"/>
-              <a:t>뒤에서 로봇인형을 공격하면 로봇인형의 건전지가 빠져서 로봇인형의</a:t>
-            </a:r>
-            <a:endParaRPr lang="en-US" altLang="ko-KR" sz="1600" dirty="0" smtClean="0"/>
-          </a:p>
-          <a:p>
-            <a:r>
-              <a:rPr lang="ko-KR" altLang="en-US" sz="1600" dirty="0" smtClean="0"/>
-              <a:t>    움직임이 멈춘다</a:t>
-            </a:r>
             <a:r>
               <a:rPr lang="en-US" altLang="ko-KR" sz="1600" dirty="0" smtClean="0"/>
-              <a:t>.</a:t>
+              <a:t>2UNIT</a:t>
             </a:r>
             <a:endParaRPr lang="ko-KR" altLang="en-US" sz="1600" dirty="0"/>
+          </a:p>
+        </p:txBody>
+      </p:sp>
+      <p:sp>
+        <p:nvSpPr>
+          <p:cNvPr id="74" name="직사각형 73"/>
+          <p:cNvSpPr/>
+          <p:nvPr/>
+        </p:nvSpPr>
+        <p:spPr>
+          <a:xfrm flipV="1">
+            <a:off x="4545780" y="1125727"/>
+            <a:ext cx="3720806" cy="367182"/>
+          </a:xfrm>
+          <a:prstGeom prst="rect">
+            <a:avLst/>
+          </a:prstGeom>
+          <a:solidFill>
+            <a:schemeClr val="bg1">
+              <a:lumMod val="65000"/>
+            </a:schemeClr>
+          </a:solidFill>
+          <a:ln>
+            <a:noFill/>
+          </a:ln>
+        </p:spPr>
+        <p:style>
+          <a:lnRef idx="2">
+            <a:schemeClr val="accent1">
+              <a:shade val="50000"/>
+            </a:schemeClr>
+          </a:lnRef>
+          <a:fillRef idx="1">
+            <a:schemeClr val="accent1"/>
+          </a:fillRef>
+          <a:effectRef idx="0">
+            <a:schemeClr val="accent1"/>
+          </a:effectRef>
+          <a:fontRef idx="minor">
+            <a:schemeClr val="lt1"/>
+          </a:fontRef>
+        </p:style>
+        <p:txBody>
+          <a:bodyPr rtlCol="0" anchor="ctr"/>
+          <a:lstStyle/>
+          <a:p>
+            <a:pPr algn="ctr"/>
+            <a:endParaRPr lang="ko-KR" altLang="en-US" dirty="0"/>
+          </a:p>
+        </p:txBody>
+      </p:sp>
+      <p:sp>
+        <p:nvSpPr>
+          <p:cNvPr id="69" name="TextBox 68"/>
+          <p:cNvSpPr txBox="1"/>
+          <p:nvPr/>
+        </p:nvSpPr>
+        <p:spPr>
+          <a:xfrm>
+            <a:off x="5824359" y="1125727"/>
+            <a:ext cx="1311578" cy="369332"/>
+          </a:xfrm>
+          <a:prstGeom prst="rect">
+            <a:avLst/>
+          </a:prstGeom>
+          <a:noFill/>
+        </p:spPr>
+        <p:txBody>
+          <a:bodyPr wrap="none" rtlCol="0">
+            <a:spAutoFit/>
+          </a:bodyPr>
+          <a:lstStyle/>
+          <a:p>
+            <a:r>
+              <a:rPr lang="en-US" altLang="ko-KR" b="1" dirty="0" smtClean="0"/>
+              <a:t>MONSTER</a:t>
+            </a:r>
+            <a:endParaRPr lang="ko-KR" altLang="en-US" b="1" dirty="0"/>
+          </a:p>
+        </p:txBody>
+      </p:sp>
+      <p:sp>
+        <p:nvSpPr>
+          <p:cNvPr id="76" name="직사각형 75"/>
+          <p:cNvSpPr/>
+          <p:nvPr/>
+        </p:nvSpPr>
+        <p:spPr>
+          <a:xfrm flipV="1">
+            <a:off x="4572000" y="3902858"/>
+            <a:ext cx="3720806" cy="309591"/>
+          </a:xfrm>
+          <a:prstGeom prst="rect">
+            <a:avLst/>
+          </a:prstGeom>
+          <a:solidFill>
+            <a:schemeClr val="bg1">
+              <a:lumMod val="65000"/>
+            </a:schemeClr>
+          </a:solidFill>
+          <a:ln>
+            <a:noFill/>
+          </a:ln>
+        </p:spPr>
+        <p:style>
+          <a:lnRef idx="2">
+            <a:schemeClr val="accent1">
+              <a:shade val="50000"/>
+            </a:schemeClr>
+          </a:lnRef>
+          <a:fillRef idx="1">
+            <a:schemeClr val="accent1"/>
+          </a:fillRef>
+          <a:effectRef idx="0">
+            <a:schemeClr val="accent1"/>
+          </a:effectRef>
+          <a:fontRef idx="minor">
+            <a:schemeClr val="lt1"/>
+          </a:fontRef>
+        </p:style>
+        <p:txBody>
+          <a:bodyPr rtlCol="0" anchor="ctr"/>
+          <a:lstStyle/>
+          <a:p>
+            <a:pPr algn="ctr"/>
+            <a:endParaRPr lang="ko-KR" altLang="en-US" dirty="0"/>
+          </a:p>
+        </p:txBody>
+      </p:sp>
+      <p:sp>
+        <p:nvSpPr>
+          <p:cNvPr id="77" name="직사각형 76"/>
+          <p:cNvSpPr/>
+          <p:nvPr/>
+        </p:nvSpPr>
+        <p:spPr>
+          <a:xfrm flipV="1">
+            <a:off x="4571999" y="5193705"/>
+            <a:ext cx="3720806" cy="309591"/>
+          </a:xfrm>
+          <a:prstGeom prst="rect">
+            <a:avLst/>
+          </a:prstGeom>
+          <a:solidFill>
+            <a:schemeClr val="bg1">
+              <a:lumMod val="65000"/>
+            </a:schemeClr>
+          </a:solidFill>
+          <a:ln>
+            <a:noFill/>
+          </a:ln>
+        </p:spPr>
+        <p:style>
+          <a:lnRef idx="2">
+            <a:schemeClr val="accent1">
+              <a:shade val="50000"/>
+            </a:schemeClr>
+          </a:lnRef>
+          <a:fillRef idx="1">
+            <a:schemeClr val="accent1"/>
+          </a:fillRef>
+          <a:effectRef idx="0">
+            <a:schemeClr val="accent1"/>
+          </a:effectRef>
+          <a:fontRef idx="minor">
+            <a:schemeClr val="lt1"/>
+          </a:fontRef>
+        </p:style>
+        <p:txBody>
+          <a:bodyPr rtlCol="0" anchor="ctr"/>
+          <a:lstStyle/>
+          <a:p>
+            <a:pPr algn="ctr"/>
+            <a:endParaRPr lang="ko-KR" altLang="en-US"/>
+          </a:p>
+        </p:txBody>
+      </p:sp>
+      <p:pic>
+        <p:nvPicPr>
+          <p:cNvPr id="1031" name="Picture 7" descr="C:\Users\JHE\Desktop\그림1.jpg"/>
+          <p:cNvPicPr>
+            <a:picLocks noChangeAspect="1" noChangeArrowheads="1"/>
+          </p:cNvPicPr>
+          <p:nvPr/>
+        </p:nvPicPr>
+        <p:blipFill>
+          <a:blip r:embed="rId4">
+            <a:extLst>
+              <a:ext uri="{28A0092B-C50C-407E-A947-70E740481C1C}">
+                <a14:useLocalDpi xmlns:a14="http://schemas.microsoft.com/office/drawing/2010/main" val="0"/>
+              </a:ext>
+            </a:extLst>
+          </a:blip>
+          <a:srcRect/>
+          <a:stretch>
+            <a:fillRect/>
+          </a:stretch>
+        </p:blipFill>
+        <p:spPr bwMode="auto">
+          <a:xfrm>
+            <a:off x="5885205" y="1604081"/>
+            <a:ext cx="1473827" cy="2150695"/>
+          </a:xfrm>
+          <a:prstGeom prst="rect">
+            <a:avLst/>
+          </a:prstGeom>
+          <a:noFill/>
+          <a:extLst>
+            <a:ext uri="{909E8E84-426E-40DD-AFC4-6F175D3DCCD1}">
+              <a14:hiddenFill xmlns:a14="http://schemas.microsoft.com/office/drawing/2010/main">
+                <a:solidFill>
+                  <a:srgbClr val="FFFFFF"/>
+                </a:solidFill>
+              </a14:hiddenFill>
+            </a:ext>
+          </a:extLst>
+        </p:spPr>
+      </p:pic>
+      <p:cxnSp>
+        <p:nvCxnSpPr>
+          <p:cNvPr id="79" name="직선 화살표 연결선 78"/>
+          <p:cNvCxnSpPr/>
+          <p:nvPr/>
+        </p:nvCxnSpPr>
+        <p:spPr>
+          <a:xfrm>
+            <a:off x="5824359" y="1772816"/>
+            <a:ext cx="0" cy="1813226"/>
+          </a:xfrm>
+          <a:prstGeom prst="straightConnector1">
+            <a:avLst/>
+          </a:prstGeom>
+          <a:ln w="25400">
+            <a:solidFill>
+              <a:schemeClr val="tx1">
+                <a:lumMod val="95000"/>
+                <a:lumOff val="5000"/>
+              </a:schemeClr>
+            </a:solidFill>
+            <a:headEnd type="arrow"/>
+            <a:tailEnd type="arrow"/>
+          </a:ln>
+        </p:spPr>
+        <p:style>
+          <a:lnRef idx="1">
+            <a:schemeClr val="accent1"/>
+          </a:lnRef>
+          <a:fillRef idx="0">
+            <a:schemeClr val="accent1"/>
+          </a:fillRef>
+          <a:effectRef idx="0">
+            <a:schemeClr val="accent1"/>
+          </a:effectRef>
+          <a:fontRef idx="minor">
+            <a:schemeClr val="tx1"/>
+          </a:fontRef>
+        </p:style>
+      </p:cxnSp>
+      <p:sp>
+        <p:nvSpPr>
+          <p:cNvPr id="70" name="TextBox 69"/>
+          <p:cNvSpPr txBox="1"/>
+          <p:nvPr/>
+        </p:nvSpPr>
+        <p:spPr>
+          <a:xfrm>
+            <a:off x="4932039" y="2492896"/>
+            <a:ext cx="923651" cy="338554"/>
+          </a:xfrm>
+          <a:prstGeom prst="rect">
+            <a:avLst/>
+          </a:prstGeom>
+          <a:noFill/>
+        </p:spPr>
+        <p:txBody>
+          <a:bodyPr wrap="none" rtlCol="0">
+            <a:spAutoFit/>
+          </a:bodyPr>
+          <a:lstStyle/>
+          <a:p>
+            <a:r>
+              <a:rPr lang="en-US" altLang="ko-KR" sz="1600" dirty="0" smtClean="0"/>
+              <a:t>2.5UNIT</a:t>
+            </a:r>
+            <a:endParaRPr lang="ko-KR" altLang="en-US" sz="1600" dirty="0"/>
+          </a:p>
+        </p:txBody>
+      </p:sp>
+      <p:sp>
+        <p:nvSpPr>
+          <p:cNvPr id="71" name="TextBox 70"/>
+          <p:cNvSpPr txBox="1"/>
+          <p:nvPr/>
+        </p:nvSpPr>
+        <p:spPr>
+          <a:xfrm>
+            <a:off x="3824260" y="6580007"/>
+            <a:ext cx="1420582" cy="307777"/>
+          </a:xfrm>
+          <a:prstGeom prst="rect">
+            <a:avLst/>
+          </a:prstGeom>
+          <a:noFill/>
+        </p:spPr>
+        <p:txBody>
+          <a:bodyPr wrap="none" rtlCol="0">
+            <a:spAutoFit/>
+          </a:bodyPr>
+          <a:lstStyle/>
+          <a:p>
+            <a:r>
+              <a:rPr lang="en-US" altLang="ko-KR" sz="1400" dirty="0" smtClean="0">
+                <a:solidFill>
+                  <a:srgbClr val="FF0000"/>
+                </a:solidFill>
+              </a:rPr>
+              <a:t>1UNIT = 25CM</a:t>
+            </a:r>
+            <a:endParaRPr lang="ko-KR" altLang="en-US" sz="1400" dirty="0">
+              <a:solidFill>
+                <a:srgbClr val="FF0000"/>
+              </a:solidFill>
+            </a:endParaRPr>
+          </a:p>
+        </p:txBody>
+      </p:sp>
+      <p:sp>
+        <p:nvSpPr>
+          <p:cNvPr id="82" name="TextBox 81"/>
+          <p:cNvSpPr txBox="1"/>
+          <p:nvPr/>
+        </p:nvSpPr>
+        <p:spPr>
+          <a:xfrm>
+            <a:off x="4750550" y="3933635"/>
+            <a:ext cx="2191626" cy="954107"/>
+          </a:xfrm>
+          <a:prstGeom prst="rect">
+            <a:avLst/>
+          </a:prstGeom>
+          <a:noFill/>
+        </p:spPr>
+        <p:txBody>
+          <a:bodyPr wrap="none" rtlCol="0">
+            <a:spAutoFit/>
+          </a:bodyPr>
+          <a:lstStyle/>
+          <a:p>
+            <a:r>
+              <a:rPr lang="ko-KR" altLang="en-US" sz="1400" b="1" dirty="0" smtClean="0"/>
+              <a:t>                      특징</a:t>
+            </a:r>
+            <a:endParaRPr lang="en-US" altLang="ko-KR" sz="1400" b="1" dirty="0" smtClean="0"/>
+          </a:p>
+          <a:p>
+            <a:endParaRPr lang="en-US" altLang="ko-KR" sz="1400" dirty="0" smtClean="0"/>
+          </a:p>
+          <a:p>
+            <a:r>
+              <a:rPr lang="en-US" altLang="ko-KR" sz="1400" dirty="0" smtClean="0"/>
+              <a:t>    -</a:t>
+            </a:r>
+            <a:r>
+              <a:rPr lang="ko-KR" altLang="en-US" sz="1400" dirty="0" err="1" smtClean="0"/>
+              <a:t>로봇형</a:t>
+            </a:r>
+            <a:r>
+              <a:rPr lang="ko-KR" altLang="en-US" sz="1400" dirty="0" smtClean="0"/>
+              <a:t> 인형</a:t>
+            </a:r>
+            <a:endParaRPr lang="en-US" altLang="ko-KR" sz="1400" dirty="0" smtClean="0"/>
+          </a:p>
+          <a:p>
+            <a:r>
+              <a:rPr lang="en-US" altLang="ko-KR" sz="1400" dirty="0"/>
+              <a:t> </a:t>
+            </a:r>
+            <a:r>
+              <a:rPr lang="en-US" altLang="ko-KR" sz="1400" dirty="0" smtClean="0"/>
+              <a:t>   -</a:t>
+            </a:r>
+            <a:r>
+              <a:rPr lang="ko-KR" altLang="en-US" sz="1400" dirty="0" smtClean="0"/>
+              <a:t>스테이지 </a:t>
+            </a:r>
+            <a:r>
+              <a:rPr lang="en-US" altLang="ko-KR" sz="1400" dirty="0" smtClean="0"/>
+              <a:t>2, 3</a:t>
+            </a:r>
+            <a:r>
+              <a:rPr lang="ko-KR" altLang="en-US" sz="1400" dirty="0" smtClean="0"/>
+              <a:t>에 존재</a:t>
+            </a:r>
+            <a:endParaRPr lang="en-US" altLang="ko-KR" sz="1400" dirty="0" smtClean="0"/>
+          </a:p>
+        </p:txBody>
+      </p:sp>
+      <p:sp>
+        <p:nvSpPr>
+          <p:cNvPr id="83" name="TextBox 82"/>
+          <p:cNvSpPr txBox="1"/>
+          <p:nvPr/>
+        </p:nvSpPr>
+        <p:spPr>
+          <a:xfrm>
+            <a:off x="4921324" y="5195850"/>
+            <a:ext cx="2082621" cy="954107"/>
+          </a:xfrm>
+          <a:prstGeom prst="rect">
+            <a:avLst/>
+          </a:prstGeom>
+          <a:noFill/>
+        </p:spPr>
+        <p:txBody>
+          <a:bodyPr wrap="none" rtlCol="0">
+            <a:spAutoFit/>
+          </a:bodyPr>
+          <a:lstStyle/>
+          <a:p>
+            <a:r>
+              <a:rPr lang="ko-KR" altLang="en-US" sz="1400" b="1" dirty="0" smtClean="0"/>
+              <a:t>               가능한 행동</a:t>
+            </a:r>
+            <a:endParaRPr lang="en-US" altLang="ko-KR" sz="1400" b="1" dirty="0" smtClean="0"/>
+          </a:p>
+          <a:p>
+            <a:endParaRPr lang="en-US" altLang="ko-KR" sz="1400" b="1" dirty="0" smtClean="0"/>
+          </a:p>
+          <a:p>
+            <a:r>
+              <a:rPr lang="en-US" altLang="ko-KR" sz="1400" dirty="0" smtClean="0"/>
+              <a:t>     -</a:t>
+            </a:r>
+            <a:r>
+              <a:rPr lang="ko-KR" altLang="en-US" sz="1400" dirty="0" smtClean="0"/>
+              <a:t>슬라이딩 이동</a:t>
+            </a:r>
+            <a:endParaRPr lang="en-US" altLang="ko-KR" sz="1400" dirty="0" smtClean="0"/>
+          </a:p>
+          <a:p>
+            <a:r>
+              <a:rPr lang="en-US" altLang="ko-KR" sz="1400" b="1" dirty="0"/>
+              <a:t> </a:t>
+            </a:r>
+            <a:r>
+              <a:rPr lang="en-US" altLang="ko-KR" sz="1400" b="1" dirty="0" smtClean="0"/>
+              <a:t>    -</a:t>
+            </a:r>
+            <a:r>
+              <a:rPr lang="ko-KR" altLang="en-US" sz="1400" dirty="0" smtClean="0"/>
+              <a:t>공</a:t>
+            </a:r>
+            <a:r>
+              <a:rPr lang="ko-KR" altLang="en-US" sz="1400" dirty="0"/>
+              <a:t>격</a:t>
+            </a:r>
+            <a:endParaRPr lang="en-US" altLang="ko-KR" sz="1400" dirty="0"/>
           </a:p>
         </p:txBody>
       </p:sp>
     </p:spTree>
     <p:extLst>
       <p:ext uri="{BB962C8B-B14F-4D97-AF65-F5344CB8AC3E}">
-        <p14:creationId xmlns:p14="http://schemas.microsoft.com/office/powerpoint/2010/main" val="1205956872"/>
+        <p14:creationId xmlns:p14="http://schemas.microsoft.com/office/powerpoint/2010/main" val="1671489749"/>
       </p:ext>
     </p:extLst>
   </p:cSld>
@@ -7419,7 +9129,7 @@
                 <a:latin typeface="나눔고딕 ExtraBold" panose="020D0904000000000000" pitchFamily="50" charset="-127"/>
                 <a:ea typeface="나눔고딕 ExtraBold" panose="020D0904000000000000" pitchFamily="50" charset="-127"/>
               </a:rPr>
-              <a:t>4</a:t>
+              <a:t>2</a:t>
             </a:r>
             <a:r>
               <a:rPr lang="en-US" altLang="ko-KR" sz="2000" dirty="0" smtClean="0">
@@ -7436,7 +9146,7 @@
               <a:t>/ </a:t>
             </a:r>
             <a:r>
-              <a:rPr lang="ko-KR" altLang="en-US" sz="2000" b="1" dirty="0" smtClean="0">
+              <a:rPr lang="ko-KR" altLang="en-US" sz="2000" b="1" dirty="0" err="1">
                 <a:ln>
                   <a:solidFill>
                     <a:schemeClr val="accent1">
@@ -7446,7 +9156,7 @@
                 </a:ln>
                 <a:latin typeface="+mn-ea"/>
               </a:rPr>
-              <a:t>게임방법</a:t>
+              <a:t>맵</a:t>
             </a:r>
             <a:endParaRPr lang="ko-KR" altLang="en-US" b="1" dirty="0">
               <a:ln>
@@ -7463,14 +9173,14 @@
       </p:sp>
       <p:sp>
         <p:nvSpPr>
-          <p:cNvPr id="6" name="TextBox 5"/>
+          <p:cNvPr id="9" name="TextBox 8"/>
           <p:cNvSpPr txBox="1"/>
           <p:nvPr/>
         </p:nvSpPr>
         <p:spPr>
           <a:xfrm>
-            <a:off x="539552" y="1412776"/>
-            <a:ext cx="4176464" cy="369332"/>
+            <a:off x="4642816" y="5763909"/>
+            <a:ext cx="2331087" cy="338554"/>
           </a:xfrm>
           <a:prstGeom prst="rect">
             <a:avLst/>
@@ -7478,104 +9188,399 @@
           <a:noFill/>
         </p:spPr>
         <p:txBody>
+          <a:bodyPr wrap="none" rtlCol="0">
+            <a:spAutoFit/>
+          </a:bodyPr>
+          <a:lstStyle/>
+          <a:p>
+            <a:r>
+              <a:rPr lang="ko-KR" altLang="en-US" sz="1600" b="1" dirty="0" smtClean="0"/>
+              <a:t>크기</a:t>
+            </a:r>
+            <a:r>
+              <a:rPr lang="en-US" altLang="ko-KR" sz="1600" dirty="0" smtClean="0"/>
+              <a:t>: 26UNIT * 19UNIT</a:t>
+            </a:r>
+            <a:endParaRPr lang="ko-KR" altLang="en-US" sz="1600" dirty="0"/>
+          </a:p>
+        </p:txBody>
+      </p:sp>
+      <p:sp>
+        <p:nvSpPr>
+          <p:cNvPr id="11" name="TextBox 10"/>
+          <p:cNvSpPr txBox="1"/>
+          <p:nvPr/>
+        </p:nvSpPr>
+        <p:spPr>
+          <a:xfrm>
+            <a:off x="659614" y="5763909"/>
+            <a:ext cx="8065028" cy="830997"/>
+          </a:xfrm>
+          <a:prstGeom prst="rect">
+            <a:avLst/>
+          </a:prstGeom>
+          <a:noFill/>
+        </p:spPr>
+        <p:txBody>
+          <a:bodyPr wrap="none" rtlCol="0">
+            <a:spAutoFit/>
+          </a:bodyPr>
+          <a:lstStyle/>
+          <a:p>
+            <a:r>
+              <a:rPr lang="ko-KR" altLang="en-US" sz="1600" b="1" dirty="0" smtClean="0"/>
+              <a:t>특징</a:t>
+            </a:r>
+            <a:r>
+              <a:rPr lang="en-US" altLang="ko-KR" sz="1600" dirty="0" smtClean="0"/>
+              <a:t>: </a:t>
+            </a:r>
+            <a:r>
+              <a:rPr lang="ko-KR" altLang="en-US" sz="1600" dirty="0" smtClean="0"/>
+              <a:t>장애물만 존재하는 스테이지</a:t>
+            </a:r>
+            <a:endParaRPr lang="en-US" altLang="ko-KR" sz="1600" dirty="0"/>
+          </a:p>
+          <a:p>
+            <a:endParaRPr lang="en-US" altLang="ko-KR" sz="1600" dirty="0" smtClean="0"/>
+          </a:p>
+          <a:p>
+            <a:r>
+              <a:rPr lang="ko-KR" altLang="en-US" sz="1600" b="1" dirty="0" smtClean="0"/>
+              <a:t>조형</a:t>
+            </a:r>
+            <a:r>
+              <a:rPr lang="ko-KR" altLang="en-US" sz="1600" b="1" dirty="0"/>
+              <a:t>물</a:t>
+            </a:r>
+            <a:r>
+              <a:rPr lang="en-US" altLang="ko-KR" sz="1600" dirty="0" smtClean="0"/>
+              <a:t>: </a:t>
+            </a:r>
+            <a:r>
+              <a:rPr lang="ko-KR" altLang="en-US" sz="1600" dirty="0" smtClean="0"/>
+              <a:t>진열대</a:t>
+            </a:r>
+            <a:r>
+              <a:rPr lang="en-US" altLang="ko-KR" sz="1600" dirty="0" smtClean="0"/>
+              <a:t>, </a:t>
+            </a:r>
+            <a:r>
+              <a:rPr lang="ko-KR" altLang="en-US" sz="1600" dirty="0" smtClean="0"/>
+              <a:t>상자</a:t>
+            </a:r>
+            <a:r>
+              <a:rPr lang="en-US" altLang="ko-KR" sz="1600" dirty="0" smtClean="0"/>
+              <a:t>, </a:t>
+            </a:r>
+            <a:r>
+              <a:rPr lang="ko-KR" altLang="en-US" sz="1600" dirty="0" smtClean="0"/>
+              <a:t>수레</a:t>
+            </a:r>
+            <a:r>
+              <a:rPr lang="en-US" altLang="ko-KR" sz="1600" dirty="0" smtClean="0"/>
+              <a:t>, </a:t>
+            </a:r>
+            <a:r>
+              <a:rPr lang="ko-KR" altLang="en-US" sz="1600" dirty="0" smtClean="0"/>
+              <a:t>책상</a:t>
+            </a:r>
+            <a:r>
+              <a:rPr lang="en-US" altLang="ko-KR" sz="1600" dirty="0" smtClean="0"/>
+              <a:t>, </a:t>
+            </a:r>
+            <a:r>
+              <a:rPr lang="ko-KR" altLang="en-US" sz="1600" dirty="0" smtClean="0"/>
+              <a:t>공동 작업대</a:t>
+            </a:r>
+            <a:r>
+              <a:rPr lang="en-US" altLang="ko-KR" sz="1600" dirty="0" smtClean="0"/>
+              <a:t> </a:t>
+            </a:r>
+            <a:r>
+              <a:rPr lang="ko-KR" altLang="en-US" sz="1600" dirty="0" smtClean="0"/>
+              <a:t>선반</a:t>
+            </a:r>
+            <a:r>
+              <a:rPr lang="en-US" altLang="ko-KR" sz="1600" dirty="0" smtClean="0"/>
+              <a:t>, </a:t>
+            </a:r>
+            <a:r>
+              <a:rPr lang="ko-KR" altLang="en-US" sz="1600" dirty="0" smtClean="0"/>
+              <a:t>의자</a:t>
+            </a:r>
+            <a:r>
+              <a:rPr lang="en-US" altLang="ko-KR" sz="1600" dirty="0" smtClean="0"/>
+              <a:t>, </a:t>
+            </a:r>
+            <a:r>
+              <a:rPr lang="ko-KR" altLang="en-US" sz="1600" dirty="0" smtClean="0"/>
+              <a:t>서랍장</a:t>
+            </a:r>
+            <a:r>
+              <a:rPr lang="en-US" altLang="ko-KR" sz="1600" dirty="0" smtClean="0"/>
+              <a:t>, </a:t>
+            </a:r>
+            <a:r>
+              <a:rPr lang="ko-KR" altLang="en-US" sz="1600" dirty="0" err="1" smtClean="0"/>
+              <a:t>도구함</a:t>
+            </a:r>
+            <a:r>
+              <a:rPr lang="en-US" altLang="ko-KR" sz="1600" dirty="0" smtClean="0"/>
+              <a:t>, </a:t>
+            </a:r>
+            <a:r>
+              <a:rPr lang="ko-KR" altLang="en-US" sz="1600" dirty="0" smtClean="0"/>
+              <a:t>사다리</a:t>
+            </a:r>
+            <a:r>
+              <a:rPr lang="en-US" altLang="ko-KR" sz="1600" dirty="0" smtClean="0"/>
+              <a:t>, </a:t>
+            </a:r>
+            <a:r>
+              <a:rPr lang="ko-KR" altLang="en-US" sz="1600" dirty="0" smtClean="0"/>
+              <a:t>전등</a:t>
+            </a:r>
+            <a:endParaRPr lang="ko-KR" altLang="en-US" sz="1600" dirty="0"/>
+          </a:p>
+        </p:txBody>
+      </p:sp>
+      <p:sp>
+        <p:nvSpPr>
+          <p:cNvPr id="14" name="직사각형 13"/>
+          <p:cNvSpPr/>
+          <p:nvPr/>
+        </p:nvSpPr>
+        <p:spPr>
+          <a:xfrm>
+            <a:off x="614560" y="5427972"/>
+            <a:ext cx="7488832" cy="45719"/>
+          </a:xfrm>
+          <a:prstGeom prst="rect">
+            <a:avLst/>
+          </a:prstGeom>
+          <a:solidFill>
+            <a:schemeClr val="bg1">
+              <a:lumMod val="65000"/>
+            </a:schemeClr>
+          </a:solidFill>
+          <a:ln>
+            <a:noFill/>
+          </a:ln>
+        </p:spPr>
+        <p:style>
+          <a:lnRef idx="2">
+            <a:schemeClr val="accent1">
+              <a:shade val="50000"/>
+            </a:schemeClr>
+          </a:lnRef>
+          <a:fillRef idx="1">
+            <a:schemeClr val="accent1"/>
+          </a:fillRef>
+          <a:effectRef idx="0">
+            <a:schemeClr val="accent1"/>
+          </a:effectRef>
+          <a:fontRef idx="minor">
+            <a:schemeClr val="lt1"/>
+          </a:fontRef>
+        </p:style>
+        <p:txBody>
+          <a:bodyPr rtlCol="0" anchor="ctr"/>
+          <a:lstStyle/>
+          <a:p>
+            <a:pPr algn="ctr"/>
+            <a:endParaRPr lang="ko-KR" altLang="en-US"/>
+          </a:p>
+        </p:txBody>
+      </p:sp>
+      <p:sp>
+        <p:nvSpPr>
+          <p:cNvPr id="18" name="직사각형 17"/>
+          <p:cNvSpPr/>
+          <p:nvPr/>
+        </p:nvSpPr>
+        <p:spPr>
+          <a:xfrm>
+            <a:off x="611560" y="1034465"/>
+            <a:ext cx="7488832" cy="415051"/>
+          </a:xfrm>
+          <a:prstGeom prst="rect">
+            <a:avLst/>
+          </a:prstGeom>
+          <a:solidFill>
+            <a:schemeClr val="bg1">
+              <a:lumMod val="65000"/>
+            </a:schemeClr>
+          </a:solidFill>
+          <a:ln>
+            <a:noFill/>
+          </a:ln>
+        </p:spPr>
+        <p:style>
+          <a:lnRef idx="2">
+            <a:schemeClr val="accent1">
+              <a:shade val="50000"/>
+            </a:schemeClr>
+          </a:lnRef>
+          <a:fillRef idx="1">
+            <a:schemeClr val="accent1"/>
+          </a:fillRef>
+          <a:effectRef idx="0">
+            <a:schemeClr val="accent1"/>
+          </a:effectRef>
+          <a:fontRef idx="minor">
+            <a:schemeClr val="lt1"/>
+          </a:fontRef>
+        </p:style>
+        <p:txBody>
+          <a:bodyPr rtlCol="0" anchor="ctr"/>
+          <a:lstStyle/>
+          <a:p>
+            <a:pPr algn="ctr"/>
+            <a:endParaRPr lang="ko-KR" altLang="en-US"/>
+          </a:p>
+        </p:txBody>
+      </p:sp>
+      <p:sp>
+        <p:nvSpPr>
+          <p:cNvPr id="7" name="TextBox 6"/>
+          <p:cNvSpPr txBox="1"/>
+          <p:nvPr/>
+        </p:nvSpPr>
+        <p:spPr>
+          <a:xfrm>
+            <a:off x="3671900" y="1057324"/>
+            <a:ext cx="1512168" cy="369332"/>
+          </a:xfrm>
+          <a:prstGeom prst="rect">
+            <a:avLst/>
+          </a:prstGeom>
+          <a:noFill/>
+        </p:spPr>
+        <p:txBody>
           <a:bodyPr wrap="square" rtlCol="0">
             <a:spAutoFit/>
           </a:bodyPr>
           <a:lstStyle/>
           <a:p>
-            <a:pPr>
-              <a:buFont typeface="Arial" pitchFamily="34" charset="0"/>
-              <a:buChar char="•"/>
-            </a:pPr>
-            <a:r>
-              <a:rPr lang="en-US" altLang="ko-KR" sz="1600" dirty="0" smtClean="0">
-                <a:ln>
-                  <a:solidFill>
-                    <a:schemeClr val="accent1">
-                      <a:alpha val="0"/>
-                    </a:schemeClr>
-                  </a:solidFill>
-                </a:ln>
-                <a:latin typeface="나눔고딕 ExtraBold" panose="020D0904000000000000" pitchFamily="50" charset="-127"/>
-                <a:ea typeface="나눔고딕 ExtraBold" panose="020D0904000000000000" pitchFamily="50" charset="-127"/>
-              </a:rPr>
-              <a:t> </a:t>
-            </a:r>
-            <a:r>
-              <a:rPr lang="ko-KR" altLang="en-US" b="1" dirty="0" smtClean="0">
-                <a:ln>
-                  <a:solidFill>
-                    <a:schemeClr val="accent1">
-                      <a:alpha val="0"/>
-                    </a:schemeClr>
-                  </a:solidFill>
-                </a:ln>
-                <a:latin typeface="+mn-ea"/>
-              </a:rPr>
-              <a:t>유사 게임 </a:t>
-            </a:r>
-            <a:r>
-              <a:rPr lang="en-US" altLang="ko-KR" b="1" dirty="0" smtClean="0">
-                <a:ln>
-                  <a:solidFill>
-                    <a:schemeClr val="accent1">
-                      <a:alpha val="0"/>
-                    </a:schemeClr>
-                  </a:solidFill>
-                </a:ln>
-                <a:latin typeface="+mn-ea"/>
-              </a:rPr>
-              <a:t>– </a:t>
-            </a:r>
-            <a:r>
-              <a:rPr lang="ko-KR" altLang="en-US" dirty="0" err="1" smtClean="0">
-                <a:ln>
-                  <a:solidFill>
-                    <a:schemeClr val="accent1">
-                      <a:alpha val="0"/>
-                    </a:schemeClr>
-                  </a:solidFill>
-                </a:ln>
-                <a:latin typeface="+mn-ea"/>
-              </a:rPr>
-              <a:t>리틀</a:t>
-            </a:r>
-            <a:r>
-              <a:rPr lang="ko-KR" altLang="en-US" dirty="0" smtClean="0">
-                <a:ln>
-                  <a:solidFill>
-                    <a:schemeClr val="accent1">
-                      <a:alpha val="0"/>
-                    </a:schemeClr>
-                  </a:solidFill>
-                </a:ln>
-                <a:latin typeface="+mn-ea"/>
-              </a:rPr>
-              <a:t> 나이트 메어</a:t>
-            </a:r>
-            <a:endParaRPr lang="ko-KR" altLang="en-US" sz="1600" dirty="0">
-              <a:ln>
-                <a:solidFill>
-                  <a:schemeClr val="accent1">
-                    <a:alpha val="0"/>
-                  </a:schemeClr>
-                </a:solidFill>
-              </a:ln>
-              <a:latin typeface="+mn-ea"/>
-            </a:endParaRPr>
+            <a:r>
+              <a:rPr lang="ko-KR" altLang="en-US" b="1" dirty="0" smtClean="0"/>
+              <a:t>스테이지 </a:t>
+            </a:r>
+            <a:r>
+              <a:rPr lang="en-US" altLang="ko-KR" b="1" dirty="0" smtClean="0"/>
+              <a:t>1</a:t>
+            </a:r>
+            <a:endParaRPr lang="ko-KR" altLang="en-US" b="1" dirty="0"/>
+          </a:p>
+        </p:txBody>
+      </p:sp>
+      <p:sp>
+        <p:nvSpPr>
+          <p:cNvPr id="15" name="직사각형 14"/>
+          <p:cNvSpPr/>
+          <p:nvPr/>
+        </p:nvSpPr>
+        <p:spPr>
+          <a:xfrm>
+            <a:off x="611560" y="1432264"/>
+            <a:ext cx="45719" cy="4041427"/>
+          </a:xfrm>
+          <a:prstGeom prst="rect">
+            <a:avLst/>
+          </a:prstGeom>
+          <a:solidFill>
+            <a:schemeClr val="bg1">
+              <a:lumMod val="65000"/>
+            </a:schemeClr>
+          </a:solidFill>
+          <a:ln>
+            <a:noFill/>
+          </a:ln>
+        </p:spPr>
+        <p:style>
+          <a:lnRef idx="2">
+            <a:schemeClr val="accent1">
+              <a:shade val="50000"/>
+            </a:schemeClr>
+          </a:lnRef>
+          <a:fillRef idx="1">
+            <a:schemeClr val="accent1"/>
+          </a:fillRef>
+          <a:effectRef idx="0">
+            <a:schemeClr val="accent1"/>
+          </a:effectRef>
+          <a:fontRef idx="minor">
+            <a:schemeClr val="lt1"/>
+          </a:fontRef>
+        </p:style>
+        <p:txBody>
+          <a:bodyPr rtlCol="0" anchor="ctr"/>
+          <a:lstStyle/>
+          <a:p>
+            <a:pPr algn="ctr"/>
+            <a:endParaRPr lang="ko-KR" altLang="en-US"/>
+          </a:p>
+        </p:txBody>
+      </p:sp>
+      <p:sp>
+        <p:nvSpPr>
+          <p:cNvPr id="20" name="직사각형 19"/>
+          <p:cNvSpPr/>
+          <p:nvPr/>
+        </p:nvSpPr>
+        <p:spPr>
+          <a:xfrm>
+            <a:off x="8054673" y="1426656"/>
+            <a:ext cx="45719" cy="4041427"/>
+          </a:xfrm>
+          <a:prstGeom prst="rect">
+            <a:avLst/>
+          </a:prstGeom>
+          <a:solidFill>
+            <a:schemeClr val="bg1">
+              <a:lumMod val="65000"/>
+            </a:schemeClr>
+          </a:solidFill>
+          <a:ln>
+            <a:noFill/>
+          </a:ln>
+        </p:spPr>
+        <p:style>
+          <a:lnRef idx="2">
+            <a:schemeClr val="accent1">
+              <a:shade val="50000"/>
+            </a:schemeClr>
+          </a:lnRef>
+          <a:fillRef idx="1">
+            <a:schemeClr val="accent1"/>
+          </a:fillRef>
+          <a:effectRef idx="0">
+            <a:schemeClr val="accent1"/>
+          </a:effectRef>
+          <a:fontRef idx="minor">
+            <a:schemeClr val="lt1"/>
+          </a:fontRef>
+        </p:style>
+        <p:txBody>
+          <a:bodyPr rtlCol="0" anchor="ctr"/>
+          <a:lstStyle/>
+          <a:p>
+            <a:pPr algn="ctr"/>
+            <a:endParaRPr lang="ko-KR" altLang="en-US"/>
           </a:p>
         </p:txBody>
       </p:sp>
       <p:pic>
         <p:nvPicPr>
-          <p:cNvPr id="2052" name="Picture 4" descr="C:\Users\하은\Desktop\201608191_little1.jpg"/>
+          <p:cNvPr id="17" name="Picture 4" descr="C:\Users\JHE\Desktop\스테이지1 탑뷰(경로).jpg"/>
           <p:cNvPicPr>
             <a:picLocks noChangeAspect="1" noChangeArrowheads="1"/>
           </p:cNvPicPr>
           <p:nvPr/>
         </p:nvPicPr>
         <p:blipFill>
-          <a:blip r:embed="rId3" cstate="print">
+          <a:blip r:embed="rId3">
             <a:extLst>
               <a:ext uri="{28A0092B-C50C-407E-A947-70E740481C1C}">
                 <a14:useLocalDpi xmlns:a14="http://schemas.microsoft.com/office/drawing/2010/main" val="0"/>
@@ -7589,49 +9594,8 @@
         </p:blipFill>
         <p:spPr bwMode="auto">
           <a:xfrm>
-            <a:off x="467544" y="2204864"/>
-            <a:ext cx="5059315" cy="2170215"/>
-          </a:xfrm>
-          <a:prstGeom prst="rect">
-            <a:avLst/>
-          </a:prstGeom>
-          <a:noFill/>
-          <a:extLst>
-            <a:ext uri="{909E8E84-426E-40DD-AFC4-6F175D3DCCD1}">
-              <a14:hiddenFill xmlns:a14="http://schemas.microsoft.com/office/drawing/2010/main">
-                <a:solidFill>
-                  <a:srgbClr val="FFFFFF"/>
-                </a:solidFill>
-              </a14:hiddenFill>
-            </a:ext>
-          </a:extLst>
-        </p:spPr>
-      </p:pic>
-      <p:pic>
-        <p:nvPicPr>
-          <p:cNvPr id="2051" name="Picture 3" descr="C:\Users\하은\Desktop\dfgdfhhd05.jpg"/>
-          <p:cNvPicPr>
-            <a:picLocks noChangeAspect="1" noChangeArrowheads="1"/>
-          </p:cNvPicPr>
-          <p:nvPr/>
-        </p:nvPicPr>
-        <p:blipFill>
-          <a:blip r:embed="rId4" cstate="print">
-            <a:extLst>
-              <a:ext uri="{28A0092B-C50C-407E-A947-70E740481C1C}">
-                <a14:useLocalDpi xmlns:a14="http://schemas.microsoft.com/office/drawing/2010/main" val="0"/>
-              </a:ext>
-            </a:extLst>
-          </a:blip>
-          <a:srcRect/>
-          <a:stretch>
-            <a:fillRect/>
-          </a:stretch>
-        </p:blipFill>
-        <p:spPr bwMode="auto">
-          <a:xfrm>
-            <a:off x="3635896" y="3024796"/>
-            <a:ext cx="4894806" cy="2753328"/>
+            <a:off x="1502786" y="1492990"/>
+            <a:ext cx="5706380" cy="3899359"/>
           </a:xfrm>
           <a:prstGeom prst="rect">
             <a:avLst/>
@@ -7756,7 +9720,35 @@
           <a:lstStyle/>
           <a:p>
             <a:r>
-              <a:rPr lang="en-US" altLang="ko-KR" sz="2000" b="1" dirty="0" smtClean="0">
+              <a:rPr lang="en-US" altLang="ko-KR" sz="2000" dirty="0">
+                <a:ln>
+                  <a:solidFill>
+                    <a:schemeClr val="accent1">
+                      <a:alpha val="0"/>
+                    </a:schemeClr>
+                  </a:solidFill>
+                </a:ln>
+                <a:latin typeface="나눔고딕 ExtraBold" panose="020D0904000000000000" pitchFamily="50" charset="-127"/>
+                <a:ea typeface="나눔고딕 ExtraBold" panose="020D0904000000000000" pitchFamily="50" charset="-127"/>
+              </a:rPr>
+              <a:t>2</a:t>
+            </a:r>
+            <a:r>
+              <a:rPr lang="en-US" altLang="ko-KR" sz="2000" dirty="0" smtClean="0">
+                <a:ln>
+                  <a:solidFill>
+                    <a:schemeClr val="accent1">
+                      <a:alpha val="0"/>
+                    </a:schemeClr>
+                  </a:solidFill>
+                </a:ln>
+                <a:latin typeface="나눔고딕 ExtraBold" panose="020D0904000000000000" pitchFamily="50" charset="-127"/>
+                <a:ea typeface="나눔고딕 ExtraBold" panose="020D0904000000000000" pitchFamily="50" charset="-127"/>
+              </a:rPr>
+              <a:t>/ </a:t>
+            </a:r>
+            <a:r>
+              <a:rPr lang="ko-KR" altLang="en-US" sz="2000" b="1" dirty="0" smtClean="0">
                 <a:ln>
                   <a:solidFill>
                     <a:schemeClr val="accent1">
@@ -7766,20 +9758,7 @@
                 </a:ln>
                 <a:latin typeface="+mn-ea"/>
               </a:rPr>
-              <a:t>5/</a:t>
-            </a:r>
-            <a:r>
-              <a:rPr lang="ko-KR" altLang="en-US" sz="2000" b="1" dirty="0" smtClean="0">
-                <a:ln>
-                  <a:solidFill>
-                    <a:schemeClr val="accent1">
-                      <a:alpha val="0"/>
-                    </a:schemeClr>
-                  </a:solidFill>
-                </a:ln>
-                <a:latin typeface="+mn-ea"/>
-              </a:rPr>
-              <a:t>출처</a:t>
+              <a:t>게임플레이</a:t>
             </a:r>
             <a:endParaRPr lang="ko-KR" altLang="en-US" b="1" dirty="0">
               <a:ln>
@@ -7796,369 +9775,200 @@
       </p:sp>
       <p:sp>
         <p:nvSpPr>
-          <p:cNvPr id="6" name="TextBox 5"/>
-          <p:cNvSpPr txBox="1"/>
+          <p:cNvPr id="2" name="직사각형 1"/>
+          <p:cNvSpPr/>
           <p:nvPr/>
         </p:nvSpPr>
         <p:spPr>
           <a:xfrm>
-            <a:off x="539552" y="1243407"/>
-            <a:ext cx="8280920" cy="2123658"/>
+            <a:off x="179512" y="1052736"/>
+            <a:ext cx="8712968" cy="360040"/>
           </a:xfrm>
           <a:prstGeom prst="rect">
             <a:avLst/>
           </a:prstGeom>
-          <a:noFill/>
-        </p:spPr>
-        <p:txBody>
-          <a:bodyPr wrap="square" rtlCol="0">
-            <a:spAutoFit/>
-          </a:bodyPr>
-          <a:lstStyle/>
-          <a:p>
-            <a:r>
-              <a:rPr lang="ko-KR" altLang="en-US" sz="1100" b="1" dirty="0" smtClean="0">
-                <a:ln>
-                  <a:solidFill>
-                    <a:schemeClr val="accent1">
-                      <a:alpha val="0"/>
-                    </a:schemeClr>
-                  </a:solidFill>
-                </a:ln>
-                <a:latin typeface="+mn-ea"/>
-              </a:rPr>
-              <a:t>관절인형</a:t>
-            </a:r>
-            <a:endParaRPr lang="en-US" altLang="ko-KR" sz="1100" b="1" dirty="0" smtClean="0">
-              <a:ln>
-                <a:solidFill>
-                  <a:schemeClr val="accent1">
-                    <a:alpha val="0"/>
-                  </a:schemeClr>
-                </a:solidFill>
-              </a:ln>
-              <a:latin typeface="+mn-ea"/>
-            </a:endParaRPr>
-          </a:p>
-          <a:p>
-            <a:r>
-              <a:rPr lang="en-US" altLang="ko-KR" sz="1100" dirty="0">
-                <a:ln>
-                  <a:solidFill>
-                    <a:schemeClr val="accent1">
-                      <a:alpha val="0"/>
-                    </a:schemeClr>
-                  </a:solidFill>
-                </a:ln>
-                <a:latin typeface="+mn-ea"/>
-              </a:rPr>
-              <a:t> -http://www.ebay.es/itm/Robot-Time-Reloj-Despertador-ROJO-negro-con-Analogico-Pantalla-Retro-/</a:t>
-            </a:r>
-            <a:r>
-              <a:rPr lang="en-US" altLang="ko-KR" sz="1100" dirty="0" smtClean="0">
-                <a:ln>
-                  <a:solidFill>
-                    <a:schemeClr val="accent1">
-                      <a:alpha val="0"/>
-                    </a:schemeClr>
-                  </a:solidFill>
-                </a:ln>
-                <a:latin typeface="+mn-ea"/>
-              </a:rPr>
-              <a:t>311079023040</a:t>
-            </a:r>
-          </a:p>
-          <a:p>
-            <a:endParaRPr lang="en-US" altLang="ko-KR" sz="1100" dirty="0">
-              <a:ln>
-                <a:solidFill>
-                  <a:schemeClr val="accent1">
-                    <a:alpha val="0"/>
-                  </a:schemeClr>
-                </a:solidFill>
-              </a:ln>
-              <a:latin typeface="+mn-ea"/>
-            </a:endParaRPr>
-          </a:p>
-          <a:p>
-            <a:r>
-              <a:rPr lang="ko-KR" altLang="en-US" sz="1100" b="1" dirty="0" smtClean="0">
-                <a:ln>
-                  <a:solidFill>
-                    <a:schemeClr val="accent1">
-                      <a:alpha val="0"/>
-                    </a:schemeClr>
-                  </a:solidFill>
-                </a:ln>
-                <a:latin typeface="+mn-ea"/>
-              </a:rPr>
-              <a:t>로봇인형</a:t>
-            </a:r>
-            <a:endParaRPr lang="en-US" altLang="ko-KR" sz="1100" b="1" dirty="0" smtClean="0">
-              <a:ln>
-                <a:solidFill>
-                  <a:schemeClr val="accent1">
-                    <a:alpha val="0"/>
-                  </a:schemeClr>
-                </a:solidFill>
-              </a:ln>
-              <a:latin typeface="+mn-ea"/>
-            </a:endParaRPr>
-          </a:p>
-          <a:p>
-            <a:r>
-              <a:rPr lang="en-US" altLang="ko-KR" sz="1100" dirty="0">
-                <a:ln>
-                  <a:solidFill>
-                    <a:schemeClr val="accent1">
-                      <a:alpha val="0"/>
-                    </a:schemeClr>
-                  </a:solidFill>
-                </a:ln>
-                <a:latin typeface="+mn-ea"/>
-              </a:rPr>
-              <a:t> -http://www.ebay.es/itm/Robot-Time-Reloj-Despertador-ROJO-negro-con-Analogico-Pantalla-Retro-/</a:t>
-            </a:r>
-            <a:r>
-              <a:rPr lang="en-US" altLang="ko-KR" sz="1100" dirty="0" smtClean="0">
-                <a:ln>
-                  <a:solidFill>
-                    <a:schemeClr val="accent1">
-                      <a:alpha val="0"/>
-                    </a:schemeClr>
-                  </a:solidFill>
-                </a:ln>
-                <a:latin typeface="+mn-ea"/>
-              </a:rPr>
-              <a:t>311079023040</a:t>
-            </a:r>
-          </a:p>
-          <a:p>
-            <a:endParaRPr lang="en-US" altLang="ko-KR" sz="1100" dirty="0">
-              <a:ln>
-                <a:solidFill>
-                  <a:schemeClr val="accent1">
-                    <a:alpha val="0"/>
-                  </a:schemeClr>
-                </a:solidFill>
-              </a:ln>
-              <a:latin typeface="+mn-ea"/>
-            </a:endParaRPr>
-          </a:p>
-          <a:p>
-            <a:r>
-              <a:rPr lang="ko-KR" altLang="en-US" sz="1100" b="1" dirty="0" smtClean="0">
-                <a:ln>
-                  <a:solidFill>
-                    <a:schemeClr val="accent1">
-                      <a:alpha val="0"/>
-                    </a:schemeClr>
-                  </a:solidFill>
-                </a:ln>
-                <a:latin typeface="+mn-ea"/>
-              </a:rPr>
-              <a:t>태엽</a:t>
-            </a:r>
-            <a:endParaRPr lang="en-US" altLang="ko-KR" sz="1100" b="1" dirty="0" smtClean="0">
-              <a:ln>
-                <a:solidFill>
-                  <a:schemeClr val="accent1">
-                    <a:alpha val="0"/>
-                  </a:schemeClr>
-                </a:solidFill>
-              </a:ln>
-              <a:latin typeface="+mn-ea"/>
-            </a:endParaRPr>
-          </a:p>
-          <a:p>
-            <a:r>
-              <a:rPr lang="en-US" altLang="ko-KR" sz="1100" dirty="0">
-                <a:ln>
-                  <a:solidFill>
-                    <a:schemeClr val="accent1">
-                      <a:alpha val="0"/>
-                    </a:schemeClr>
-                  </a:solidFill>
-                </a:ln>
-                <a:latin typeface="+mn-ea"/>
-              </a:rPr>
-              <a:t> -http://free-3d-textures.com/</a:t>
-            </a:r>
-            <a:r>
-              <a:rPr lang="en-US" altLang="ko-KR" sz="1100" dirty="0" err="1">
-                <a:ln>
-                  <a:solidFill>
-                    <a:schemeClr val="accent1">
-                      <a:alpha val="0"/>
-                    </a:schemeClr>
-                  </a:solidFill>
-                </a:ln>
-                <a:latin typeface="+mn-ea"/>
-              </a:rPr>
-              <a:t>png</a:t>
-            </a:r>
-            <a:r>
-              <a:rPr lang="en-US" altLang="ko-KR" sz="1100" dirty="0">
-                <a:ln>
-                  <a:solidFill>
-                    <a:schemeClr val="accent1">
-                      <a:alpha val="0"/>
-                    </a:schemeClr>
-                  </a:solidFill>
-                </a:ln>
-                <a:latin typeface="+mn-ea"/>
-              </a:rPr>
-              <a:t>/</a:t>
-            </a:r>
-            <a:r>
-              <a:rPr lang="en-US" altLang="ko-KR" sz="1100" dirty="0" err="1">
-                <a:ln>
-                  <a:solidFill>
-                    <a:schemeClr val="accent1">
-                      <a:alpha val="0"/>
-                    </a:schemeClr>
-                  </a:solidFill>
-                </a:ln>
-                <a:latin typeface="+mn-ea"/>
-              </a:rPr>
-              <a:t>png</a:t>
-            </a:r>
-            <a:r>
-              <a:rPr lang="en-US" altLang="ko-KR" sz="1100" dirty="0">
-                <a:ln>
-                  <a:solidFill>
-                    <a:schemeClr val="accent1">
-                      <a:alpha val="0"/>
-                    </a:schemeClr>
-                  </a:solidFill>
-                </a:ln>
-                <a:latin typeface="+mn-ea"/>
-              </a:rPr>
-              <a:t>-</a:t>
-            </a:r>
-            <a:r>
-              <a:rPr lang="en-US" altLang="ko-KR" sz="1100" dirty="0" err="1">
-                <a:ln>
-                  <a:solidFill>
-                    <a:schemeClr val="accent1">
-                      <a:alpha val="0"/>
-                    </a:schemeClr>
-                  </a:solidFill>
-                </a:ln>
-                <a:latin typeface="+mn-ea"/>
-              </a:rPr>
-              <a:t>miscellanous</a:t>
-            </a:r>
-            <a:r>
-              <a:rPr lang="en-US" altLang="ko-KR" sz="1100" dirty="0">
-                <a:ln>
-                  <a:solidFill>
-                    <a:schemeClr val="accent1">
-                      <a:alpha val="0"/>
-                    </a:schemeClr>
-                  </a:solidFill>
-                </a:ln>
-                <a:latin typeface="+mn-ea"/>
-              </a:rPr>
-              <a:t>-stuff/</a:t>
-            </a:r>
-          </a:p>
-          <a:p>
-            <a:endParaRPr lang="en-US" altLang="ko-KR" sz="1100" dirty="0" smtClean="0">
-              <a:ln>
-                <a:solidFill>
-                  <a:schemeClr val="accent1">
-                    <a:alpha val="0"/>
-                  </a:schemeClr>
-                </a:solidFill>
-              </a:ln>
-              <a:latin typeface="+mn-ea"/>
-            </a:endParaRPr>
-          </a:p>
-          <a:p>
-            <a:r>
-              <a:rPr lang="ko-KR" altLang="en-US" sz="1100" b="1" dirty="0" err="1" smtClean="0">
-                <a:ln>
-                  <a:solidFill>
-                    <a:schemeClr val="accent1">
-                      <a:alpha val="0"/>
-                    </a:schemeClr>
-                  </a:solidFill>
-                </a:ln>
-                <a:latin typeface="+mn-ea"/>
-              </a:rPr>
-              <a:t>리틀</a:t>
-            </a:r>
-            <a:r>
-              <a:rPr lang="ko-KR" altLang="en-US" sz="1100" b="1" dirty="0" smtClean="0">
-                <a:ln>
-                  <a:solidFill>
-                    <a:schemeClr val="accent1">
-                      <a:alpha val="0"/>
-                    </a:schemeClr>
-                  </a:solidFill>
-                </a:ln>
-                <a:latin typeface="+mn-ea"/>
-              </a:rPr>
-              <a:t> </a:t>
-            </a:r>
-            <a:r>
-              <a:rPr lang="ko-KR" altLang="en-US" sz="1100" b="1" dirty="0" err="1" smtClean="0">
-                <a:ln>
-                  <a:solidFill>
-                    <a:schemeClr val="accent1">
-                      <a:alpha val="0"/>
-                    </a:schemeClr>
-                  </a:solidFill>
-                </a:ln>
-                <a:latin typeface="+mn-ea"/>
-              </a:rPr>
-              <a:t>나이트메어</a:t>
-            </a:r>
-            <a:endParaRPr lang="en-US" altLang="ko-KR" sz="1100" b="1" dirty="0" smtClean="0">
-              <a:ln>
-                <a:solidFill>
-                  <a:schemeClr val="accent1">
-                    <a:alpha val="0"/>
-                  </a:schemeClr>
-                </a:solidFill>
-              </a:ln>
-              <a:latin typeface="+mn-ea"/>
-            </a:endParaRPr>
-          </a:p>
-          <a:p>
-            <a:r>
-              <a:rPr lang="en-US" altLang="ko-KR" sz="1100" dirty="0">
-                <a:ln>
-                  <a:solidFill>
-                    <a:schemeClr val="accent1">
-                      <a:alpha val="0"/>
-                    </a:schemeClr>
-                  </a:solidFill>
-                </a:ln>
-                <a:latin typeface="+mn-ea"/>
-              </a:rPr>
-              <a:t> -http://blog.naver.com/ps3player/220934403639</a:t>
-            </a:r>
-          </a:p>
-          <a:p>
-            <a:endParaRPr lang="ko-KR" altLang="en-US" sz="1100" dirty="0">
-              <a:ln>
-                <a:solidFill>
-                  <a:schemeClr val="accent1">
-                    <a:alpha val="0"/>
-                  </a:schemeClr>
-                </a:solidFill>
-              </a:ln>
-              <a:latin typeface="+mn-ea"/>
-            </a:endParaRPr>
+          <a:solidFill>
+            <a:schemeClr val="bg1">
+              <a:lumMod val="65000"/>
+            </a:schemeClr>
+          </a:solidFill>
+          <a:ln>
+            <a:noFill/>
+          </a:ln>
+        </p:spPr>
+        <p:style>
+          <a:lnRef idx="2">
+            <a:schemeClr val="accent1">
+              <a:shade val="50000"/>
+            </a:schemeClr>
+          </a:lnRef>
+          <a:fillRef idx="1">
+            <a:schemeClr val="accent1"/>
+          </a:fillRef>
+          <a:effectRef idx="0">
+            <a:schemeClr val="accent1"/>
+          </a:effectRef>
+          <a:fontRef idx="minor">
+            <a:schemeClr val="lt1"/>
+          </a:fontRef>
+        </p:style>
+        <p:txBody>
+          <a:bodyPr rtlCol="0" anchor="ctr"/>
+          <a:lstStyle/>
+          <a:p>
+            <a:pPr algn="ctr"/>
+            <a:endParaRPr lang="ko-KR" altLang="en-US"/>
+          </a:p>
+        </p:txBody>
+      </p:sp>
+      <p:sp>
+        <p:nvSpPr>
+          <p:cNvPr id="8" name="직사각형 7"/>
+          <p:cNvSpPr/>
+          <p:nvPr/>
+        </p:nvSpPr>
+        <p:spPr>
+          <a:xfrm>
+            <a:off x="185119" y="6704275"/>
+            <a:ext cx="8707361" cy="45719"/>
+          </a:xfrm>
+          <a:prstGeom prst="rect">
+            <a:avLst/>
+          </a:prstGeom>
+          <a:solidFill>
+            <a:schemeClr val="bg1">
+              <a:lumMod val="65000"/>
+            </a:schemeClr>
+          </a:solidFill>
+          <a:ln>
+            <a:noFill/>
+          </a:ln>
+        </p:spPr>
+        <p:style>
+          <a:lnRef idx="2">
+            <a:schemeClr val="accent1">
+              <a:shade val="50000"/>
+            </a:schemeClr>
+          </a:lnRef>
+          <a:fillRef idx="1">
+            <a:schemeClr val="accent1"/>
+          </a:fillRef>
+          <a:effectRef idx="0">
+            <a:schemeClr val="accent1"/>
+          </a:effectRef>
+          <a:fontRef idx="minor">
+            <a:schemeClr val="lt1"/>
+          </a:fontRef>
+        </p:style>
+        <p:txBody>
+          <a:bodyPr rtlCol="0" anchor="ctr"/>
+          <a:lstStyle/>
+          <a:p>
+            <a:pPr algn="ctr"/>
+            <a:endParaRPr lang="ko-KR" altLang="en-US"/>
+          </a:p>
+        </p:txBody>
+      </p:sp>
+      <p:sp>
+        <p:nvSpPr>
+          <p:cNvPr id="3" name="직사각형 2"/>
+          <p:cNvSpPr/>
+          <p:nvPr/>
+        </p:nvSpPr>
+        <p:spPr>
+          <a:xfrm>
+            <a:off x="185119" y="1383897"/>
+            <a:ext cx="45719" cy="5357470"/>
+          </a:xfrm>
+          <a:prstGeom prst="rect">
+            <a:avLst/>
+          </a:prstGeom>
+          <a:solidFill>
+            <a:schemeClr val="bg1">
+              <a:lumMod val="65000"/>
+            </a:schemeClr>
+          </a:solidFill>
+          <a:ln>
+            <a:noFill/>
+          </a:ln>
+        </p:spPr>
+        <p:style>
+          <a:lnRef idx="2">
+            <a:schemeClr val="accent1">
+              <a:shade val="50000"/>
+            </a:schemeClr>
+          </a:lnRef>
+          <a:fillRef idx="1">
+            <a:schemeClr val="accent1"/>
+          </a:fillRef>
+          <a:effectRef idx="0">
+            <a:schemeClr val="accent1"/>
+          </a:effectRef>
+          <a:fontRef idx="minor">
+            <a:schemeClr val="lt1"/>
+          </a:fontRef>
+        </p:style>
+        <p:txBody>
+          <a:bodyPr rtlCol="0" anchor="ctr"/>
+          <a:lstStyle/>
+          <a:p>
+            <a:pPr algn="ctr"/>
+            <a:endParaRPr lang="ko-KR" altLang="en-US"/>
+          </a:p>
+        </p:txBody>
+      </p:sp>
+      <p:sp>
+        <p:nvSpPr>
+          <p:cNvPr id="10" name="직사각형 9"/>
+          <p:cNvSpPr/>
+          <p:nvPr/>
+        </p:nvSpPr>
+        <p:spPr>
+          <a:xfrm>
+            <a:off x="8846761" y="1394116"/>
+            <a:ext cx="45719" cy="5357470"/>
+          </a:xfrm>
+          <a:prstGeom prst="rect">
+            <a:avLst/>
+          </a:prstGeom>
+          <a:solidFill>
+            <a:schemeClr val="bg1">
+              <a:lumMod val="65000"/>
+            </a:schemeClr>
+          </a:solidFill>
+          <a:ln>
+            <a:noFill/>
+          </a:ln>
+        </p:spPr>
+        <p:style>
+          <a:lnRef idx="2">
+            <a:schemeClr val="accent1">
+              <a:shade val="50000"/>
+            </a:schemeClr>
+          </a:lnRef>
+          <a:fillRef idx="1">
+            <a:schemeClr val="accent1"/>
+          </a:fillRef>
+          <a:effectRef idx="0">
+            <a:schemeClr val="accent1"/>
+          </a:effectRef>
+          <a:fontRef idx="minor">
+            <a:schemeClr val="lt1"/>
+          </a:fontRef>
+        </p:style>
+        <p:txBody>
+          <a:bodyPr rtlCol="0" anchor="ctr"/>
+          <a:lstStyle/>
+          <a:p>
+            <a:pPr algn="ctr"/>
+            <a:endParaRPr lang="ko-KR" altLang="en-US"/>
           </a:p>
         </p:txBody>
       </p:sp>
     </p:spTree>
     <p:extLst>
       <p:ext uri="{BB962C8B-B14F-4D97-AF65-F5344CB8AC3E}">
-        <p14:creationId xmlns:p14="http://schemas.microsoft.com/office/powerpoint/2010/main" val="3402519836"/>
+        <p14:creationId xmlns:p14="http://schemas.microsoft.com/office/powerpoint/2010/main" val="3467271981"/>
       </p:ext>
     </p:extLst>
   </p:cSld>
@@ -8193,7 +10003,7 @@
         </p:nvSpPr>
         <p:spPr>
           <a:xfrm>
-            <a:off x="0" y="2996952"/>
+            <a:off x="0" y="404664"/>
             <a:ext cx="9144000" cy="504056"/>
           </a:xfrm>
           <a:prstGeom prst="rect">
@@ -8227,21 +10037,7 @@
           <a:lstStyle/>
           <a:p>
             <a:pPr algn="ctr"/>
-            <a:r>
-              <a:rPr lang="en-US" altLang="ko-KR" dirty="0" smtClean="0">
-                <a:ln>
-                  <a:solidFill>
-                    <a:schemeClr val="accent1">
-                      <a:alpha val="0"/>
-                    </a:schemeClr>
-                  </a:solidFill>
-                </a:ln>
-                <a:latin typeface="나눔고딕 ExtraBold" panose="020D0904000000000000" pitchFamily="50" charset="-127"/>
-                <a:ea typeface="나눔고딕 ExtraBold" panose="020D0904000000000000" pitchFamily="50" charset="-127"/>
-              </a:rPr>
-              <a:t>Thank you for listening!</a:t>
-            </a:r>
-            <a:endParaRPr lang="ko-KR" altLang="en-US" dirty="0">
+            <a:endParaRPr lang="ko-KR" altLang="en-US" sz="2000" b="1" dirty="0">
               <a:ln>
                 <a:solidFill>
                   <a:schemeClr val="accent1">
@@ -8249,24 +10045,443 @@
                   </a:schemeClr>
                 </a:solidFill>
               </a:ln>
-              <a:latin typeface="나눔고딕 ExtraBold" panose="020D0904000000000000" pitchFamily="50" charset="-127"/>
-              <a:ea typeface="나눔고딕 ExtraBold" panose="020D0904000000000000" pitchFamily="50" charset="-127"/>
+              <a:latin typeface="+mn-ea"/>
             </a:endParaRPr>
           </a:p>
         </p:txBody>
       </p:sp>
+      <p:sp>
+        <p:nvSpPr>
+          <p:cNvPr id="5" name="TextBox 4"/>
+          <p:cNvSpPr txBox="1"/>
+          <p:nvPr/>
+        </p:nvSpPr>
+        <p:spPr>
+          <a:xfrm>
+            <a:off x="0" y="0"/>
+            <a:ext cx="3059832" cy="400110"/>
+          </a:xfrm>
+          <a:prstGeom prst="rect">
+            <a:avLst/>
+          </a:prstGeom>
+          <a:noFill/>
+        </p:spPr>
+        <p:txBody>
+          <a:bodyPr wrap="square" rtlCol="0">
+            <a:spAutoFit/>
+          </a:bodyPr>
+          <a:lstStyle/>
+          <a:p>
+            <a:r>
+              <a:rPr lang="en-US" altLang="ko-KR" sz="2000" b="1" dirty="0" smtClean="0">
+                <a:ln>
+                  <a:solidFill>
+                    <a:schemeClr val="accent1">
+                      <a:alpha val="0"/>
+                    </a:schemeClr>
+                  </a:solidFill>
+                </a:ln>
+                <a:latin typeface="+mn-ea"/>
+              </a:rPr>
+              <a:t>5/</a:t>
+            </a:r>
+            <a:r>
+              <a:rPr lang="ko-KR" altLang="en-US" sz="2000" b="1" dirty="0" smtClean="0">
+                <a:ln>
+                  <a:solidFill>
+                    <a:schemeClr val="accent1">
+                      <a:alpha val="0"/>
+                    </a:schemeClr>
+                  </a:solidFill>
+                </a:ln>
+                <a:latin typeface="+mn-ea"/>
+              </a:rPr>
+              <a:t>출처</a:t>
+            </a:r>
+            <a:endParaRPr lang="ko-KR" altLang="en-US" b="1" dirty="0">
+              <a:ln>
+                <a:solidFill>
+                  <a:schemeClr val="accent1">
+                    <a:alpha val="0"/>
+                  </a:schemeClr>
+                </a:solidFill>
+              </a:ln>
+              <a:latin typeface="+mn-ea"/>
+            </a:endParaRPr>
+          </a:p>
+        </p:txBody>
+      </p:sp>
+      <p:sp>
+        <p:nvSpPr>
+          <p:cNvPr id="6" name="TextBox 5"/>
+          <p:cNvSpPr txBox="1"/>
+          <p:nvPr/>
+        </p:nvSpPr>
+        <p:spPr>
+          <a:xfrm>
+            <a:off x="539552" y="1243407"/>
+            <a:ext cx="8280920" cy="2123658"/>
+          </a:xfrm>
+          <a:prstGeom prst="rect">
+            <a:avLst/>
+          </a:prstGeom>
+          <a:noFill/>
+        </p:spPr>
+        <p:txBody>
+          <a:bodyPr wrap="square" rtlCol="0">
+            <a:spAutoFit/>
+          </a:bodyPr>
+          <a:lstStyle/>
+          <a:p>
+            <a:r>
+              <a:rPr lang="ko-KR" altLang="en-US" sz="1100" b="1" dirty="0" smtClean="0">
+                <a:ln>
+                  <a:solidFill>
+                    <a:schemeClr val="accent1">
+                      <a:alpha val="0"/>
+                    </a:schemeClr>
+                  </a:solidFill>
+                </a:ln>
+                <a:latin typeface="+mn-ea"/>
+              </a:rPr>
+              <a:t>관절인형</a:t>
+            </a:r>
+            <a:endParaRPr lang="en-US" altLang="ko-KR" sz="1100" b="1" dirty="0" smtClean="0">
+              <a:ln>
+                <a:solidFill>
+                  <a:schemeClr val="accent1">
+                    <a:alpha val="0"/>
+                  </a:schemeClr>
+                </a:solidFill>
+              </a:ln>
+              <a:latin typeface="+mn-ea"/>
+            </a:endParaRPr>
+          </a:p>
+          <a:p>
+            <a:r>
+              <a:rPr lang="en-US" altLang="ko-KR" sz="1100" dirty="0">
+                <a:ln>
+                  <a:solidFill>
+                    <a:schemeClr val="accent1">
+                      <a:alpha val="0"/>
+                    </a:schemeClr>
+                  </a:solidFill>
+                </a:ln>
+                <a:latin typeface="+mn-ea"/>
+              </a:rPr>
+              <a:t> -http://www.ebay.es/itm/Robot-Time-Reloj-Despertador-ROJO-negro-con-Analogico-Pantalla-Retro-/</a:t>
+            </a:r>
+            <a:r>
+              <a:rPr lang="en-US" altLang="ko-KR" sz="1100" dirty="0" smtClean="0">
+                <a:ln>
+                  <a:solidFill>
+                    <a:schemeClr val="accent1">
+                      <a:alpha val="0"/>
+                    </a:schemeClr>
+                  </a:solidFill>
+                </a:ln>
+                <a:latin typeface="+mn-ea"/>
+              </a:rPr>
+              <a:t>311079023040</a:t>
+            </a:r>
+          </a:p>
+          <a:p>
+            <a:endParaRPr lang="en-US" altLang="ko-KR" sz="1100" dirty="0">
+              <a:ln>
+                <a:solidFill>
+                  <a:schemeClr val="accent1">
+                    <a:alpha val="0"/>
+                  </a:schemeClr>
+                </a:solidFill>
+              </a:ln>
+              <a:latin typeface="+mn-ea"/>
+            </a:endParaRPr>
+          </a:p>
+          <a:p>
+            <a:r>
+              <a:rPr lang="ko-KR" altLang="en-US" sz="1100" b="1" dirty="0" smtClean="0">
+                <a:ln>
+                  <a:solidFill>
+                    <a:schemeClr val="accent1">
+                      <a:alpha val="0"/>
+                    </a:schemeClr>
+                  </a:solidFill>
+                </a:ln>
+                <a:latin typeface="+mn-ea"/>
+              </a:rPr>
+              <a:t>로봇인형</a:t>
+            </a:r>
+            <a:endParaRPr lang="en-US" altLang="ko-KR" sz="1100" b="1" dirty="0" smtClean="0">
+              <a:ln>
+                <a:solidFill>
+                  <a:schemeClr val="accent1">
+                    <a:alpha val="0"/>
+                  </a:schemeClr>
+                </a:solidFill>
+              </a:ln>
+              <a:latin typeface="+mn-ea"/>
+            </a:endParaRPr>
+          </a:p>
+          <a:p>
+            <a:r>
+              <a:rPr lang="en-US" altLang="ko-KR" sz="1100" dirty="0">
+                <a:ln>
+                  <a:solidFill>
+                    <a:schemeClr val="accent1">
+                      <a:alpha val="0"/>
+                    </a:schemeClr>
+                  </a:solidFill>
+                </a:ln>
+                <a:latin typeface="+mn-ea"/>
+              </a:rPr>
+              <a:t> -http://www.ebay.es/itm/Robot-Time-Reloj-Despertador-ROJO-negro-con-Analogico-Pantalla-Retro-/</a:t>
+            </a:r>
+            <a:r>
+              <a:rPr lang="en-US" altLang="ko-KR" sz="1100" dirty="0" smtClean="0">
+                <a:ln>
+                  <a:solidFill>
+                    <a:schemeClr val="accent1">
+                      <a:alpha val="0"/>
+                    </a:schemeClr>
+                  </a:solidFill>
+                </a:ln>
+                <a:latin typeface="+mn-ea"/>
+              </a:rPr>
+              <a:t>311079023040</a:t>
+            </a:r>
+          </a:p>
+          <a:p>
+            <a:endParaRPr lang="en-US" altLang="ko-KR" sz="1100" dirty="0">
+              <a:ln>
+                <a:solidFill>
+                  <a:schemeClr val="accent1">
+                    <a:alpha val="0"/>
+                  </a:schemeClr>
+                </a:solidFill>
+              </a:ln>
+              <a:latin typeface="+mn-ea"/>
+            </a:endParaRPr>
+          </a:p>
+          <a:p>
+            <a:r>
+              <a:rPr lang="ko-KR" altLang="en-US" sz="1100" b="1" dirty="0" smtClean="0">
+                <a:ln>
+                  <a:solidFill>
+                    <a:schemeClr val="accent1">
+                      <a:alpha val="0"/>
+                    </a:schemeClr>
+                  </a:solidFill>
+                </a:ln>
+                <a:latin typeface="+mn-ea"/>
+              </a:rPr>
+              <a:t>태엽</a:t>
+            </a:r>
+            <a:endParaRPr lang="en-US" altLang="ko-KR" sz="1100" b="1" dirty="0" smtClean="0">
+              <a:ln>
+                <a:solidFill>
+                  <a:schemeClr val="accent1">
+                    <a:alpha val="0"/>
+                  </a:schemeClr>
+                </a:solidFill>
+              </a:ln>
+              <a:latin typeface="+mn-ea"/>
+            </a:endParaRPr>
+          </a:p>
+          <a:p>
+            <a:r>
+              <a:rPr lang="en-US" altLang="ko-KR" sz="1100" dirty="0">
+                <a:ln>
+                  <a:solidFill>
+                    <a:schemeClr val="accent1">
+                      <a:alpha val="0"/>
+                    </a:schemeClr>
+                  </a:solidFill>
+                </a:ln>
+                <a:latin typeface="+mn-ea"/>
+              </a:rPr>
+              <a:t> -http://free-3d-textures.com/</a:t>
+            </a:r>
+            <a:r>
+              <a:rPr lang="en-US" altLang="ko-KR" sz="1100" dirty="0" err="1">
+                <a:ln>
+                  <a:solidFill>
+                    <a:schemeClr val="accent1">
+                      <a:alpha val="0"/>
+                    </a:schemeClr>
+                  </a:solidFill>
+                </a:ln>
+                <a:latin typeface="+mn-ea"/>
+              </a:rPr>
+              <a:t>png</a:t>
+            </a:r>
+            <a:r>
+              <a:rPr lang="en-US" altLang="ko-KR" sz="1100" dirty="0">
+                <a:ln>
+                  <a:solidFill>
+                    <a:schemeClr val="accent1">
+                      <a:alpha val="0"/>
+                    </a:schemeClr>
+                  </a:solidFill>
+                </a:ln>
+                <a:latin typeface="+mn-ea"/>
+              </a:rPr>
+              <a:t>/</a:t>
+            </a:r>
+            <a:r>
+              <a:rPr lang="en-US" altLang="ko-KR" sz="1100" dirty="0" err="1">
+                <a:ln>
+                  <a:solidFill>
+                    <a:schemeClr val="accent1">
+                      <a:alpha val="0"/>
+                    </a:schemeClr>
+                  </a:solidFill>
+                </a:ln>
+                <a:latin typeface="+mn-ea"/>
+              </a:rPr>
+              <a:t>png</a:t>
+            </a:r>
+            <a:r>
+              <a:rPr lang="en-US" altLang="ko-KR" sz="1100" dirty="0">
+                <a:ln>
+                  <a:solidFill>
+                    <a:schemeClr val="accent1">
+                      <a:alpha val="0"/>
+                    </a:schemeClr>
+                  </a:solidFill>
+                </a:ln>
+                <a:latin typeface="+mn-ea"/>
+              </a:rPr>
+              <a:t>-</a:t>
+            </a:r>
+            <a:r>
+              <a:rPr lang="en-US" altLang="ko-KR" sz="1100" dirty="0" err="1">
+                <a:ln>
+                  <a:solidFill>
+                    <a:schemeClr val="accent1">
+                      <a:alpha val="0"/>
+                    </a:schemeClr>
+                  </a:solidFill>
+                </a:ln>
+                <a:latin typeface="+mn-ea"/>
+              </a:rPr>
+              <a:t>miscellanous</a:t>
+            </a:r>
+            <a:r>
+              <a:rPr lang="en-US" altLang="ko-KR" sz="1100" dirty="0">
+                <a:ln>
+                  <a:solidFill>
+                    <a:schemeClr val="accent1">
+                      <a:alpha val="0"/>
+                    </a:schemeClr>
+                  </a:solidFill>
+                </a:ln>
+                <a:latin typeface="+mn-ea"/>
+              </a:rPr>
+              <a:t>-stuff/</a:t>
+            </a:r>
+          </a:p>
+          <a:p>
+            <a:endParaRPr lang="en-US" altLang="ko-KR" sz="1100" dirty="0" smtClean="0">
+              <a:ln>
+                <a:solidFill>
+                  <a:schemeClr val="accent1">
+                    <a:alpha val="0"/>
+                  </a:schemeClr>
+                </a:solidFill>
+              </a:ln>
+              <a:latin typeface="+mn-ea"/>
+            </a:endParaRPr>
+          </a:p>
+          <a:p>
+            <a:r>
+              <a:rPr lang="ko-KR" altLang="en-US" sz="1100" b="1" dirty="0" err="1" smtClean="0">
+                <a:ln>
+                  <a:solidFill>
+                    <a:schemeClr val="accent1">
+                      <a:alpha val="0"/>
+                    </a:schemeClr>
+                  </a:solidFill>
+                </a:ln>
+                <a:latin typeface="+mn-ea"/>
+              </a:rPr>
+              <a:t>리틀</a:t>
+            </a:r>
+            <a:r>
+              <a:rPr lang="ko-KR" altLang="en-US" sz="1100" b="1" dirty="0" smtClean="0">
+                <a:ln>
+                  <a:solidFill>
+                    <a:schemeClr val="accent1">
+                      <a:alpha val="0"/>
+                    </a:schemeClr>
+                  </a:solidFill>
+                </a:ln>
+                <a:latin typeface="+mn-ea"/>
+              </a:rPr>
+              <a:t> </a:t>
+            </a:r>
+            <a:r>
+              <a:rPr lang="ko-KR" altLang="en-US" sz="1100" b="1" dirty="0" err="1" smtClean="0">
+                <a:ln>
+                  <a:solidFill>
+                    <a:schemeClr val="accent1">
+                      <a:alpha val="0"/>
+                    </a:schemeClr>
+                  </a:solidFill>
+                </a:ln>
+                <a:latin typeface="+mn-ea"/>
+              </a:rPr>
+              <a:t>나이트메어</a:t>
+            </a:r>
+            <a:endParaRPr lang="en-US" altLang="ko-KR" sz="1100" b="1" dirty="0" smtClean="0">
+              <a:ln>
+                <a:solidFill>
+                  <a:schemeClr val="accent1">
+                    <a:alpha val="0"/>
+                  </a:schemeClr>
+                </a:solidFill>
+              </a:ln>
+              <a:latin typeface="+mn-ea"/>
+            </a:endParaRPr>
+          </a:p>
+          <a:p>
+            <a:r>
+              <a:rPr lang="en-US" altLang="ko-KR" sz="1100" dirty="0">
+                <a:ln>
+                  <a:solidFill>
+                    <a:schemeClr val="accent1">
+                      <a:alpha val="0"/>
+                    </a:schemeClr>
+                  </a:solidFill>
+                </a:ln>
+                <a:latin typeface="+mn-ea"/>
+              </a:rPr>
+              <a:t> -http://blog.naver.com/ps3player/220934403639</a:t>
+            </a:r>
+          </a:p>
+          <a:p>
+            <a:endParaRPr lang="ko-KR" altLang="en-US" sz="1100" dirty="0">
+              <a:ln>
+                <a:solidFill>
+                  <a:schemeClr val="accent1">
+                    <a:alpha val="0"/>
+                  </a:schemeClr>
+                </a:solidFill>
+              </a:ln>
+              <a:latin typeface="+mn-ea"/>
+            </a:endParaRPr>
+          </a:p>
+        </p:txBody>
+      </p:sp>
     </p:spTree>
+    <p:extLst>
+      <p:ext uri="{BB962C8B-B14F-4D97-AF65-F5344CB8AC3E}">
+        <p14:creationId xmlns:p14="http://schemas.microsoft.com/office/powerpoint/2010/main" val="3402519836"/>
+      </p:ext>
+    </p:extLst>
   </p:cSld>
   <p:clrMapOvr>
     <a:masterClrMapping/>
   </p:clrMapOvr>
-  <p:timing>
-    <p:tnLst>
-      <p:par>
-        <p:cTn id="1" dur="indefinite" restart="never" nodeType="tmRoot"/>
-      </p:par>
-    </p:tnLst>
-  </p:timing>
 </p:sld>
 </file>
 

--- a/기획문서/게임 제안서.pptx
+++ b/기획문서/게임 제안서.pptx
@@ -5,7 +5,7 @@
     <p:sldMasterId id="2147483648" r:id="rId1"/>
   </p:sldMasterIdLst>
   <p:notesMasterIdLst>
-    <p:notesMasterId r:id="rId12"/>
+    <p:notesMasterId r:id="rId17"/>
   </p:notesMasterIdLst>
   <p:sldIdLst>
     <p:sldId id="257" r:id="rId2"/>
@@ -16,20 +16,25 @@
     <p:sldId id="268" r:id="rId7"/>
     <p:sldId id="265" r:id="rId8"/>
     <p:sldId id="269" r:id="rId9"/>
-    <p:sldId id="266" r:id="rId10"/>
-    <p:sldId id="263" r:id="rId11"/>
+    <p:sldId id="270" r:id="rId10"/>
+    <p:sldId id="271" r:id="rId11"/>
+    <p:sldId id="274" r:id="rId12"/>
+    <p:sldId id="272" r:id="rId13"/>
+    <p:sldId id="266" r:id="rId14"/>
+    <p:sldId id="273" r:id="rId15"/>
+    <p:sldId id="263" r:id="rId16"/>
   </p:sldIdLst>
   <p:sldSz cx="9144000" cy="6858000" type="screen4x3"/>
   <p:notesSz cx="6858000" cy="9144000"/>
   <p:embeddedFontLst>
     <p:embeddedFont>
       <p:font typeface="나눔고딕 ExtraBold" charset="-127"/>
-      <p:bold r:id="rId13"/>
+      <p:bold r:id="rId18"/>
     </p:embeddedFont>
     <p:embeddedFont>
       <p:font typeface="맑은 고딕" pitchFamily="50" charset="-127"/>
-      <p:regular r:id="rId14"/>
-      <p:bold r:id="rId15"/>
+      <p:regular r:id="rId19"/>
+      <p:bold r:id="rId20"/>
     </p:embeddedFont>
   </p:embeddedFontLst>
   <p:defaultTextStyle>
@@ -213,7 +218,7 @@
             <a:fld id="{D84393A8-633A-44BC-88CE-FCA3A15FDEAB}" type="datetimeFigureOut">
               <a:rPr lang="ko-KR" altLang="en-US" smtClean="0"/>
               <a:pPr/>
-              <a:t>2017-11-28</a:t>
+              <a:t>2017-11-29</a:t>
             </a:fld>
             <a:endParaRPr lang="ko-KR" altLang="en-US"/>
           </a:p>
@@ -566,6 +571,88 @@
 </p:notes>
 </file>
 
+<file path=ppt/notesSlides/notesSlide10.xml><?xml version="1.0" encoding="utf-8"?>
+<p:notes xmlns:a="http://schemas.openxmlformats.org/drawingml/2006/main" xmlns:r="http://schemas.openxmlformats.org/officeDocument/2006/relationships" xmlns:p="http://schemas.openxmlformats.org/presentationml/2006/main">
+  <p:cSld>
+    <p:spTree>
+      <p:nvGrpSpPr>
+        <p:cNvPr id="1" name=""/>
+        <p:cNvGrpSpPr/>
+        <p:nvPr/>
+      </p:nvGrpSpPr>
+      <p:grpSpPr>
+        <a:xfrm>
+          <a:off x="0" y="0"/>
+          <a:ext cx="0" cy="0"/>
+          <a:chOff x="0" y="0"/>
+          <a:chExt cx="0" cy="0"/>
+        </a:xfrm>
+      </p:grpSpPr>
+      <p:sp>
+        <p:nvSpPr>
+          <p:cNvPr id="2" name="슬라이드 이미지 개체 틀 1"/>
+          <p:cNvSpPr>
+            <a:spLocks noGrp="1" noRot="1" noChangeAspect="1"/>
+          </p:cNvSpPr>
+          <p:nvPr>
+            <p:ph type="sldImg"/>
+          </p:nvPr>
+        </p:nvSpPr>
+        <p:spPr/>
+      </p:sp>
+      <p:sp>
+        <p:nvSpPr>
+          <p:cNvPr id="3" name="슬라이드 노트 개체 틀 2"/>
+          <p:cNvSpPr>
+            <a:spLocks noGrp="1"/>
+          </p:cNvSpPr>
+          <p:nvPr>
+            <p:ph type="body" idx="1"/>
+          </p:nvPr>
+        </p:nvSpPr>
+        <p:spPr/>
+        <p:txBody>
+          <a:bodyPr>
+            <a:normAutofit/>
+          </a:bodyPr>
+          <a:lstStyle/>
+          <a:p>
+            <a:endParaRPr lang="ko-KR" altLang="en-US" dirty="0"/>
+          </a:p>
+        </p:txBody>
+      </p:sp>
+      <p:sp>
+        <p:nvSpPr>
+          <p:cNvPr id="4" name="슬라이드 번호 개체 틀 3"/>
+          <p:cNvSpPr>
+            <a:spLocks noGrp="1"/>
+          </p:cNvSpPr>
+          <p:nvPr>
+            <p:ph type="sldNum" sz="quarter" idx="10"/>
+          </p:nvPr>
+        </p:nvSpPr>
+        <p:spPr/>
+        <p:txBody>
+          <a:bodyPr/>
+          <a:lstStyle/>
+          <a:p>
+            <a:fld id="{4A154A2B-6412-4D58-A6C1-BD0167DA1068}" type="slidenum">
+              <a:rPr lang="ko-KR" altLang="en-US" smtClean="0"/>
+              <a:pPr/>
+              <a:t>14</a:t>
+            </a:fld>
+            <a:endParaRPr lang="ko-KR" altLang="en-US"/>
+          </a:p>
+        </p:txBody>
+      </p:sp>
+    </p:spTree>
+  </p:cSld>
+  <p:clrMapOvr>
+    <a:masterClrMapping/>
+  </p:clrMapOvr>
+</p:notes>
+</file>
+
 <file path=ppt/notesSlides/notesSlide2.xml><?xml version="1.0" encoding="utf-8"?>
 <p:notes xmlns:a="http://schemas.openxmlformats.org/drawingml/2006/main" xmlns:r="http://schemas.openxmlformats.org/officeDocument/2006/relationships" xmlns:p="http://schemas.openxmlformats.org/presentationml/2006/main">
   <p:cSld>
@@ -881,6 +968,334 @@
               <a:rPr lang="ko-KR" altLang="en-US" smtClean="0"/>
               <a:pPr/>
               <a:t>9</a:t>
+            </a:fld>
+            <a:endParaRPr lang="ko-KR" altLang="en-US"/>
+          </a:p>
+        </p:txBody>
+      </p:sp>
+    </p:spTree>
+  </p:cSld>
+  <p:clrMapOvr>
+    <a:masterClrMapping/>
+  </p:clrMapOvr>
+</p:notes>
+</file>
+
+<file path=ppt/notesSlides/notesSlide6.xml><?xml version="1.0" encoding="utf-8"?>
+<p:notes xmlns:a="http://schemas.openxmlformats.org/drawingml/2006/main" xmlns:r="http://schemas.openxmlformats.org/officeDocument/2006/relationships" xmlns:p="http://schemas.openxmlformats.org/presentationml/2006/main">
+  <p:cSld>
+    <p:spTree>
+      <p:nvGrpSpPr>
+        <p:cNvPr id="1" name=""/>
+        <p:cNvGrpSpPr/>
+        <p:nvPr/>
+      </p:nvGrpSpPr>
+      <p:grpSpPr>
+        <a:xfrm>
+          <a:off x="0" y="0"/>
+          <a:ext cx="0" cy="0"/>
+          <a:chOff x="0" y="0"/>
+          <a:chExt cx="0" cy="0"/>
+        </a:xfrm>
+      </p:grpSpPr>
+      <p:sp>
+        <p:nvSpPr>
+          <p:cNvPr id="2" name="슬라이드 이미지 개체 틀 1"/>
+          <p:cNvSpPr>
+            <a:spLocks noGrp="1" noRot="1" noChangeAspect="1"/>
+          </p:cNvSpPr>
+          <p:nvPr>
+            <p:ph type="sldImg"/>
+          </p:nvPr>
+        </p:nvSpPr>
+        <p:spPr/>
+      </p:sp>
+      <p:sp>
+        <p:nvSpPr>
+          <p:cNvPr id="3" name="슬라이드 노트 개체 틀 2"/>
+          <p:cNvSpPr>
+            <a:spLocks noGrp="1"/>
+          </p:cNvSpPr>
+          <p:nvPr>
+            <p:ph type="body" idx="1"/>
+          </p:nvPr>
+        </p:nvSpPr>
+        <p:spPr/>
+        <p:txBody>
+          <a:bodyPr>
+            <a:normAutofit/>
+          </a:bodyPr>
+          <a:lstStyle/>
+          <a:p>
+            <a:endParaRPr lang="ko-KR" altLang="en-US" dirty="0"/>
+          </a:p>
+        </p:txBody>
+      </p:sp>
+      <p:sp>
+        <p:nvSpPr>
+          <p:cNvPr id="4" name="슬라이드 번호 개체 틀 3"/>
+          <p:cNvSpPr>
+            <a:spLocks noGrp="1"/>
+          </p:cNvSpPr>
+          <p:nvPr>
+            <p:ph type="sldNum" sz="quarter" idx="10"/>
+          </p:nvPr>
+        </p:nvSpPr>
+        <p:spPr/>
+        <p:txBody>
+          <a:bodyPr/>
+          <a:lstStyle/>
+          <a:p>
+            <a:fld id="{4A154A2B-6412-4D58-A6C1-BD0167DA1068}" type="slidenum">
+              <a:rPr lang="ko-KR" altLang="en-US" smtClean="0"/>
+              <a:pPr/>
+              <a:t>10</a:t>
+            </a:fld>
+            <a:endParaRPr lang="ko-KR" altLang="en-US"/>
+          </a:p>
+        </p:txBody>
+      </p:sp>
+    </p:spTree>
+  </p:cSld>
+  <p:clrMapOvr>
+    <a:masterClrMapping/>
+  </p:clrMapOvr>
+</p:notes>
+</file>
+
+<file path=ppt/notesSlides/notesSlide7.xml><?xml version="1.0" encoding="utf-8"?>
+<p:notes xmlns:a="http://schemas.openxmlformats.org/drawingml/2006/main" xmlns:r="http://schemas.openxmlformats.org/officeDocument/2006/relationships" xmlns:p="http://schemas.openxmlformats.org/presentationml/2006/main">
+  <p:cSld>
+    <p:spTree>
+      <p:nvGrpSpPr>
+        <p:cNvPr id="1" name=""/>
+        <p:cNvGrpSpPr/>
+        <p:nvPr/>
+      </p:nvGrpSpPr>
+      <p:grpSpPr>
+        <a:xfrm>
+          <a:off x="0" y="0"/>
+          <a:ext cx="0" cy="0"/>
+          <a:chOff x="0" y="0"/>
+          <a:chExt cx="0" cy="0"/>
+        </a:xfrm>
+      </p:grpSpPr>
+      <p:sp>
+        <p:nvSpPr>
+          <p:cNvPr id="2" name="슬라이드 이미지 개체 틀 1"/>
+          <p:cNvSpPr>
+            <a:spLocks noGrp="1" noRot="1" noChangeAspect="1"/>
+          </p:cNvSpPr>
+          <p:nvPr>
+            <p:ph type="sldImg"/>
+          </p:nvPr>
+        </p:nvSpPr>
+        <p:spPr/>
+      </p:sp>
+      <p:sp>
+        <p:nvSpPr>
+          <p:cNvPr id="3" name="슬라이드 노트 개체 틀 2"/>
+          <p:cNvSpPr>
+            <a:spLocks noGrp="1"/>
+          </p:cNvSpPr>
+          <p:nvPr>
+            <p:ph type="body" idx="1"/>
+          </p:nvPr>
+        </p:nvSpPr>
+        <p:spPr/>
+        <p:txBody>
+          <a:bodyPr>
+            <a:normAutofit/>
+          </a:bodyPr>
+          <a:lstStyle/>
+          <a:p>
+            <a:endParaRPr lang="ko-KR" altLang="en-US" dirty="0"/>
+          </a:p>
+        </p:txBody>
+      </p:sp>
+      <p:sp>
+        <p:nvSpPr>
+          <p:cNvPr id="4" name="슬라이드 번호 개체 틀 3"/>
+          <p:cNvSpPr>
+            <a:spLocks noGrp="1"/>
+          </p:cNvSpPr>
+          <p:nvPr>
+            <p:ph type="sldNum" sz="quarter" idx="10"/>
+          </p:nvPr>
+        </p:nvSpPr>
+        <p:spPr/>
+        <p:txBody>
+          <a:bodyPr/>
+          <a:lstStyle/>
+          <a:p>
+            <a:fld id="{4A154A2B-6412-4D58-A6C1-BD0167DA1068}" type="slidenum">
+              <a:rPr lang="ko-KR" altLang="en-US" smtClean="0"/>
+              <a:pPr/>
+              <a:t>11</a:t>
+            </a:fld>
+            <a:endParaRPr lang="ko-KR" altLang="en-US"/>
+          </a:p>
+        </p:txBody>
+      </p:sp>
+    </p:spTree>
+  </p:cSld>
+  <p:clrMapOvr>
+    <a:masterClrMapping/>
+  </p:clrMapOvr>
+</p:notes>
+</file>
+
+<file path=ppt/notesSlides/notesSlide8.xml><?xml version="1.0" encoding="utf-8"?>
+<p:notes xmlns:a="http://schemas.openxmlformats.org/drawingml/2006/main" xmlns:r="http://schemas.openxmlformats.org/officeDocument/2006/relationships" xmlns:p="http://schemas.openxmlformats.org/presentationml/2006/main">
+  <p:cSld>
+    <p:spTree>
+      <p:nvGrpSpPr>
+        <p:cNvPr id="1" name=""/>
+        <p:cNvGrpSpPr/>
+        <p:nvPr/>
+      </p:nvGrpSpPr>
+      <p:grpSpPr>
+        <a:xfrm>
+          <a:off x="0" y="0"/>
+          <a:ext cx="0" cy="0"/>
+          <a:chOff x="0" y="0"/>
+          <a:chExt cx="0" cy="0"/>
+        </a:xfrm>
+      </p:grpSpPr>
+      <p:sp>
+        <p:nvSpPr>
+          <p:cNvPr id="2" name="슬라이드 이미지 개체 틀 1"/>
+          <p:cNvSpPr>
+            <a:spLocks noGrp="1" noRot="1" noChangeAspect="1"/>
+          </p:cNvSpPr>
+          <p:nvPr>
+            <p:ph type="sldImg"/>
+          </p:nvPr>
+        </p:nvSpPr>
+        <p:spPr/>
+      </p:sp>
+      <p:sp>
+        <p:nvSpPr>
+          <p:cNvPr id="3" name="슬라이드 노트 개체 틀 2"/>
+          <p:cNvSpPr>
+            <a:spLocks noGrp="1"/>
+          </p:cNvSpPr>
+          <p:nvPr>
+            <p:ph type="body" idx="1"/>
+          </p:nvPr>
+        </p:nvSpPr>
+        <p:spPr/>
+        <p:txBody>
+          <a:bodyPr>
+            <a:normAutofit/>
+          </a:bodyPr>
+          <a:lstStyle/>
+          <a:p>
+            <a:endParaRPr lang="ko-KR" altLang="en-US" dirty="0"/>
+          </a:p>
+        </p:txBody>
+      </p:sp>
+      <p:sp>
+        <p:nvSpPr>
+          <p:cNvPr id="4" name="슬라이드 번호 개체 틀 3"/>
+          <p:cNvSpPr>
+            <a:spLocks noGrp="1"/>
+          </p:cNvSpPr>
+          <p:nvPr>
+            <p:ph type="sldNum" sz="quarter" idx="10"/>
+          </p:nvPr>
+        </p:nvSpPr>
+        <p:spPr/>
+        <p:txBody>
+          <a:bodyPr/>
+          <a:lstStyle/>
+          <a:p>
+            <a:fld id="{4A154A2B-6412-4D58-A6C1-BD0167DA1068}" type="slidenum">
+              <a:rPr lang="ko-KR" altLang="en-US" smtClean="0"/>
+              <a:pPr/>
+              <a:t>12</a:t>
+            </a:fld>
+            <a:endParaRPr lang="ko-KR" altLang="en-US"/>
+          </a:p>
+        </p:txBody>
+      </p:sp>
+    </p:spTree>
+  </p:cSld>
+  <p:clrMapOvr>
+    <a:masterClrMapping/>
+  </p:clrMapOvr>
+</p:notes>
+</file>
+
+<file path=ppt/notesSlides/notesSlide9.xml><?xml version="1.0" encoding="utf-8"?>
+<p:notes xmlns:a="http://schemas.openxmlformats.org/drawingml/2006/main" xmlns:r="http://schemas.openxmlformats.org/officeDocument/2006/relationships" xmlns:p="http://schemas.openxmlformats.org/presentationml/2006/main">
+  <p:cSld>
+    <p:spTree>
+      <p:nvGrpSpPr>
+        <p:cNvPr id="1" name=""/>
+        <p:cNvGrpSpPr/>
+        <p:nvPr/>
+      </p:nvGrpSpPr>
+      <p:grpSpPr>
+        <a:xfrm>
+          <a:off x="0" y="0"/>
+          <a:ext cx="0" cy="0"/>
+          <a:chOff x="0" y="0"/>
+          <a:chExt cx="0" cy="0"/>
+        </a:xfrm>
+      </p:grpSpPr>
+      <p:sp>
+        <p:nvSpPr>
+          <p:cNvPr id="2" name="슬라이드 이미지 개체 틀 1"/>
+          <p:cNvSpPr>
+            <a:spLocks noGrp="1" noRot="1" noChangeAspect="1"/>
+          </p:cNvSpPr>
+          <p:nvPr>
+            <p:ph type="sldImg"/>
+          </p:nvPr>
+        </p:nvSpPr>
+        <p:spPr/>
+      </p:sp>
+      <p:sp>
+        <p:nvSpPr>
+          <p:cNvPr id="3" name="슬라이드 노트 개체 틀 2"/>
+          <p:cNvSpPr>
+            <a:spLocks noGrp="1"/>
+          </p:cNvSpPr>
+          <p:nvPr>
+            <p:ph type="body" idx="1"/>
+          </p:nvPr>
+        </p:nvSpPr>
+        <p:spPr/>
+        <p:txBody>
+          <a:bodyPr>
+            <a:normAutofit/>
+          </a:bodyPr>
+          <a:lstStyle/>
+          <a:p>
+            <a:endParaRPr lang="ko-KR" altLang="en-US" dirty="0"/>
+          </a:p>
+        </p:txBody>
+      </p:sp>
+      <p:sp>
+        <p:nvSpPr>
+          <p:cNvPr id="4" name="슬라이드 번호 개체 틀 3"/>
+          <p:cNvSpPr>
+            <a:spLocks noGrp="1"/>
+          </p:cNvSpPr>
+          <p:nvPr>
+            <p:ph type="sldNum" sz="quarter" idx="10"/>
+          </p:nvPr>
+        </p:nvSpPr>
+        <p:spPr/>
+        <p:txBody>
+          <a:bodyPr/>
+          <a:lstStyle/>
+          <a:p>
+            <a:fld id="{4A154A2B-6412-4D58-A6C1-BD0167DA1068}" type="slidenum">
+              <a:rPr lang="ko-KR" altLang="en-US" smtClean="0"/>
+              <a:pPr/>
+              <a:t>13</a:t>
             </a:fld>
             <a:endParaRPr lang="ko-KR" altLang="en-US"/>
           </a:p>
@@ -1076,7 +1491,7 @@
             <a:fld id="{D4F645AA-E039-4E57-8F7F-F37FFD3EA154}" type="datetimeFigureOut">
               <a:rPr lang="ko-KR" altLang="en-US" smtClean="0"/>
               <a:pPr/>
-              <a:t>2017-11-28</a:t>
+              <a:t>2017-11-29</a:t>
             </a:fld>
             <a:endParaRPr lang="ko-KR" altLang="en-US"/>
           </a:p>
@@ -1248,7 +1663,7 @@
             <a:fld id="{D4F645AA-E039-4E57-8F7F-F37FFD3EA154}" type="datetimeFigureOut">
               <a:rPr lang="ko-KR" altLang="en-US" smtClean="0"/>
               <a:pPr/>
-              <a:t>2017-11-28</a:t>
+              <a:t>2017-11-29</a:t>
             </a:fld>
             <a:endParaRPr lang="ko-KR" altLang="en-US"/>
           </a:p>
@@ -1430,7 +1845,7 @@
             <a:fld id="{D4F645AA-E039-4E57-8F7F-F37FFD3EA154}" type="datetimeFigureOut">
               <a:rPr lang="ko-KR" altLang="en-US" smtClean="0"/>
               <a:pPr/>
-              <a:t>2017-11-28</a:t>
+              <a:t>2017-11-29</a:t>
             </a:fld>
             <a:endParaRPr lang="ko-KR" altLang="en-US"/>
           </a:p>
@@ -1602,7 +2017,7 @@
             <a:fld id="{D4F645AA-E039-4E57-8F7F-F37FFD3EA154}" type="datetimeFigureOut">
               <a:rPr lang="ko-KR" altLang="en-US" smtClean="0"/>
               <a:pPr/>
-              <a:t>2017-11-28</a:t>
+              <a:t>2017-11-29</a:t>
             </a:fld>
             <a:endParaRPr lang="ko-KR" altLang="en-US"/>
           </a:p>
@@ -1850,7 +2265,7 @@
             <a:fld id="{D4F645AA-E039-4E57-8F7F-F37FFD3EA154}" type="datetimeFigureOut">
               <a:rPr lang="ko-KR" altLang="en-US" smtClean="0"/>
               <a:pPr/>
-              <a:t>2017-11-28</a:t>
+              <a:t>2017-11-29</a:t>
             </a:fld>
             <a:endParaRPr lang="ko-KR" altLang="en-US"/>
           </a:p>
@@ -2140,7 +2555,7 @@
             <a:fld id="{D4F645AA-E039-4E57-8F7F-F37FFD3EA154}" type="datetimeFigureOut">
               <a:rPr lang="ko-KR" altLang="en-US" smtClean="0"/>
               <a:pPr/>
-              <a:t>2017-11-28</a:t>
+              <a:t>2017-11-29</a:t>
             </a:fld>
             <a:endParaRPr lang="ko-KR" altLang="en-US"/>
           </a:p>
@@ -2564,7 +2979,7 @@
             <a:fld id="{D4F645AA-E039-4E57-8F7F-F37FFD3EA154}" type="datetimeFigureOut">
               <a:rPr lang="ko-KR" altLang="en-US" smtClean="0"/>
               <a:pPr/>
-              <a:t>2017-11-28</a:t>
+              <a:t>2017-11-29</a:t>
             </a:fld>
             <a:endParaRPr lang="ko-KR" altLang="en-US"/>
           </a:p>
@@ -2684,7 +3099,7 @@
             <a:fld id="{D4F645AA-E039-4E57-8F7F-F37FFD3EA154}" type="datetimeFigureOut">
               <a:rPr lang="ko-KR" altLang="en-US" smtClean="0"/>
               <a:pPr/>
-              <a:t>2017-11-28</a:t>
+              <a:t>2017-11-29</a:t>
             </a:fld>
             <a:endParaRPr lang="ko-KR" altLang="en-US"/>
           </a:p>
@@ -2781,7 +3196,7 @@
             <a:fld id="{D4F645AA-E039-4E57-8F7F-F37FFD3EA154}" type="datetimeFigureOut">
               <a:rPr lang="ko-KR" altLang="en-US" smtClean="0"/>
               <a:pPr/>
-              <a:t>2017-11-28</a:t>
+              <a:t>2017-11-29</a:t>
             </a:fld>
             <a:endParaRPr lang="ko-KR" altLang="en-US"/>
           </a:p>
@@ -3060,7 +3475,7 @@
             <a:fld id="{D4F645AA-E039-4E57-8F7F-F37FFD3EA154}" type="datetimeFigureOut">
               <a:rPr lang="ko-KR" altLang="en-US" smtClean="0"/>
               <a:pPr/>
-              <a:t>2017-11-28</a:t>
+              <a:t>2017-11-29</a:t>
             </a:fld>
             <a:endParaRPr lang="ko-KR" altLang="en-US"/>
           </a:p>
@@ -3315,7 +3730,7 @@
             <a:fld id="{D4F645AA-E039-4E57-8F7F-F37FFD3EA154}" type="datetimeFigureOut">
               <a:rPr lang="ko-KR" altLang="en-US" smtClean="0"/>
               <a:pPr/>
-              <a:t>2017-11-28</a:t>
+              <a:t>2017-11-29</a:t>
             </a:fld>
             <a:endParaRPr lang="ko-KR" altLang="en-US"/>
           </a:p>
@@ -3530,7 +3945,7 @@
             <a:fld id="{D4F645AA-E039-4E57-8F7F-F37FFD3EA154}" type="datetimeFigureOut">
               <a:rPr lang="ko-KR" altLang="en-US" smtClean="0"/>
               <a:pPr/>
-              <a:t>2017-11-28</a:t>
+              <a:t>2017-11-29</a:t>
             </a:fld>
             <a:endParaRPr lang="ko-KR" altLang="en-US"/>
           </a:p>
@@ -4269,6 +4684,2513 @@
         </p:nvSpPr>
         <p:spPr>
           <a:xfrm>
+            <a:off x="0" y="404664"/>
+            <a:ext cx="9144000" cy="504056"/>
+          </a:xfrm>
+          <a:prstGeom prst="rect">
+            <a:avLst/>
+          </a:prstGeom>
+          <a:solidFill>
+            <a:srgbClr val="FD4B62"/>
+          </a:solidFill>
+          <a:ln>
+            <a:noFill/>
+          </a:ln>
+        </p:spPr>
+        <p:style>
+          <a:lnRef idx="2">
+            <a:schemeClr val="accent1">
+              <a:shade val="50000"/>
+            </a:schemeClr>
+          </a:lnRef>
+          <a:fillRef idx="1">
+            <a:schemeClr val="accent1"/>
+          </a:fillRef>
+          <a:effectRef idx="0">
+            <a:schemeClr val="accent1"/>
+          </a:effectRef>
+          <a:fontRef idx="minor">
+            <a:schemeClr val="lt1"/>
+          </a:fontRef>
+        </p:style>
+        <p:txBody>
+          <a:bodyPr rtlCol="0" anchor="ctr"/>
+          <a:lstStyle/>
+          <a:p>
+            <a:pPr algn="ctr"/>
+            <a:endParaRPr lang="ko-KR" altLang="en-US" sz="2000" b="1" dirty="0">
+              <a:ln>
+                <a:solidFill>
+                  <a:schemeClr val="accent1">
+                    <a:alpha val="0"/>
+                  </a:schemeClr>
+                </a:solidFill>
+              </a:ln>
+              <a:latin typeface="+mn-ea"/>
+            </a:endParaRPr>
+          </a:p>
+        </p:txBody>
+      </p:sp>
+      <p:sp>
+        <p:nvSpPr>
+          <p:cNvPr id="5" name="TextBox 4"/>
+          <p:cNvSpPr txBox="1"/>
+          <p:nvPr/>
+        </p:nvSpPr>
+        <p:spPr>
+          <a:xfrm>
+            <a:off x="0" y="0"/>
+            <a:ext cx="3059832" cy="400110"/>
+          </a:xfrm>
+          <a:prstGeom prst="rect">
+            <a:avLst/>
+          </a:prstGeom>
+          <a:noFill/>
+        </p:spPr>
+        <p:txBody>
+          <a:bodyPr wrap="square" rtlCol="0">
+            <a:spAutoFit/>
+          </a:bodyPr>
+          <a:lstStyle/>
+          <a:p>
+            <a:r>
+              <a:rPr lang="en-US" altLang="ko-KR" sz="2000" dirty="0">
+                <a:ln>
+                  <a:solidFill>
+                    <a:schemeClr val="accent1">
+                      <a:alpha val="0"/>
+                    </a:schemeClr>
+                  </a:solidFill>
+                </a:ln>
+                <a:latin typeface="나눔고딕 ExtraBold" panose="020D0904000000000000" pitchFamily="50" charset="-127"/>
+                <a:ea typeface="나눔고딕 ExtraBold" panose="020D0904000000000000" pitchFamily="50" charset="-127"/>
+              </a:rPr>
+              <a:t>2</a:t>
+            </a:r>
+            <a:r>
+              <a:rPr lang="en-US" altLang="ko-KR" sz="2000" dirty="0" smtClean="0">
+                <a:ln>
+                  <a:solidFill>
+                    <a:schemeClr val="accent1">
+                      <a:alpha val="0"/>
+                    </a:schemeClr>
+                  </a:solidFill>
+                </a:ln>
+                <a:latin typeface="나눔고딕 ExtraBold" panose="020D0904000000000000" pitchFamily="50" charset="-127"/>
+                <a:ea typeface="나눔고딕 ExtraBold" panose="020D0904000000000000" pitchFamily="50" charset="-127"/>
+              </a:rPr>
+              <a:t>/ </a:t>
+            </a:r>
+            <a:r>
+              <a:rPr lang="ko-KR" altLang="en-US" sz="2000" b="1" dirty="0" smtClean="0">
+                <a:ln>
+                  <a:solidFill>
+                    <a:schemeClr val="accent1">
+                      <a:alpha val="0"/>
+                    </a:schemeClr>
+                  </a:solidFill>
+                </a:ln>
+                <a:latin typeface="+mn-ea"/>
+              </a:rPr>
+              <a:t>게임플레이</a:t>
+            </a:r>
+            <a:endParaRPr lang="ko-KR" altLang="en-US" b="1" dirty="0">
+              <a:ln>
+                <a:solidFill>
+                  <a:schemeClr val="accent1">
+                    <a:alpha val="0"/>
+                  </a:schemeClr>
+                </a:solidFill>
+              </a:ln>
+              <a:latin typeface="+mn-ea"/>
+            </a:endParaRPr>
+          </a:p>
+        </p:txBody>
+      </p:sp>
+      <p:sp>
+        <p:nvSpPr>
+          <p:cNvPr id="2" name="직사각형 1"/>
+          <p:cNvSpPr/>
+          <p:nvPr/>
+        </p:nvSpPr>
+        <p:spPr>
+          <a:xfrm>
+            <a:off x="179512" y="1052736"/>
+            <a:ext cx="8712968" cy="360040"/>
+          </a:xfrm>
+          <a:prstGeom prst="rect">
+            <a:avLst/>
+          </a:prstGeom>
+          <a:solidFill>
+            <a:schemeClr val="bg1">
+              <a:lumMod val="65000"/>
+            </a:schemeClr>
+          </a:solidFill>
+          <a:ln>
+            <a:noFill/>
+          </a:ln>
+        </p:spPr>
+        <p:style>
+          <a:lnRef idx="2">
+            <a:schemeClr val="accent1">
+              <a:shade val="50000"/>
+            </a:schemeClr>
+          </a:lnRef>
+          <a:fillRef idx="1">
+            <a:schemeClr val="accent1"/>
+          </a:fillRef>
+          <a:effectRef idx="0">
+            <a:schemeClr val="accent1"/>
+          </a:effectRef>
+          <a:fontRef idx="minor">
+            <a:schemeClr val="lt1"/>
+          </a:fontRef>
+        </p:style>
+        <p:txBody>
+          <a:bodyPr rtlCol="0" anchor="ctr"/>
+          <a:lstStyle/>
+          <a:p>
+            <a:pPr algn="ctr"/>
+            <a:endParaRPr lang="ko-KR" altLang="en-US"/>
+          </a:p>
+        </p:txBody>
+      </p:sp>
+      <p:sp>
+        <p:nvSpPr>
+          <p:cNvPr id="8" name="직사각형 7"/>
+          <p:cNvSpPr/>
+          <p:nvPr/>
+        </p:nvSpPr>
+        <p:spPr>
+          <a:xfrm>
+            <a:off x="185119" y="6704275"/>
+            <a:ext cx="8707361" cy="45719"/>
+          </a:xfrm>
+          <a:prstGeom prst="rect">
+            <a:avLst/>
+          </a:prstGeom>
+          <a:solidFill>
+            <a:schemeClr val="bg1">
+              <a:lumMod val="65000"/>
+            </a:schemeClr>
+          </a:solidFill>
+          <a:ln>
+            <a:noFill/>
+          </a:ln>
+        </p:spPr>
+        <p:style>
+          <a:lnRef idx="2">
+            <a:schemeClr val="accent1">
+              <a:shade val="50000"/>
+            </a:schemeClr>
+          </a:lnRef>
+          <a:fillRef idx="1">
+            <a:schemeClr val="accent1"/>
+          </a:fillRef>
+          <a:effectRef idx="0">
+            <a:schemeClr val="accent1"/>
+          </a:effectRef>
+          <a:fontRef idx="minor">
+            <a:schemeClr val="lt1"/>
+          </a:fontRef>
+        </p:style>
+        <p:txBody>
+          <a:bodyPr rtlCol="0" anchor="ctr"/>
+          <a:lstStyle/>
+          <a:p>
+            <a:pPr algn="ctr"/>
+            <a:endParaRPr lang="ko-KR" altLang="en-US"/>
+          </a:p>
+        </p:txBody>
+      </p:sp>
+      <p:sp>
+        <p:nvSpPr>
+          <p:cNvPr id="3" name="직사각형 2"/>
+          <p:cNvSpPr/>
+          <p:nvPr/>
+        </p:nvSpPr>
+        <p:spPr>
+          <a:xfrm>
+            <a:off x="185119" y="1383897"/>
+            <a:ext cx="45719" cy="5357470"/>
+          </a:xfrm>
+          <a:prstGeom prst="rect">
+            <a:avLst/>
+          </a:prstGeom>
+          <a:solidFill>
+            <a:schemeClr val="bg1">
+              <a:lumMod val="65000"/>
+            </a:schemeClr>
+          </a:solidFill>
+          <a:ln>
+            <a:noFill/>
+          </a:ln>
+        </p:spPr>
+        <p:style>
+          <a:lnRef idx="2">
+            <a:schemeClr val="accent1">
+              <a:shade val="50000"/>
+            </a:schemeClr>
+          </a:lnRef>
+          <a:fillRef idx="1">
+            <a:schemeClr val="accent1"/>
+          </a:fillRef>
+          <a:effectRef idx="0">
+            <a:schemeClr val="accent1"/>
+          </a:effectRef>
+          <a:fontRef idx="minor">
+            <a:schemeClr val="lt1"/>
+          </a:fontRef>
+        </p:style>
+        <p:txBody>
+          <a:bodyPr rtlCol="0" anchor="ctr"/>
+          <a:lstStyle/>
+          <a:p>
+            <a:pPr algn="ctr"/>
+            <a:endParaRPr lang="ko-KR" altLang="en-US"/>
+          </a:p>
+        </p:txBody>
+      </p:sp>
+      <p:sp>
+        <p:nvSpPr>
+          <p:cNvPr id="10" name="직사각형 9"/>
+          <p:cNvSpPr/>
+          <p:nvPr/>
+        </p:nvSpPr>
+        <p:spPr>
+          <a:xfrm>
+            <a:off x="8846761" y="1394116"/>
+            <a:ext cx="45719" cy="5357470"/>
+          </a:xfrm>
+          <a:prstGeom prst="rect">
+            <a:avLst/>
+          </a:prstGeom>
+          <a:solidFill>
+            <a:schemeClr val="bg1">
+              <a:lumMod val="65000"/>
+            </a:schemeClr>
+          </a:solidFill>
+          <a:ln>
+            <a:noFill/>
+          </a:ln>
+        </p:spPr>
+        <p:style>
+          <a:lnRef idx="2">
+            <a:schemeClr val="accent1">
+              <a:shade val="50000"/>
+            </a:schemeClr>
+          </a:lnRef>
+          <a:fillRef idx="1">
+            <a:schemeClr val="accent1"/>
+          </a:fillRef>
+          <a:effectRef idx="0">
+            <a:schemeClr val="accent1"/>
+          </a:effectRef>
+          <a:fontRef idx="minor">
+            <a:schemeClr val="lt1"/>
+          </a:fontRef>
+        </p:style>
+        <p:txBody>
+          <a:bodyPr rtlCol="0" anchor="ctr"/>
+          <a:lstStyle/>
+          <a:p>
+            <a:pPr algn="ctr"/>
+            <a:endParaRPr lang="ko-KR" altLang="en-US"/>
+          </a:p>
+        </p:txBody>
+      </p:sp>
+      <p:sp>
+        <p:nvSpPr>
+          <p:cNvPr id="6" name="TextBox 5"/>
+          <p:cNvSpPr txBox="1"/>
+          <p:nvPr/>
+        </p:nvSpPr>
+        <p:spPr>
+          <a:xfrm>
+            <a:off x="827584" y="1772815"/>
+            <a:ext cx="922047" cy="646331"/>
+          </a:xfrm>
+          <a:prstGeom prst="rect">
+            <a:avLst/>
+          </a:prstGeom>
+          <a:noFill/>
+        </p:spPr>
+        <p:txBody>
+          <a:bodyPr wrap="none" rtlCol="0">
+            <a:spAutoFit/>
+          </a:bodyPr>
+          <a:lstStyle/>
+          <a:p>
+            <a:r>
+              <a:rPr lang="en-US" altLang="ko-KR" b="1" dirty="0"/>
+              <a:t>3</a:t>
+            </a:r>
+            <a:r>
+              <a:rPr lang="en-US" altLang="ko-KR" b="1" dirty="0" smtClean="0"/>
+              <a:t>. </a:t>
+            </a:r>
+            <a:r>
+              <a:rPr lang="ko-KR" altLang="en-US" b="1" dirty="0" smtClean="0"/>
+              <a:t>숨기</a:t>
+            </a:r>
+            <a:endParaRPr lang="en-US" altLang="ko-KR" b="1" dirty="0" smtClean="0"/>
+          </a:p>
+          <a:p>
+            <a:endParaRPr lang="ko-KR" altLang="en-US" b="1" dirty="0"/>
+          </a:p>
+        </p:txBody>
+      </p:sp>
+      <p:sp>
+        <p:nvSpPr>
+          <p:cNvPr id="7" name="TextBox 6"/>
+          <p:cNvSpPr txBox="1"/>
+          <p:nvPr/>
+        </p:nvSpPr>
+        <p:spPr>
+          <a:xfrm>
+            <a:off x="1115616" y="5445224"/>
+            <a:ext cx="7056783" cy="923330"/>
+          </a:xfrm>
+          <a:prstGeom prst="rect">
+            <a:avLst/>
+          </a:prstGeom>
+          <a:noFill/>
+        </p:spPr>
+        <p:txBody>
+          <a:bodyPr wrap="square" rtlCol="0">
+            <a:spAutoFit/>
+          </a:bodyPr>
+          <a:lstStyle/>
+          <a:p>
+            <a:pPr marL="285750" indent="-285750">
+              <a:buFontTx/>
+              <a:buChar char="-"/>
+            </a:pPr>
+            <a:r>
+              <a:rPr lang="ko-KR" altLang="en-US" dirty="0" smtClean="0"/>
+              <a:t>스테이지마다 창문</a:t>
+            </a:r>
+            <a:r>
+              <a:rPr lang="en-US" altLang="ko-KR" dirty="0" smtClean="0"/>
+              <a:t>, </a:t>
+            </a:r>
+            <a:r>
+              <a:rPr lang="ko-KR" altLang="en-US" dirty="0" smtClean="0"/>
+              <a:t>전등을 통해 빛이 존재</a:t>
+            </a:r>
+            <a:endParaRPr lang="en-US" altLang="ko-KR" dirty="0" smtClean="0"/>
+          </a:p>
+          <a:p>
+            <a:pPr marL="285750" indent="-285750">
+              <a:buFontTx/>
+              <a:buChar char="-"/>
+            </a:pPr>
+            <a:endParaRPr lang="en-US" altLang="ko-KR" dirty="0"/>
+          </a:p>
+          <a:p>
+            <a:pPr marL="285750" indent="-285750">
+              <a:buFontTx/>
+              <a:buChar char="-"/>
+            </a:pPr>
+            <a:r>
+              <a:rPr lang="ko-KR" altLang="en-US" dirty="0" err="1" smtClean="0"/>
+              <a:t>빛줄기를</a:t>
+            </a:r>
+            <a:r>
+              <a:rPr lang="ko-KR" altLang="en-US" dirty="0" smtClean="0"/>
+              <a:t> 캐릭터가 </a:t>
+            </a:r>
+            <a:r>
+              <a:rPr lang="ko-KR" altLang="en-US" dirty="0" err="1" smtClean="0"/>
+              <a:t>받게되면</a:t>
+            </a:r>
+            <a:r>
+              <a:rPr lang="ko-KR" altLang="en-US" dirty="0" smtClean="0"/>
+              <a:t> </a:t>
+            </a:r>
+            <a:r>
+              <a:rPr lang="ko-KR" altLang="en-US" dirty="0" err="1" smtClean="0"/>
+              <a:t>몬스터에게</a:t>
+            </a:r>
+            <a:r>
+              <a:rPr lang="ko-KR" altLang="en-US" dirty="0" smtClean="0"/>
+              <a:t> 모습이 발각된다</a:t>
+            </a:r>
+            <a:endParaRPr lang="en-US" altLang="ko-KR" dirty="0" smtClean="0"/>
+          </a:p>
+        </p:txBody>
+      </p:sp>
+      <p:pic>
+        <p:nvPicPr>
+          <p:cNvPr id="1026" name="Picture 2" descr="C:\Users\JHE\Desktop\그림자1.jpg"/>
+          <p:cNvPicPr>
+            <a:picLocks noChangeAspect="1" noChangeArrowheads="1"/>
+          </p:cNvPicPr>
+          <p:nvPr/>
+        </p:nvPicPr>
+        <p:blipFill>
+          <a:blip r:embed="rId3">
+            <a:extLst>
+              <a:ext uri="{28A0092B-C50C-407E-A947-70E740481C1C}">
+                <a14:useLocalDpi xmlns:a14="http://schemas.microsoft.com/office/drawing/2010/main" val="0"/>
+              </a:ext>
+            </a:extLst>
+          </a:blip>
+          <a:srcRect/>
+          <a:stretch>
+            <a:fillRect/>
+          </a:stretch>
+        </p:blipFill>
+        <p:spPr bwMode="auto">
+          <a:xfrm>
+            <a:off x="1288607" y="2276872"/>
+            <a:ext cx="3935676" cy="2882062"/>
+          </a:xfrm>
+          <a:prstGeom prst="rect">
+            <a:avLst/>
+          </a:prstGeom>
+          <a:noFill/>
+          <a:extLst>
+            <a:ext uri="{909E8E84-426E-40DD-AFC4-6F175D3DCCD1}">
+              <a14:hiddenFill xmlns:a14="http://schemas.microsoft.com/office/drawing/2010/main">
+                <a:solidFill>
+                  <a:srgbClr val="FFFFFF"/>
+                </a:solidFill>
+              </a14:hiddenFill>
+            </a:ext>
+          </a:extLst>
+        </p:spPr>
+      </p:pic>
+      <p:pic>
+        <p:nvPicPr>
+          <p:cNvPr id="1028" name="Picture 4" descr="C:\Users\JHE\Desktop\실등2.jpg"/>
+          <p:cNvPicPr>
+            <a:picLocks noChangeAspect="1" noChangeArrowheads="1"/>
+          </p:cNvPicPr>
+          <p:nvPr/>
+        </p:nvPicPr>
+        <p:blipFill>
+          <a:blip r:embed="rId4">
+            <a:extLst>
+              <a:ext uri="{28A0092B-C50C-407E-A947-70E740481C1C}">
+                <a14:useLocalDpi xmlns:a14="http://schemas.microsoft.com/office/drawing/2010/main" val="0"/>
+              </a:ext>
+            </a:extLst>
+          </a:blip>
+          <a:srcRect/>
+          <a:stretch>
+            <a:fillRect/>
+          </a:stretch>
+        </p:blipFill>
+        <p:spPr bwMode="auto">
+          <a:xfrm>
+            <a:off x="5652120" y="1629545"/>
+            <a:ext cx="2327299" cy="3599656"/>
+          </a:xfrm>
+          <a:prstGeom prst="rect">
+            <a:avLst/>
+          </a:prstGeom>
+          <a:noFill/>
+          <a:extLst>
+            <a:ext uri="{909E8E84-426E-40DD-AFC4-6F175D3DCCD1}">
+              <a14:hiddenFill xmlns:a14="http://schemas.microsoft.com/office/drawing/2010/main">
+                <a:solidFill>
+                  <a:srgbClr val="FFFFFF"/>
+                </a:solidFill>
+              </a14:hiddenFill>
+            </a:ext>
+          </a:extLst>
+        </p:spPr>
+      </p:pic>
+    </p:spTree>
+    <p:extLst>
+      <p:ext uri="{BB962C8B-B14F-4D97-AF65-F5344CB8AC3E}">
+        <p14:creationId xmlns:p14="http://schemas.microsoft.com/office/powerpoint/2010/main" val="4108682035"/>
+      </p:ext>
+    </p:extLst>
+  </p:cSld>
+  <p:clrMapOvr>
+    <a:masterClrMapping/>
+  </p:clrMapOvr>
+</p:sld>
+</file>
+
+<file path=ppt/slides/slide11.xml><?xml version="1.0" encoding="utf-8"?>
+<p:sld xmlns:a="http://schemas.openxmlformats.org/drawingml/2006/main" xmlns:r="http://schemas.openxmlformats.org/officeDocument/2006/relationships" xmlns:p="http://schemas.openxmlformats.org/presentationml/2006/main">
+  <p:cSld>
+    <p:spTree>
+      <p:nvGrpSpPr>
+        <p:cNvPr id="1" name=""/>
+        <p:cNvGrpSpPr/>
+        <p:nvPr/>
+      </p:nvGrpSpPr>
+      <p:grpSpPr>
+        <a:xfrm>
+          <a:off x="0" y="0"/>
+          <a:ext cx="0" cy="0"/>
+          <a:chOff x="0" y="0"/>
+          <a:chExt cx="0" cy="0"/>
+        </a:xfrm>
+      </p:grpSpPr>
+      <p:sp>
+        <p:nvSpPr>
+          <p:cNvPr id="4" name="직사각형 3"/>
+          <p:cNvSpPr/>
+          <p:nvPr/>
+        </p:nvSpPr>
+        <p:spPr>
+          <a:xfrm>
+            <a:off x="0" y="404664"/>
+            <a:ext cx="9144000" cy="504056"/>
+          </a:xfrm>
+          <a:prstGeom prst="rect">
+            <a:avLst/>
+          </a:prstGeom>
+          <a:solidFill>
+            <a:srgbClr val="FD4B62"/>
+          </a:solidFill>
+          <a:ln>
+            <a:noFill/>
+          </a:ln>
+        </p:spPr>
+        <p:style>
+          <a:lnRef idx="2">
+            <a:schemeClr val="accent1">
+              <a:shade val="50000"/>
+            </a:schemeClr>
+          </a:lnRef>
+          <a:fillRef idx="1">
+            <a:schemeClr val="accent1"/>
+          </a:fillRef>
+          <a:effectRef idx="0">
+            <a:schemeClr val="accent1"/>
+          </a:effectRef>
+          <a:fontRef idx="minor">
+            <a:schemeClr val="lt1"/>
+          </a:fontRef>
+        </p:style>
+        <p:txBody>
+          <a:bodyPr rtlCol="0" anchor="ctr"/>
+          <a:lstStyle/>
+          <a:p>
+            <a:pPr algn="ctr"/>
+            <a:endParaRPr lang="ko-KR" altLang="en-US" sz="2000" b="1" dirty="0">
+              <a:ln>
+                <a:solidFill>
+                  <a:schemeClr val="accent1">
+                    <a:alpha val="0"/>
+                  </a:schemeClr>
+                </a:solidFill>
+              </a:ln>
+              <a:latin typeface="+mn-ea"/>
+            </a:endParaRPr>
+          </a:p>
+        </p:txBody>
+      </p:sp>
+      <p:sp>
+        <p:nvSpPr>
+          <p:cNvPr id="5" name="TextBox 4"/>
+          <p:cNvSpPr txBox="1"/>
+          <p:nvPr/>
+        </p:nvSpPr>
+        <p:spPr>
+          <a:xfrm>
+            <a:off x="0" y="0"/>
+            <a:ext cx="3059832" cy="400110"/>
+          </a:xfrm>
+          <a:prstGeom prst="rect">
+            <a:avLst/>
+          </a:prstGeom>
+          <a:noFill/>
+        </p:spPr>
+        <p:txBody>
+          <a:bodyPr wrap="square" rtlCol="0">
+            <a:spAutoFit/>
+          </a:bodyPr>
+          <a:lstStyle/>
+          <a:p>
+            <a:r>
+              <a:rPr lang="en-US" altLang="ko-KR" sz="2000" dirty="0">
+                <a:ln>
+                  <a:solidFill>
+                    <a:schemeClr val="accent1">
+                      <a:alpha val="0"/>
+                    </a:schemeClr>
+                  </a:solidFill>
+                </a:ln>
+                <a:latin typeface="나눔고딕 ExtraBold" panose="020D0904000000000000" pitchFamily="50" charset="-127"/>
+                <a:ea typeface="나눔고딕 ExtraBold" panose="020D0904000000000000" pitchFamily="50" charset="-127"/>
+              </a:rPr>
+              <a:t>2</a:t>
+            </a:r>
+            <a:r>
+              <a:rPr lang="en-US" altLang="ko-KR" sz="2000" dirty="0" smtClean="0">
+                <a:ln>
+                  <a:solidFill>
+                    <a:schemeClr val="accent1">
+                      <a:alpha val="0"/>
+                    </a:schemeClr>
+                  </a:solidFill>
+                </a:ln>
+                <a:latin typeface="나눔고딕 ExtraBold" panose="020D0904000000000000" pitchFamily="50" charset="-127"/>
+                <a:ea typeface="나눔고딕 ExtraBold" panose="020D0904000000000000" pitchFamily="50" charset="-127"/>
+              </a:rPr>
+              <a:t>/ </a:t>
+            </a:r>
+            <a:r>
+              <a:rPr lang="ko-KR" altLang="en-US" sz="2000" b="1" dirty="0" smtClean="0">
+                <a:ln>
+                  <a:solidFill>
+                    <a:schemeClr val="accent1">
+                      <a:alpha val="0"/>
+                    </a:schemeClr>
+                  </a:solidFill>
+                </a:ln>
+                <a:latin typeface="+mn-ea"/>
+              </a:rPr>
+              <a:t>게임플레이</a:t>
+            </a:r>
+            <a:endParaRPr lang="ko-KR" altLang="en-US" b="1" dirty="0">
+              <a:ln>
+                <a:solidFill>
+                  <a:schemeClr val="accent1">
+                    <a:alpha val="0"/>
+                  </a:schemeClr>
+                </a:solidFill>
+              </a:ln>
+              <a:latin typeface="+mn-ea"/>
+            </a:endParaRPr>
+          </a:p>
+        </p:txBody>
+      </p:sp>
+      <p:sp>
+        <p:nvSpPr>
+          <p:cNvPr id="2" name="직사각형 1"/>
+          <p:cNvSpPr/>
+          <p:nvPr/>
+        </p:nvSpPr>
+        <p:spPr>
+          <a:xfrm>
+            <a:off x="179512" y="1052736"/>
+            <a:ext cx="8712968" cy="360040"/>
+          </a:xfrm>
+          <a:prstGeom prst="rect">
+            <a:avLst/>
+          </a:prstGeom>
+          <a:solidFill>
+            <a:schemeClr val="bg1">
+              <a:lumMod val="65000"/>
+            </a:schemeClr>
+          </a:solidFill>
+          <a:ln>
+            <a:noFill/>
+          </a:ln>
+        </p:spPr>
+        <p:style>
+          <a:lnRef idx="2">
+            <a:schemeClr val="accent1">
+              <a:shade val="50000"/>
+            </a:schemeClr>
+          </a:lnRef>
+          <a:fillRef idx="1">
+            <a:schemeClr val="accent1"/>
+          </a:fillRef>
+          <a:effectRef idx="0">
+            <a:schemeClr val="accent1"/>
+          </a:effectRef>
+          <a:fontRef idx="minor">
+            <a:schemeClr val="lt1"/>
+          </a:fontRef>
+        </p:style>
+        <p:txBody>
+          <a:bodyPr rtlCol="0" anchor="ctr"/>
+          <a:lstStyle/>
+          <a:p>
+            <a:pPr algn="ctr"/>
+            <a:endParaRPr lang="ko-KR" altLang="en-US"/>
+          </a:p>
+        </p:txBody>
+      </p:sp>
+      <p:sp>
+        <p:nvSpPr>
+          <p:cNvPr id="8" name="직사각형 7"/>
+          <p:cNvSpPr/>
+          <p:nvPr/>
+        </p:nvSpPr>
+        <p:spPr>
+          <a:xfrm>
+            <a:off x="185119" y="6704275"/>
+            <a:ext cx="8707361" cy="45719"/>
+          </a:xfrm>
+          <a:prstGeom prst="rect">
+            <a:avLst/>
+          </a:prstGeom>
+          <a:solidFill>
+            <a:schemeClr val="bg1">
+              <a:lumMod val="65000"/>
+            </a:schemeClr>
+          </a:solidFill>
+          <a:ln>
+            <a:noFill/>
+          </a:ln>
+        </p:spPr>
+        <p:style>
+          <a:lnRef idx="2">
+            <a:schemeClr val="accent1">
+              <a:shade val="50000"/>
+            </a:schemeClr>
+          </a:lnRef>
+          <a:fillRef idx="1">
+            <a:schemeClr val="accent1"/>
+          </a:fillRef>
+          <a:effectRef idx="0">
+            <a:schemeClr val="accent1"/>
+          </a:effectRef>
+          <a:fontRef idx="minor">
+            <a:schemeClr val="lt1"/>
+          </a:fontRef>
+        </p:style>
+        <p:txBody>
+          <a:bodyPr rtlCol="0" anchor="ctr"/>
+          <a:lstStyle/>
+          <a:p>
+            <a:pPr algn="ctr"/>
+            <a:endParaRPr lang="ko-KR" altLang="en-US"/>
+          </a:p>
+        </p:txBody>
+      </p:sp>
+      <p:sp>
+        <p:nvSpPr>
+          <p:cNvPr id="3" name="직사각형 2"/>
+          <p:cNvSpPr/>
+          <p:nvPr/>
+        </p:nvSpPr>
+        <p:spPr>
+          <a:xfrm>
+            <a:off x="185119" y="1383897"/>
+            <a:ext cx="45719" cy="5357470"/>
+          </a:xfrm>
+          <a:prstGeom prst="rect">
+            <a:avLst/>
+          </a:prstGeom>
+          <a:solidFill>
+            <a:schemeClr val="bg1">
+              <a:lumMod val="65000"/>
+            </a:schemeClr>
+          </a:solidFill>
+          <a:ln>
+            <a:noFill/>
+          </a:ln>
+        </p:spPr>
+        <p:style>
+          <a:lnRef idx="2">
+            <a:schemeClr val="accent1">
+              <a:shade val="50000"/>
+            </a:schemeClr>
+          </a:lnRef>
+          <a:fillRef idx="1">
+            <a:schemeClr val="accent1"/>
+          </a:fillRef>
+          <a:effectRef idx="0">
+            <a:schemeClr val="accent1"/>
+          </a:effectRef>
+          <a:fontRef idx="minor">
+            <a:schemeClr val="lt1"/>
+          </a:fontRef>
+        </p:style>
+        <p:txBody>
+          <a:bodyPr rtlCol="0" anchor="ctr"/>
+          <a:lstStyle/>
+          <a:p>
+            <a:pPr algn="ctr"/>
+            <a:endParaRPr lang="ko-KR" altLang="en-US"/>
+          </a:p>
+        </p:txBody>
+      </p:sp>
+      <p:sp>
+        <p:nvSpPr>
+          <p:cNvPr id="10" name="직사각형 9"/>
+          <p:cNvSpPr/>
+          <p:nvPr/>
+        </p:nvSpPr>
+        <p:spPr>
+          <a:xfrm>
+            <a:off x="8846761" y="1394116"/>
+            <a:ext cx="45719" cy="5357470"/>
+          </a:xfrm>
+          <a:prstGeom prst="rect">
+            <a:avLst/>
+          </a:prstGeom>
+          <a:solidFill>
+            <a:schemeClr val="bg1">
+              <a:lumMod val="65000"/>
+            </a:schemeClr>
+          </a:solidFill>
+          <a:ln>
+            <a:noFill/>
+          </a:ln>
+        </p:spPr>
+        <p:style>
+          <a:lnRef idx="2">
+            <a:schemeClr val="accent1">
+              <a:shade val="50000"/>
+            </a:schemeClr>
+          </a:lnRef>
+          <a:fillRef idx="1">
+            <a:schemeClr val="accent1"/>
+          </a:fillRef>
+          <a:effectRef idx="0">
+            <a:schemeClr val="accent1"/>
+          </a:effectRef>
+          <a:fontRef idx="minor">
+            <a:schemeClr val="lt1"/>
+          </a:fontRef>
+        </p:style>
+        <p:txBody>
+          <a:bodyPr rtlCol="0" anchor="ctr"/>
+          <a:lstStyle/>
+          <a:p>
+            <a:pPr algn="ctr"/>
+            <a:endParaRPr lang="ko-KR" altLang="en-US"/>
+          </a:p>
+        </p:txBody>
+      </p:sp>
+      <p:sp>
+        <p:nvSpPr>
+          <p:cNvPr id="6" name="TextBox 5"/>
+          <p:cNvSpPr txBox="1"/>
+          <p:nvPr/>
+        </p:nvSpPr>
+        <p:spPr>
+          <a:xfrm>
+            <a:off x="827584" y="1772815"/>
+            <a:ext cx="922047" cy="646331"/>
+          </a:xfrm>
+          <a:prstGeom prst="rect">
+            <a:avLst/>
+          </a:prstGeom>
+          <a:noFill/>
+        </p:spPr>
+        <p:txBody>
+          <a:bodyPr wrap="none" rtlCol="0">
+            <a:spAutoFit/>
+          </a:bodyPr>
+          <a:lstStyle/>
+          <a:p>
+            <a:r>
+              <a:rPr lang="en-US" altLang="ko-KR" b="1" dirty="0"/>
+              <a:t>3</a:t>
+            </a:r>
+            <a:r>
+              <a:rPr lang="en-US" altLang="ko-KR" b="1" dirty="0" smtClean="0"/>
+              <a:t>. </a:t>
+            </a:r>
+            <a:r>
+              <a:rPr lang="ko-KR" altLang="en-US" b="1" dirty="0" smtClean="0"/>
+              <a:t>숨기</a:t>
+            </a:r>
+            <a:endParaRPr lang="en-US" altLang="ko-KR" b="1" dirty="0" smtClean="0"/>
+          </a:p>
+          <a:p>
+            <a:endParaRPr lang="ko-KR" altLang="en-US" b="1" dirty="0"/>
+          </a:p>
+        </p:txBody>
+      </p:sp>
+      <p:sp>
+        <p:nvSpPr>
+          <p:cNvPr id="7" name="TextBox 6"/>
+          <p:cNvSpPr txBox="1"/>
+          <p:nvPr/>
+        </p:nvSpPr>
+        <p:spPr>
+          <a:xfrm>
+            <a:off x="1115616" y="5445224"/>
+            <a:ext cx="7056783" cy="923330"/>
+          </a:xfrm>
+          <a:prstGeom prst="rect">
+            <a:avLst/>
+          </a:prstGeom>
+          <a:noFill/>
+        </p:spPr>
+        <p:txBody>
+          <a:bodyPr wrap="square" rtlCol="0">
+            <a:spAutoFit/>
+          </a:bodyPr>
+          <a:lstStyle/>
+          <a:p>
+            <a:pPr marL="285750" indent="-285750">
+              <a:buFontTx/>
+              <a:buChar char="-"/>
+            </a:pPr>
+            <a:r>
+              <a:rPr lang="ko-KR" altLang="en-US" dirty="0" smtClean="0"/>
+              <a:t>스테이지마다 창문</a:t>
+            </a:r>
+            <a:r>
+              <a:rPr lang="en-US" altLang="ko-KR" dirty="0" smtClean="0"/>
+              <a:t>, </a:t>
+            </a:r>
+            <a:r>
+              <a:rPr lang="ko-KR" altLang="en-US" dirty="0" smtClean="0"/>
+              <a:t>전등을 통해 빛이 존재</a:t>
+            </a:r>
+            <a:endParaRPr lang="en-US" altLang="ko-KR" dirty="0" smtClean="0"/>
+          </a:p>
+          <a:p>
+            <a:pPr marL="285750" indent="-285750">
+              <a:buFontTx/>
+              <a:buChar char="-"/>
+            </a:pPr>
+            <a:endParaRPr lang="en-US" altLang="ko-KR" dirty="0"/>
+          </a:p>
+          <a:p>
+            <a:pPr marL="285750" indent="-285750">
+              <a:buFontTx/>
+              <a:buChar char="-"/>
+            </a:pPr>
+            <a:r>
+              <a:rPr lang="ko-KR" altLang="en-US" dirty="0" err="1" smtClean="0"/>
+              <a:t>빛줄기를</a:t>
+            </a:r>
+            <a:r>
+              <a:rPr lang="ko-KR" altLang="en-US" dirty="0" smtClean="0"/>
+              <a:t> 캐릭터가 </a:t>
+            </a:r>
+            <a:r>
+              <a:rPr lang="ko-KR" altLang="en-US" dirty="0" err="1" smtClean="0"/>
+              <a:t>받게되면</a:t>
+            </a:r>
+            <a:r>
+              <a:rPr lang="ko-KR" altLang="en-US" dirty="0" smtClean="0"/>
+              <a:t> </a:t>
+            </a:r>
+            <a:r>
+              <a:rPr lang="ko-KR" altLang="en-US" dirty="0" err="1" smtClean="0"/>
+              <a:t>몬스터에게</a:t>
+            </a:r>
+            <a:r>
+              <a:rPr lang="ko-KR" altLang="en-US" dirty="0" smtClean="0"/>
+              <a:t> 모습이 발각된다</a:t>
+            </a:r>
+            <a:endParaRPr lang="en-US" altLang="ko-KR" dirty="0" smtClean="0"/>
+          </a:p>
+        </p:txBody>
+      </p:sp>
+      <p:pic>
+        <p:nvPicPr>
+          <p:cNvPr id="1028" name="Picture 4" descr="C:\Users\JHE\Desktop\실등2.jpg"/>
+          <p:cNvPicPr>
+            <a:picLocks noChangeAspect="1" noChangeArrowheads="1"/>
+          </p:cNvPicPr>
+          <p:nvPr/>
+        </p:nvPicPr>
+        <p:blipFill>
+          <a:blip r:embed="rId3">
+            <a:extLst>
+              <a:ext uri="{28A0092B-C50C-407E-A947-70E740481C1C}">
+                <a14:useLocalDpi xmlns:a14="http://schemas.microsoft.com/office/drawing/2010/main" val="0"/>
+              </a:ext>
+            </a:extLst>
+          </a:blip>
+          <a:srcRect/>
+          <a:stretch>
+            <a:fillRect/>
+          </a:stretch>
+        </p:blipFill>
+        <p:spPr bwMode="auto">
+          <a:xfrm>
+            <a:off x="1288607" y="2348880"/>
+            <a:ext cx="1656184" cy="2561636"/>
+          </a:xfrm>
+          <a:prstGeom prst="rect">
+            <a:avLst/>
+          </a:prstGeom>
+          <a:noFill/>
+          <a:extLst>
+            <a:ext uri="{909E8E84-426E-40DD-AFC4-6F175D3DCCD1}">
+              <a14:hiddenFill xmlns:a14="http://schemas.microsoft.com/office/drawing/2010/main">
+                <a:solidFill>
+                  <a:srgbClr val="FFFFFF"/>
+                </a:solidFill>
+              </a14:hiddenFill>
+            </a:ext>
+          </a:extLst>
+        </p:spPr>
+      </p:pic>
+    </p:spTree>
+    <p:extLst>
+      <p:ext uri="{BB962C8B-B14F-4D97-AF65-F5344CB8AC3E}">
+        <p14:creationId xmlns:p14="http://schemas.microsoft.com/office/powerpoint/2010/main" val="3889517395"/>
+      </p:ext>
+    </p:extLst>
+  </p:cSld>
+  <p:clrMapOvr>
+    <a:masterClrMapping/>
+  </p:clrMapOvr>
+</p:sld>
+</file>
+
+<file path=ppt/slides/slide12.xml><?xml version="1.0" encoding="utf-8"?>
+<p:sld xmlns:a="http://schemas.openxmlformats.org/drawingml/2006/main" xmlns:r="http://schemas.openxmlformats.org/officeDocument/2006/relationships" xmlns:p="http://schemas.openxmlformats.org/presentationml/2006/main">
+  <p:cSld>
+    <p:spTree>
+      <p:nvGrpSpPr>
+        <p:cNvPr id="1" name=""/>
+        <p:cNvGrpSpPr/>
+        <p:nvPr/>
+      </p:nvGrpSpPr>
+      <p:grpSpPr>
+        <a:xfrm>
+          <a:off x="0" y="0"/>
+          <a:ext cx="0" cy="0"/>
+          <a:chOff x="0" y="0"/>
+          <a:chExt cx="0" cy="0"/>
+        </a:xfrm>
+      </p:grpSpPr>
+      <p:sp>
+        <p:nvSpPr>
+          <p:cNvPr id="4" name="직사각형 3"/>
+          <p:cNvSpPr/>
+          <p:nvPr/>
+        </p:nvSpPr>
+        <p:spPr>
+          <a:xfrm>
+            <a:off x="0" y="404664"/>
+            <a:ext cx="9144000" cy="504056"/>
+          </a:xfrm>
+          <a:prstGeom prst="rect">
+            <a:avLst/>
+          </a:prstGeom>
+          <a:solidFill>
+            <a:srgbClr val="FD4B62"/>
+          </a:solidFill>
+          <a:ln>
+            <a:noFill/>
+          </a:ln>
+        </p:spPr>
+        <p:style>
+          <a:lnRef idx="2">
+            <a:schemeClr val="accent1">
+              <a:shade val="50000"/>
+            </a:schemeClr>
+          </a:lnRef>
+          <a:fillRef idx="1">
+            <a:schemeClr val="accent1"/>
+          </a:fillRef>
+          <a:effectRef idx="0">
+            <a:schemeClr val="accent1"/>
+          </a:effectRef>
+          <a:fontRef idx="minor">
+            <a:schemeClr val="lt1"/>
+          </a:fontRef>
+        </p:style>
+        <p:txBody>
+          <a:bodyPr rtlCol="0" anchor="ctr"/>
+          <a:lstStyle/>
+          <a:p>
+            <a:pPr algn="ctr"/>
+            <a:endParaRPr lang="ko-KR" altLang="en-US" sz="2000" b="1" dirty="0">
+              <a:ln>
+                <a:solidFill>
+                  <a:schemeClr val="accent1">
+                    <a:alpha val="0"/>
+                  </a:schemeClr>
+                </a:solidFill>
+              </a:ln>
+              <a:latin typeface="+mn-ea"/>
+            </a:endParaRPr>
+          </a:p>
+        </p:txBody>
+      </p:sp>
+      <p:sp>
+        <p:nvSpPr>
+          <p:cNvPr id="5" name="TextBox 4"/>
+          <p:cNvSpPr txBox="1"/>
+          <p:nvPr/>
+        </p:nvSpPr>
+        <p:spPr>
+          <a:xfrm>
+            <a:off x="0" y="0"/>
+            <a:ext cx="3059832" cy="400110"/>
+          </a:xfrm>
+          <a:prstGeom prst="rect">
+            <a:avLst/>
+          </a:prstGeom>
+          <a:noFill/>
+        </p:spPr>
+        <p:txBody>
+          <a:bodyPr wrap="square" rtlCol="0">
+            <a:spAutoFit/>
+          </a:bodyPr>
+          <a:lstStyle/>
+          <a:p>
+            <a:r>
+              <a:rPr lang="en-US" altLang="ko-KR" sz="2000" dirty="0">
+                <a:ln>
+                  <a:solidFill>
+                    <a:schemeClr val="accent1">
+                      <a:alpha val="0"/>
+                    </a:schemeClr>
+                  </a:solidFill>
+                </a:ln>
+                <a:latin typeface="나눔고딕 ExtraBold" panose="020D0904000000000000" pitchFamily="50" charset="-127"/>
+                <a:ea typeface="나눔고딕 ExtraBold" panose="020D0904000000000000" pitchFamily="50" charset="-127"/>
+              </a:rPr>
+              <a:t>2</a:t>
+            </a:r>
+            <a:r>
+              <a:rPr lang="en-US" altLang="ko-KR" sz="2000" dirty="0" smtClean="0">
+                <a:ln>
+                  <a:solidFill>
+                    <a:schemeClr val="accent1">
+                      <a:alpha val="0"/>
+                    </a:schemeClr>
+                  </a:solidFill>
+                </a:ln>
+                <a:latin typeface="나눔고딕 ExtraBold" panose="020D0904000000000000" pitchFamily="50" charset="-127"/>
+                <a:ea typeface="나눔고딕 ExtraBold" panose="020D0904000000000000" pitchFamily="50" charset="-127"/>
+              </a:rPr>
+              <a:t>/ </a:t>
+            </a:r>
+            <a:r>
+              <a:rPr lang="ko-KR" altLang="en-US" sz="2000" b="1" dirty="0" smtClean="0">
+                <a:ln>
+                  <a:solidFill>
+                    <a:schemeClr val="accent1">
+                      <a:alpha val="0"/>
+                    </a:schemeClr>
+                  </a:solidFill>
+                </a:ln>
+                <a:latin typeface="+mn-ea"/>
+              </a:rPr>
+              <a:t>게임플레이</a:t>
+            </a:r>
+            <a:endParaRPr lang="ko-KR" altLang="en-US" b="1" dirty="0">
+              <a:ln>
+                <a:solidFill>
+                  <a:schemeClr val="accent1">
+                    <a:alpha val="0"/>
+                  </a:schemeClr>
+                </a:solidFill>
+              </a:ln>
+              <a:latin typeface="+mn-ea"/>
+            </a:endParaRPr>
+          </a:p>
+        </p:txBody>
+      </p:sp>
+      <p:sp>
+        <p:nvSpPr>
+          <p:cNvPr id="2" name="직사각형 1"/>
+          <p:cNvSpPr/>
+          <p:nvPr/>
+        </p:nvSpPr>
+        <p:spPr>
+          <a:xfrm>
+            <a:off x="179512" y="1052736"/>
+            <a:ext cx="8712968" cy="360040"/>
+          </a:xfrm>
+          <a:prstGeom prst="rect">
+            <a:avLst/>
+          </a:prstGeom>
+          <a:solidFill>
+            <a:schemeClr val="bg1">
+              <a:lumMod val="65000"/>
+            </a:schemeClr>
+          </a:solidFill>
+          <a:ln>
+            <a:noFill/>
+          </a:ln>
+        </p:spPr>
+        <p:style>
+          <a:lnRef idx="2">
+            <a:schemeClr val="accent1">
+              <a:shade val="50000"/>
+            </a:schemeClr>
+          </a:lnRef>
+          <a:fillRef idx="1">
+            <a:schemeClr val="accent1"/>
+          </a:fillRef>
+          <a:effectRef idx="0">
+            <a:schemeClr val="accent1"/>
+          </a:effectRef>
+          <a:fontRef idx="minor">
+            <a:schemeClr val="lt1"/>
+          </a:fontRef>
+        </p:style>
+        <p:txBody>
+          <a:bodyPr rtlCol="0" anchor="ctr"/>
+          <a:lstStyle/>
+          <a:p>
+            <a:pPr algn="ctr"/>
+            <a:endParaRPr lang="ko-KR" altLang="en-US"/>
+          </a:p>
+        </p:txBody>
+      </p:sp>
+      <p:sp>
+        <p:nvSpPr>
+          <p:cNvPr id="8" name="직사각형 7"/>
+          <p:cNvSpPr/>
+          <p:nvPr/>
+        </p:nvSpPr>
+        <p:spPr>
+          <a:xfrm>
+            <a:off x="185119" y="6704275"/>
+            <a:ext cx="8707361" cy="45719"/>
+          </a:xfrm>
+          <a:prstGeom prst="rect">
+            <a:avLst/>
+          </a:prstGeom>
+          <a:solidFill>
+            <a:schemeClr val="bg1">
+              <a:lumMod val="65000"/>
+            </a:schemeClr>
+          </a:solidFill>
+          <a:ln>
+            <a:noFill/>
+          </a:ln>
+        </p:spPr>
+        <p:style>
+          <a:lnRef idx="2">
+            <a:schemeClr val="accent1">
+              <a:shade val="50000"/>
+            </a:schemeClr>
+          </a:lnRef>
+          <a:fillRef idx="1">
+            <a:schemeClr val="accent1"/>
+          </a:fillRef>
+          <a:effectRef idx="0">
+            <a:schemeClr val="accent1"/>
+          </a:effectRef>
+          <a:fontRef idx="minor">
+            <a:schemeClr val="lt1"/>
+          </a:fontRef>
+        </p:style>
+        <p:txBody>
+          <a:bodyPr rtlCol="0" anchor="ctr"/>
+          <a:lstStyle/>
+          <a:p>
+            <a:pPr algn="ctr"/>
+            <a:endParaRPr lang="ko-KR" altLang="en-US"/>
+          </a:p>
+        </p:txBody>
+      </p:sp>
+      <p:sp>
+        <p:nvSpPr>
+          <p:cNvPr id="3" name="직사각형 2"/>
+          <p:cNvSpPr/>
+          <p:nvPr/>
+        </p:nvSpPr>
+        <p:spPr>
+          <a:xfrm>
+            <a:off x="185119" y="1383897"/>
+            <a:ext cx="45719" cy="5357470"/>
+          </a:xfrm>
+          <a:prstGeom prst="rect">
+            <a:avLst/>
+          </a:prstGeom>
+          <a:solidFill>
+            <a:schemeClr val="bg1">
+              <a:lumMod val="65000"/>
+            </a:schemeClr>
+          </a:solidFill>
+          <a:ln>
+            <a:noFill/>
+          </a:ln>
+        </p:spPr>
+        <p:style>
+          <a:lnRef idx="2">
+            <a:schemeClr val="accent1">
+              <a:shade val="50000"/>
+            </a:schemeClr>
+          </a:lnRef>
+          <a:fillRef idx="1">
+            <a:schemeClr val="accent1"/>
+          </a:fillRef>
+          <a:effectRef idx="0">
+            <a:schemeClr val="accent1"/>
+          </a:effectRef>
+          <a:fontRef idx="minor">
+            <a:schemeClr val="lt1"/>
+          </a:fontRef>
+        </p:style>
+        <p:txBody>
+          <a:bodyPr rtlCol="0" anchor="ctr"/>
+          <a:lstStyle/>
+          <a:p>
+            <a:pPr algn="ctr"/>
+            <a:endParaRPr lang="ko-KR" altLang="en-US"/>
+          </a:p>
+        </p:txBody>
+      </p:sp>
+      <p:sp>
+        <p:nvSpPr>
+          <p:cNvPr id="10" name="직사각형 9"/>
+          <p:cNvSpPr/>
+          <p:nvPr/>
+        </p:nvSpPr>
+        <p:spPr>
+          <a:xfrm>
+            <a:off x="8846761" y="1394116"/>
+            <a:ext cx="45719" cy="5357470"/>
+          </a:xfrm>
+          <a:prstGeom prst="rect">
+            <a:avLst/>
+          </a:prstGeom>
+          <a:solidFill>
+            <a:schemeClr val="bg1">
+              <a:lumMod val="65000"/>
+            </a:schemeClr>
+          </a:solidFill>
+          <a:ln>
+            <a:noFill/>
+          </a:ln>
+        </p:spPr>
+        <p:style>
+          <a:lnRef idx="2">
+            <a:schemeClr val="accent1">
+              <a:shade val="50000"/>
+            </a:schemeClr>
+          </a:lnRef>
+          <a:fillRef idx="1">
+            <a:schemeClr val="accent1"/>
+          </a:fillRef>
+          <a:effectRef idx="0">
+            <a:schemeClr val="accent1"/>
+          </a:effectRef>
+          <a:fontRef idx="minor">
+            <a:schemeClr val="lt1"/>
+          </a:fontRef>
+        </p:style>
+        <p:txBody>
+          <a:bodyPr rtlCol="0" anchor="ctr"/>
+          <a:lstStyle/>
+          <a:p>
+            <a:pPr algn="ctr"/>
+            <a:endParaRPr lang="ko-KR" altLang="en-US"/>
+          </a:p>
+        </p:txBody>
+      </p:sp>
+      <p:sp>
+        <p:nvSpPr>
+          <p:cNvPr id="6" name="TextBox 5"/>
+          <p:cNvSpPr txBox="1"/>
+          <p:nvPr/>
+        </p:nvSpPr>
+        <p:spPr>
+          <a:xfrm>
+            <a:off x="827584" y="1772815"/>
+            <a:ext cx="1152880" cy="646331"/>
+          </a:xfrm>
+          <a:prstGeom prst="rect">
+            <a:avLst/>
+          </a:prstGeom>
+          <a:noFill/>
+        </p:spPr>
+        <p:txBody>
+          <a:bodyPr wrap="none" rtlCol="0">
+            <a:spAutoFit/>
+          </a:bodyPr>
+          <a:lstStyle/>
+          <a:p>
+            <a:r>
+              <a:rPr lang="en-US" altLang="ko-KR" b="1" dirty="0"/>
+              <a:t>4</a:t>
+            </a:r>
+            <a:r>
+              <a:rPr lang="en-US" altLang="ko-KR" b="1" dirty="0" smtClean="0"/>
+              <a:t>. </a:t>
+            </a:r>
+            <a:r>
+              <a:rPr lang="ko-KR" altLang="en-US" b="1" dirty="0" smtClean="0"/>
+              <a:t>때리</a:t>
+            </a:r>
+            <a:r>
+              <a:rPr lang="ko-KR" altLang="en-US" b="1" dirty="0"/>
+              <a:t>기</a:t>
+            </a:r>
+            <a:endParaRPr lang="en-US" altLang="ko-KR" b="1" dirty="0" smtClean="0"/>
+          </a:p>
+          <a:p>
+            <a:endParaRPr lang="ko-KR" altLang="en-US" b="1" dirty="0"/>
+          </a:p>
+        </p:txBody>
+      </p:sp>
+      <p:sp>
+        <p:nvSpPr>
+          <p:cNvPr id="7" name="TextBox 6"/>
+          <p:cNvSpPr txBox="1"/>
+          <p:nvPr/>
+        </p:nvSpPr>
+        <p:spPr>
+          <a:xfrm>
+            <a:off x="1115616" y="5301208"/>
+            <a:ext cx="7056783" cy="923330"/>
+          </a:xfrm>
+          <a:prstGeom prst="rect">
+            <a:avLst/>
+          </a:prstGeom>
+          <a:noFill/>
+        </p:spPr>
+        <p:txBody>
+          <a:bodyPr wrap="square" rtlCol="0">
+            <a:spAutoFit/>
+          </a:bodyPr>
+          <a:lstStyle/>
+          <a:p>
+            <a:pPr marL="285750" indent="-285750">
+              <a:buFontTx/>
+              <a:buChar char="-"/>
+            </a:pPr>
+            <a:r>
+              <a:rPr lang="ko-KR" altLang="en-US" dirty="0" smtClean="0"/>
+              <a:t>캐릭터는 </a:t>
+            </a:r>
+            <a:r>
+              <a:rPr lang="ko-KR" altLang="en-US" dirty="0" err="1" smtClean="0"/>
+              <a:t>몬스터를</a:t>
+            </a:r>
+            <a:r>
+              <a:rPr lang="ko-KR" altLang="en-US" dirty="0" smtClean="0"/>
+              <a:t> </a:t>
+            </a:r>
+            <a:r>
+              <a:rPr lang="ko-KR" altLang="en-US" b="1" dirty="0" smtClean="0">
+                <a:solidFill>
+                  <a:srgbClr val="C00000"/>
+                </a:solidFill>
+              </a:rPr>
+              <a:t>후면</a:t>
+            </a:r>
+            <a:r>
+              <a:rPr lang="ko-KR" altLang="en-US" dirty="0" smtClean="0"/>
+              <a:t>에서 공격한다</a:t>
+            </a:r>
+            <a:r>
+              <a:rPr lang="en-US" altLang="ko-KR" dirty="0" smtClean="0"/>
+              <a:t>.</a:t>
+            </a:r>
+          </a:p>
+          <a:p>
+            <a:pPr marL="285750" indent="-285750">
+              <a:buFontTx/>
+              <a:buChar char="-"/>
+            </a:pPr>
+            <a:endParaRPr lang="en-US" altLang="ko-KR" dirty="0" smtClean="0"/>
+          </a:p>
+          <a:p>
+            <a:pPr marL="285750" indent="-285750">
+              <a:buFontTx/>
+              <a:buChar char="-"/>
+            </a:pPr>
+            <a:r>
+              <a:rPr lang="ko-KR" altLang="en-US" dirty="0" err="1" smtClean="0"/>
+              <a:t>몬스터는</a:t>
+            </a:r>
+            <a:r>
+              <a:rPr lang="ko-KR" altLang="en-US" dirty="0" smtClean="0"/>
+              <a:t> 전</a:t>
+            </a:r>
+            <a:r>
+              <a:rPr lang="en-US" altLang="ko-KR" dirty="0" smtClean="0"/>
+              <a:t>, </a:t>
+            </a:r>
+            <a:r>
+              <a:rPr lang="ko-KR" altLang="en-US" dirty="0" smtClean="0"/>
+              <a:t>후</a:t>
+            </a:r>
+            <a:r>
+              <a:rPr lang="en-US" altLang="ko-KR" dirty="0" smtClean="0"/>
+              <a:t>, </a:t>
+            </a:r>
+            <a:r>
+              <a:rPr lang="ko-KR" altLang="en-US" dirty="0" smtClean="0"/>
+              <a:t>좌</a:t>
+            </a:r>
+            <a:r>
+              <a:rPr lang="en-US" altLang="ko-KR" dirty="0" smtClean="0"/>
+              <a:t>, </a:t>
+            </a:r>
+            <a:r>
+              <a:rPr lang="ko-KR" altLang="en-US" dirty="0" smtClean="0"/>
+              <a:t>우 </a:t>
+            </a:r>
+            <a:r>
+              <a:rPr lang="ko-KR" altLang="en-US" b="1" dirty="0" smtClean="0">
+                <a:solidFill>
+                  <a:srgbClr val="C00000"/>
+                </a:solidFill>
+              </a:rPr>
+              <a:t>모든</a:t>
+            </a:r>
+            <a:r>
+              <a:rPr lang="ko-KR" altLang="en-US" dirty="0" smtClean="0"/>
+              <a:t> </a:t>
+            </a:r>
+            <a:r>
+              <a:rPr lang="ko-KR" altLang="en-US" b="1" dirty="0" smtClean="0">
+                <a:solidFill>
+                  <a:srgbClr val="C00000"/>
+                </a:solidFill>
+              </a:rPr>
+              <a:t>방향</a:t>
+            </a:r>
+            <a:r>
+              <a:rPr lang="ko-KR" altLang="en-US" dirty="0" smtClean="0"/>
+              <a:t>에서 공격한다</a:t>
+            </a:r>
+            <a:r>
+              <a:rPr lang="en-US" altLang="ko-KR" dirty="0" smtClean="0"/>
+              <a:t>.</a:t>
+            </a:r>
+            <a:endParaRPr lang="en-US" altLang="ko-KR" dirty="0"/>
+          </a:p>
+        </p:txBody>
+      </p:sp>
+      <p:pic>
+        <p:nvPicPr>
+          <p:cNvPr id="12" name="Picture 2" descr="C:\Users\JHE\Desktop\그림3.jpg"/>
+          <p:cNvPicPr>
+            <a:picLocks noChangeAspect="1" noChangeArrowheads="1"/>
+          </p:cNvPicPr>
+          <p:nvPr/>
+        </p:nvPicPr>
+        <p:blipFill>
+          <a:blip r:embed="rId3">
+            <a:extLst>
+              <a:ext uri="{28A0092B-C50C-407E-A947-70E740481C1C}">
+                <a14:useLocalDpi xmlns:a14="http://schemas.microsoft.com/office/drawing/2010/main" val="0"/>
+              </a:ext>
+            </a:extLst>
+          </a:blip>
+          <a:srcRect/>
+          <a:stretch>
+            <a:fillRect/>
+          </a:stretch>
+        </p:blipFill>
+        <p:spPr bwMode="auto">
+          <a:xfrm>
+            <a:off x="5076056" y="2248561"/>
+            <a:ext cx="1296144" cy="1957242"/>
+          </a:xfrm>
+          <a:prstGeom prst="rect">
+            <a:avLst/>
+          </a:prstGeom>
+          <a:noFill/>
+          <a:extLst>
+            <a:ext uri="{909E8E84-426E-40DD-AFC4-6F175D3DCCD1}">
+              <a14:hiddenFill xmlns:a14="http://schemas.microsoft.com/office/drawing/2010/main">
+                <a:solidFill>
+                  <a:srgbClr val="FFFFFF"/>
+                </a:solidFill>
+              </a14:hiddenFill>
+            </a:ext>
+          </a:extLst>
+        </p:spPr>
+      </p:pic>
+      <p:pic>
+        <p:nvPicPr>
+          <p:cNvPr id="13" name="Picture 7" descr="C:\Users\JHE\Desktop\그림1.jpg"/>
+          <p:cNvPicPr>
+            <a:picLocks noChangeAspect="1" noChangeArrowheads="1"/>
+          </p:cNvPicPr>
+          <p:nvPr/>
+        </p:nvPicPr>
+        <p:blipFill>
+          <a:blip r:embed="rId4">
+            <a:extLst>
+              <a:ext uri="{28A0092B-C50C-407E-A947-70E740481C1C}">
+                <a14:useLocalDpi xmlns:a14="http://schemas.microsoft.com/office/drawing/2010/main" val="0"/>
+              </a:ext>
+            </a:extLst>
+          </a:blip>
+          <a:srcRect/>
+          <a:stretch>
+            <a:fillRect/>
+          </a:stretch>
+        </p:blipFill>
+        <p:spPr bwMode="auto">
+          <a:xfrm>
+            <a:off x="2195736" y="2151834"/>
+            <a:ext cx="1473827" cy="2150695"/>
+          </a:xfrm>
+          <a:prstGeom prst="rect">
+            <a:avLst/>
+          </a:prstGeom>
+          <a:noFill/>
+          <a:extLst>
+            <a:ext uri="{909E8E84-426E-40DD-AFC4-6F175D3DCCD1}">
+              <a14:hiddenFill xmlns:a14="http://schemas.microsoft.com/office/drawing/2010/main">
+                <a:solidFill>
+                  <a:srgbClr val="FFFFFF"/>
+                </a:solidFill>
+              </a14:hiddenFill>
+            </a:ext>
+          </a:extLst>
+        </p:spPr>
+      </p:pic>
+      <p:sp>
+        <p:nvSpPr>
+          <p:cNvPr id="9" name="포인트가 7개인 별 8"/>
+          <p:cNvSpPr/>
+          <p:nvPr/>
+        </p:nvSpPr>
+        <p:spPr>
+          <a:xfrm>
+            <a:off x="3652712" y="2545831"/>
+            <a:ext cx="1584176" cy="1093146"/>
+          </a:xfrm>
+          <a:prstGeom prst="star7">
+            <a:avLst/>
+          </a:prstGeom>
+          <a:solidFill>
+            <a:srgbClr val="C00000"/>
+          </a:solidFill>
+          <a:ln>
+            <a:noFill/>
+          </a:ln>
+        </p:spPr>
+        <p:style>
+          <a:lnRef idx="2">
+            <a:schemeClr val="accent1">
+              <a:shade val="50000"/>
+            </a:schemeClr>
+          </a:lnRef>
+          <a:fillRef idx="1">
+            <a:schemeClr val="accent1"/>
+          </a:fillRef>
+          <a:effectRef idx="0">
+            <a:schemeClr val="accent1"/>
+          </a:effectRef>
+          <a:fontRef idx="minor">
+            <a:schemeClr val="lt1"/>
+          </a:fontRef>
+        </p:style>
+        <p:txBody>
+          <a:bodyPr rtlCol="0" anchor="ctr"/>
+          <a:lstStyle/>
+          <a:p>
+            <a:pPr algn="ctr"/>
+            <a:r>
+              <a:rPr lang="ko-KR" altLang="en-US" sz="2400" b="1" dirty="0" smtClean="0">
+                <a:solidFill>
+                  <a:schemeClr val="tx1"/>
+                </a:solidFill>
+              </a:rPr>
+              <a:t>공격</a:t>
+            </a:r>
+            <a:endParaRPr lang="ko-KR" altLang="en-US" sz="2400" b="1" dirty="0">
+              <a:solidFill>
+                <a:schemeClr val="tx1"/>
+              </a:solidFill>
+            </a:endParaRPr>
+          </a:p>
+        </p:txBody>
+      </p:sp>
+      <p:sp>
+        <p:nvSpPr>
+          <p:cNvPr id="11" name="TextBox 10"/>
+          <p:cNvSpPr txBox="1"/>
+          <p:nvPr/>
+        </p:nvSpPr>
+        <p:spPr>
+          <a:xfrm>
+            <a:off x="6372200" y="3638977"/>
+            <a:ext cx="1124026" cy="523220"/>
+          </a:xfrm>
+          <a:prstGeom prst="rect">
+            <a:avLst/>
+          </a:prstGeom>
+          <a:noFill/>
+        </p:spPr>
+        <p:txBody>
+          <a:bodyPr wrap="none" rtlCol="0">
+            <a:spAutoFit/>
+          </a:bodyPr>
+          <a:lstStyle/>
+          <a:p>
+            <a:r>
+              <a:rPr lang="ko-KR" altLang="en-US" sz="1400" b="1" dirty="0" smtClean="0"/>
+              <a:t>내구도</a:t>
+            </a:r>
+            <a:r>
+              <a:rPr lang="en-US" altLang="ko-KR" sz="1400" dirty="0" smtClean="0"/>
+              <a:t>: 100</a:t>
+            </a:r>
+          </a:p>
+          <a:p>
+            <a:r>
+              <a:rPr lang="ko-KR" altLang="en-US" sz="1400" b="1" dirty="0" smtClean="0"/>
+              <a:t>공격력</a:t>
+            </a:r>
+            <a:r>
+              <a:rPr lang="en-US" altLang="ko-KR" sz="1400" dirty="0" smtClean="0"/>
+              <a:t>: 50</a:t>
+            </a:r>
+            <a:endParaRPr lang="ko-KR" altLang="en-US" sz="1400" dirty="0"/>
+          </a:p>
+        </p:txBody>
+      </p:sp>
+      <p:sp>
+        <p:nvSpPr>
+          <p:cNvPr id="16" name="TextBox 15"/>
+          <p:cNvSpPr txBox="1"/>
+          <p:nvPr/>
+        </p:nvSpPr>
+        <p:spPr>
+          <a:xfrm>
+            <a:off x="856438" y="3607048"/>
+            <a:ext cx="1124026" cy="523220"/>
+          </a:xfrm>
+          <a:prstGeom prst="rect">
+            <a:avLst/>
+          </a:prstGeom>
+          <a:noFill/>
+        </p:spPr>
+        <p:txBody>
+          <a:bodyPr wrap="none" rtlCol="0">
+            <a:spAutoFit/>
+          </a:bodyPr>
+          <a:lstStyle/>
+          <a:p>
+            <a:r>
+              <a:rPr lang="ko-KR" altLang="en-US" sz="1400" b="1" dirty="0" smtClean="0"/>
+              <a:t>내구도</a:t>
+            </a:r>
+            <a:r>
+              <a:rPr lang="en-US" altLang="ko-KR" sz="1400" dirty="0" smtClean="0"/>
+              <a:t>: 100</a:t>
+            </a:r>
+          </a:p>
+          <a:p>
+            <a:r>
+              <a:rPr lang="ko-KR" altLang="en-US" sz="1400" b="1" dirty="0" smtClean="0"/>
+              <a:t>공격력</a:t>
+            </a:r>
+            <a:r>
+              <a:rPr lang="en-US" altLang="ko-KR" sz="1400" dirty="0" smtClean="0"/>
+              <a:t>: 10</a:t>
+            </a:r>
+            <a:endParaRPr lang="ko-KR" altLang="en-US" sz="1400" dirty="0"/>
+          </a:p>
+        </p:txBody>
+      </p:sp>
+    </p:spTree>
+    <p:extLst>
+      <p:ext uri="{BB962C8B-B14F-4D97-AF65-F5344CB8AC3E}">
+        <p14:creationId xmlns:p14="http://schemas.microsoft.com/office/powerpoint/2010/main" val="278824091"/>
+      </p:ext>
+    </p:extLst>
+  </p:cSld>
+  <p:clrMapOvr>
+    <a:masterClrMapping/>
+  </p:clrMapOvr>
+</p:sld>
+</file>
+
+<file path=ppt/slides/slide13.xml><?xml version="1.0" encoding="utf-8"?>
+<p:sld xmlns:a="http://schemas.openxmlformats.org/drawingml/2006/main" xmlns:r="http://schemas.openxmlformats.org/officeDocument/2006/relationships" xmlns:p="http://schemas.openxmlformats.org/presentationml/2006/main">
+  <p:cSld>
+    <p:spTree>
+      <p:nvGrpSpPr>
+        <p:cNvPr id="1" name=""/>
+        <p:cNvGrpSpPr/>
+        <p:nvPr/>
+      </p:nvGrpSpPr>
+      <p:grpSpPr>
+        <a:xfrm>
+          <a:off x="0" y="0"/>
+          <a:ext cx="0" cy="0"/>
+          <a:chOff x="0" y="0"/>
+          <a:chExt cx="0" cy="0"/>
+        </a:xfrm>
+      </p:grpSpPr>
+      <p:sp>
+        <p:nvSpPr>
+          <p:cNvPr id="4" name="직사각형 3"/>
+          <p:cNvSpPr/>
+          <p:nvPr/>
+        </p:nvSpPr>
+        <p:spPr>
+          <a:xfrm>
+            <a:off x="0" y="404664"/>
+            <a:ext cx="9144000" cy="504056"/>
+          </a:xfrm>
+          <a:prstGeom prst="rect">
+            <a:avLst/>
+          </a:prstGeom>
+          <a:solidFill>
+            <a:srgbClr val="FD4B62"/>
+          </a:solidFill>
+          <a:ln>
+            <a:noFill/>
+          </a:ln>
+        </p:spPr>
+        <p:style>
+          <a:lnRef idx="2">
+            <a:schemeClr val="accent1">
+              <a:shade val="50000"/>
+            </a:schemeClr>
+          </a:lnRef>
+          <a:fillRef idx="1">
+            <a:schemeClr val="accent1"/>
+          </a:fillRef>
+          <a:effectRef idx="0">
+            <a:schemeClr val="accent1"/>
+          </a:effectRef>
+          <a:fontRef idx="minor">
+            <a:schemeClr val="lt1"/>
+          </a:fontRef>
+        </p:style>
+        <p:txBody>
+          <a:bodyPr rtlCol="0" anchor="ctr"/>
+          <a:lstStyle/>
+          <a:p>
+            <a:pPr algn="ctr"/>
+            <a:endParaRPr lang="ko-KR" altLang="en-US" sz="2000" b="1" dirty="0">
+              <a:ln>
+                <a:solidFill>
+                  <a:schemeClr val="accent1">
+                    <a:alpha val="0"/>
+                  </a:schemeClr>
+                </a:solidFill>
+              </a:ln>
+              <a:latin typeface="+mn-ea"/>
+            </a:endParaRPr>
+          </a:p>
+        </p:txBody>
+      </p:sp>
+      <p:sp>
+        <p:nvSpPr>
+          <p:cNvPr id="5" name="TextBox 4"/>
+          <p:cNvSpPr txBox="1"/>
+          <p:nvPr/>
+        </p:nvSpPr>
+        <p:spPr>
+          <a:xfrm>
+            <a:off x="0" y="0"/>
+            <a:ext cx="3059832" cy="400110"/>
+          </a:xfrm>
+          <a:prstGeom prst="rect">
+            <a:avLst/>
+          </a:prstGeom>
+          <a:noFill/>
+        </p:spPr>
+        <p:txBody>
+          <a:bodyPr wrap="square" rtlCol="0">
+            <a:spAutoFit/>
+          </a:bodyPr>
+          <a:lstStyle/>
+          <a:p>
+            <a:r>
+              <a:rPr lang="en-US" altLang="ko-KR" sz="2000" b="1" dirty="0">
+                <a:ln>
+                  <a:solidFill>
+                    <a:schemeClr val="accent1">
+                      <a:alpha val="0"/>
+                    </a:schemeClr>
+                  </a:solidFill>
+                </a:ln>
+                <a:latin typeface="+mn-ea"/>
+              </a:rPr>
+              <a:t>3</a:t>
+            </a:r>
+            <a:r>
+              <a:rPr lang="en-US" altLang="ko-KR" sz="2000" b="1" dirty="0" smtClean="0">
+                <a:ln>
+                  <a:solidFill>
+                    <a:schemeClr val="accent1">
+                      <a:alpha val="0"/>
+                    </a:schemeClr>
+                  </a:solidFill>
+                </a:ln>
+                <a:latin typeface="+mn-ea"/>
+              </a:rPr>
+              <a:t>/</a:t>
+            </a:r>
+            <a:r>
+              <a:rPr lang="ko-KR" altLang="en-US" sz="2000" b="1" dirty="0" smtClean="0">
+                <a:ln>
+                  <a:solidFill>
+                    <a:schemeClr val="accent1">
+                      <a:alpha val="0"/>
+                    </a:schemeClr>
+                  </a:solidFill>
+                </a:ln>
+                <a:latin typeface="+mn-ea"/>
+              </a:rPr>
+              <a:t>기술요</a:t>
+            </a:r>
+            <a:r>
+              <a:rPr lang="ko-KR" altLang="en-US" sz="2000" b="1" dirty="0">
+                <a:ln>
+                  <a:solidFill>
+                    <a:schemeClr val="accent1">
+                      <a:alpha val="0"/>
+                    </a:schemeClr>
+                  </a:solidFill>
+                </a:ln>
+                <a:latin typeface="+mn-ea"/>
+              </a:rPr>
+              <a:t>소</a:t>
+            </a:r>
+            <a:endParaRPr lang="ko-KR" altLang="en-US" b="1" dirty="0">
+              <a:ln>
+                <a:solidFill>
+                  <a:schemeClr val="accent1">
+                    <a:alpha val="0"/>
+                  </a:schemeClr>
+                </a:solidFill>
+              </a:ln>
+              <a:latin typeface="+mn-ea"/>
+            </a:endParaRPr>
+          </a:p>
+        </p:txBody>
+      </p:sp>
+    </p:spTree>
+    <p:extLst>
+      <p:ext uri="{BB962C8B-B14F-4D97-AF65-F5344CB8AC3E}">
+        <p14:creationId xmlns:p14="http://schemas.microsoft.com/office/powerpoint/2010/main" val="3402519836"/>
+      </p:ext>
+    </p:extLst>
+  </p:cSld>
+  <p:clrMapOvr>
+    <a:masterClrMapping/>
+  </p:clrMapOvr>
+</p:sld>
+</file>
+
+<file path=ppt/slides/slide14.xml><?xml version="1.0" encoding="utf-8"?>
+<p:sld xmlns:a="http://schemas.openxmlformats.org/drawingml/2006/main" xmlns:r="http://schemas.openxmlformats.org/officeDocument/2006/relationships" xmlns:p="http://schemas.openxmlformats.org/presentationml/2006/main">
+  <p:cSld>
+    <p:spTree>
+      <p:nvGrpSpPr>
+        <p:cNvPr id="1" name=""/>
+        <p:cNvGrpSpPr/>
+        <p:nvPr/>
+      </p:nvGrpSpPr>
+      <p:grpSpPr>
+        <a:xfrm>
+          <a:off x="0" y="0"/>
+          <a:ext cx="0" cy="0"/>
+          <a:chOff x="0" y="0"/>
+          <a:chExt cx="0" cy="0"/>
+        </a:xfrm>
+      </p:grpSpPr>
+      <p:sp>
+        <p:nvSpPr>
+          <p:cNvPr id="4" name="직사각형 3"/>
+          <p:cNvSpPr/>
+          <p:nvPr/>
+        </p:nvSpPr>
+        <p:spPr>
+          <a:xfrm>
+            <a:off x="0" y="404664"/>
+            <a:ext cx="9144000" cy="504056"/>
+          </a:xfrm>
+          <a:prstGeom prst="rect">
+            <a:avLst/>
+          </a:prstGeom>
+          <a:solidFill>
+            <a:srgbClr val="FD4B62"/>
+          </a:solidFill>
+          <a:ln>
+            <a:noFill/>
+          </a:ln>
+        </p:spPr>
+        <p:style>
+          <a:lnRef idx="2">
+            <a:schemeClr val="accent1">
+              <a:shade val="50000"/>
+            </a:schemeClr>
+          </a:lnRef>
+          <a:fillRef idx="1">
+            <a:schemeClr val="accent1"/>
+          </a:fillRef>
+          <a:effectRef idx="0">
+            <a:schemeClr val="accent1"/>
+          </a:effectRef>
+          <a:fontRef idx="minor">
+            <a:schemeClr val="lt1"/>
+          </a:fontRef>
+        </p:style>
+        <p:txBody>
+          <a:bodyPr rtlCol="0" anchor="ctr"/>
+          <a:lstStyle/>
+          <a:p>
+            <a:pPr algn="ctr"/>
+            <a:endParaRPr lang="ko-KR" altLang="en-US" sz="2000" b="1" dirty="0">
+              <a:ln>
+                <a:solidFill>
+                  <a:schemeClr val="accent1">
+                    <a:alpha val="0"/>
+                  </a:schemeClr>
+                </a:solidFill>
+              </a:ln>
+              <a:latin typeface="+mn-ea"/>
+            </a:endParaRPr>
+          </a:p>
+        </p:txBody>
+      </p:sp>
+      <p:sp>
+        <p:nvSpPr>
+          <p:cNvPr id="5" name="TextBox 4"/>
+          <p:cNvSpPr txBox="1"/>
+          <p:nvPr/>
+        </p:nvSpPr>
+        <p:spPr>
+          <a:xfrm>
+            <a:off x="0" y="0"/>
+            <a:ext cx="3059832" cy="400110"/>
+          </a:xfrm>
+          <a:prstGeom prst="rect">
+            <a:avLst/>
+          </a:prstGeom>
+          <a:noFill/>
+        </p:spPr>
+        <p:txBody>
+          <a:bodyPr wrap="square" rtlCol="0">
+            <a:spAutoFit/>
+          </a:bodyPr>
+          <a:lstStyle/>
+          <a:p>
+            <a:r>
+              <a:rPr lang="en-US" altLang="ko-KR" sz="2000" b="1" dirty="0" smtClean="0">
+                <a:ln>
+                  <a:solidFill>
+                    <a:schemeClr val="accent1">
+                      <a:alpha val="0"/>
+                    </a:schemeClr>
+                  </a:solidFill>
+                </a:ln>
+                <a:latin typeface="+mn-ea"/>
+              </a:rPr>
+              <a:t>5/</a:t>
+            </a:r>
+            <a:r>
+              <a:rPr lang="ko-KR" altLang="en-US" sz="2000" b="1" dirty="0" smtClean="0">
+                <a:ln>
+                  <a:solidFill>
+                    <a:schemeClr val="accent1">
+                      <a:alpha val="0"/>
+                    </a:schemeClr>
+                  </a:solidFill>
+                </a:ln>
+                <a:latin typeface="+mn-ea"/>
+              </a:rPr>
+              <a:t>출처</a:t>
+            </a:r>
+            <a:endParaRPr lang="ko-KR" altLang="en-US" b="1" dirty="0">
+              <a:ln>
+                <a:solidFill>
+                  <a:schemeClr val="accent1">
+                    <a:alpha val="0"/>
+                  </a:schemeClr>
+                </a:solidFill>
+              </a:ln>
+              <a:latin typeface="+mn-ea"/>
+            </a:endParaRPr>
+          </a:p>
+        </p:txBody>
+      </p:sp>
+      <p:sp>
+        <p:nvSpPr>
+          <p:cNvPr id="6" name="TextBox 5"/>
+          <p:cNvSpPr txBox="1"/>
+          <p:nvPr/>
+        </p:nvSpPr>
+        <p:spPr>
+          <a:xfrm>
+            <a:off x="539552" y="1243407"/>
+            <a:ext cx="8280920" cy="2123658"/>
+          </a:xfrm>
+          <a:prstGeom prst="rect">
+            <a:avLst/>
+          </a:prstGeom>
+          <a:noFill/>
+        </p:spPr>
+        <p:txBody>
+          <a:bodyPr wrap="square" rtlCol="0">
+            <a:spAutoFit/>
+          </a:bodyPr>
+          <a:lstStyle/>
+          <a:p>
+            <a:r>
+              <a:rPr lang="ko-KR" altLang="en-US" sz="1100" b="1" dirty="0" smtClean="0">
+                <a:ln>
+                  <a:solidFill>
+                    <a:schemeClr val="accent1">
+                      <a:alpha val="0"/>
+                    </a:schemeClr>
+                  </a:solidFill>
+                </a:ln>
+                <a:latin typeface="+mn-ea"/>
+              </a:rPr>
+              <a:t>관절인형</a:t>
+            </a:r>
+            <a:endParaRPr lang="en-US" altLang="ko-KR" sz="1100" b="1" dirty="0" smtClean="0">
+              <a:ln>
+                <a:solidFill>
+                  <a:schemeClr val="accent1">
+                    <a:alpha val="0"/>
+                  </a:schemeClr>
+                </a:solidFill>
+              </a:ln>
+              <a:latin typeface="+mn-ea"/>
+            </a:endParaRPr>
+          </a:p>
+          <a:p>
+            <a:r>
+              <a:rPr lang="en-US" altLang="ko-KR" sz="1100" dirty="0">
+                <a:ln>
+                  <a:solidFill>
+                    <a:schemeClr val="accent1">
+                      <a:alpha val="0"/>
+                    </a:schemeClr>
+                  </a:solidFill>
+                </a:ln>
+                <a:latin typeface="+mn-ea"/>
+              </a:rPr>
+              <a:t> -http://www.ebay.es/itm/Robot-Time-Reloj-Despertador-ROJO-negro-con-Analogico-Pantalla-Retro-/</a:t>
+            </a:r>
+            <a:r>
+              <a:rPr lang="en-US" altLang="ko-KR" sz="1100" dirty="0" smtClean="0">
+                <a:ln>
+                  <a:solidFill>
+                    <a:schemeClr val="accent1">
+                      <a:alpha val="0"/>
+                    </a:schemeClr>
+                  </a:solidFill>
+                </a:ln>
+                <a:latin typeface="+mn-ea"/>
+              </a:rPr>
+              <a:t>311079023040</a:t>
+            </a:r>
+          </a:p>
+          <a:p>
+            <a:endParaRPr lang="en-US" altLang="ko-KR" sz="1100" dirty="0">
+              <a:ln>
+                <a:solidFill>
+                  <a:schemeClr val="accent1">
+                    <a:alpha val="0"/>
+                  </a:schemeClr>
+                </a:solidFill>
+              </a:ln>
+              <a:latin typeface="+mn-ea"/>
+            </a:endParaRPr>
+          </a:p>
+          <a:p>
+            <a:r>
+              <a:rPr lang="ko-KR" altLang="en-US" sz="1100" b="1" dirty="0" smtClean="0">
+                <a:ln>
+                  <a:solidFill>
+                    <a:schemeClr val="accent1">
+                      <a:alpha val="0"/>
+                    </a:schemeClr>
+                  </a:solidFill>
+                </a:ln>
+                <a:latin typeface="+mn-ea"/>
+              </a:rPr>
+              <a:t>로봇인형</a:t>
+            </a:r>
+            <a:endParaRPr lang="en-US" altLang="ko-KR" sz="1100" b="1" dirty="0" smtClean="0">
+              <a:ln>
+                <a:solidFill>
+                  <a:schemeClr val="accent1">
+                    <a:alpha val="0"/>
+                  </a:schemeClr>
+                </a:solidFill>
+              </a:ln>
+              <a:latin typeface="+mn-ea"/>
+            </a:endParaRPr>
+          </a:p>
+          <a:p>
+            <a:r>
+              <a:rPr lang="en-US" altLang="ko-KR" sz="1100" dirty="0">
+                <a:ln>
+                  <a:solidFill>
+                    <a:schemeClr val="accent1">
+                      <a:alpha val="0"/>
+                    </a:schemeClr>
+                  </a:solidFill>
+                </a:ln>
+                <a:latin typeface="+mn-ea"/>
+              </a:rPr>
+              <a:t> -http://www.ebay.es/itm/Robot-Time-Reloj-Despertador-ROJO-negro-con-Analogico-Pantalla-Retro-/</a:t>
+            </a:r>
+            <a:r>
+              <a:rPr lang="en-US" altLang="ko-KR" sz="1100" dirty="0" smtClean="0">
+                <a:ln>
+                  <a:solidFill>
+                    <a:schemeClr val="accent1">
+                      <a:alpha val="0"/>
+                    </a:schemeClr>
+                  </a:solidFill>
+                </a:ln>
+                <a:latin typeface="+mn-ea"/>
+              </a:rPr>
+              <a:t>311079023040</a:t>
+            </a:r>
+          </a:p>
+          <a:p>
+            <a:endParaRPr lang="en-US" altLang="ko-KR" sz="1100" dirty="0">
+              <a:ln>
+                <a:solidFill>
+                  <a:schemeClr val="accent1">
+                    <a:alpha val="0"/>
+                  </a:schemeClr>
+                </a:solidFill>
+              </a:ln>
+              <a:latin typeface="+mn-ea"/>
+            </a:endParaRPr>
+          </a:p>
+          <a:p>
+            <a:r>
+              <a:rPr lang="ko-KR" altLang="en-US" sz="1100" b="1" dirty="0" smtClean="0">
+                <a:ln>
+                  <a:solidFill>
+                    <a:schemeClr val="accent1">
+                      <a:alpha val="0"/>
+                    </a:schemeClr>
+                  </a:solidFill>
+                </a:ln>
+                <a:latin typeface="+mn-ea"/>
+              </a:rPr>
+              <a:t>태엽</a:t>
+            </a:r>
+            <a:endParaRPr lang="en-US" altLang="ko-KR" sz="1100" b="1" dirty="0" smtClean="0">
+              <a:ln>
+                <a:solidFill>
+                  <a:schemeClr val="accent1">
+                    <a:alpha val="0"/>
+                  </a:schemeClr>
+                </a:solidFill>
+              </a:ln>
+              <a:latin typeface="+mn-ea"/>
+            </a:endParaRPr>
+          </a:p>
+          <a:p>
+            <a:r>
+              <a:rPr lang="en-US" altLang="ko-KR" sz="1100" dirty="0">
+                <a:ln>
+                  <a:solidFill>
+                    <a:schemeClr val="accent1">
+                      <a:alpha val="0"/>
+                    </a:schemeClr>
+                  </a:solidFill>
+                </a:ln>
+                <a:latin typeface="+mn-ea"/>
+              </a:rPr>
+              <a:t> -http://free-3d-textures.com/</a:t>
+            </a:r>
+            <a:r>
+              <a:rPr lang="en-US" altLang="ko-KR" sz="1100" dirty="0" err="1">
+                <a:ln>
+                  <a:solidFill>
+                    <a:schemeClr val="accent1">
+                      <a:alpha val="0"/>
+                    </a:schemeClr>
+                  </a:solidFill>
+                </a:ln>
+                <a:latin typeface="+mn-ea"/>
+              </a:rPr>
+              <a:t>png</a:t>
+            </a:r>
+            <a:r>
+              <a:rPr lang="en-US" altLang="ko-KR" sz="1100" dirty="0">
+                <a:ln>
+                  <a:solidFill>
+                    <a:schemeClr val="accent1">
+                      <a:alpha val="0"/>
+                    </a:schemeClr>
+                  </a:solidFill>
+                </a:ln>
+                <a:latin typeface="+mn-ea"/>
+              </a:rPr>
+              <a:t>/</a:t>
+            </a:r>
+            <a:r>
+              <a:rPr lang="en-US" altLang="ko-KR" sz="1100" dirty="0" err="1">
+                <a:ln>
+                  <a:solidFill>
+                    <a:schemeClr val="accent1">
+                      <a:alpha val="0"/>
+                    </a:schemeClr>
+                  </a:solidFill>
+                </a:ln>
+                <a:latin typeface="+mn-ea"/>
+              </a:rPr>
+              <a:t>png</a:t>
+            </a:r>
+            <a:r>
+              <a:rPr lang="en-US" altLang="ko-KR" sz="1100" dirty="0">
+                <a:ln>
+                  <a:solidFill>
+                    <a:schemeClr val="accent1">
+                      <a:alpha val="0"/>
+                    </a:schemeClr>
+                  </a:solidFill>
+                </a:ln>
+                <a:latin typeface="+mn-ea"/>
+              </a:rPr>
+              <a:t>-</a:t>
+            </a:r>
+            <a:r>
+              <a:rPr lang="en-US" altLang="ko-KR" sz="1100" dirty="0" err="1">
+                <a:ln>
+                  <a:solidFill>
+                    <a:schemeClr val="accent1">
+                      <a:alpha val="0"/>
+                    </a:schemeClr>
+                  </a:solidFill>
+                </a:ln>
+                <a:latin typeface="+mn-ea"/>
+              </a:rPr>
+              <a:t>miscellanous</a:t>
+            </a:r>
+            <a:r>
+              <a:rPr lang="en-US" altLang="ko-KR" sz="1100" dirty="0">
+                <a:ln>
+                  <a:solidFill>
+                    <a:schemeClr val="accent1">
+                      <a:alpha val="0"/>
+                    </a:schemeClr>
+                  </a:solidFill>
+                </a:ln>
+                <a:latin typeface="+mn-ea"/>
+              </a:rPr>
+              <a:t>-stuff/</a:t>
+            </a:r>
+          </a:p>
+          <a:p>
+            <a:endParaRPr lang="en-US" altLang="ko-KR" sz="1100" dirty="0" smtClean="0">
+              <a:ln>
+                <a:solidFill>
+                  <a:schemeClr val="accent1">
+                    <a:alpha val="0"/>
+                  </a:schemeClr>
+                </a:solidFill>
+              </a:ln>
+              <a:latin typeface="+mn-ea"/>
+            </a:endParaRPr>
+          </a:p>
+          <a:p>
+            <a:r>
+              <a:rPr lang="ko-KR" altLang="en-US" sz="1100" b="1" dirty="0" err="1" smtClean="0">
+                <a:ln>
+                  <a:solidFill>
+                    <a:schemeClr val="accent1">
+                      <a:alpha val="0"/>
+                    </a:schemeClr>
+                  </a:solidFill>
+                </a:ln>
+                <a:latin typeface="+mn-ea"/>
+              </a:rPr>
+              <a:t>리틀</a:t>
+            </a:r>
+            <a:r>
+              <a:rPr lang="ko-KR" altLang="en-US" sz="1100" b="1" dirty="0" smtClean="0">
+                <a:ln>
+                  <a:solidFill>
+                    <a:schemeClr val="accent1">
+                      <a:alpha val="0"/>
+                    </a:schemeClr>
+                  </a:solidFill>
+                </a:ln>
+                <a:latin typeface="+mn-ea"/>
+              </a:rPr>
+              <a:t> </a:t>
+            </a:r>
+            <a:r>
+              <a:rPr lang="ko-KR" altLang="en-US" sz="1100" b="1" dirty="0" err="1" smtClean="0">
+                <a:ln>
+                  <a:solidFill>
+                    <a:schemeClr val="accent1">
+                      <a:alpha val="0"/>
+                    </a:schemeClr>
+                  </a:solidFill>
+                </a:ln>
+                <a:latin typeface="+mn-ea"/>
+              </a:rPr>
+              <a:t>나이트메어</a:t>
+            </a:r>
+            <a:endParaRPr lang="en-US" altLang="ko-KR" sz="1100" b="1" dirty="0" smtClean="0">
+              <a:ln>
+                <a:solidFill>
+                  <a:schemeClr val="accent1">
+                    <a:alpha val="0"/>
+                  </a:schemeClr>
+                </a:solidFill>
+              </a:ln>
+              <a:latin typeface="+mn-ea"/>
+            </a:endParaRPr>
+          </a:p>
+          <a:p>
+            <a:r>
+              <a:rPr lang="en-US" altLang="ko-KR" sz="1100" dirty="0">
+                <a:ln>
+                  <a:solidFill>
+                    <a:schemeClr val="accent1">
+                      <a:alpha val="0"/>
+                    </a:schemeClr>
+                  </a:solidFill>
+                </a:ln>
+                <a:latin typeface="+mn-ea"/>
+              </a:rPr>
+              <a:t> -http://blog.naver.com/ps3player/220934403639</a:t>
+            </a:r>
+          </a:p>
+          <a:p>
+            <a:endParaRPr lang="ko-KR" altLang="en-US" sz="1100" dirty="0">
+              <a:ln>
+                <a:solidFill>
+                  <a:schemeClr val="accent1">
+                    <a:alpha val="0"/>
+                  </a:schemeClr>
+                </a:solidFill>
+              </a:ln>
+              <a:latin typeface="+mn-ea"/>
+            </a:endParaRPr>
+          </a:p>
+        </p:txBody>
+      </p:sp>
+    </p:spTree>
+    <p:extLst>
+      <p:ext uri="{BB962C8B-B14F-4D97-AF65-F5344CB8AC3E}">
+        <p14:creationId xmlns:p14="http://schemas.microsoft.com/office/powerpoint/2010/main" val="3781590768"/>
+      </p:ext>
+    </p:extLst>
+  </p:cSld>
+  <p:clrMapOvr>
+    <a:masterClrMapping/>
+  </p:clrMapOvr>
+</p:sld>
+</file>
+
+<file path=ppt/slides/slide15.xml><?xml version="1.0" encoding="utf-8"?>
+<p:sld xmlns:a="http://schemas.openxmlformats.org/drawingml/2006/main" xmlns:r="http://schemas.openxmlformats.org/officeDocument/2006/relationships" xmlns:p="http://schemas.openxmlformats.org/presentationml/2006/main">
+  <p:cSld>
+    <p:spTree>
+      <p:nvGrpSpPr>
+        <p:cNvPr id="1" name=""/>
+        <p:cNvGrpSpPr/>
+        <p:nvPr/>
+      </p:nvGrpSpPr>
+      <p:grpSpPr>
+        <a:xfrm>
+          <a:off x="0" y="0"/>
+          <a:ext cx="0" cy="0"/>
+          <a:chOff x="0" y="0"/>
+          <a:chExt cx="0" cy="0"/>
+        </a:xfrm>
+      </p:grpSpPr>
+      <p:sp>
+        <p:nvSpPr>
+          <p:cNvPr id="4" name="직사각형 3"/>
+          <p:cNvSpPr/>
+          <p:nvPr/>
+        </p:nvSpPr>
+        <p:spPr>
+          <a:xfrm>
             <a:off x="0" y="2996952"/>
             <a:ext cx="9144000" cy="504056"/>
           </a:xfrm>
@@ -9173,14 +12095,14 @@
       </p:sp>
       <p:sp>
         <p:nvSpPr>
-          <p:cNvPr id="9" name="TextBox 8"/>
+          <p:cNvPr id="11" name="TextBox 10"/>
           <p:cNvSpPr txBox="1"/>
           <p:nvPr/>
         </p:nvSpPr>
         <p:spPr>
           <a:xfrm>
-            <a:off x="4642816" y="5763909"/>
-            <a:ext cx="2331087" cy="338554"/>
+            <a:off x="646625" y="5775800"/>
+            <a:ext cx="8065028" cy="830997"/>
           </a:xfrm>
           <a:prstGeom prst="rect">
             <a:avLst/>
@@ -9195,40 +12117,6 @@
           <a:p>
             <a:r>
               <a:rPr lang="ko-KR" altLang="en-US" sz="1600" b="1" dirty="0" smtClean="0"/>
-              <a:t>크기</a:t>
-            </a:r>
-            <a:r>
-              <a:rPr lang="en-US" altLang="ko-KR" sz="1600" dirty="0" smtClean="0"/>
-              <a:t>: 26UNIT * 19UNIT</a:t>
-            </a:r>
-            <a:endParaRPr lang="ko-KR" altLang="en-US" sz="1600" dirty="0"/>
-          </a:p>
-        </p:txBody>
-      </p:sp>
-      <p:sp>
-        <p:nvSpPr>
-          <p:cNvPr id="11" name="TextBox 10"/>
-          <p:cNvSpPr txBox="1"/>
-          <p:nvPr/>
-        </p:nvSpPr>
-        <p:spPr>
-          <a:xfrm>
-            <a:off x="659614" y="5763909"/>
-            <a:ext cx="8065028" cy="830997"/>
-          </a:xfrm>
-          <a:prstGeom prst="rect">
-            <a:avLst/>
-          </a:prstGeom>
-          <a:noFill/>
-        </p:spPr>
-        <p:txBody>
-          <a:bodyPr wrap="none" rtlCol="0">
-            <a:spAutoFit/>
-          </a:bodyPr>
-          <a:lstStyle/>
-          <a:p>
-            <a:r>
-              <a:rPr lang="ko-KR" altLang="en-US" sz="1600" b="1" dirty="0" smtClean="0"/>
               <a:t>특징</a:t>
             </a:r>
             <a:r>
@@ -9353,8 +12241,8 @@
         </p:nvSpPr>
         <p:spPr>
           <a:xfrm>
-            <a:off x="614560" y="5427972"/>
-            <a:ext cx="7488832" cy="45719"/>
+            <a:off x="251520" y="6553412"/>
+            <a:ext cx="8612506" cy="45719"/>
           </a:xfrm>
           <a:prstGeom prst="rect">
             <a:avLst/>
@@ -9401,8 +12289,8 @@
         </p:nvSpPr>
         <p:spPr>
           <a:xfrm>
-            <a:off x="611560" y="1034465"/>
-            <a:ext cx="7488832" cy="415051"/>
+            <a:off x="251520" y="1034465"/>
+            <a:ext cx="8640960" cy="415051"/>
           </a:xfrm>
           <a:prstGeom prst="rect">
             <a:avLst/>
@@ -9483,8 +12371,8 @@
         </p:nvSpPr>
         <p:spPr>
           <a:xfrm>
-            <a:off x="611560" y="1432264"/>
-            <a:ext cx="45719" cy="4041427"/>
+            <a:off x="251520" y="1404385"/>
+            <a:ext cx="45719" cy="5190521"/>
           </a:xfrm>
           <a:prstGeom prst="rect">
             <a:avLst/>
@@ -9531,8 +12419,8 @@
         </p:nvSpPr>
         <p:spPr>
           <a:xfrm>
-            <a:off x="8054673" y="1426656"/>
-            <a:ext cx="45719" cy="4041427"/>
+            <a:off x="8841167" y="1399038"/>
+            <a:ext cx="45719" cy="5195868"/>
           </a:xfrm>
           <a:prstGeom prst="rect">
             <a:avLst/>
@@ -9594,8 +12482,8 @@
         </p:blipFill>
         <p:spPr bwMode="auto">
           <a:xfrm>
-            <a:off x="1502786" y="1492990"/>
-            <a:ext cx="5706380" cy="3899359"/>
+            <a:off x="467544" y="1492989"/>
+            <a:ext cx="5472608" cy="3739615"/>
           </a:xfrm>
           <a:prstGeom prst="rect">
             <a:avLst/>
@@ -9612,6 +12500,140 @@
           </a:extLst>
         </p:spPr>
       </p:pic>
+      <p:cxnSp>
+        <p:nvCxnSpPr>
+          <p:cNvPr id="3" name="직선 화살표 연결선 2"/>
+          <p:cNvCxnSpPr/>
+          <p:nvPr/>
+        </p:nvCxnSpPr>
+        <p:spPr>
+          <a:xfrm>
+            <a:off x="6156176" y="1492989"/>
+            <a:ext cx="0" cy="3739615"/>
+          </a:xfrm>
+          <a:prstGeom prst="straightConnector1">
+            <a:avLst/>
+          </a:prstGeom>
+          <a:ln w="25400">
+            <a:solidFill>
+              <a:schemeClr val="tx1"/>
+            </a:solidFill>
+            <a:headEnd type="arrow"/>
+            <a:tailEnd type="arrow"/>
+          </a:ln>
+        </p:spPr>
+        <p:style>
+          <a:lnRef idx="1">
+            <a:schemeClr val="accent1"/>
+          </a:lnRef>
+          <a:fillRef idx="0">
+            <a:schemeClr val="accent1"/>
+          </a:fillRef>
+          <a:effectRef idx="0">
+            <a:schemeClr val="accent1"/>
+          </a:effectRef>
+          <a:fontRef idx="minor">
+            <a:schemeClr val="tx1"/>
+          </a:fontRef>
+        </p:style>
+      </p:cxnSp>
+      <p:sp>
+        <p:nvSpPr>
+          <p:cNvPr id="6" name="TextBox 5"/>
+          <p:cNvSpPr txBox="1"/>
+          <p:nvPr/>
+        </p:nvSpPr>
+        <p:spPr>
+          <a:xfrm>
+            <a:off x="6228184" y="3068960"/>
+            <a:ext cx="962123" cy="369332"/>
+          </a:xfrm>
+          <a:prstGeom prst="rect">
+            <a:avLst/>
+          </a:prstGeom>
+          <a:noFill/>
+        </p:spPr>
+        <p:txBody>
+          <a:bodyPr wrap="none" rtlCol="0">
+            <a:spAutoFit/>
+          </a:bodyPr>
+          <a:lstStyle/>
+          <a:p>
+            <a:r>
+              <a:rPr lang="en-US" altLang="ko-KR" dirty="0" smtClean="0"/>
+              <a:t>19UNIT</a:t>
+            </a:r>
+            <a:endParaRPr lang="ko-KR" altLang="en-US" dirty="0"/>
+          </a:p>
+        </p:txBody>
+      </p:sp>
+      <p:sp>
+        <p:nvSpPr>
+          <p:cNvPr id="16" name="TextBox 15"/>
+          <p:cNvSpPr txBox="1"/>
+          <p:nvPr/>
+        </p:nvSpPr>
+        <p:spPr>
+          <a:xfrm>
+            <a:off x="2578770" y="5398604"/>
+            <a:ext cx="962123" cy="369332"/>
+          </a:xfrm>
+          <a:prstGeom prst="rect">
+            <a:avLst/>
+          </a:prstGeom>
+          <a:noFill/>
+        </p:spPr>
+        <p:txBody>
+          <a:bodyPr wrap="none" rtlCol="0">
+            <a:spAutoFit/>
+          </a:bodyPr>
+          <a:lstStyle/>
+          <a:p>
+            <a:r>
+              <a:rPr lang="en-US" altLang="ko-KR" dirty="0" smtClean="0"/>
+              <a:t>26UNIT</a:t>
+            </a:r>
+            <a:endParaRPr lang="ko-KR" altLang="en-US" dirty="0"/>
+          </a:p>
+        </p:txBody>
+      </p:sp>
+      <p:cxnSp>
+        <p:nvCxnSpPr>
+          <p:cNvPr id="10" name="직선 화살표 연결선 9"/>
+          <p:cNvCxnSpPr/>
+          <p:nvPr/>
+        </p:nvCxnSpPr>
+        <p:spPr>
+          <a:xfrm>
+            <a:off x="467544" y="5398604"/>
+            <a:ext cx="5544616" cy="0"/>
+          </a:xfrm>
+          <a:prstGeom prst="straightConnector1">
+            <a:avLst/>
+          </a:prstGeom>
+          <a:ln w="25400">
+            <a:solidFill>
+              <a:schemeClr val="tx1"/>
+            </a:solidFill>
+            <a:headEnd type="arrow"/>
+            <a:tailEnd type="arrow"/>
+          </a:ln>
+        </p:spPr>
+        <p:style>
+          <a:lnRef idx="1">
+            <a:schemeClr val="accent1"/>
+          </a:lnRef>
+          <a:fillRef idx="0">
+            <a:schemeClr val="accent1"/>
+          </a:fillRef>
+          <a:effectRef idx="0">
+            <a:schemeClr val="accent1"/>
+          </a:effectRef>
+          <a:fontRef idx="minor">
+            <a:schemeClr val="tx1"/>
+          </a:fontRef>
+        </p:style>
+      </p:cxnSp>
     </p:spTree>
     <p:extLst>
       <p:ext uri="{BB962C8B-B14F-4D97-AF65-F5344CB8AC3E}">
@@ -9965,6 +12987,153 @@
           </a:p>
         </p:txBody>
       </p:sp>
+      <p:pic>
+        <p:nvPicPr>
+          <p:cNvPr id="1027" name="Picture 3" descr="C:\Users\JHE\Desktop\게이지바.jpg"/>
+          <p:cNvPicPr>
+            <a:picLocks noChangeAspect="1" noChangeArrowheads="1"/>
+          </p:cNvPicPr>
+          <p:nvPr/>
+        </p:nvPicPr>
+        <p:blipFill>
+          <a:blip r:embed="rId3">
+            <a:extLst>
+              <a:ext uri="{28A0092B-C50C-407E-A947-70E740481C1C}">
+                <a14:useLocalDpi xmlns:a14="http://schemas.microsoft.com/office/drawing/2010/main" val="0"/>
+              </a:ext>
+            </a:extLst>
+          </a:blip>
+          <a:srcRect/>
+          <a:stretch>
+            <a:fillRect/>
+          </a:stretch>
+        </p:blipFill>
+        <p:spPr bwMode="auto">
+          <a:xfrm>
+            <a:off x="2123728" y="2651944"/>
+            <a:ext cx="4663431" cy="1410688"/>
+          </a:xfrm>
+          <a:prstGeom prst="rect">
+            <a:avLst/>
+          </a:prstGeom>
+          <a:noFill/>
+          <a:extLst>
+            <a:ext uri="{909E8E84-426E-40DD-AFC4-6F175D3DCCD1}">
+              <a14:hiddenFill xmlns:a14="http://schemas.microsoft.com/office/drawing/2010/main">
+                <a:solidFill>
+                  <a:srgbClr val="FFFFFF"/>
+                </a:solidFill>
+              </a14:hiddenFill>
+            </a:ext>
+          </a:extLst>
+        </p:spPr>
+      </p:pic>
+      <p:sp>
+        <p:nvSpPr>
+          <p:cNvPr id="6" name="TextBox 5"/>
+          <p:cNvSpPr txBox="1"/>
+          <p:nvPr/>
+        </p:nvSpPr>
+        <p:spPr>
+          <a:xfrm>
+            <a:off x="906678" y="1920197"/>
+            <a:ext cx="2436886" cy="369332"/>
+          </a:xfrm>
+          <a:prstGeom prst="rect">
+            <a:avLst/>
+          </a:prstGeom>
+          <a:noFill/>
+        </p:spPr>
+        <p:txBody>
+          <a:bodyPr wrap="none" rtlCol="0">
+            <a:spAutoFit/>
+          </a:bodyPr>
+          <a:lstStyle/>
+          <a:p>
+            <a:r>
+              <a:rPr lang="en-US" altLang="ko-KR" b="1" dirty="0" smtClean="0"/>
+              <a:t>1. </a:t>
+            </a:r>
+            <a:r>
+              <a:rPr lang="ko-KR" altLang="en-US" b="1" dirty="0" smtClean="0"/>
+              <a:t>타임어택 </a:t>
+            </a:r>
+            <a:r>
+              <a:rPr lang="en-US" altLang="ko-KR" b="1" dirty="0" smtClean="0"/>
+              <a:t>&amp; </a:t>
+            </a:r>
+            <a:r>
+              <a:rPr lang="ko-KR" altLang="en-US" b="1" dirty="0" smtClean="0"/>
+              <a:t>내구도</a:t>
+            </a:r>
+            <a:endParaRPr lang="ko-KR" altLang="en-US" b="1" dirty="0"/>
+          </a:p>
+        </p:txBody>
+      </p:sp>
+      <p:sp>
+        <p:nvSpPr>
+          <p:cNvPr id="7" name="TextBox 6"/>
+          <p:cNvSpPr txBox="1"/>
+          <p:nvPr/>
+        </p:nvSpPr>
+        <p:spPr>
+          <a:xfrm>
+            <a:off x="1187624" y="4797152"/>
+            <a:ext cx="6011582" cy="923330"/>
+          </a:xfrm>
+          <a:prstGeom prst="rect">
+            <a:avLst/>
+          </a:prstGeom>
+          <a:noFill/>
+        </p:spPr>
+        <p:txBody>
+          <a:bodyPr wrap="none" rtlCol="0">
+            <a:spAutoFit/>
+          </a:bodyPr>
+          <a:lstStyle/>
+          <a:p>
+            <a:r>
+              <a:rPr lang="en-US" altLang="ko-KR" dirty="0" smtClean="0"/>
+              <a:t>- </a:t>
+            </a:r>
+            <a:r>
+              <a:rPr lang="ko-KR" altLang="en-US" dirty="0" smtClean="0"/>
+              <a:t>태엽인형의 </a:t>
+            </a:r>
+            <a:r>
+              <a:rPr lang="ko-KR" altLang="en-US" dirty="0" err="1" smtClean="0"/>
+              <a:t>컨셉에</a:t>
+            </a:r>
+            <a:r>
+              <a:rPr lang="ko-KR" altLang="en-US" dirty="0" smtClean="0"/>
+              <a:t> 맞춰</a:t>
+            </a:r>
+            <a:r>
+              <a:rPr lang="en-US" altLang="ko-KR" dirty="0"/>
+              <a:t> </a:t>
+            </a:r>
+            <a:r>
+              <a:rPr lang="ko-KR" altLang="en-US" dirty="0" smtClean="0"/>
+              <a:t>태엽이 감겨 있는 시간이 제한</a:t>
+            </a:r>
+            <a:endParaRPr lang="en-US" altLang="ko-KR" dirty="0" smtClean="0"/>
+          </a:p>
+          <a:p>
+            <a:endParaRPr lang="en-US" altLang="ko-KR" dirty="0"/>
+          </a:p>
+          <a:p>
+            <a:r>
+              <a:rPr lang="en-US" altLang="ko-KR" dirty="0" smtClean="0"/>
+              <a:t>- </a:t>
+            </a:r>
+            <a:r>
+              <a:rPr lang="ko-KR" altLang="en-US" dirty="0" smtClean="0"/>
+              <a:t>인형의 망가짐을 나타내는 내구도가 존재</a:t>
+            </a:r>
+            <a:endParaRPr lang="ko-KR" altLang="en-US" dirty="0"/>
+          </a:p>
+        </p:txBody>
+      </p:sp>
     </p:spTree>
     <p:extLst>
       <p:ext uri="{BB962C8B-B14F-4D97-AF65-F5344CB8AC3E}">
@@ -10073,7 +13242,7 @@
           <a:lstStyle/>
           <a:p>
             <a:r>
-              <a:rPr lang="en-US" altLang="ko-KR" sz="2000" b="1" dirty="0" smtClean="0">
+              <a:rPr lang="en-US" altLang="ko-KR" sz="2000" dirty="0">
                 <a:ln>
                   <a:solidFill>
                     <a:schemeClr val="accent1">
@@ -10081,9 +13250,24 @@
                     </a:schemeClr>
                   </a:solidFill>
                 </a:ln>
-                <a:latin typeface="+mn-ea"/>
-              </a:rPr>
-              <a:t>5/</a:t>
+                <a:latin typeface="나눔고딕 ExtraBold" panose="020D0904000000000000" pitchFamily="50" charset="-127"/>
+                <a:ea typeface="나눔고딕 ExtraBold" panose="020D0904000000000000" pitchFamily="50" charset="-127"/>
+              </a:rPr>
+              <a:t>2</a:t>
+            </a:r>
+            <a:r>
+              <a:rPr lang="en-US" altLang="ko-KR" sz="2000" dirty="0" smtClean="0">
+                <a:ln>
+                  <a:solidFill>
+                    <a:schemeClr val="accent1">
+                      <a:alpha val="0"/>
+                    </a:schemeClr>
+                  </a:solidFill>
+                </a:ln>
+                <a:latin typeface="나눔고딕 ExtraBold" panose="020D0904000000000000" pitchFamily="50" charset="-127"/>
+                <a:ea typeface="나눔고딕 ExtraBold" panose="020D0904000000000000" pitchFamily="50" charset="-127"/>
+              </a:rPr>
+              <a:t>/ </a:t>
             </a:r>
             <a:r>
               <a:rPr lang="ko-KR" altLang="en-US" sz="2000" b="1" dirty="0" smtClean="0">
@@ -10096,7 +13280,7 @@
                 </a:ln>
                 <a:latin typeface="+mn-ea"/>
               </a:rPr>
-              <a:t>출처</a:t>
+              <a:t>게임플레이</a:t>
             </a:r>
             <a:endParaRPr lang="ko-KR" altLang="en-US" b="1" dirty="0">
               <a:ln>
@@ -10113,14 +13297,243 @@
       </p:sp>
       <p:sp>
         <p:nvSpPr>
+          <p:cNvPr id="2" name="직사각형 1"/>
+          <p:cNvSpPr/>
+          <p:nvPr/>
+        </p:nvSpPr>
+        <p:spPr>
+          <a:xfrm>
+            <a:off x="179512" y="1052736"/>
+            <a:ext cx="8712968" cy="360040"/>
+          </a:xfrm>
+          <a:prstGeom prst="rect">
+            <a:avLst/>
+          </a:prstGeom>
+          <a:solidFill>
+            <a:schemeClr val="bg1">
+              <a:lumMod val="65000"/>
+            </a:schemeClr>
+          </a:solidFill>
+          <a:ln>
+            <a:noFill/>
+          </a:ln>
+        </p:spPr>
+        <p:style>
+          <a:lnRef idx="2">
+            <a:schemeClr val="accent1">
+              <a:shade val="50000"/>
+            </a:schemeClr>
+          </a:lnRef>
+          <a:fillRef idx="1">
+            <a:schemeClr val="accent1"/>
+          </a:fillRef>
+          <a:effectRef idx="0">
+            <a:schemeClr val="accent1"/>
+          </a:effectRef>
+          <a:fontRef idx="minor">
+            <a:schemeClr val="lt1"/>
+          </a:fontRef>
+        </p:style>
+        <p:txBody>
+          <a:bodyPr rtlCol="0" anchor="ctr"/>
+          <a:lstStyle/>
+          <a:p>
+            <a:pPr algn="ctr"/>
+            <a:endParaRPr lang="ko-KR" altLang="en-US"/>
+          </a:p>
+        </p:txBody>
+      </p:sp>
+      <p:sp>
+        <p:nvSpPr>
+          <p:cNvPr id="8" name="직사각형 7"/>
+          <p:cNvSpPr/>
+          <p:nvPr/>
+        </p:nvSpPr>
+        <p:spPr>
+          <a:xfrm>
+            <a:off x="185119" y="6704275"/>
+            <a:ext cx="8707361" cy="45719"/>
+          </a:xfrm>
+          <a:prstGeom prst="rect">
+            <a:avLst/>
+          </a:prstGeom>
+          <a:solidFill>
+            <a:schemeClr val="bg1">
+              <a:lumMod val="65000"/>
+            </a:schemeClr>
+          </a:solidFill>
+          <a:ln>
+            <a:noFill/>
+          </a:ln>
+        </p:spPr>
+        <p:style>
+          <a:lnRef idx="2">
+            <a:schemeClr val="accent1">
+              <a:shade val="50000"/>
+            </a:schemeClr>
+          </a:lnRef>
+          <a:fillRef idx="1">
+            <a:schemeClr val="accent1"/>
+          </a:fillRef>
+          <a:effectRef idx="0">
+            <a:schemeClr val="accent1"/>
+          </a:effectRef>
+          <a:fontRef idx="minor">
+            <a:schemeClr val="lt1"/>
+          </a:fontRef>
+        </p:style>
+        <p:txBody>
+          <a:bodyPr rtlCol="0" anchor="ctr"/>
+          <a:lstStyle/>
+          <a:p>
+            <a:pPr algn="ctr"/>
+            <a:endParaRPr lang="ko-KR" altLang="en-US"/>
+          </a:p>
+        </p:txBody>
+      </p:sp>
+      <p:sp>
+        <p:nvSpPr>
+          <p:cNvPr id="3" name="직사각형 2"/>
+          <p:cNvSpPr/>
+          <p:nvPr/>
+        </p:nvSpPr>
+        <p:spPr>
+          <a:xfrm>
+            <a:off x="185119" y="1383897"/>
+            <a:ext cx="45719" cy="5357470"/>
+          </a:xfrm>
+          <a:prstGeom prst="rect">
+            <a:avLst/>
+          </a:prstGeom>
+          <a:solidFill>
+            <a:schemeClr val="bg1">
+              <a:lumMod val="65000"/>
+            </a:schemeClr>
+          </a:solidFill>
+          <a:ln>
+            <a:noFill/>
+          </a:ln>
+        </p:spPr>
+        <p:style>
+          <a:lnRef idx="2">
+            <a:schemeClr val="accent1">
+              <a:shade val="50000"/>
+            </a:schemeClr>
+          </a:lnRef>
+          <a:fillRef idx="1">
+            <a:schemeClr val="accent1"/>
+          </a:fillRef>
+          <a:effectRef idx="0">
+            <a:schemeClr val="accent1"/>
+          </a:effectRef>
+          <a:fontRef idx="minor">
+            <a:schemeClr val="lt1"/>
+          </a:fontRef>
+        </p:style>
+        <p:txBody>
+          <a:bodyPr rtlCol="0" anchor="ctr"/>
+          <a:lstStyle/>
+          <a:p>
+            <a:pPr algn="ctr"/>
+            <a:endParaRPr lang="ko-KR" altLang="en-US"/>
+          </a:p>
+        </p:txBody>
+      </p:sp>
+      <p:sp>
+        <p:nvSpPr>
+          <p:cNvPr id="10" name="직사각형 9"/>
+          <p:cNvSpPr/>
+          <p:nvPr/>
+        </p:nvSpPr>
+        <p:spPr>
+          <a:xfrm>
+            <a:off x="8846761" y="1394116"/>
+            <a:ext cx="45719" cy="5357470"/>
+          </a:xfrm>
+          <a:prstGeom prst="rect">
+            <a:avLst/>
+          </a:prstGeom>
+          <a:solidFill>
+            <a:schemeClr val="bg1">
+              <a:lumMod val="65000"/>
+            </a:schemeClr>
+          </a:solidFill>
+          <a:ln>
+            <a:noFill/>
+          </a:ln>
+        </p:spPr>
+        <p:style>
+          <a:lnRef idx="2">
+            <a:schemeClr val="accent1">
+              <a:shade val="50000"/>
+            </a:schemeClr>
+          </a:lnRef>
+          <a:fillRef idx="1">
+            <a:schemeClr val="accent1"/>
+          </a:fillRef>
+          <a:effectRef idx="0">
+            <a:schemeClr val="accent1"/>
+          </a:effectRef>
+          <a:fontRef idx="minor">
+            <a:schemeClr val="lt1"/>
+          </a:fontRef>
+        </p:style>
+        <p:txBody>
+          <a:bodyPr rtlCol="0" anchor="ctr"/>
+          <a:lstStyle/>
+          <a:p>
+            <a:pPr algn="ctr"/>
+            <a:endParaRPr lang="ko-KR" altLang="en-US"/>
+          </a:p>
+        </p:txBody>
+      </p:sp>
+      <p:sp>
+        <p:nvSpPr>
           <p:cNvPr id="6" name="TextBox 5"/>
           <p:cNvSpPr txBox="1"/>
           <p:nvPr/>
         </p:nvSpPr>
         <p:spPr>
           <a:xfrm>
-            <a:off x="539552" y="1243407"/>
-            <a:ext cx="8280920" cy="2123658"/>
+            <a:off x="827584" y="1772815"/>
+            <a:ext cx="1152880" cy="646331"/>
+          </a:xfrm>
+          <a:prstGeom prst="rect">
+            <a:avLst/>
+          </a:prstGeom>
+          <a:noFill/>
+        </p:spPr>
+        <p:txBody>
+          <a:bodyPr wrap="none" rtlCol="0">
+            <a:spAutoFit/>
+          </a:bodyPr>
+          <a:lstStyle/>
+          <a:p>
+            <a:r>
+              <a:rPr lang="en-US" altLang="ko-KR" b="1" dirty="0" smtClean="0"/>
+              <a:t>2. </a:t>
+            </a:r>
+            <a:r>
+              <a:rPr lang="ko-KR" altLang="en-US" b="1" dirty="0" smtClean="0"/>
+              <a:t>오르기</a:t>
+            </a:r>
+            <a:endParaRPr lang="en-US" altLang="ko-KR" b="1" dirty="0" smtClean="0"/>
+          </a:p>
+          <a:p>
+            <a:endParaRPr lang="ko-KR" altLang="en-US" b="1" dirty="0"/>
+          </a:p>
+        </p:txBody>
+      </p:sp>
+      <p:sp>
+        <p:nvSpPr>
+          <p:cNvPr id="7" name="TextBox 6"/>
+          <p:cNvSpPr txBox="1"/>
+          <p:nvPr/>
+        </p:nvSpPr>
+        <p:spPr>
+          <a:xfrm>
+            <a:off x="1115616" y="5805264"/>
+            <a:ext cx="7056783" cy="646331"/>
           </a:xfrm>
           <a:prstGeom prst="rect">
             <a:avLst/>
@@ -10133,349 +13546,127 @@
           </a:bodyPr>
           <a:lstStyle/>
           <a:p>
-            <a:r>
-              <a:rPr lang="ko-KR" altLang="en-US" sz="1100" b="1" dirty="0" smtClean="0">
-                <a:ln>
-                  <a:solidFill>
-                    <a:schemeClr val="accent1">
-                      <a:alpha val="0"/>
-                    </a:schemeClr>
-                  </a:solidFill>
-                </a:ln>
-                <a:latin typeface="+mn-ea"/>
-              </a:rPr>
-              <a:t>관절인형</a:t>
-            </a:r>
-            <a:endParaRPr lang="en-US" altLang="ko-KR" sz="1100" b="1" dirty="0" smtClean="0">
-              <a:ln>
+            <a:pPr marL="285750" indent="-285750">
+              <a:buFontTx/>
+              <a:buChar char="-"/>
+            </a:pPr>
+            <a:r>
+              <a:rPr lang="ko-KR" altLang="en-US" dirty="0" smtClean="0"/>
+              <a:t>출구로 향하기 위해 </a:t>
+            </a:r>
+            <a:r>
+              <a:rPr lang="en-US" altLang="ko-KR" dirty="0" smtClean="0"/>
+              <a:t>&amp; </a:t>
+            </a:r>
+            <a:r>
+              <a:rPr lang="ko-KR" altLang="en-US" dirty="0" err="1" smtClean="0"/>
+              <a:t>몬스터에</a:t>
+            </a:r>
+            <a:r>
+              <a:rPr lang="ko-KR" altLang="en-US" dirty="0" smtClean="0"/>
+              <a:t> 공격을 피하기 위해 스테이지에 놓인 장애물을 넘고</a:t>
+            </a:r>
+            <a:r>
+              <a:rPr lang="en-US" altLang="ko-KR" dirty="0" smtClean="0"/>
+              <a:t>, </a:t>
+            </a:r>
+            <a:r>
+              <a:rPr lang="ko-KR" altLang="en-US" dirty="0" smtClean="0"/>
+              <a:t>올라가야 한다</a:t>
+            </a:r>
+            <a:r>
+              <a:rPr lang="en-US" altLang="ko-KR" dirty="0" smtClean="0"/>
+              <a:t>.</a:t>
+            </a:r>
+          </a:p>
+        </p:txBody>
+      </p:sp>
+      <p:pic>
+        <p:nvPicPr>
+          <p:cNvPr id="2050" name="Picture 2" descr="C:\Users\JHE\Desktop\리틀 나이트메어.jpg"/>
+          <p:cNvPicPr>
+            <a:picLocks noChangeAspect="1" noChangeArrowheads="1"/>
+          </p:cNvPicPr>
+          <p:nvPr/>
+        </p:nvPicPr>
+        <p:blipFill>
+          <a:blip r:embed="rId3" cstate="print">
+            <a:extLst>
+              <a:ext uri="{28A0092B-C50C-407E-A947-70E740481C1C}">
+                <a14:useLocalDpi xmlns:a14="http://schemas.microsoft.com/office/drawing/2010/main" val="0"/>
+              </a:ext>
+            </a:extLst>
+          </a:blip>
+          <a:srcRect/>
+          <a:stretch>
+            <a:fillRect/>
+          </a:stretch>
+        </p:blipFill>
+        <p:spPr bwMode="auto">
+          <a:xfrm>
+            <a:off x="1115616" y="2276872"/>
+            <a:ext cx="4652017" cy="2520280"/>
+          </a:xfrm>
+          <a:prstGeom prst="rect">
+            <a:avLst/>
+          </a:prstGeom>
+          <a:noFill/>
+          <a:extLst>
+            <a:ext uri="{909E8E84-426E-40DD-AFC4-6F175D3DCCD1}">
+              <a14:hiddenFill xmlns:a14="http://schemas.microsoft.com/office/drawing/2010/main">
                 <a:solidFill>
-                  <a:schemeClr val="accent1">
-                    <a:alpha val="0"/>
-                  </a:schemeClr>
+                  <a:srgbClr val="FFFFFF"/>
                 </a:solidFill>
-              </a:ln>
-              <a:latin typeface="+mn-ea"/>
-            </a:endParaRPr>
-          </a:p>
-          <a:p>
-            <a:r>
-              <a:rPr lang="en-US" altLang="ko-KR" sz="1100" dirty="0">
-                <a:ln>
-                  <a:solidFill>
-                    <a:schemeClr val="accent1">
-                      <a:alpha val="0"/>
-                    </a:schemeClr>
-                  </a:solidFill>
-                </a:ln>
-                <a:latin typeface="+mn-ea"/>
-              </a:rPr>
-              <a:t> -http://www.ebay.es/itm/Robot-Time-Reloj-Despertador-ROJO-negro-con-Analogico-Pantalla-Retro-/</a:t>
-            </a:r>
-            <a:r>
-              <a:rPr lang="en-US" altLang="ko-KR" sz="1100" dirty="0" smtClean="0">
-                <a:ln>
-                  <a:solidFill>
-                    <a:schemeClr val="accent1">
-                      <a:alpha val="0"/>
-                    </a:schemeClr>
-                  </a:solidFill>
-                </a:ln>
-                <a:latin typeface="+mn-ea"/>
-              </a:rPr>
-              <a:t>311079023040</a:t>
-            </a:r>
-          </a:p>
-          <a:p>
-            <a:endParaRPr lang="en-US" altLang="ko-KR" sz="1100" dirty="0">
-              <a:ln>
+              </a14:hiddenFill>
+            </a:ext>
+          </a:extLst>
+        </p:spPr>
+      </p:pic>
+      <p:pic>
+        <p:nvPicPr>
+          <p:cNvPr id="2051" name="Picture 3" descr="C:\Users\JHE\Desktop\%B8%AEƲ%B3%AA%C0%CCƮ%B8޾%EE_2_mp4_000225_807.jpg"/>
+          <p:cNvPicPr>
+            <a:picLocks noChangeAspect="1" noChangeArrowheads="1"/>
+          </p:cNvPicPr>
+          <p:nvPr/>
+        </p:nvPicPr>
+        <p:blipFill>
+          <a:blip r:embed="rId4" cstate="print">
+            <a:extLst>
+              <a:ext uri="{28A0092B-C50C-407E-A947-70E740481C1C}">
+                <a14:useLocalDpi xmlns:a14="http://schemas.microsoft.com/office/drawing/2010/main" val="0"/>
+              </a:ext>
+            </a:extLst>
+          </a:blip>
+          <a:srcRect/>
+          <a:stretch>
+            <a:fillRect/>
+          </a:stretch>
+        </p:blipFill>
+        <p:spPr bwMode="auto">
+          <a:xfrm>
+            <a:off x="4067943" y="3212976"/>
+            <a:ext cx="4352483" cy="2448272"/>
+          </a:xfrm>
+          <a:prstGeom prst="rect">
+            <a:avLst/>
+          </a:prstGeom>
+          <a:noFill/>
+          <a:extLst>
+            <a:ext uri="{909E8E84-426E-40DD-AFC4-6F175D3DCCD1}">
+              <a14:hiddenFill xmlns:a14="http://schemas.microsoft.com/office/drawing/2010/main">
                 <a:solidFill>
-                  <a:schemeClr val="accent1">
-                    <a:alpha val="0"/>
-                  </a:schemeClr>
+                  <a:srgbClr val="FFFFFF"/>
                 </a:solidFill>
-              </a:ln>
-              <a:latin typeface="+mn-ea"/>
-            </a:endParaRPr>
-          </a:p>
-          <a:p>
-            <a:r>
-              <a:rPr lang="ko-KR" altLang="en-US" sz="1100" b="1" dirty="0" smtClean="0">
-                <a:ln>
-                  <a:solidFill>
-                    <a:schemeClr val="accent1">
-                      <a:alpha val="0"/>
-                    </a:schemeClr>
-                  </a:solidFill>
-                </a:ln>
-                <a:latin typeface="+mn-ea"/>
-              </a:rPr>
-              <a:t>로봇인형</a:t>
-            </a:r>
-            <a:endParaRPr lang="en-US" altLang="ko-KR" sz="1100" b="1" dirty="0" smtClean="0">
-              <a:ln>
-                <a:solidFill>
-                  <a:schemeClr val="accent1">
-                    <a:alpha val="0"/>
-                  </a:schemeClr>
-                </a:solidFill>
-              </a:ln>
-              <a:latin typeface="+mn-ea"/>
-            </a:endParaRPr>
-          </a:p>
-          <a:p>
-            <a:r>
-              <a:rPr lang="en-US" altLang="ko-KR" sz="1100" dirty="0">
-                <a:ln>
-                  <a:solidFill>
-                    <a:schemeClr val="accent1">
-                      <a:alpha val="0"/>
-                    </a:schemeClr>
-                  </a:solidFill>
-                </a:ln>
-                <a:latin typeface="+mn-ea"/>
-              </a:rPr>
-              <a:t> -http://www.ebay.es/itm/Robot-Time-Reloj-Despertador-ROJO-negro-con-Analogico-Pantalla-Retro-/</a:t>
-            </a:r>
-            <a:r>
-              <a:rPr lang="en-US" altLang="ko-KR" sz="1100" dirty="0" smtClean="0">
-                <a:ln>
-                  <a:solidFill>
-                    <a:schemeClr val="accent1">
-                      <a:alpha val="0"/>
-                    </a:schemeClr>
-                  </a:solidFill>
-                </a:ln>
-                <a:latin typeface="+mn-ea"/>
-              </a:rPr>
-              <a:t>311079023040</a:t>
-            </a:r>
-          </a:p>
-          <a:p>
-            <a:endParaRPr lang="en-US" altLang="ko-KR" sz="1100" dirty="0">
-              <a:ln>
-                <a:solidFill>
-                  <a:schemeClr val="accent1">
-                    <a:alpha val="0"/>
-                  </a:schemeClr>
-                </a:solidFill>
-              </a:ln>
-              <a:latin typeface="+mn-ea"/>
-            </a:endParaRPr>
-          </a:p>
-          <a:p>
-            <a:r>
-              <a:rPr lang="ko-KR" altLang="en-US" sz="1100" b="1" dirty="0" smtClean="0">
-                <a:ln>
-                  <a:solidFill>
-                    <a:schemeClr val="accent1">
-                      <a:alpha val="0"/>
-                    </a:schemeClr>
-                  </a:solidFill>
-                </a:ln>
-                <a:latin typeface="+mn-ea"/>
-              </a:rPr>
-              <a:t>태엽</a:t>
-            </a:r>
-            <a:endParaRPr lang="en-US" altLang="ko-KR" sz="1100" b="1" dirty="0" smtClean="0">
-              <a:ln>
-                <a:solidFill>
-                  <a:schemeClr val="accent1">
-                    <a:alpha val="0"/>
-                  </a:schemeClr>
-                </a:solidFill>
-              </a:ln>
-              <a:latin typeface="+mn-ea"/>
-            </a:endParaRPr>
-          </a:p>
-          <a:p>
-            <a:r>
-              <a:rPr lang="en-US" altLang="ko-KR" sz="1100" dirty="0">
-                <a:ln>
-                  <a:solidFill>
-                    <a:schemeClr val="accent1">
-                      <a:alpha val="0"/>
-                    </a:schemeClr>
-                  </a:solidFill>
-                </a:ln>
-                <a:latin typeface="+mn-ea"/>
-              </a:rPr>
-              <a:t> -http://free-3d-textures.com/</a:t>
-            </a:r>
-            <a:r>
-              <a:rPr lang="en-US" altLang="ko-KR" sz="1100" dirty="0" err="1">
-                <a:ln>
-                  <a:solidFill>
-                    <a:schemeClr val="accent1">
-                      <a:alpha val="0"/>
-                    </a:schemeClr>
-                  </a:solidFill>
-                </a:ln>
-                <a:latin typeface="+mn-ea"/>
-              </a:rPr>
-              <a:t>png</a:t>
-            </a:r>
-            <a:r>
-              <a:rPr lang="en-US" altLang="ko-KR" sz="1100" dirty="0">
-                <a:ln>
-                  <a:solidFill>
-                    <a:schemeClr val="accent1">
-                      <a:alpha val="0"/>
-                    </a:schemeClr>
-                  </a:solidFill>
-                </a:ln>
-                <a:latin typeface="+mn-ea"/>
-              </a:rPr>
-              <a:t>/</a:t>
-            </a:r>
-            <a:r>
-              <a:rPr lang="en-US" altLang="ko-KR" sz="1100" dirty="0" err="1">
-                <a:ln>
-                  <a:solidFill>
-                    <a:schemeClr val="accent1">
-                      <a:alpha val="0"/>
-                    </a:schemeClr>
-                  </a:solidFill>
-                </a:ln>
-                <a:latin typeface="+mn-ea"/>
-              </a:rPr>
-              <a:t>png</a:t>
-            </a:r>
-            <a:r>
-              <a:rPr lang="en-US" altLang="ko-KR" sz="1100" dirty="0">
-                <a:ln>
-                  <a:solidFill>
-                    <a:schemeClr val="accent1">
-                      <a:alpha val="0"/>
-                    </a:schemeClr>
-                  </a:solidFill>
-                </a:ln>
-                <a:latin typeface="+mn-ea"/>
-              </a:rPr>
-              <a:t>-</a:t>
-            </a:r>
-            <a:r>
-              <a:rPr lang="en-US" altLang="ko-KR" sz="1100" dirty="0" err="1">
-                <a:ln>
-                  <a:solidFill>
-                    <a:schemeClr val="accent1">
-                      <a:alpha val="0"/>
-                    </a:schemeClr>
-                  </a:solidFill>
-                </a:ln>
-                <a:latin typeface="+mn-ea"/>
-              </a:rPr>
-              <a:t>miscellanous</a:t>
-            </a:r>
-            <a:r>
-              <a:rPr lang="en-US" altLang="ko-KR" sz="1100" dirty="0">
-                <a:ln>
-                  <a:solidFill>
-                    <a:schemeClr val="accent1">
-                      <a:alpha val="0"/>
-                    </a:schemeClr>
-                  </a:solidFill>
-                </a:ln>
-                <a:latin typeface="+mn-ea"/>
-              </a:rPr>
-              <a:t>-stuff/</a:t>
-            </a:r>
-          </a:p>
-          <a:p>
-            <a:endParaRPr lang="en-US" altLang="ko-KR" sz="1100" dirty="0" smtClean="0">
-              <a:ln>
-                <a:solidFill>
-                  <a:schemeClr val="accent1">
-                    <a:alpha val="0"/>
-                  </a:schemeClr>
-                </a:solidFill>
-              </a:ln>
-              <a:latin typeface="+mn-ea"/>
-            </a:endParaRPr>
-          </a:p>
-          <a:p>
-            <a:r>
-              <a:rPr lang="ko-KR" altLang="en-US" sz="1100" b="1" dirty="0" err="1" smtClean="0">
-                <a:ln>
-                  <a:solidFill>
-                    <a:schemeClr val="accent1">
-                      <a:alpha val="0"/>
-                    </a:schemeClr>
-                  </a:solidFill>
-                </a:ln>
-                <a:latin typeface="+mn-ea"/>
-              </a:rPr>
-              <a:t>리틀</a:t>
-            </a:r>
-            <a:r>
-              <a:rPr lang="ko-KR" altLang="en-US" sz="1100" b="1" dirty="0" smtClean="0">
-                <a:ln>
-                  <a:solidFill>
-                    <a:schemeClr val="accent1">
-                      <a:alpha val="0"/>
-                    </a:schemeClr>
-                  </a:solidFill>
-                </a:ln>
-                <a:latin typeface="+mn-ea"/>
-              </a:rPr>
-              <a:t> </a:t>
-            </a:r>
-            <a:r>
-              <a:rPr lang="ko-KR" altLang="en-US" sz="1100" b="1" dirty="0" err="1" smtClean="0">
-                <a:ln>
-                  <a:solidFill>
-                    <a:schemeClr val="accent1">
-                      <a:alpha val="0"/>
-                    </a:schemeClr>
-                  </a:solidFill>
-                </a:ln>
-                <a:latin typeface="+mn-ea"/>
-              </a:rPr>
-              <a:t>나이트메어</a:t>
-            </a:r>
-            <a:endParaRPr lang="en-US" altLang="ko-KR" sz="1100" b="1" dirty="0" smtClean="0">
-              <a:ln>
-                <a:solidFill>
-                  <a:schemeClr val="accent1">
-                    <a:alpha val="0"/>
-                  </a:schemeClr>
-                </a:solidFill>
-              </a:ln>
-              <a:latin typeface="+mn-ea"/>
-            </a:endParaRPr>
-          </a:p>
-          <a:p>
-            <a:r>
-              <a:rPr lang="en-US" altLang="ko-KR" sz="1100" dirty="0">
-                <a:ln>
-                  <a:solidFill>
-                    <a:schemeClr val="accent1">
-                      <a:alpha val="0"/>
-                    </a:schemeClr>
-                  </a:solidFill>
-                </a:ln>
-                <a:latin typeface="+mn-ea"/>
-              </a:rPr>
-              <a:t> -http://blog.naver.com/ps3player/220934403639</a:t>
-            </a:r>
-          </a:p>
-          <a:p>
-            <a:endParaRPr lang="ko-KR" altLang="en-US" sz="1100" dirty="0">
-              <a:ln>
-                <a:solidFill>
-                  <a:schemeClr val="accent1">
-                    <a:alpha val="0"/>
-                  </a:schemeClr>
-                </a:solidFill>
-              </a:ln>
-              <a:latin typeface="+mn-ea"/>
-            </a:endParaRPr>
-          </a:p>
-        </p:txBody>
-      </p:sp>
+              </a14:hiddenFill>
+            </a:ext>
+          </a:extLst>
+        </p:spPr>
+      </p:pic>
     </p:spTree>
     <p:extLst>
       <p:ext uri="{BB962C8B-B14F-4D97-AF65-F5344CB8AC3E}">
-        <p14:creationId xmlns:p14="http://schemas.microsoft.com/office/powerpoint/2010/main" val="3402519836"/>
+        <p14:creationId xmlns:p14="http://schemas.microsoft.com/office/powerpoint/2010/main" val="2529855408"/>
       </p:ext>
     </p:extLst>
   </p:cSld>

--- a/기획문서/게임 제안서.pptx
+++ b/기획문서/게임 제안서.pptx
@@ -5,7 +5,7 @@
     <p:sldMasterId id="2147483648" r:id="rId1"/>
   </p:sldMasterIdLst>
   <p:notesMasterIdLst>
-    <p:notesMasterId r:id="rId17"/>
+    <p:notesMasterId r:id="rId19"/>
   </p:notesMasterIdLst>
   <p:sldIdLst>
     <p:sldId id="257" r:id="rId2"/>
@@ -17,24 +17,26 @@
     <p:sldId id="265" r:id="rId8"/>
     <p:sldId id="269" r:id="rId9"/>
     <p:sldId id="270" r:id="rId10"/>
-    <p:sldId id="271" r:id="rId11"/>
-    <p:sldId id="274" r:id="rId12"/>
-    <p:sldId id="272" r:id="rId13"/>
-    <p:sldId id="266" r:id="rId14"/>
-    <p:sldId id="273" r:id="rId15"/>
-    <p:sldId id="263" r:id="rId16"/>
+    <p:sldId id="275" r:id="rId11"/>
+    <p:sldId id="271" r:id="rId12"/>
+    <p:sldId id="274" r:id="rId13"/>
+    <p:sldId id="272" r:id="rId14"/>
+    <p:sldId id="276" r:id="rId15"/>
+    <p:sldId id="266" r:id="rId16"/>
+    <p:sldId id="273" r:id="rId17"/>
+    <p:sldId id="263" r:id="rId18"/>
   </p:sldIdLst>
   <p:sldSz cx="9144000" cy="6858000" type="screen4x3"/>
   <p:notesSz cx="6858000" cy="9144000"/>
   <p:embeddedFontLst>
     <p:embeddedFont>
       <p:font typeface="나눔고딕 ExtraBold" charset="-127"/>
-      <p:bold r:id="rId18"/>
+      <p:bold r:id="rId20"/>
     </p:embeddedFont>
     <p:embeddedFont>
       <p:font typeface="맑은 고딕" pitchFamily="50" charset="-127"/>
-      <p:regular r:id="rId19"/>
-      <p:bold r:id="rId20"/>
+      <p:regular r:id="rId21"/>
+      <p:bold r:id="rId22"/>
     </p:embeddedFont>
   </p:embeddedFontLst>
   <p:defaultTextStyle>
@@ -640,6 +642,170 @@
               <a:rPr lang="ko-KR" altLang="en-US" smtClean="0"/>
               <a:pPr/>
               <a:t>14</a:t>
+            </a:fld>
+            <a:endParaRPr lang="ko-KR" altLang="en-US"/>
+          </a:p>
+        </p:txBody>
+      </p:sp>
+    </p:spTree>
+  </p:cSld>
+  <p:clrMapOvr>
+    <a:masterClrMapping/>
+  </p:clrMapOvr>
+</p:notes>
+</file>
+
+<file path=ppt/notesSlides/notesSlide11.xml><?xml version="1.0" encoding="utf-8"?>
+<p:notes xmlns:a="http://schemas.openxmlformats.org/drawingml/2006/main" xmlns:r="http://schemas.openxmlformats.org/officeDocument/2006/relationships" xmlns:p="http://schemas.openxmlformats.org/presentationml/2006/main">
+  <p:cSld>
+    <p:spTree>
+      <p:nvGrpSpPr>
+        <p:cNvPr id="1" name=""/>
+        <p:cNvGrpSpPr/>
+        <p:nvPr/>
+      </p:nvGrpSpPr>
+      <p:grpSpPr>
+        <a:xfrm>
+          <a:off x="0" y="0"/>
+          <a:ext cx="0" cy="0"/>
+          <a:chOff x="0" y="0"/>
+          <a:chExt cx="0" cy="0"/>
+        </a:xfrm>
+      </p:grpSpPr>
+      <p:sp>
+        <p:nvSpPr>
+          <p:cNvPr id="2" name="슬라이드 이미지 개체 틀 1"/>
+          <p:cNvSpPr>
+            <a:spLocks noGrp="1" noRot="1" noChangeAspect="1"/>
+          </p:cNvSpPr>
+          <p:nvPr>
+            <p:ph type="sldImg"/>
+          </p:nvPr>
+        </p:nvSpPr>
+        <p:spPr/>
+      </p:sp>
+      <p:sp>
+        <p:nvSpPr>
+          <p:cNvPr id="3" name="슬라이드 노트 개체 틀 2"/>
+          <p:cNvSpPr>
+            <a:spLocks noGrp="1"/>
+          </p:cNvSpPr>
+          <p:nvPr>
+            <p:ph type="body" idx="1"/>
+          </p:nvPr>
+        </p:nvSpPr>
+        <p:spPr/>
+        <p:txBody>
+          <a:bodyPr>
+            <a:normAutofit/>
+          </a:bodyPr>
+          <a:lstStyle/>
+          <a:p>
+            <a:endParaRPr lang="ko-KR" altLang="en-US" dirty="0"/>
+          </a:p>
+        </p:txBody>
+      </p:sp>
+      <p:sp>
+        <p:nvSpPr>
+          <p:cNvPr id="4" name="슬라이드 번호 개체 틀 3"/>
+          <p:cNvSpPr>
+            <a:spLocks noGrp="1"/>
+          </p:cNvSpPr>
+          <p:nvPr>
+            <p:ph type="sldNum" sz="quarter" idx="10"/>
+          </p:nvPr>
+        </p:nvSpPr>
+        <p:spPr/>
+        <p:txBody>
+          <a:bodyPr/>
+          <a:lstStyle/>
+          <a:p>
+            <a:fld id="{4A154A2B-6412-4D58-A6C1-BD0167DA1068}" type="slidenum">
+              <a:rPr lang="ko-KR" altLang="en-US" smtClean="0"/>
+              <a:pPr/>
+              <a:t>15</a:t>
+            </a:fld>
+            <a:endParaRPr lang="ko-KR" altLang="en-US"/>
+          </a:p>
+        </p:txBody>
+      </p:sp>
+    </p:spTree>
+  </p:cSld>
+  <p:clrMapOvr>
+    <a:masterClrMapping/>
+  </p:clrMapOvr>
+</p:notes>
+</file>
+
+<file path=ppt/notesSlides/notesSlide12.xml><?xml version="1.0" encoding="utf-8"?>
+<p:notes xmlns:a="http://schemas.openxmlformats.org/drawingml/2006/main" xmlns:r="http://schemas.openxmlformats.org/officeDocument/2006/relationships" xmlns:p="http://schemas.openxmlformats.org/presentationml/2006/main">
+  <p:cSld>
+    <p:spTree>
+      <p:nvGrpSpPr>
+        <p:cNvPr id="1" name=""/>
+        <p:cNvGrpSpPr/>
+        <p:nvPr/>
+      </p:nvGrpSpPr>
+      <p:grpSpPr>
+        <a:xfrm>
+          <a:off x="0" y="0"/>
+          <a:ext cx="0" cy="0"/>
+          <a:chOff x="0" y="0"/>
+          <a:chExt cx="0" cy="0"/>
+        </a:xfrm>
+      </p:grpSpPr>
+      <p:sp>
+        <p:nvSpPr>
+          <p:cNvPr id="2" name="슬라이드 이미지 개체 틀 1"/>
+          <p:cNvSpPr>
+            <a:spLocks noGrp="1" noRot="1" noChangeAspect="1"/>
+          </p:cNvSpPr>
+          <p:nvPr>
+            <p:ph type="sldImg"/>
+          </p:nvPr>
+        </p:nvSpPr>
+        <p:spPr/>
+      </p:sp>
+      <p:sp>
+        <p:nvSpPr>
+          <p:cNvPr id="3" name="슬라이드 노트 개체 틀 2"/>
+          <p:cNvSpPr>
+            <a:spLocks noGrp="1"/>
+          </p:cNvSpPr>
+          <p:nvPr>
+            <p:ph type="body" idx="1"/>
+          </p:nvPr>
+        </p:nvSpPr>
+        <p:spPr/>
+        <p:txBody>
+          <a:bodyPr>
+            <a:normAutofit/>
+          </a:bodyPr>
+          <a:lstStyle/>
+          <a:p>
+            <a:endParaRPr lang="ko-KR" altLang="en-US" dirty="0"/>
+          </a:p>
+        </p:txBody>
+      </p:sp>
+      <p:sp>
+        <p:nvSpPr>
+          <p:cNvPr id="4" name="슬라이드 번호 개체 틀 3"/>
+          <p:cNvSpPr>
+            <a:spLocks noGrp="1"/>
+          </p:cNvSpPr>
+          <p:nvPr>
+            <p:ph type="sldNum" sz="quarter" idx="10"/>
+          </p:nvPr>
+        </p:nvSpPr>
+        <p:spPr/>
+        <p:txBody>
+          <a:bodyPr/>
+          <a:lstStyle/>
+          <a:p>
+            <a:fld id="{4A154A2B-6412-4D58-A6C1-BD0167DA1068}" type="slidenum">
+              <a:rPr lang="ko-KR" altLang="en-US" smtClean="0"/>
+              <a:pPr/>
+              <a:t>16</a:t>
             </a:fld>
             <a:endParaRPr lang="ko-KR" altLang="en-US"/>
           </a:p>
@@ -5008,7 +5174,7 @@
         <p:spPr>
           <a:xfrm>
             <a:off x="827584" y="1772815"/>
-            <a:ext cx="922047" cy="646331"/>
+            <a:ext cx="1152880" cy="646331"/>
           </a:xfrm>
           <a:prstGeom prst="rect">
             <a:avLst/>
@@ -5022,16 +5188,12 @@
           <a:lstStyle/>
           <a:p>
             <a:r>
-              <a:rPr lang="en-US" altLang="ko-KR" b="1" dirty="0"/>
-              <a:t>3</a:t>
-            </a:r>
-            <a:r>
               <a:rPr lang="en-US" altLang="ko-KR" b="1" dirty="0" smtClean="0"/>
-              <a:t>. </a:t>
+              <a:t>2. </a:t>
             </a:r>
             <a:r>
               <a:rPr lang="ko-KR" altLang="en-US" b="1" dirty="0" smtClean="0"/>
-              <a:t>숨기</a:t>
+              <a:t>오르기</a:t>
             </a:r>
             <a:endParaRPr lang="en-US" altLang="ko-KR" b="1" dirty="0" smtClean="0"/>
           </a:p>
@@ -5048,7 +5210,7 @@
         </p:nvSpPr>
         <p:spPr>
           <a:xfrm>
-            <a:off x="1115616" y="5445224"/>
+            <a:off x="1115616" y="5722619"/>
             <a:ext cx="7056783" cy="923330"/>
           </a:xfrm>
           <a:prstGeom prst="rect">
@@ -5061,60 +5223,32 @@
             <a:spAutoFit/>
           </a:bodyPr>
           <a:lstStyle/>
+          <a:p>
+            <a:r>
+              <a:rPr lang="en-US" altLang="ko-KR" dirty="0" smtClean="0"/>
+              <a:t>- </a:t>
+            </a:r>
+            <a:r>
+              <a:rPr lang="ko-KR" altLang="en-US" dirty="0" smtClean="0"/>
+              <a:t>스테이지에 존재하는 장애물은 캐릭터의 움직임을 강요한다</a:t>
+            </a:r>
+            <a:endParaRPr lang="en-US" altLang="ko-KR" dirty="0"/>
+          </a:p>
           <a:p>
             <a:pPr marL="285750" indent="-285750">
               <a:buFontTx/>
               <a:buChar char="-"/>
             </a:pPr>
+            <a:endParaRPr lang="en-US" altLang="ko-KR" dirty="0" smtClean="0"/>
+          </a:p>
+          <a:p>
+            <a:r>
+              <a:rPr lang="en-US" altLang="ko-KR" dirty="0" smtClean="0"/>
+              <a:t>- </a:t>
+            </a:r>
             <a:r>
               <a:rPr lang="ko-KR" altLang="en-US" dirty="0" smtClean="0"/>
-              <a:t>스테이지마다 창문</a:t>
-            </a:r>
-            <a:r>
-              <a:rPr lang="en-US" altLang="ko-KR" dirty="0" smtClean="0"/>
-              <a:t>, </a:t>
-            </a:r>
-            <a:r>
-              <a:rPr lang="ko-KR" altLang="en-US" dirty="0" smtClean="0"/>
-              <a:t>전등을 통해 빛이 존재</a:t>
-            </a:r>
-            <a:endParaRPr lang="en-US" altLang="ko-KR" dirty="0" smtClean="0"/>
-          </a:p>
-          <a:p>
-            <a:pPr marL="285750" indent="-285750">
-              <a:buFontTx/>
-              <a:buChar char="-"/>
-            </a:pPr>
-            <a:endParaRPr lang="en-US" altLang="ko-KR" dirty="0"/>
-          </a:p>
-          <a:p>
-            <a:pPr marL="285750" indent="-285750">
-              <a:buFontTx/>
-              <a:buChar char="-"/>
-            </a:pPr>
-            <a:r>
-              <a:rPr lang="ko-KR" altLang="en-US" dirty="0" err="1" smtClean="0"/>
-              <a:t>빛줄기를</a:t>
-            </a:r>
-            <a:r>
-              <a:rPr lang="ko-KR" altLang="en-US" dirty="0" smtClean="0"/>
-              <a:t> 캐릭터가 </a:t>
-            </a:r>
-            <a:r>
-              <a:rPr lang="ko-KR" altLang="en-US" dirty="0" err="1" smtClean="0"/>
-              <a:t>받게되면</a:t>
-            </a:r>
-            <a:r>
-              <a:rPr lang="ko-KR" altLang="en-US" dirty="0" smtClean="0"/>
-              <a:t> </a:t>
-            </a:r>
-            <a:r>
-              <a:rPr lang="ko-KR" altLang="en-US" dirty="0" err="1" smtClean="0"/>
-              <a:t>몬스터에게</a:t>
-            </a:r>
-            <a:r>
-              <a:rPr lang="ko-KR" altLang="en-US" dirty="0" smtClean="0"/>
-              <a:t> 모습이 발각된다</a:t>
+              <a:t>장애물을 통해서 다음 스테이지로 넘어가는 출구에 도달한다</a:t>
             </a:r>
             <a:endParaRPr lang="en-US" altLang="ko-KR" dirty="0" smtClean="0"/>
           </a:p>
@@ -5122,7 +5256,7 @@
       </p:sp>
       <p:pic>
         <p:nvPicPr>
-          <p:cNvPr id="1026" name="Picture 2" descr="C:\Users\JHE\Desktop\그림자1.jpg"/>
+          <p:cNvPr id="1026" name="Picture 2" descr="C:\Users\JHE\Desktop\스테이지 1.jpg"/>
           <p:cNvPicPr>
             <a:picLocks noChangeAspect="1" noChangeArrowheads="1"/>
           </p:cNvPicPr>
@@ -5143,8 +5277,8 @@
         </p:blipFill>
         <p:spPr bwMode="auto">
           <a:xfrm>
-            <a:off x="1288607" y="2276872"/>
-            <a:ext cx="3935676" cy="2882062"/>
+            <a:off x="1980464" y="2159190"/>
+            <a:ext cx="4896544" cy="3348623"/>
           </a:xfrm>
           <a:prstGeom prst="rect">
             <a:avLst/>
@@ -5161,51 +5295,10 @@
           </a:extLst>
         </p:spPr>
       </p:pic>
-      <p:pic>
-        <p:nvPicPr>
-          <p:cNvPr id="1028" name="Picture 4" descr="C:\Users\JHE\Desktop\실등2.jpg"/>
-          <p:cNvPicPr>
-            <a:picLocks noChangeAspect="1" noChangeArrowheads="1"/>
-          </p:cNvPicPr>
-          <p:nvPr/>
-        </p:nvPicPr>
-        <p:blipFill>
-          <a:blip r:embed="rId4">
-            <a:extLst>
-              <a:ext uri="{28A0092B-C50C-407E-A947-70E740481C1C}">
-                <a14:useLocalDpi xmlns:a14="http://schemas.microsoft.com/office/drawing/2010/main" val="0"/>
-              </a:ext>
-            </a:extLst>
-          </a:blip>
-          <a:srcRect/>
-          <a:stretch>
-            <a:fillRect/>
-          </a:stretch>
-        </p:blipFill>
-        <p:spPr bwMode="auto">
-          <a:xfrm>
-            <a:off x="5652120" y="1629545"/>
-            <a:ext cx="2327299" cy="3599656"/>
-          </a:xfrm>
-          <a:prstGeom prst="rect">
-            <a:avLst/>
-          </a:prstGeom>
-          <a:noFill/>
-          <a:extLst>
-            <a:ext uri="{909E8E84-426E-40DD-AFC4-6F175D3DCCD1}">
-              <a14:hiddenFill xmlns:a14="http://schemas.microsoft.com/office/drawing/2010/main">
-                <a:solidFill>
-                  <a:srgbClr val="FFFFFF"/>
-                </a:solidFill>
-              </a14:hiddenFill>
-            </a:ext>
-          </a:extLst>
-        </p:spPr>
-      </p:pic>
     </p:spTree>
     <p:extLst>
       <p:ext uri="{BB962C8B-B14F-4D97-AF65-F5344CB8AC3E}">
-        <p14:creationId xmlns:p14="http://schemas.microsoft.com/office/powerpoint/2010/main" val="4108682035"/>
+        <p14:creationId xmlns:p14="http://schemas.microsoft.com/office/powerpoint/2010/main" val="2425896397"/>
       </p:ext>
     </p:extLst>
   </p:cSld>
@@ -5657,12 +5750,8 @@
               <a:t> 캐릭터가 </a:t>
             </a:r>
             <a:r>
-              <a:rPr lang="ko-KR" altLang="en-US" dirty="0" err="1" smtClean="0"/>
-              <a:t>받게되면</a:t>
-            </a:r>
-            <a:r>
               <a:rPr lang="ko-KR" altLang="en-US" dirty="0" smtClean="0"/>
-              <a:t> </a:t>
+              <a:t>받게 되면 </a:t>
             </a:r>
             <a:r>
               <a:rPr lang="ko-KR" altLang="en-US" dirty="0" err="1" smtClean="0"/>
@@ -5678,7 +5767,7 @@
       </p:sp>
       <p:pic>
         <p:nvPicPr>
-          <p:cNvPr id="1028" name="Picture 4" descr="C:\Users\JHE\Desktop\실등2.jpg"/>
+          <p:cNvPr id="1026" name="Picture 2" descr="C:\Users\JHE\Desktop\그림자1.jpg"/>
           <p:cNvPicPr>
             <a:picLocks noChangeAspect="1" noChangeArrowheads="1"/>
           </p:cNvPicPr>
@@ -5699,8 +5788,8 @@
         </p:blipFill>
         <p:spPr bwMode="auto">
           <a:xfrm>
-            <a:off x="1288607" y="2348880"/>
-            <a:ext cx="1656184" cy="2561636"/>
+            <a:off x="1288607" y="2276872"/>
+            <a:ext cx="3935676" cy="2882062"/>
           </a:xfrm>
           <a:prstGeom prst="rect">
             <a:avLst/>
@@ -5717,10 +5806,51 @@
           </a:extLst>
         </p:spPr>
       </p:pic>
+      <p:pic>
+        <p:nvPicPr>
+          <p:cNvPr id="1028" name="Picture 4" descr="C:\Users\JHE\Desktop\실등2.jpg"/>
+          <p:cNvPicPr>
+            <a:picLocks noChangeAspect="1" noChangeArrowheads="1"/>
+          </p:cNvPicPr>
+          <p:nvPr/>
+        </p:nvPicPr>
+        <p:blipFill>
+          <a:blip r:embed="rId4">
+            <a:extLst>
+              <a:ext uri="{28A0092B-C50C-407E-A947-70E740481C1C}">
+                <a14:useLocalDpi xmlns:a14="http://schemas.microsoft.com/office/drawing/2010/main" val="0"/>
+              </a:ext>
+            </a:extLst>
+          </a:blip>
+          <a:srcRect/>
+          <a:stretch>
+            <a:fillRect/>
+          </a:stretch>
+        </p:blipFill>
+        <p:spPr bwMode="auto">
+          <a:xfrm>
+            <a:off x="5652120" y="1629545"/>
+            <a:ext cx="2327299" cy="3599656"/>
+          </a:xfrm>
+          <a:prstGeom prst="rect">
+            <a:avLst/>
+          </a:prstGeom>
+          <a:noFill/>
+          <a:extLst>
+            <a:ext uri="{909E8E84-426E-40DD-AFC4-6F175D3DCCD1}">
+              <a14:hiddenFill xmlns:a14="http://schemas.microsoft.com/office/drawing/2010/main">
+                <a:solidFill>
+                  <a:srgbClr val="FFFFFF"/>
+                </a:solidFill>
+              </a14:hiddenFill>
+            </a:ext>
+          </a:extLst>
+        </p:spPr>
+      </p:pic>
     </p:spTree>
     <p:extLst>
       <p:ext uri="{BB962C8B-B14F-4D97-AF65-F5344CB8AC3E}">
-        <p14:creationId xmlns:p14="http://schemas.microsoft.com/office/powerpoint/2010/main" val="3889517395"/>
+        <p14:creationId xmlns:p14="http://schemas.microsoft.com/office/powerpoint/2010/main" val="4108682035"/>
       </p:ext>
     </p:extLst>
   </p:cSld>
@@ -6079,7 +6209,7 @@
         <p:spPr>
           <a:xfrm>
             <a:off x="827584" y="1772815"/>
-            <a:ext cx="1152880" cy="646331"/>
+            <a:ext cx="922047" cy="646331"/>
           </a:xfrm>
           <a:prstGeom prst="rect">
             <a:avLst/>
@@ -6094,7 +6224,7 @@
           <a:p>
             <a:r>
               <a:rPr lang="en-US" altLang="ko-KR" b="1" dirty="0"/>
-              <a:t>4</a:t>
+              <a:t>3</a:t>
             </a:r>
             <a:r>
               <a:rPr lang="en-US" altLang="ko-KR" b="1" dirty="0" smtClean="0"/>
@@ -6102,11 +6232,7 @@
             </a:r>
             <a:r>
               <a:rPr lang="ko-KR" altLang="en-US" b="1" dirty="0" smtClean="0"/>
-              <a:t>때리</a:t>
-            </a:r>
-            <a:r>
-              <a:rPr lang="ko-KR" altLang="en-US" b="1" dirty="0"/>
-              <a:t>기</a:t>
+              <a:t>숨기</a:t>
             </a:r>
             <a:endParaRPr lang="en-US" altLang="ko-KR" b="1" dirty="0" smtClean="0"/>
           </a:p>
@@ -6123,7 +6249,7 @@
         </p:nvSpPr>
         <p:spPr>
           <a:xfrm>
-            <a:off x="1115616" y="5301208"/>
+            <a:off x="1115616" y="5445224"/>
             <a:ext cx="7056783" cy="923330"/>
           </a:xfrm>
           <a:prstGeom prst="rect">
@@ -6143,39 +6269,28 @@
             </a:pPr>
             <a:r>
               <a:rPr lang="ko-KR" altLang="en-US" dirty="0" smtClean="0"/>
-              <a:t>캐릭터는 </a:t>
-            </a:r>
-            <a:r>
-              <a:rPr lang="ko-KR" altLang="en-US" dirty="0" err="1" smtClean="0"/>
-              <a:t>몬스터를</a:t>
-            </a:r>
-            <a:r>
-              <a:rPr lang="ko-KR" altLang="en-US" dirty="0" smtClean="0"/>
-              <a:t> </a:t>
+              <a:t>전등은 </a:t>
             </a:r>
             <a:r>
               <a:rPr lang="ko-KR" altLang="en-US" b="1" dirty="0" smtClean="0">
                 <a:solidFill>
-                  <a:srgbClr val="C00000"/>
+                  <a:srgbClr val="FF0000"/>
                 </a:solidFill>
               </a:rPr>
-              <a:t>후면</a:t>
+              <a:t>불규칙적인</a:t>
             </a:r>
             <a:r>
               <a:rPr lang="ko-KR" altLang="en-US" dirty="0" smtClean="0"/>
-              <a:t>에서 공격한다</a:t>
-            </a:r>
-            <a:r>
-              <a:rPr lang="en-US" altLang="ko-KR" dirty="0" smtClean="0"/>
-              <a:t>.</a:t>
-            </a:r>
+              <a:t> 회전을 반복한다</a:t>
+            </a:r>
+            <a:endParaRPr lang="en-US" altLang="ko-KR" dirty="0" smtClean="0"/>
           </a:p>
           <a:p>
             <a:pPr marL="285750" indent="-285750">
               <a:buFontTx/>
               <a:buChar char="-"/>
             </a:pPr>
-            <a:endParaRPr lang="en-US" altLang="ko-KR" dirty="0" smtClean="0"/>
+            <a:endParaRPr lang="en-US" altLang="ko-KR" dirty="0"/>
           </a:p>
           <a:p>
             <a:pPr marL="285750" indent="-285750">
@@ -6183,72 +6298,16 @@
               <a:buChar char="-"/>
             </a:pPr>
             <a:r>
-              <a:rPr lang="ko-KR" altLang="en-US" dirty="0" err="1" smtClean="0"/>
-              <a:t>몬스터는</a:t>
-            </a:r>
-            <a:r>
               <a:rPr lang="ko-KR" altLang="en-US" dirty="0" smtClean="0"/>
-              <a:t> 전</a:t>
-            </a:r>
-            <a:r>
-              <a:rPr lang="en-US" altLang="ko-KR" dirty="0" smtClean="0"/>
-              <a:t>, </a:t>
-            </a:r>
-            <a:r>
-              <a:rPr lang="ko-KR" altLang="en-US" dirty="0" smtClean="0"/>
-              <a:t>후</a:t>
-            </a:r>
-            <a:r>
-              <a:rPr lang="en-US" altLang="ko-KR" dirty="0" smtClean="0"/>
-              <a:t>, </a:t>
-            </a:r>
-            <a:r>
-              <a:rPr lang="ko-KR" altLang="en-US" dirty="0" smtClean="0"/>
-              <a:t>좌</a:t>
-            </a:r>
-            <a:r>
-              <a:rPr lang="en-US" altLang="ko-KR" dirty="0" smtClean="0"/>
-              <a:t>, </a:t>
-            </a:r>
-            <a:r>
-              <a:rPr lang="ko-KR" altLang="en-US" dirty="0" smtClean="0"/>
-              <a:t>우 </a:t>
-            </a:r>
-            <a:r>
-              <a:rPr lang="ko-KR" altLang="en-US" b="1" dirty="0" smtClean="0">
-                <a:solidFill>
-                  <a:srgbClr val="C00000"/>
-                </a:solidFill>
-              </a:rPr>
-              <a:t>모든</a:t>
-            </a:r>
-            <a:r>
-              <a:rPr lang="ko-KR" altLang="en-US" dirty="0" smtClean="0"/>
-              <a:t> </a:t>
-            </a:r>
-            <a:r>
-              <a:rPr lang="ko-KR" altLang="en-US" b="1" dirty="0" smtClean="0">
-                <a:solidFill>
-                  <a:srgbClr val="C00000"/>
-                </a:solidFill>
-              </a:rPr>
-              <a:t>방향</a:t>
-            </a:r>
-            <a:r>
-              <a:rPr lang="ko-KR" altLang="en-US" dirty="0" smtClean="0"/>
-              <a:t>에서 공격한다</a:t>
-            </a:r>
-            <a:r>
-              <a:rPr lang="en-US" altLang="ko-KR" dirty="0" smtClean="0"/>
-              <a:t>.</a:t>
-            </a:r>
-            <a:endParaRPr lang="en-US" altLang="ko-KR" dirty="0"/>
+              <a:t>빛을 꺼지지 않는다</a:t>
+            </a:r>
+            <a:endParaRPr lang="en-US" altLang="ko-KR" dirty="0" smtClean="0"/>
           </a:p>
         </p:txBody>
       </p:sp>
       <p:pic>
         <p:nvPicPr>
-          <p:cNvPr id="12" name="Picture 2" descr="C:\Users\JHE\Desktop\그림3.jpg"/>
+          <p:cNvPr id="1028" name="Picture 4" descr="C:\Users\JHE\Desktop\실등2.jpg"/>
           <p:cNvPicPr>
             <a:picLocks noChangeAspect="1" noChangeArrowheads="1"/>
           </p:cNvPicPr>
@@ -6269,8 +6328,8 @@
         </p:blipFill>
         <p:spPr bwMode="auto">
           <a:xfrm>
-            <a:off x="5076056" y="2248561"/>
-            <a:ext cx="1296144" cy="1957242"/>
+            <a:off x="3491880" y="2419146"/>
+            <a:ext cx="1656184" cy="2561636"/>
           </a:xfrm>
           <a:prstGeom prst="rect">
             <a:avLst/>
@@ -6287,63 +6346,22 @@
           </a:extLst>
         </p:spPr>
       </p:pic>
-      <p:pic>
-        <p:nvPicPr>
-          <p:cNvPr id="13" name="Picture 7" descr="C:\Users\JHE\Desktop\그림1.jpg"/>
-          <p:cNvPicPr>
-            <a:picLocks noChangeAspect="1" noChangeArrowheads="1"/>
-          </p:cNvPicPr>
-          <p:nvPr/>
-        </p:nvPicPr>
-        <p:blipFill>
-          <a:blip r:embed="rId4">
-            <a:extLst>
-              <a:ext uri="{28A0092B-C50C-407E-A947-70E740481C1C}">
-                <a14:useLocalDpi xmlns:a14="http://schemas.microsoft.com/office/drawing/2010/main" val="0"/>
-              </a:ext>
-            </a:extLst>
-          </a:blip>
-          <a:srcRect/>
-          <a:stretch>
-            <a:fillRect/>
-          </a:stretch>
-        </p:blipFill>
-        <p:spPr bwMode="auto">
-          <a:xfrm>
-            <a:off x="2195736" y="2151834"/>
-            <a:ext cx="1473827" cy="2150695"/>
-          </a:xfrm>
-          <a:prstGeom prst="rect">
-            <a:avLst/>
-          </a:prstGeom>
-          <a:noFill/>
-          <a:extLst>
-            <a:ext uri="{909E8E84-426E-40DD-AFC4-6F175D3DCCD1}">
-              <a14:hiddenFill xmlns:a14="http://schemas.microsoft.com/office/drawing/2010/main">
-                <a:solidFill>
-                  <a:srgbClr val="FFFFFF"/>
-                </a:solidFill>
-              </a14:hiddenFill>
-            </a:ext>
-          </a:extLst>
-        </p:spPr>
-      </p:pic>
-      <p:sp>
-        <p:nvSpPr>
-          <p:cNvPr id="9" name="포인트가 7개인 별 8"/>
+      <p:sp>
+        <p:nvSpPr>
+          <p:cNvPr id="9" name="위로 구부러진 화살표 8"/>
           <p:cNvSpPr/>
           <p:nvPr/>
         </p:nvSpPr>
         <p:spPr>
           <a:xfrm>
-            <a:off x="3652712" y="2545831"/>
-            <a:ext cx="1584176" cy="1093146"/>
-          </a:xfrm>
-          <a:prstGeom prst="star7">
+            <a:off x="2915816" y="3933056"/>
+            <a:ext cx="2808312" cy="652293"/>
+          </a:xfrm>
+          <a:prstGeom prst="curvedUpArrow">
             <a:avLst/>
           </a:prstGeom>
           <a:solidFill>
-            <a:srgbClr val="C00000"/>
+            <a:srgbClr val="FFFF00"/>
           </a:solidFill>
           <a:ln>
             <a:noFill/>
@@ -6370,15 +6388,7 @@
           <a:lstStyle/>
           <a:p>
             <a:pPr algn="ctr"/>
-            <a:r>
-              <a:rPr lang="ko-KR" altLang="en-US" sz="2400" b="1" dirty="0" smtClean="0">
-                <a:solidFill>
-                  <a:schemeClr val="tx1"/>
-                </a:solidFill>
-              </a:rPr>
-              <a:t>공격</a:t>
-            </a:r>
-            <a:endParaRPr lang="ko-KR" altLang="en-US" sz="2400" b="1" dirty="0">
+            <a:endParaRPr lang="ko-KR" altLang="en-US">
               <a:solidFill>
                 <a:schemeClr val="tx1"/>
               </a:solidFill>
@@ -6394,8 +6404,8 @@
         </p:nvSpPr>
         <p:spPr>
           <a:xfrm>
-            <a:off x="6372200" y="3638977"/>
-            <a:ext cx="1124026" cy="523220"/>
+            <a:off x="5652120" y="4227241"/>
+            <a:ext cx="595035" cy="338554"/>
           </a:xfrm>
           <a:prstGeom prst="rect">
             <a:avLst/>
@@ -6409,75 +6419,17 @@
           <a:lstStyle/>
           <a:p>
             <a:r>
-              <a:rPr lang="ko-KR" altLang="en-US" sz="1400" b="1" dirty="0" smtClean="0"/>
-              <a:t>내구도</a:t>
-            </a:r>
-            <a:r>
-              <a:rPr lang="en-US" altLang="ko-KR" sz="1400" dirty="0" smtClean="0"/>
-              <a:t>: 100</a:t>
-            </a:r>
-          </a:p>
-          <a:p>
-            <a:r>
-              <a:rPr lang="ko-KR" altLang="en-US" sz="1400" b="1" dirty="0" smtClean="0"/>
-              <a:t>공격력</a:t>
-            </a:r>
-            <a:r>
-              <a:rPr lang="en-US" altLang="ko-KR" sz="1400" dirty="0" smtClean="0"/>
-              <a:t>: 50</a:t>
-            </a:r>
-            <a:endParaRPr lang="ko-KR" altLang="en-US" sz="1400" dirty="0"/>
-          </a:p>
-        </p:txBody>
-      </p:sp>
-      <p:sp>
-        <p:nvSpPr>
-          <p:cNvPr id="16" name="TextBox 15"/>
-          <p:cNvSpPr txBox="1"/>
-          <p:nvPr/>
-        </p:nvSpPr>
-        <p:spPr>
-          <a:xfrm>
-            <a:off x="856438" y="3607048"/>
-            <a:ext cx="1124026" cy="523220"/>
-          </a:xfrm>
-          <a:prstGeom prst="rect">
-            <a:avLst/>
-          </a:prstGeom>
-          <a:noFill/>
-        </p:spPr>
-        <p:txBody>
-          <a:bodyPr wrap="none" rtlCol="0">
-            <a:spAutoFit/>
-          </a:bodyPr>
-          <a:lstStyle/>
-          <a:p>
-            <a:r>
-              <a:rPr lang="ko-KR" altLang="en-US" sz="1400" b="1" dirty="0" smtClean="0"/>
-              <a:t>내구도</a:t>
-            </a:r>
-            <a:r>
-              <a:rPr lang="en-US" altLang="ko-KR" sz="1400" dirty="0" smtClean="0"/>
-              <a:t>: 100</a:t>
-            </a:r>
-          </a:p>
-          <a:p>
-            <a:r>
-              <a:rPr lang="ko-KR" altLang="en-US" sz="1400" b="1" dirty="0" smtClean="0"/>
-              <a:t>공격력</a:t>
-            </a:r>
-            <a:r>
-              <a:rPr lang="en-US" altLang="ko-KR" sz="1400" dirty="0" smtClean="0"/>
-              <a:t>: 10</a:t>
-            </a:r>
-            <a:endParaRPr lang="ko-KR" altLang="en-US" sz="1400" dirty="0"/>
+              <a:rPr lang="ko-KR" altLang="en-US" sz="1600" b="1" dirty="0" smtClean="0"/>
+              <a:t>회전</a:t>
+            </a:r>
+            <a:endParaRPr lang="ko-KR" altLang="en-US" sz="1600" b="1" dirty="0"/>
           </a:p>
         </p:txBody>
       </p:sp>
     </p:spTree>
     <p:extLst>
       <p:ext uri="{BB962C8B-B14F-4D97-AF65-F5344CB8AC3E}">
-        <p14:creationId xmlns:p14="http://schemas.microsoft.com/office/powerpoint/2010/main" val="278824091"/>
+        <p14:creationId xmlns:p14="http://schemas.microsoft.com/office/powerpoint/2010/main" val="3889517395"/>
       </p:ext>
     </p:extLst>
   </p:cSld>
@@ -6582,7 +6534,7 @@
           <a:lstStyle/>
           <a:p>
             <a:r>
-              <a:rPr lang="en-US" altLang="ko-KR" sz="2000" b="1" dirty="0">
+              <a:rPr lang="en-US" altLang="ko-KR" sz="2000" dirty="0">
                 <a:ln>
                   <a:solidFill>
                     <a:schemeClr val="accent1">
@@ -6590,12 +6542,13 @@
                     </a:schemeClr>
                   </a:solidFill>
                 </a:ln>
-                <a:latin typeface="+mn-ea"/>
+                <a:latin typeface="나눔고딕 ExtraBold" panose="020D0904000000000000" pitchFamily="50" charset="-127"/>
+                <a:ea typeface="나눔고딕 ExtraBold" panose="020D0904000000000000" pitchFamily="50" charset="-127"/>
               </a:rPr>
-              <a:t>3</a:t>
-            </a:r>
-            <a:r>
-              <a:rPr lang="en-US" altLang="ko-KR" sz="2000" b="1" dirty="0" smtClean="0">
+              <a:t>2</a:t>
+            </a:r>
+            <a:r>
+              <a:rPr lang="en-US" altLang="ko-KR" sz="2000" dirty="0" smtClean="0">
                 <a:ln>
                   <a:solidFill>
                     <a:schemeClr val="accent1">
@@ -6603,9 +6556,10 @@
                     </a:schemeClr>
                   </a:solidFill>
                 </a:ln>
-                <a:latin typeface="+mn-ea"/>
+                <a:latin typeface="나눔고딕 ExtraBold" panose="020D0904000000000000" pitchFamily="50" charset="-127"/>
+                <a:ea typeface="나눔고딕 ExtraBold" panose="020D0904000000000000" pitchFamily="50" charset="-127"/>
               </a:rPr>
-              <a:t>/</a:t>
+              <a:t>/ </a:t>
             </a:r>
             <a:r>
               <a:rPr lang="ko-KR" altLang="en-US" sz="2000" b="1" dirty="0" smtClean="0">
@@ -6618,20 +6572,7 @@
                 </a:ln>
                 <a:latin typeface="+mn-ea"/>
               </a:rPr>
-              <a:t>기술요</a:t>
-            </a:r>
-            <a:r>
-              <a:rPr lang="ko-KR" altLang="en-US" sz="2000" b="1" dirty="0">
-                <a:ln>
-                  <a:solidFill>
-                    <a:schemeClr val="accent1">
-                      <a:alpha val="0"/>
-                    </a:schemeClr>
-                  </a:solidFill>
-                </a:ln>
-                <a:latin typeface="+mn-ea"/>
-              </a:rPr>
-              <a:t>소</a:t>
+              <a:t>게임플레이</a:t>
             </a:r>
             <a:endParaRPr lang="ko-KR" altLang="en-US" b="1" dirty="0">
               <a:ln>
@@ -6646,10 +6587,606 @@
           </a:p>
         </p:txBody>
       </p:sp>
+      <p:sp>
+        <p:nvSpPr>
+          <p:cNvPr id="2" name="직사각형 1"/>
+          <p:cNvSpPr/>
+          <p:nvPr/>
+        </p:nvSpPr>
+        <p:spPr>
+          <a:xfrm>
+            <a:off x="179512" y="1052736"/>
+            <a:ext cx="8712968" cy="360040"/>
+          </a:xfrm>
+          <a:prstGeom prst="rect">
+            <a:avLst/>
+          </a:prstGeom>
+          <a:solidFill>
+            <a:schemeClr val="bg1">
+              <a:lumMod val="65000"/>
+            </a:schemeClr>
+          </a:solidFill>
+          <a:ln>
+            <a:noFill/>
+          </a:ln>
+        </p:spPr>
+        <p:style>
+          <a:lnRef idx="2">
+            <a:schemeClr val="accent1">
+              <a:shade val="50000"/>
+            </a:schemeClr>
+          </a:lnRef>
+          <a:fillRef idx="1">
+            <a:schemeClr val="accent1"/>
+          </a:fillRef>
+          <a:effectRef idx="0">
+            <a:schemeClr val="accent1"/>
+          </a:effectRef>
+          <a:fontRef idx="minor">
+            <a:schemeClr val="lt1"/>
+          </a:fontRef>
+        </p:style>
+        <p:txBody>
+          <a:bodyPr rtlCol="0" anchor="ctr"/>
+          <a:lstStyle/>
+          <a:p>
+            <a:pPr algn="ctr"/>
+            <a:endParaRPr lang="ko-KR" altLang="en-US"/>
+          </a:p>
+        </p:txBody>
+      </p:sp>
+      <p:sp>
+        <p:nvSpPr>
+          <p:cNvPr id="8" name="직사각형 7"/>
+          <p:cNvSpPr/>
+          <p:nvPr/>
+        </p:nvSpPr>
+        <p:spPr>
+          <a:xfrm>
+            <a:off x="185119" y="6704275"/>
+            <a:ext cx="8707361" cy="45719"/>
+          </a:xfrm>
+          <a:prstGeom prst="rect">
+            <a:avLst/>
+          </a:prstGeom>
+          <a:solidFill>
+            <a:schemeClr val="bg1">
+              <a:lumMod val="65000"/>
+            </a:schemeClr>
+          </a:solidFill>
+          <a:ln>
+            <a:noFill/>
+          </a:ln>
+        </p:spPr>
+        <p:style>
+          <a:lnRef idx="2">
+            <a:schemeClr val="accent1">
+              <a:shade val="50000"/>
+            </a:schemeClr>
+          </a:lnRef>
+          <a:fillRef idx="1">
+            <a:schemeClr val="accent1"/>
+          </a:fillRef>
+          <a:effectRef idx="0">
+            <a:schemeClr val="accent1"/>
+          </a:effectRef>
+          <a:fontRef idx="minor">
+            <a:schemeClr val="lt1"/>
+          </a:fontRef>
+        </p:style>
+        <p:txBody>
+          <a:bodyPr rtlCol="0" anchor="ctr"/>
+          <a:lstStyle/>
+          <a:p>
+            <a:pPr algn="ctr"/>
+            <a:endParaRPr lang="ko-KR" altLang="en-US"/>
+          </a:p>
+        </p:txBody>
+      </p:sp>
+      <p:sp>
+        <p:nvSpPr>
+          <p:cNvPr id="3" name="직사각형 2"/>
+          <p:cNvSpPr/>
+          <p:nvPr/>
+        </p:nvSpPr>
+        <p:spPr>
+          <a:xfrm>
+            <a:off x="185119" y="1383897"/>
+            <a:ext cx="45719" cy="5357470"/>
+          </a:xfrm>
+          <a:prstGeom prst="rect">
+            <a:avLst/>
+          </a:prstGeom>
+          <a:solidFill>
+            <a:schemeClr val="bg1">
+              <a:lumMod val="65000"/>
+            </a:schemeClr>
+          </a:solidFill>
+          <a:ln>
+            <a:noFill/>
+          </a:ln>
+        </p:spPr>
+        <p:style>
+          <a:lnRef idx="2">
+            <a:schemeClr val="accent1">
+              <a:shade val="50000"/>
+            </a:schemeClr>
+          </a:lnRef>
+          <a:fillRef idx="1">
+            <a:schemeClr val="accent1"/>
+          </a:fillRef>
+          <a:effectRef idx="0">
+            <a:schemeClr val="accent1"/>
+          </a:effectRef>
+          <a:fontRef idx="minor">
+            <a:schemeClr val="lt1"/>
+          </a:fontRef>
+        </p:style>
+        <p:txBody>
+          <a:bodyPr rtlCol="0" anchor="ctr"/>
+          <a:lstStyle/>
+          <a:p>
+            <a:pPr algn="ctr"/>
+            <a:endParaRPr lang="ko-KR" altLang="en-US"/>
+          </a:p>
+        </p:txBody>
+      </p:sp>
+      <p:sp>
+        <p:nvSpPr>
+          <p:cNvPr id="10" name="직사각형 9"/>
+          <p:cNvSpPr/>
+          <p:nvPr/>
+        </p:nvSpPr>
+        <p:spPr>
+          <a:xfrm>
+            <a:off x="8846761" y="1394116"/>
+            <a:ext cx="45719" cy="5357470"/>
+          </a:xfrm>
+          <a:prstGeom prst="rect">
+            <a:avLst/>
+          </a:prstGeom>
+          <a:solidFill>
+            <a:schemeClr val="bg1">
+              <a:lumMod val="65000"/>
+            </a:schemeClr>
+          </a:solidFill>
+          <a:ln>
+            <a:noFill/>
+          </a:ln>
+        </p:spPr>
+        <p:style>
+          <a:lnRef idx="2">
+            <a:schemeClr val="accent1">
+              <a:shade val="50000"/>
+            </a:schemeClr>
+          </a:lnRef>
+          <a:fillRef idx="1">
+            <a:schemeClr val="accent1"/>
+          </a:fillRef>
+          <a:effectRef idx="0">
+            <a:schemeClr val="accent1"/>
+          </a:effectRef>
+          <a:fontRef idx="minor">
+            <a:schemeClr val="lt1"/>
+          </a:fontRef>
+        </p:style>
+        <p:txBody>
+          <a:bodyPr rtlCol="0" anchor="ctr"/>
+          <a:lstStyle/>
+          <a:p>
+            <a:pPr algn="ctr"/>
+            <a:endParaRPr lang="ko-KR" altLang="en-US"/>
+          </a:p>
+        </p:txBody>
+      </p:sp>
+      <p:sp>
+        <p:nvSpPr>
+          <p:cNvPr id="6" name="TextBox 5"/>
+          <p:cNvSpPr txBox="1"/>
+          <p:nvPr/>
+        </p:nvSpPr>
+        <p:spPr>
+          <a:xfrm>
+            <a:off x="827584" y="1772815"/>
+            <a:ext cx="1152880" cy="646331"/>
+          </a:xfrm>
+          <a:prstGeom prst="rect">
+            <a:avLst/>
+          </a:prstGeom>
+          <a:noFill/>
+        </p:spPr>
+        <p:txBody>
+          <a:bodyPr wrap="none" rtlCol="0">
+            <a:spAutoFit/>
+          </a:bodyPr>
+          <a:lstStyle/>
+          <a:p>
+            <a:r>
+              <a:rPr lang="en-US" altLang="ko-KR" b="1" dirty="0"/>
+              <a:t>4</a:t>
+            </a:r>
+            <a:r>
+              <a:rPr lang="en-US" altLang="ko-KR" b="1" dirty="0" smtClean="0"/>
+              <a:t>. </a:t>
+            </a:r>
+            <a:r>
+              <a:rPr lang="ko-KR" altLang="en-US" b="1" dirty="0" smtClean="0"/>
+              <a:t>때리</a:t>
+            </a:r>
+            <a:r>
+              <a:rPr lang="ko-KR" altLang="en-US" b="1" dirty="0"/>
+              <a:t>기</a:t>
+            </a:r>
+            <a:endParaRPr lang="en-US" altLang="ko-KR" b="1" dirty="0" smtClean="0"/>
+          </a:p>
+          <a:p>
+            <a:endParaRPr lang="ko-KR" altLang="en-US" b="1" dirty="0"/>
+          </a:p>
+        </p:txBody>
+      </p:sp>
+      <p:sp>
+        <p:nvSpPr>
+          <p:cNvPr id="7" name="TextBox 6"/>
+          <p:cNvSpPr txBox="1"/>
+          <p:nvPr/>
+        </p:nvSpPr>
+        <p:spPr>
+          <a:xfrm>
+            <a:off x="1115616" y="5301208"/>
+            <a:ext cx="7056783" cy="923330"/>
+          </a:xfrm>
+          <a:prstGeom prst="rect">
+            <a:avLst/>
+          </a:prstGeom>
+          <a:noFill/>
+        </p:spPr>
+        <p:txBody>
+          <a:bodyPr wrap="square" rtlCol="0">
+            <a:spAutoFit/>
+          </a:bodyPr>
+          <a:lstStyle/>
+          <a:p>
+            <a:pPr marL="285750" indent="-285750">
+              <a:buFontTx/>
+              <a:buChar char="-"/>
+            </a:pPr>
+            <a:r>
+              <a:rPr lang="ko-KR" altLang="en-US" dirty="0" smtClean="0"/>
+              <a:t>캐릭터는 </a:t>
+            </a:r>
+            <a:r>
+              <a:rPr lang="ko-KR" altLang="en-US" dirty="0" err="1" smtClean="0"/>
+              <a:t>몬스터를</a:t>
+            </a:r>
+            <a:r>
+              <a:rPr lang="ko-KR" altLang="en-US" dirty="0" smtClean="0"/>
+              <a:t> </a:t>
+            </a:r>
+            <a:r>
+              <a:rPr lang="ko-KR" altLang="en-US" b="1" dirty="0" smtClean="0">
+                <a:solidFill>
+                  <a:srgbClr val="C00000"/>
+                </a:solidFill>
+              </a:rPr>
+              <a:t>후면</a:t>
+            </a:r>
+            <a:r>
+              <a:rPr lang="ko-KR" altLang="en-US" dirty="0" smtClean="0"/>
+              <a:t>에서 공격한다</a:t>
+            </a:r>
+            <a:r>
+              <a:rPr lang="en-US" altLang="ko-KR" dirty="0" smtClean="0"/>
+              <a:t>.</a:t>
+            </a:r>
+          </a:p>
+          <a:p>
+            <a:pPr marL="285750" indent="-285750">
+              <a:buFontTx/>
+              <a:buChar char="-"/>
+            </a:pPr>
+            <a:endParaRPr lang="en-US" altLang="ko-KR" dirty="0" smtClean="0"/>
+          </a:p>
+          <a:p>
+            <a:pPr marL="285750" indent="-285750">
+              <a:buFontTx/>
+              <a:buChar char="-"/>
+            </a:pPr>
+            <a:r>
+              <a:rPr lang="ko-KR" altLang="en-US" dirty="0" err="1" smtClean="0"/>
+              <a:t>몬스터는</a:t>
+            </a:r>
+            <a:r>
+              <a:rPr lang="ko-KR" altLang="en-US" dirty="0" smtClean="0"/>
+              <a:t> 전</a:t>
+            </a:r>
+            <a:r>
+              <a:rPr lang="en-US" altLang="ko-KR" dirty="0" smtClean="0"/>
+              <a:t>, </a:t>
+            </a:r>
+            <a:r>
+              <a:rPr lang="ko-KR" altLang="en-US" dirty="0" smtClean="0"/>
+              <a:t>후</a:t>
+            </a:r>
+            <a:r>
+              <a:rPr lang="en-US" altLang="ko-KR" dirty="0" smtClean="0"/>
+              <a:t>, </a:t>
+            </a:r>
+            <a:r>
+              <a:rPr lang="ko-KR" altLang="en-US" dirty="0" smtClean="0"/>
+              <a:t>좌</a:t>
+            </a:r>
+            <a:r>
+              <a:rPr lang="en-US" altLang="ko-KR" dirty="0" smtClean="0"/>
+              <a:t>, </a:t>
+            </a:r>
+            <a:r>
+              <a:rPr lang="ko-KR" altLang="en-US" dirty="0" smtClean="0"/>
+              <a:t>우 </a:t>
+            </a:r>
+            <a:r>
+              <a:rPr lang="ko-KR" altLang="en-US" b="1" dirty="0" smtClean="0">
+                <a:solidFill>
+                  <a:srgbClr val="C00000"/>
+                </a:solidFill>
+              </a:rPr>
+              <a:t>모든</a:t>
+            </a:r>
+            <a:r>
+              <a:rPr lang="ko-KR" altLang="en-US" dirty="0" smtClean="0"/>
+              <a:t> </a:t>
+            </a:r>
+            <a:r>
+              <a:rPr lang="ko-KR" altLang="en-US" b="1" dirty="0" smtClean="0">
+                <a:solidFill>
+                  <a:srgbClr val="C00000"/>
+                </a:solidFill>
+              </a:rPr>
+              <a:t>방향</a:t>
+            </a:r>
+            <a:r>
+              <a:rPr lang="ko-KR" altLang="en-US" dirty="0" smtClean="0"/>
+              <a:t>에서 공격한다</a:t>
+            </a:r>
+            <a:r>
+              <a:rPr lang="en-US" altLang="ko-KR" dirty="0" smtClean="0"/>
+              <a:t>.</a:t>
+            </a:r>
+            <a:endParaRPr lang="en-US" altLang="ko-KR" dirty="0"/>
+          </a:p>
+        </p:txBody>
+      </p:sp>
+      <p:pic>
+        <p:nvPicPr>
+          <p:cNvPr id="12" name="Picture 2" descr="C:\Users\JHE\Desktop\그림3.jpg"/>
+          <p:cNvPicPr>
+            <a:picLocks noChangeAspect="1" noChangeArrowheads="1"/>
+          </p:cNvPicPr>
+          <p:nvPr/>
+        </p:nvPicPr>
+        <p:blipFill>
+          <a:blip r:embed="rId3">
+            <a:extLst>
+              <a:ext uri="{28A0092B-C50C-407E-A947-70E740481C1C}">
+                <a14:useLocalDpi xmlns:a14="http://schemas.microsoft.com/office/drawing/2010/main" val="0"/>
+              </a:ext>
+            </a:extLst>
+          </a:blip>
+          <a:srcRect/>
+          <a:stretch>
+            <a:fillRect/>
+          </a:stretch>
+        </p:blipFill>
+        <p:spPr bwMode="auto">
+          <a:xfrm>
+            <a:off x="5076056" y="2248561"/>
+            <a:ext cx="1296144" cy="1957242"/>
+          </a:xfrm>
+          <a:prstGeom prst="rect">
+            <a:avLst/>
+          </a:prstGeom>
+          <a:noFill/>
+          <a:extLst>
+            <a:ext uri="{909E8E84-426E-40DD-AFC4-6F175D3DCCD1}">
+              <a14:hiddenFill xmlns:a14="http://schemas.microsoft.com/office/drawing/2010/main">
+                <a:solidFill>
+                  <a:srgbClr val="FFFFFF"/>
+                </a:solidFill>
+              </a14:hiddenFill>
+            </a:ext>
+          </a:extLst>
+        </p:spPr>
+      </p:pic>
+      <p:pic>
+        <p:nvPicPr>
+          <p:cNvPr id="13" name="Picture 7" descr="C:\Users\JHE\Desktop\그림1.jpg"/>
+          <p:cNvPicPr>
+            <a:picLocks noChangeAspect="1" noChangeArrowheads="1"/>
+          </p:cNvPicPr>
+          <p:nvPr/>
+        </p:nvPicPr>
+        <p:blipFill>
+          <a:blip r:embed="rId4">
+            <a:extLst>
+              <a:ext uri="{28A0092B-C50C-407E-A947-70E740481C1C}">
+                <a14:useLocalDpi xmlns:a14="http://schemas.microsoft.com/office/drawing/2010/main" val="0"/>
+              </a:ext>
+            </a:extLst>
+          </a:blip>
+          <a:srcRect/>
+          <a:stretch>
+            <a:fillRect/>
+          </a:stretch>
+        </p:blipFill>
+        <p:spPr bwMode="auto">
+          <a:xfrm>
+            <a:off x="2195736" y="2151834"/>
+            <a:ext cx="1473827" cy="2150695"/>
+          </a:xfrm>
+          <a:prstGeom prst="rect">
+            <a:avLst/>
+          </a:prstGeom>
+          <a:noFill/>
+          <a:extLst>
+            <a:ext uri="{909E8E84-426E-40DD-AFC4-6F175D3DCCD1}">
+              <a14:hiddenFill xmlns:a14="http://schemas.microsoft.com/office/drawing/2010/main">
+                <a:solidFill>
+                  <a:srgbClr val="FFFFFF"/>
+                </a:solidFill>
+              </a14:hiddenFill>
+            </a:ext>
+          </a:extLst>
+        </p:spPr>
+      </p:pic>
+      <p:sp>
+        <p:nvSpPr>
+          <p:cNvPr id="9" name="포인트가 7개인 별 8"/>
+          <p:cNvSpPr/>
+          <p:nvPr/>
+        </p:nvSpPr>
+        <p:spPr>
+          <a:xfrm>
+            <a:off x="3652712" y="2545831"/>
+            <a:ext cx="1584176" cy="1093146"/>
+          </a:xfrm>
+          <a:prstGeom prst="star7">
+            <a:avLst/>
+          </a:prstGeom>
+          <a:solidFill>
+            <a:srgbClr val="C00000"/>
+          </a:solidFill>
+          <a:ln>
+            <a:noFill/>
+          </a:ln>
+        </p:spPr>
+        <p:style>
+          <a:lnRef idx="2">
+            <a:schemeClr val="accent1">
+              <a:shade val="50000"/>
+            </a:schemeClr>
+          </a:lnRef>
+          <a:fillRef idx="1">
+            <a:schemeClr val="accent1"/>
+          </a:fillRef>
+          <a:effectRef idx="0">
+            <a:schemeClr val="accent1"/>
+          </a:effectRef>
+          <a:fontRef idx="minor">
+            <a:schemeClr val="lt1"/>
+          </a:fontRef>
+        </p:style>
+        <p:txBody>
+          <a:bodyPr rtlCol="0" anchor="ctr"/>
+          <a:lstStyle/>
+          <a:p>
+            <a:pPr algn="ctr"/>
+            <a:r>
+              <a:rPr lang="ko-KR" altLang="en-US" sz="2400" b="1" dirty="0" smtClean="0">
+                <a:solidFill>
+                  <a:schemeClr val="tx1"/>
+                </a:solidFill>
+              </a:rPr>
+              <a:t>공격</a:t>
+            </a:r>
+            <a:endParaRPr lang="ko-KR" altLang="en-US" sz="2400" b="1" dirty="0">
+              <a:solidFill>
+                <a:schemeClr val="tx1"/>
+              </a:solidFill>
+            </a:endParaRPr>
+          </a:p>
+        </p:txBody>
+      </p:sp>
+      <p:sp>
+        <p:nvSpPr>
+          <p:cNvPr id="11" name="TextBox 10"/>
+          <p:cNvSpPr txBox="1"/>
+          <p:nvPr/>
+        </p:nvSpPr>
+        <p:spPr>
+          <a:xfrm>
+            <a:off x="6372200" y="3638977"/>
+            <a:ext cx="1124026" cy="523220"/>
+          </a:xfrm>
+          <a:prstGeom prst="rect">
+            <a:avLst/>
+          </a:prstGeom>
+          <a:noFill/>
+        </p:spPr>
+        <p:txBody>
+          <a:bodyPr wrap="none" rtlCol="0">
+            <a:spAutoFit/>
+          </a:bodyPr>
+          <a:lstStyle/>
+          <a:p>
+            <a:r>
+              <a:rPr lang="ko-KR" altLang="en-US" sz="1400" b="1" dirty="0" smtClean="0"/>
+              <a:t>내구도</a:t>
+            </a:r>
+            <a:r>
+              <a:rPr lang="en-US" altLang="ko-KR" sz="1400" dirty="0" smtClean="0"/>
+              <a:t>: 100</a:t>
+            </a:r>
+          </a:p>
+          <a:p>
+            <a:r>
+              <a:rPr lang="ko-KR" altLang="en-US" sz="1400" b="1" dirty="0" smtClean="0"/>
+              <a:t>공격력</a:t>
+            </a:r>
+            <a:r>
+              <a:rPr lang="en-US" altLang="ko-KR" sz="1400" dirty="0" smtClean="0"/>
+              <a:t>: 50</a:t>
+            </a:r>
+            <a:endParaRPr lang="ko-KR" altLang="en-US" sz="1400" dirty="0"/>
+          </a:p>
+        </p:txBody>
+      </p:sp>
+      <p:sp>
+        <p:nvSpPr>
+          <p:cNvPr id="16" name="TextBox 15"/>
+          <p:cNvSpPr txBox="1"/>
+          <p:nvPr/>
+        </p:nvSpPr>
+        <p:spPr>
+          <a:xfrm>
+            <a:off x="856438" y="3607048"/>
+            <a:ext cx="1124026" cy="523220"/>
+          </a:xfrm>
+          <a:prstGeom prst="rect">
+            <a:avLst/>
+          </a:prstGeom>
+          <a:noFill/>
+        </p:spPr>
+        <p:txBody>
+          <a:bodyPr wrap="none" rtlCol="0">
+            <a:spAutoFit/>
+          </a:bodyPr>
+          <a:lstStyle/>
+          <a:p>
+            <a:r>
+              <a:rPr lang="ko-KR" altLang="en-US" sz="1400" b="1" dirty="0" smtClean="0"/>
+              <a:t>내구도</a:t>
+            </a:r>
+            <a:r>
+              <a:rPr lang="en-US" altLang="ko-KR" sz="1400" dirty="0" smtClean="0"/>
+              <a:t>: 100</a:t>
+            </a:r>
+          </a:p>
+          <a:p>
+            <a:r>
+              <a:rPr lang="ko-KR" altLang="en-US" sz="1400" b="1" dirty="0" smtClean="0"/>
+              <a:t>공격력</a:t>
+            </a:r>
+            <a:r>
+              <a:rPr lang="en-US" altLang="ko-KR" sz="1400" dirty="0" smtClean="0"/>
+              <a:t>: 10</a:t>
+            </a:r>
+            <a:endParaRPr lang="ko-KR" altLang="en-US" sz="1400" dirty="0"/>
+          </a:p>
+        </p:txBody>
+      </p:sp>
     </p:spTree>
     <p:extLst>
       <p:ext uri="{BB962C8B-B14F-4D97-AF65-F5344CB8AC3E}">
-        <p14:creationId xmlns:p14="http://schemas.microsoft.com/office/powerpoint/2010/main" val="3402519836"/>
+        <p14:creationId xmlns:p14="http://schemas.microsoft.com/office/powerpoint/2010/main" val="278824091"/>
       </p:ext>
     </p:extLst>
   </p:cSld>
@@ -6754,6 +7291,954 @@
           <a:lstStyle/>
           <a:p>
             <a:r>
+              <a:rPr lang="en-US" altLang="ko-KR" sz="2000" dirty="0">
+                <a:ln>
+                  <a:solidFill>
+                    <a:schemeClr val="accent1">
+                      <a:alpha val="0"/>
+                    </a:schemeClr>
+                  </a:solidFill>
+                </a:ln>
+                <a:latin typeface="나눔고딕 ExtraBold" panose="020D0904000000000000" pitchFamily="50" charset="-127"/>
+                <a:ea typeface="나눔고딕 ExtraBold" panose="020D0904000000000000" pitchFamily="50" charset="-127"/>
+              </a:rPr>
+              <a:t>2</a:t>
+            </a:r>
+            <a:r>
+              <a:rPr lang="en-US" altLang="ko-KR" sz="2000" dirty="0" smtClean="0">
+                <a:ln>
+                  <a:solidFill>
+                    <a:schemeClr val="accent1">
+                      <a:alpha val="0"/>
+                    </a:schemeClr>
+                  </a:solidFill>
+                </a:ln>
+                <a:latin typeface="나눔고딕 ExtraBold" panose="020D0904000000000000" pitchFamily="50" charset="-127"/>
+                <a:ea typeface="나눔고딕 ExtraBold" panose="020D0904000000000000" pitchFamily="50" charset="-127"/>
+              </a:rPr>
+              <a:t>/ </a:t>
+            </a:r>
+            <a:r>
+              <a:rPr lang="ko-KR" altLang="en-US" sz="2000" b="1" dirty="0" smtClean="0">
+                <a:ln>
+                  <a:solidFill>
+                    <a:schemeClr val="accent1">
+                      <a:alpha val="0"/>
+                    </a:schemeClr>
+                  </a:solidFill>
+                </a:ln>
+                <a:latin typeface="+mn-ea"/>
+              </a:rPr>
+              <a:t>게임플레이</a:t>
+            </a:r>
+            <a:endParaRPr lang="ko-KR" altLang="en-US" b="1" dirty="0">
+              <a:ln>
+                <a:solidFill>
+                  <a:schemeClr val="accent1">
+                    <a:alpha val="0"/>
+                  </a:schemeClr>
+                </a:solidFill>
+              </a:ln>
+              <a:latin typeface="+mn-ea"/>
+            </a:endParaRPr>
+          </a:p>
+        </p:txBody>
+      </p:sp>
+      <p:sp>
+        <p:nvSpPr>
+          <p:cNvPr id="2" name="직사각형 1"/>
+          <p:cNvSpPr/>
+          <p:nvPr/>
+        </p:nvSpPr>
+        <p:spPr>
+          <a:xfrm>
+            <a:off x="179512" y="1052736"/>
+            <a:ext cx="8712968" cy="360040"/>
+          </a:xfrm>
+          <a:prstGeom prst="rect">
+            <a:avLst/>
+          </a:prstGeom>
+          <a:solidFill>
+            <a:schemeClr val="bg1">
+              <a:lumMod val="65000"/>
+            </a:schemeClr>
+          </a:solidFill>
+          <a:ln>
+            <a:noFill/>
+          </a:ln>
+        </p:spPr>
+        <p:style>
+          <a:lnRef idx="2">
+            <a:schemeClr val="accent1">
+              <a:shade val="50000"/>
+            </a:schemeClr>
+          </a:lnRef>
+          <a:fillRef idx="1">
+            <a:schemeClr val="accent1"/>
+          </a:fillRef>
+          <a:effectRef idx="0">
+            <a:schemeClr val="accent1"/>
+          </a:effectRef>
+          <a:fontRef idx="minor">
+            <a:schemeClr val="lt1"/>
+          </a:fontRef>
+        </p:style>
+        <p:txBody>
+          <a:bodyPr rtlCol="0" anchor="ctr"/>
+          <a:lstStyle/>
+          <a:p>
+            <a:pPr algn="ctr"/>
+            <a:endParaRPr lang="ko-KR" altLang="en-US"/>
+          </a:p>
+        </p:txBody>
+      </p:sp>
+      <p:sp>
+        <p:nvSpPr>
+          <p:cNvPr id="8" name="직사각형 7"/>
+          <p:cNvSpPr/>
+          <p:nvPr/>
+        </p:nvSpPr>
+        <p:spPr>
+          <a:xfrm>
+            <a:off x="185119" y="6704275"/>
+            <a:ext cx="8707361" cy="45719"/>
+          </a:xfrm>
+          <a:prstGeom prst="rect">
+            <a:avLst/>
+          </a:prstGeom>
+          <a:solidFill>
+            <a:schemeClr val="bg1">
+              <a:lumMod val="65000"/>
+            </a:schemeClr>
+          </a:solidFill>
+          <a:ln>
+            <a:noFill/>
+          </a:ln>
+        </p:spPr>
+        <p:style>
+          <a:lnRef idx="2">
+            <a:schemeClr val="accent1">
+              <a:shade val="50000"/>
+            </a:schemeClr>
+          </a:lnRef>
+          <a:fillRef idx="1">
+            <a:schemeClr val="accent1"/>
+          </a:fillRef>
+          <a:effectRef idx="0">
+            <a:schemeClr val="accent1"/>
+          </a:effectRef>
+          <a:fontRef idx="minor">
+            <a:schemeClr val="lt1"/>
+          </a:fontRef>
+        </p:style>
+        <p:txBody>
+          <a:bodyPr rtlCol="0" anchor="ctr"/>
+          <a:lstStyle/>
+          <a:p>
+            <a:pPr algn="ctr"/>
+            <a:endParaRPr lang="ko-KR" altLang="en-US"/>
+          </a:p>
+        </p:txBody>
+      </p:sp>
+      <p:sp>
+        <p:nvSpPr>
+          <p:cNvPr id="3" name="직사각형 2"/>
+          <p:cNvSpPr/>
+          <p:nvPr/>
+        </p:nvSpPr>
+        <p:spPr>
+          <a:xfrm>
+            <a:off x="185119" y="1383897"/>
+            <a:ext cx="45719" cy="5357470"/>
+          </a:xfrm>
+          <a:prstGeom prst="rect">
+            <a:avLst/>
+          </a:prstGeom>
+          <a:solidFill>
+            <a:schemeClr val="bg1">
+              <a:lumMod val="65000"/>
+            </a:schemeClr>
+          </a:solidFill>
+          <a:ln>
+            <a:noFill/>
+          </a:ln>
+        </p:spPr>
+        <p:style>
+          <a:lnRef idx="2">
+            <a:schemeClr val="accent1">
+              <a:shade val="50000"/>
+            </a:schemeClr>
+          </a:lnRef>
+          <a:fillRef idx="1">
+            <a:schemeClr val="accent1"/>
+          </a:fillRef>
+          <a:effectRef idx="0">
+            <a:schemeClr val="accent1"/>
+          </a:effectRef>
+          <a:fontRef idx="minor">
+            <a:schemeClr val="lt1"/>
+          </a:fontRef>
+        </p:style>
+        <p:txBody>
+          <a:bodyPr rtlCol="0" anchor="ctr"/>
+          <a:lstStyle/>
+          <a:p>
+            <a:pPr algn="ctr"/>
+            <a:endParaRPr lang="ko-KR" altLang="en-US"/>
+          </a:p>
+        </p:txBody>
+      </p:sp>
+      <p:sp>
+        <p:nvSpPr>
+          <p:cNvPr id="10" name="직사각형 9"/>
+          <p:cNvSpPr/>
+          <p:nvPr/>
+        </p:nvSpPr>
+        <p:spPr>
+          <a:xfrm>
+            <a:off x="8846761" y="1394116"/>
+            <a:ext cx="45719" cy="5357470"/>
+          </a:xfrm>
+          <a:prstGeom prst="rect">
+            <a:avLst/>
+          </a:prstGeom>
+          <a:solidFill>
+            <a:schemeClr val="bg1">
+              <a:lumMod val="65000"/>
+            </a:schemeClr>
+          </a:solidFill>
+          <a:ln>
+            <a:noFill/>
+          </a:ln>
+        </p:spPr>
+        <p:style>
+          <a:lnRef idx="2">
+            <a:schemeClr val="accent1">
+              <a:shade val="50000"/>
+            </a:schemeClr>
+          </a:lnRef>
+          <a:fillRef idx="1">
+            <a:schemeClr val="accent1"/>
+          </a:fillRef>
+          <a:effectRef idx="0">
+            <a:schemeClr val="accent1"/>
+          </a:effectRef>
+          <a:fontRef idx="minor">
+            <a:schemeClr val="lt1"/>
+          </a:fontRef>
+        </p:style>
+        <p:txBody>
+          <a:bodyPr rtlCol="0" anchor="ctr"/>
+          <a:lstStyle/>
+          <a:p>
+            <a:pPr algn="ctr"/>
+            <a:endParaRPr lang="ko-KR" altLang="en-US"/>
+          </a:p>
+        </p:txBody>
+      </p:sp>
+      <p:sp>
+        <p:nvSpPr>
+          <p:cNvPr id="6" name="TextBox 5"/>
+          <p:cNvSpPr txBox="1"/>
+          <p:nvPr/>
+        </p:nvSpPr>
+        <p:spPr>
+          <a:xfrm>
+            <a:off x="827584" y="1772815"/>
+            <a:ext cx="1152880" cy="646331"/>
+          </a:xfrm>
+          <a:prstGeom prst="rect">
+            <a:avLst/>
+          </a:prstGeom>
+          <a:noFill/>
+        </p:spPr>
+        <p:txBody>
+          <a:bodyPr wrap="none" rtlCol="0">
+            <a:spAutoFit/>
+          </a:bodyPr>
+          <a:lstStyle/>
+          <a:p>
+            <a:r>
+              <a:rPr lang="en-US" altLang="ko-KR" b="1" dirty="0"/>
+              <a:t>4</a:t>
+            </a:r>
+            <a:r>
+              <a:rPr lang="en-US" altLang="ko-KR" b="1" dirty="0" smtClean="0"/>
+              <a:t>. </a:t>
+            </a:r>
+            <a:r>
+              <a:rPr lang="ko-KR" altLang="en-US" b="1" dirty="0" smtClean="0"/>
+              <a:t>때리</a:t>
+            </a:r>
+            <a:r>
+              <a:rPr lang="ko-KR" altLang="en-US" b="1" dirty="0"/>
+              <a:t>기</a:t>
+            </a:r>
+            <a:endParaRPr lang="en-US" altLang="ko-KR" b="1" dirty="0" smtClean="0"/>
+          </a:p>
+          <a:p>
+            <a:endParaRPr lang="ko-KR" altLang="en-US" b="1" dirty="0"/>
+          </a:p>
+        </p:txBody>
+      </p:sp>
+      <p:sp>
+        <p:nvSpPr>
+          <p:cNvPr id="7" name="TextBox 6"/>
+          <p:cNvSpPr txBox="1"/>
+          <p:nvPr/>
+        </p:nvSpPr>
+        <p:spPr>
+          <a:xfrm>
+            <a:off x="1129380" y="5301207"/>
+            <a:ext cx="7056783" cy="646331"/>
+          </a:xfrm>
+          <a:prstGeom prst="rect">
+            <a:avLst/>
+          </a:prstGeom>
+          <a:noFill/>
+        </p:spPr>
+        <p:txBody>
+          <a:bodyPr wrap="square" rtlCol="0">
+            <a:spAutoFit/>
+          </a:bodyPr>
+          <a:lstStyle/>
+          <a:p>
+            <a:pPr marL="285750" indent="-285750">
+              <a:buFontTx/>
+              <a:buChar char="-"/>
+            </a:pPr>
+            <a:r>
+              <a:rPr lang="ko-KR" altLang="en-US" dirty="0" err="1" smtClean="0"/>
+              <a:t>몬스터의</a:t>
+            </a:r>
+            <a:r>
+              <a:rPr lang="ko-KR" altLang="en-US" dirty="0" smtClean="0"/>
+              <a:t> 시각은 상</a:t>
+            </a:r>
+            <a:r>
+              <a:rPr lang="en-US" altLang="ko-KR" dirty="0" smtClean="0"/>
+              <a:t>,</a:t>
+            </a:r>
+            <a:r>
+              <a:rPr lang="ko-KR" altLang="en-US" dirty="0" smtClean="0"/>
+              <a:t>하</a:t>
+            </a:r>
+            <a:r>
+              <a:rPr lang="en-US" altLang="ko-KR" dirty="0" smtClean="0"/>
+              <a:t>,</a:t>
+            </a:r>
+            <a:r>
+              <a:rPr lang="ko-KR" altLang="en-US" dirty="0" smtClean="0"/>
+              <a:t>좌</a:t>
+            </a:r>
+            <a:r>
+              <a:rPr lang="en-US" altLang="ko-KR" dirty="0" smtClean="0"/>
+              <a:t>,</a:t>
+            </a:r>
+            <a:r>
+              <a:rPr lang="ko-KR" altLang="en-US" dirty="0" smtClean="0"/>
+              <a:t>우</a:t>
+            </a:r>
+            <a:r>
+              <a:rPr lang="en-US" altLang="ko-KR" dirty="0"/>
+              <a:t> </a:t>
+            </a:r>
+            <a:r>
+              <a:rPr lang="ko-KR" altLang="en-US" dirty="0" smtClean="0"/>
+              <a:t>최대 </a:t>
+            </a:r>
+            <a:r>
+              <a:rPr lang="en-US" altLang="ko-KR" dirty="0" smtClean="0"/>
+              <a:t>8UNIT</a:t>
+            </a:r>
+            <a:r>
+              <a:rPr lang="ko-KR" altLang="en-US" dirty="0" smtClean="0"/>
+              <a:t> </a:t>
+            </a:r>
+            <a:endParaRPr lang="en-US" altLang="ko-KR" dirty="0" smtClean="0"/>
+          </a:p>
+          <a:p>
+            <a:pPr marL="285750" indent="-285750">
+              <a:buFontTx/>
+              <a:buChar char="-"/>
+            </a:pPr>
+            <a:r>
+              <a:rPr lang="ko-KR" altLang="en-US" dirty="0" err="1" smtClean="0"/>
+              <a:t>몬스터는</a:t>
+            </a:r>
+            <a:r>
+              <a:rPr lang="ko-KR" altLang="en-US" dirty="0" smtClean="0"/>
+              <a:t> 스스로 움직인다</a:t>
+            </a:r>
+            <a:endParaRPr lang="en-US" altLang="ko-KR" dirty="0"/>
+          </a:p>
+        </p:txBody>
+      </p:sp>
+      <p:pic>
+        <p:nvPicPr>
+          <p:cNvPr id="13" name="Picture 7" descr="C:\Users\JHE\Desktop\그림1.jpg"/>
+          <p:cNvPicPr>
+            <a:picLocks noChangeAspect="1" noChangeArrowheads="1"/>
+          </p:cNvPicPr>
+          <p:nvPr/>
+        </p:nvPicPr>
+        <p:blipFill>
+          <a:blip r:embed="rId3">
+            <a:extLst>
+              <a:ext uri="{28A0092B-C50C-407E-A947-70E740481C1C}">
+                <a14:useLocalDpi xmlns:a14="http://schemas.microsoft.com/office/drawing/2010/main" val="0"/>
+              </a:ext>
+            </a:extLst>
+          </a:blip>
+          <a:srcRect/>
+          <a:stretch>
+            <a:fillRect/>
+          </a:stretch>
+        </p:blipFill>
+        <p:spPr bwMode="auto">
+          <a:xfrm>
+            <a:off x="6261851" y="2365896"/>
+            <a:ext cx="1473827" cy="2150695"/>
+          </a:xfrm>
+          <a:prstGeom prst="rect">
+            <a:avLst/>
+          </a:prstGeom>
+          <a:noFill/>
+          <a:extLst>
+            <a:ext uri="{909E8E84-426E-40DD-AFC4-6F175D3DCCD1}">
+              <a14:hiddenFill xmlns:a14="http://schemas.microsoft.com/office/drawing/2010/main">
+                <a:solidFill>
+                  <a:srgbClr val="FFFFFF"/>
+                </a:solidFill>
+              </a14:hiddenFill>
+            </a:ext>
+          </a:extLst>
+        </p:spPr>
+      </p:pic>
+      <p:cxnSp>
+        <p:nvCxnSpPr>
+          <p:cNvPr id="17" name="직선 화살표 연결선 16"/>
+          <p:cNvCxnSpPr/>
+          <p:nvPr/>
+        </p:nvCxnSpPr>
+        <p:spPr>
+          <a:xfrm>
+            <a:off x="3059832" y="3356992"/>
+            <a:ext cx="3096344" cy="0"/>
+          </a:xfrm>
+          <a:prstGeom prst="straightConnector1">
+            <a:avLst/>
+          </a:prstGeom>
+          <a:ln w="25400">
+            <a:solidFill>
+              <a:schemeClr val="tx1"/>
+            </a:solidFill>
+            <a:headEnd type="arrow"/>
+            <a:tailEnd type="arrow"/>
+          </a:ln>
+        </p:spPr>
+        <p:style>
+          <a:lnRef idx="1">
+            <a:schemeClr val="accent1"/>
+          </a:lnRef>
+          <a:fillRef idx="0">
+            <a:schemeClr val="accent1"/>
+          </a:fillRef>
+          <a:effectRef idx="0">
+            <a:schemeClr val="accent1"/>
+          </a:effectRef>
+          <a:fontRef idx="minor">
+            <a:schemeClr val="tx1"/>
+          </a:fontRef>
+        </p:style>
+      </p:cxnSp>
+      <p:pic>
+        <p:nvPicPr>
+          <p:cNvPr id="18" name="Picture 2" descr="C:\Users\JHE\Desktop\그림3.jpg"/>
+          <p:cNvPicPr>
+            <a:picLocks noChangeAspect="1" noChangeArrowheads="1"/>
+          </p:cNvPicPr>
+          <p:nvPr/>
+        </p:nvPicPr>
+        <p:blipFill>
+          <a:blip r:embed="rId4">
+            <a:extLst>
+              <a:ext uri="{28A0092B-C50C-407E-A947-70E740481C1C}">
+                <a14:useLocalDpi xmlns:a14="http://schemas.microsoft.com/office/drawing/2010/main" val="0"/>
+              </a:ext>
+            </a:extLst>
+          </a:blip>
+          <a:srcRect/>
+          <a:stretch>
+            <a:fillRect/>
+          </a:stretch>
+        </p:blipFill>
+        <p:spPr bwMode="auto">
+          <a:xfrm>
+            <a:off x="1475656" y="2462622"/>
+            <a:ext cx="1296144" cy="1957242"/>
+          </a:xfrm>
+          <a:prstGeom prst="rect">
+            <a:avLst/>
+          </a:prstGeom>
+          <a:noFill/>
+          <a:extLst>
+            <a:ext uri="{909E8E84-426E-40DD-AFC4-6F175D3DCCD1}">
+              <a14:hiddenFill xmlns:a14="http://schemas.microsoft.com/office/drawing/2010/main">
+                <a:solidFill>
+                  <a:srgbClr val="FFFFFF"/>
+                </a:solidFill>
+              </a14:hiddenFill>
+            </a:ext>
+          </a:extLst>
+        </p:spPr>
+      </p:pic>
+      <p:sp>
+        <p:nvSpPr>
+          <p:cNvPr id="19" name="TextBox 18"/>
+          <p:cNvSpPr txBox="1"/>
+          <p:nvPr/>
+        </p:nvSpPr>
+        <p:spPr>
+          <a:xfrm>
+            <a:off x="4211960" y="2956302"/>
+            <a:ext cx="835485" cy="369332"/>
+          </a:xfrm>
+          <a:prstGeom prst="rect">
+            <a:avLst/>
+          </a:prstGeom>
+          <a:noFill/>
+        </p:spPr>
+        <p:txBody>
+          <a:bodyPr wrap="none" rtlCol="0">
+            <a:spAutoFit/>
+          </a:bodyPr>
+          <a:lstStyle/>
+          <a:p>
+            <a:r>
+              <a:rPr lang="en-US" altLang="ko-KR" dirty="0" smtClean="0"/>
+              <a:t>8UNIT</a:t>
+            </a:r>
+            <a:endParaRPr lang="ko-KR" altLang="en-US" dirty="0"/>
+          </a:p>
+        </p:txBody>
+      </p:sp>
+      <p:sp>
+        <p:nvSpPr>
+          <p:cNvPr id="27" name="포인트가 7개인 별 26"/>
+          <p:cNvSpPr/>
+          <p:nvPr/>
+        </p:nvSpPr>
+        <p:spPr>
+          <a:xfrm>
+            <a:off x="1367644" y="2810419"/>
+            <a:ext cx="1584176" cy="1093146"/>
+          </a:xfrm>
+          <a:prstGeom prst="star7">
+            <a:avLst/>
+          </a:prstGeom>
+          <a:solidFill>
+            <a:srgbClr val="FFC000"/>
+          </a:solidFill>
+          <a:ln>
+            <a:noFill/>
+          </a:ln>
+        </p:spPr>
+        <p:style>
+          <a:lnRef idx="2">
+            <a:schemeClr val="accent1">
+              <a:shade val="50000"/>
+            </a:schemeClr>
+          </a:lnRef>
+          <a:fillRef idx="1">
+            <a:schemeClr val="accent1"/>
+          </a:fillRef>
+          <a:effectRef idx="0">
+            <a:schemeClr val="accent1"/>
+          </a:effectRef>
+          <a:fontRef idx="minor">
+            <a:schemeClr val="lt1"/>
+          </a:fontRef>
+        </p:style>
+        <p:txBody>
+          <a:bodyPr rtlCol="0" anchor="ctr"/>
+          <a:lstStyle/>
+          <a:p>
+            <a:pPr algn="ctr"/>
+            <a:r>
+              <a:rPr lang="ko-KR" altLang="en-US" sz="2400" b="1" dirty="0" smtClean="0">
+                <a:solidFill>
+                  <a:schemeClr val="tx1"/>
+                </a:solidFill>
+              </a:rPr>
+              <a:t>발</a:t>
+            </a:r>
+            <a:r>
+              <a:rPr lang="ko-KR" altLang="en-US" sz="2400" b="1" dirty="0">
+                <a:solidFill>
+                  <a:schemeClr val="tx1"/>
+                </a:solidFill>
+              </a:rPr>
+              <a:t>견</a:t>
+            </a:r>
+            <a:endParaRPr lang="ko-KR" altLang="en-US" sz="2400" b="1" dirty="0">
+              <a:solidFill>
+                <a:schemeClr val="tx1"/>
+              </a:solidFill>
+            </a:endParaRPr>
+          </a:p>
+        </p:txBody>
+      </p:sp>
+      <p:cxnSp>
+        <p:nvCxnSpPr>
+          <p:cNvPr id="21" name="직선 연결선 20"/>
+          <p:cNvCxnSpPr/>
+          <p:nvPr/>
+        </p:nvCxnSpPr>
+        <p:spPr>
+          <a:xfrm flipV="1">
+            <a:off x="1151620" y="2478247"/>
+            <a:ext cx="1944216" cy="1830474"/>
+          </a:xfrm>
+          <a:prstGeom prst="line">
+            <a:avLst/>
+          </a:prstGeom>
+          <a:ln w="76200">
+            <a:solidFill>
+              <a:srgbClr val="C00000"/>
+            </a:solidFill>
+          </a:ln>
+        </p:spPr>
+        <p:style>
+          <a:lnRef idx="1">
+            <a:schemeClr val="accent1"/>
+          </a:lnRef>
+          <a:fillRef idx="0">
+            <a:schemeClr val="accent1"/>
+          </a:fillRef>
+          <a:effectRef idx="0">
+            <a:schemeClr val="accent1"/>
+          </a:effectRef>
+          <a:fontRef idx="minor">
+            <a:schemeClr val="tx1"/>
+          </a:fontRef>
+        </p:style>
+      </p:cxnSp>
+      <p:cxnSp>
+        <p:nvCxnSpPr>
+          <p:cNvPr id="22" name="직선 연결선 21"/>
+          <p:cNvCxnSpPr/>
+          <p:nvPr/>
+        </p:nvCxnSpPr>
+        <p:spPr>
+          <a:xfrm>
+            <a:off x="1259632" y="2462622"/>
+            <a:ext cx="1800200" cy="1830474"/>
+          </a:xfrm>
+          <a:prstGeom prst="line">
+            <a:avLst/>
+          </a:prstGeom>
+          <a:ln w="76200">
+            <a:solidFill>
+              <a:srgbClr val="C00000"/>
+            </a:solidFill>
+          </a:ln>
+        </p:spPr>
+        <p:style>
+          <a:lnRef idx="1">
+            <a:schemeClr val="accent1"/>
+          </a:lnRef>
+          <a:fillRef idx="0">
+            <a:schemeClr val="accent1"/>
+          </a:fillRef>
+          <a:effectRef idx="0">
+            <a:schemeClr val="accent1"/>
+          </a:effectRef>
+          <a:fontRef idx="minor">
+            <a:schemeClr val="tx1"/>
+          </a:fontRef>
+        </p:style>
+      </p:cxnSp>
+    </p:spTree>
+    <p:extLst>
+      <p:ext uri="{BB962C8B-B14F-4D97-AF65-F5344CB8AC3E}">
+        <p14:creationId xmlns:p14="http://schemas.microsoft.com/office/powerpoint/2010/main" val="728274563"/>
+      </p:ext>
+    </p:extLst>
+  </p:cSld>
+  <p:clrMapOvr>
+    <a:masterClrMapping/>
+  </p:clrMapOvr>
+</p:sld>
+</file>
+
+<file path=ppt/slides/slide15.xml><?xml version="1.0" encoding="utf-8"?>
+<p:sld xmlns:a="http://schemas.openxmlformats.org/drawingml/2006/main" xmlns:r="http://schemas.openxmlformats.org/officeDocument/2006/relationships" xmlns:p="http://schemas.openxmlformats.org/presentationml/2006/main">
+  <p:cSld>
+    <p:spTree>
+      <p:nvGrpSpPr>
+        <p:cNvPr id="1" name=""/>
+        <p:cNvGrpSpPr/>
+        <p:nvPr/>
+      </p:nvGrpSpPr>
+      <p:grpSpPr>
+        <a:xfrm>
+          <a:off x="0" y="0"/>
+          <a:ext cx="0" cy="0"/>
+          <a:chOff x="0" y="0"/>
+          <a:chExt cx="0" cy="0"/>
+        </a:xfrm>
+      </p:grpSpPr>
+      <p:sp>
+        <p:nvSpPr>
+          <p:cNvPr id="4" name="직사각형 3"/>
+          <p:cNvSpPr/>
+          <p:nvPr/>
+        </p:nvSpPr>
+        <p:spPr>
+          <a:xfrm>
+            <a:off x="0" y="404664"/>
+            <a:ext cx="9144000" cy="504056"/>
+          </a:xfrm>
+          <a:prstGeom prst="rect">
+            <a:avLst/>
+          </a:prstGeom>
+          <a:solidFill>
+            <a:srgbClr val="FD4B62"/>
+          </a:solidFill>
+          <a:ln>
+            <a:noFill/>
+          </a:ln>
+        </p:spPr>
+        <p:style>
+          <a:lnRef idx="2">
+            <a:schemeClr val="accent1">
+              <a:shade val="50000"/>
+            </a:schemeClr>
+          </a:lnRef>
+          <a:fillRef idx="1">
+            <a:schemeClr val="accent1"/>
+          </a:fillRef>
+          <a:effectRef idx="0">
+            <a:schemeClr val="accent1"/>
+          </a:effectRef>
+          <a:fontRef idx="minor">
+            <a:schemeClr val="lt1"/>
+          </a:fontRef>
+        </p:style>
+        <p:txBody>
+          <a:bodyPr rtlCol="0" anchor="ctr"/>
+          <a:lstStyle/>
+          <a:p>
+            <a:pPr algn="ctr"/>
+            <a:endParaRPr lang="ko-KR" altLang="en-US" sz="2000" b="1" dirty="0">
+              <a:ln>
+                <a:solidFill>
+                  <a:schemeClr val="accent1">
+                    <a:alpha val="0"/>
+                  </a:schemeClr>
+                </a:solidFill>
+              </a:ln>
+              <a:latin typeface="+mn-ea"/>
+            </a:endParaRPr>
+          </a:p>
+        </p:txBody>
+      </p:sp>
+      <p:sp>
+        <p:nvSpPr>
+          <p:cNvPr id="5" name="TextBox 4"/>
+          <p:cNvSpPr txBox="1"/>
+          <p:nvPr/>
+        </p:nvSpPr>
+        <p:spPr>
+          <a:xfrm>
+            <a:off x="0" y="0"/>
+            <a:ext cx="3059832" cy="400110"/>
+          </a:xfrm>
+          <a:prstGeom prst="rect">
+            <a:avLst/>
+          </a:prstGeom>
+          <a:noFill/>
+        </p:spPr>
+        <p:txBody>
+          <a:bodyPr wrap="square" rtlCol="0">
+            <a:spAutoFit/>
+          </a:bodyPr>
+          <a:lstStyle/>
+          <a:p>
+            <a:r>
+              <a:rPr lang="en-US" altLang="ko-KR" sz="2000" b="1" dirty="0">
+                <a:ln>
+                  <a:solidFill>
+                    <a:schemeClr val="accent1">
+                      <a:alpha val="0"/>
+                    </a:schemeClr>
+                  </a:solidFill>
+                </a:ln>
+                <a:latin typeface="+mn-ea"/>
+              </a:rPr>
+              <a:t>3</a:t>
+            </a:r>
+            <a:r>
+              <a:rPr lang="en-US" altLang="ko-KR" sz="2000" b="1" dirty="0" smtClean="0">
+                <a:ln>
+                  <a:solidFill>
+                    <a:schemeClr val="accent1">
+                      <a:alpha val="0"/>
+                    </a:schemeClr>
+                  </a:solidFill>
+                </a:ln>
+                <a:latin typeface="+mn-ea"/>
+              </a:rPr>
+              <a:t>/</a:t>
+            </a:r>
+            <a:r>
+              <a:rPr lang="ko-KR" altLang="en-US" sz="2000" b="1" dirty="0" smtClean="0">
+                <a:ln>
+                  <a:solidFill>
+                    <a:schemeClr val="accent1">
+                      <a:alpha val="0"/>
+                    </a:schemeClr>
+                  </a:solidFill>
+                </a:ln>
+                <a:latin typeface="+mn-ea"/>
+              </a:rPr>
+              <a:t>기술요</a:t>
+            </a:r>
+            <a:r>
+              <a:rPr lang="ko-KR" altLang="en-US" sz="2000" b="1" dirty="0">
+                <a:ln>
+                  <a:solidFill>
+                    <a:schemeClr val="accent1">
+                      <a:alpha val="0"/>
+                    </a:schemeClr>
+                  </a:solidFill>
+                </a:ln>
+                <a:latin typeface="+mn-ea"/>
+              </a:rPr>
+              <a:t>소</a:t>
+            </a:r>
+            <a:endParaRPr lang="ko-KR" altLang="en-US" b="1" dirty="0">
+              <a:ln>
+                <a:solidFill>
+                  <a:schemeClr val="accent1">
+                    <a:alpha val="0"/>
+                  </a:schemeClr>
+                </a:solidFill>
+              </a:ln>
+              <a:latin typeface="+mn-ea"/>
+            </a:endParaRPr>
+          </a:p>
+        </p:txBody>
+      </p:sp>
+    </p:spTree>
+    <p:extLst>
+      <p:ext uri="{BB962C8B-B14F-4D97-AF65-F5344CB8AC3E}">
+        <p14:creationId xmlns:p14="http://schemas.microsoft.com/office/powerpoint/2010/main" val="3402519836"/>
+      </p:ext>
+    </p:extLst>
+  </p:cSld>
+  <p:clrMapOvr>
+    <a:masterClrMapping/>
+  </p:clrMapOvr>
+</p:sld>
+</file>
+
+<file path=ppt/slides/slide16.xml><?xml version="1.0" encoding="utf-8"?>
+<p:sld xmlns:a="http://schemas.openxmlformats.org/drawingml/2006/main" xmlns:r="http://schemas.openxmlformats.org/officeDocument/2006/relationships" xmlns:p="http://schemas.openxmlformats.org/presentationml/2006/main">
+  <p:cSld>
+    <p:spTree>
+      <p:nvGrpSpPr>
+        <p:cNvPr id="1" name=""/>
+        <p:cNvGrpSpPr/>
+        <p:nvPr/>
+      </p:nvGrpSpPr>
+      <p:grpSpPr>
+        <a:xfrm>
+          <a:off x="0" y="0"/>
+          <a:ext cx="0" cy="0"/>
+          <a:chOff x="0" y="0"/>
+          <a:chExt cx="0" cy="0"/>
+        </a:xfrm>
+      </p:grpSpPr>
+      <p:sp>
+        <p:nvSpPr>
+          <p:cNvPr id="4" name="직사각형 3"/>
+          <p:cNvSpPr/>
+          <p:nvPr/>
+        </p:nvSpPr>
+        <p:spPr>
+          <a:xfrm>
+            <a:off x="0" y="404664"/>
+            <a:ext cx="9144000" cy="504056"/>
+          </a:xfrm>
+          <a:prstGeom prst="rect">
+            <a:avLst/>
+          </a:prstGeom>
+          <a:solidFill>
+            <a:srgbClr val="FD4B62"/>
+          </a:solidFill>
+          <a:ln>
+            <a:noFill/>
+          </a:ln>
+        </p:spPr>
+        <p:style>
+          <a:lnRef idx="2">
+            <a:schemeClr val="accent1">
+              <a:shade val="50000"/>
+            </a:schemeClr>
+          </a:lnRef>
+          <a:fillRef idx="1">
+            <a:schemeClr val="accent1"/>
+          </a:fillRef>
+          <a:effectRef idx="0">
+            <a:schemeClr val="accent1"/>
+          </a:effectRef>
+          <a:fontRef idx="minor">
+            <a:schemeClr val="lt1"/>
+          </a:fontRef>
+        </p:style>
+        <p:txBody>
+          <a:bodyPr rtlCol="0" anchor="ctr"/>
+          <a:lstStyle/>
+          <a:p>
+            <a:pPr algn="ctr"/>
+            <a:endParaRPr lang="ko-KR" altLang="en-US" sz="2000" b="1" dirty="0">
+              <a:ln>
+                <a:solidFill>
+                  <a:schemeClr val="accent1">
+                    <a:alpha val="0"/>
+                  </a:schemeClr>
+                </a:solidFill>
+              </a:ln>
+              <a:latin typeface="+mn-ea"/>
+            </a:endParaRPr>
+          </a:p>
+        </p:txBody>
+      </p:sp>
+      <p:sp>
+        <p:nvSpPr>
+          <p:cNvPr id="5" name="TextBox 4"/>
+          <p:cNvSpPr txBox="1"/>
+          <p:nvPr/>
+        </p:nvSpPr>
+        <p:spPr>
+          <a:xfrm>
+            <a:off x="0" y="0"/>
+            <a:ext cx="3059832" cy="400110"/>
+          </a:xfrm>
+          <a:prstGeom prst="rect">
+            <a:avLst/>
+          </a:prstGeom>
+          <a:noFill/>
+        </p:spPr>
+        <p:txBody>
+          <a:bodyPr wrap="square" rtlCol="0">
+            <a:spAutoFit/>
+          </a:bodyPr>
+          <a:lstStyle/>
+          <a:p>
+            <a:r>
               <a:rPr lang="en-US" altLang="ko-KR" sz="2000" b="1" dirty="0" smtClean="0">
                 <a:ln>
                   <a:solidFill>
@@ -7166,7 +8651,7 @@
 </p:sld>
 </file>
 
-<file path=ppt/slides/slide15.xml><?xml version="1.0" encoding="utf-8"?>
+<file path=ppt/slides/slide17.xml><?xml version="1.0" encoding="utf-8"?>
 <p:sld xmlns:a="http://schemas.openxmlformats.org/drawingml/2006/main" xmlns:r="http://schemas.openxmlformats.org/officeDocument/2006/relationships" xmlns:p="http://schemas.openxmlformats.org/presentationml/2006/main">
   <p:cSld>
     <p:spTree>
@@ -12482,7 +13967,7 @@
         </p:blipFill>
         <p:spPr bwMode="auto">
           <a:xfrm>
-            <a:off x="467544" y="1492989"/>
+            <a:off x="1835696" y="1502161"/>
             <a:ext cx="5472608" cy="3739615"/>
           </a:xfrm>
           <a:prstGeom prst="rect">
@@ -12508,7 +13993,7 @@
         </p:nvCxnSpPr>
         <p:spPr>
           <a:xfrm>
-            <a:off x="6156176" y="1492989"/>
+            <a:off x="7516771" y="1492989"/>
             <a:ext cx="0" cy="3739615"/>
           </a:xfrm>
           <a:prstGeom prst="straightConnector1">
@@ -12545,7 +14030,7 @@
         </p:nvSpPr>
         <p:spPr>
           <a:xfrm>
-            <a:off x="6228184" y="3068960"/>
+            <a:off x="7524328" y="3081453"/>
             <a:ext cx="962123" cy="369332"/>
           </a:xfrm>
           <a:prstGeom prst="rect">
@@ -12575,7 +14060,7 @@
         </p:nvSpPr>
         <p:spPr>
           <a:xfrm>
-            <a:off x="2578770" y="5398604"/>
+            <a:off x="4355976" y="5420969"/>
             <a:ext cx="962123" cy="369332"/>
           </a:xfrm>
           <a:prstGeom prst="rect">
@@ -12605,7 +14090,7 @@
         </p:nvCxnSpPr>
         <p:spPr>
           <a:xfrm>
-            <a:off x="467544" y="5398604"/>
+            <a:off x="1972155" y="5398604"/>
             <a:ext cx="5544616" cy="0"/>
           </a:xfrm>
           <a:prstGeom prst="straightConnector1">

--- a/기획문서/게임 제안서.pptx
+++ b/기획문서/게임 제안서.pptx
@@ -5747,11 +5747,7 @@
             </a:r>
             <a:r>
               <a:rPr lang="ko-KR" altLang="en-US" dirty="0" smtClean="0"/>
-              <a:t> 캐릭터가 </a:t>
-            </a:r>
-            <a:r>
-              <a:rPr lang="ko-KR" altLang="en-US" dirty="0" smtClean="0"/>
-              <a:t>받게 되면 </a:t>
+              <a:t> 캐릭터가 받게 되면 </a:t>
             </a:r>
             <a:r>
               <a:rPr lang="ko-KR" altLang="en-US" dirty="0" err="1" smtClean="0"/>
@@ -6281,7 +6277,11 @@
             </a:r>
             <a:r>
               <a:rPr lang="ko-KR" altLang="en-US" dirty="0" smtClean="0"/>
-              <a:t> 회전을 반복한다</a:t>
+              <a:t> 회전을 </a:t>
+            </a:r>
+            <a:r>
+              <a:rPr lang="ko-KR" altLang="en-US" dirty="0" smtClean="0"/>
+              <a:t>반복함</a:t>
             </a:r>
             <a:endParaRPr lang="en-US" altLang="ko-KR" dirty="0" smtClean="0"/>
           </a:p>
@@ -6299,7 +6299,7 @@
             </a:pPr>
             <a:r>
               <a:rPr lang="ko-KR" altLang="en-US" dirty="0" smtClean="0"/>
-              <a:t>빛을 꺼지지 않는다</a:t>
+              <a:t>빛에 따라 장애물의 그림자가 변함</a:t>
             </a:r>
             <a:endParaRPr lang="en-US" altLang="ko-KR" dirty="0" smtClean="0"/>
           </a:p>
@@ -7881,11 +7881,6 @@
               </a:rPr>
               <a:t>견</a:t>
             </a:r>
-            <a:endParaRPr lang="ko-KR" altLang="en-US" sz="2400" b="1" dirty="0">
-              <a:solidFill>
-                <a:schemeClr val="tx1"/>
-              </a:solidFill>
-            </a:endParaRPr>
           </a:p>
         </p:txBody>
       </p:sp>

--- a/기획문서/게임 제안서.pptx
+++ b/기획문서/게임 제안서.pptx
@@ -5,7 +5,7 @@
     <p:sldMasterId id="2147483648" r:id="rId1"/>
   </p:sldMasterIdLst>
   <p:notesMasterIdLst>
-    <p:notesMasterId r:id="rId19"/>
+    <p:notesMasterId r:id="rId22"/>
   </p:notesMasterIdLst>
   <p:sldIdLst>
     <p:sldId id="257" r:id="rId2"/>
@@ -24,19 +24,22 @@
     <p:sldId id="276" r:id="rId15"/>
     <p:sldId id="266" r:id="rId16"/>
     <p:sldId id="273" r:id="rId17"/>
-    <p:sldId id="263" r:id="rId18"/>
+    <p:sldId id="277" r:id="rId18"/>
+    <p:sldId id="279" r:id="rId19"/>
+    <p:sldId id="278" r:id="rId20"/>
+    <p:sldId id="263" r:id="rId21"/>
   </p:sldIdLst>
   <p:sldSz cx="9144000" cy="6858000" type="screen4x3"/>
   <p:notesSz cx="6858000" cy="9144000"/>
   <p:embeddedFontLst>
     <p:embeddedFont>
-      <p:font typeface="나눔고딕 ExtraBold" charset="-127"/>
-      <p:bold r:id="rId20"/>
+      <p:font typeface="나눔고딕 ExtraBold" panose="020B0600000101010101" charset="-127"/>
+      <p:bold r:id="rId23"/>
     </p:embeddedFont>
     <p:embeddedFont>
-      <p:font typeface="맑은 고딕" pitchFamily="50" charset="-127"/>
-      <p:regular r:id="rId21"/>
-      <p:bold r:id="rId22"/>
+      <p:font typeface="맑은 고딕" panose="020B0503020000020004" pitchFamily="50" charset="-127"/>
+      <p:regular r:id="rId24"/>
+      <p:bold r:id="rId25"/>
     </p:embeddedFont>
   </p:embeddedFontLst>
   <p:defaultTextStyle>
@@ -806,6 +809,252 @@
               <a:rPr lang="ko-KR" altLang="en-US" smtClean="0"/>
               <a:pPr/>
               <a:t>16</a:t>
+            </a:fld>
+            <a:endParaRPr lang="ko-KR" altLang="en-US"/>
+          </a:p>
+        </p:txBody>
+      </p:sp>
+    </p:spTree>
+  </p:cSld>
+  <p:clrMapOvr>
+    <a:masterClrMapping/>
+  </p:clrMapOvr>
+</p:notes>
+</file>
+
+<file path=ppt/notesSlides/notesSlide13.xml><?xml version="1.0" encoding="utf-8"?>
+<p:notes xmlns:a="http://schemas.openxmlformats.org/drawingml/2006/main" xmlns:r="http://schemas.openxmlformats.org/officeDocument/2006/relationships" xmlns:p="http://schemas.openxmlformats.org/presentationml/2006/main">
+  <p:cSld>
+    <p:spTree>
+      <p:nvGrpSpPr>
+        <p:cNvPr id="1" name=""/>
+        <p:cNvGrpSpPr/>
+        <p:nvPr/>
+      </p:nvGrpSpPr>
+      <p:grpSpPr>
+        <a:xfrm>
+          <a:off x="0" y="0"/>
+          <a:ext cx="0" cy="0"/>
+          <a:chOff x="0" y="0"/>
+          <a:chExt cx="0" cy="0"/>
+        </a:xfrm>
+      </p:grpSpPr>
+      <p:sp>
+        <p:nvSpPr>
+          <p:cNvPr id="2" name="슬라이드 이미지 개체 틀 1"/>
+          <p:cNvSpPr>
+            <a:spLocks noGrp="1" noRot="1" noChangeAspect="1"/>
+          </p:cNvSpPr>
+          <p:nvPr>
+            <p:ph type="sldImg"/>
+          </p:nvPr>
+        </p:nvSpPr>
+        <p:spPr/>
+      </p:sp>
+      <p:sp>
+        <p:nvSpPr>
+          <p:cNvPr id="3" name="슬라이드 노트 개체 틀 2"/>
+          <p:cNvSpPr>
+            <a:spLocks noGrp="1"/>
+          </p:cNvSpPr>
+          <p:nvPr>
+            <p:ph type="body" idx="1"/>
+          </p:nvPr>
+        </p:nvSpPr>
+        <p:spPr/>
+        <p:txBody>
+          <a:bodyPr>
+            <a:normAutofit/>
+          </a:bodyPr>
+          <a:lstStyle/>
+          <a:p>
+            <a:endParaRPr lang="ko-KR" altLang="en-US" dirty="0"/>
+          </a:p>
+        </p:txBody>
+      </p:sp>
+      <p:sp>
+        <p:nvSpPr>
+          <p:cNvPr id="4" name="슬라이드 번호 개체 틀 3"/>
+          <p:cNvSpPr>
+            <a:spLocks noGrp="1"/>
+          </p:cNvSpPr>
+          <p:nvPr>
+            <p:ph type="sldNum" sz="quarter" idx="10"/>
+          </p:nvPr>
+        </p:nvSpPr>
+        <p:spPr/>
+        <p:txBody>
+          <a:bodyPr/>
+          <a:lstStyle/>
+          <a:p>
+            <a:fld id="{4A154A2B-6412-4D58-A6C1-BD0167DA1068}" type="slidenum">
+              <a:rPr lang="ko-KR" altLang="en-US" smtClean="0"/>
+              <a:pPr/>
+              <a:t>17</a:t>
+            </a:fld>
+            <a:endParaRPr lang="ko-KR" altLang="en-US"/>
+          </a:p>
+        </p:txBody>
+      </p:sp>
+    </p:spTree>
+  </p:cSld>
+  <p:clrMapOvr>
+    <a:masterClrMapping/>
+  </p:clrMapOvr>
+</p:notes>
+</file>
+
+<file path=ppt/notesSlides/notesSlide14.xml><?xml version="1.0" encoding="utf-8"?>
+<p:notes xmlns:a="http://schemas.openxmlformats.org/drawingml/2006/main" xmlns:r="http://schemas.openxmlformats.org/officeDocument/2006/relationships" xmlns:p="http://schemas.openxmlformats.org/presentationml/2006/main">
+  <p:cSld>
+    <p:spTree>
+      <p:nvGrpSpPr>
+        <p:cNvPr id="1" name=""/>
+        <p:cNvGrpSpPr/>
+        <p:nvPr/>
+      </p:nvGrpSpPr>
+      <p:grpSpPr>
+        <a:xfrm>
+          <a:off x="0" y="0"/>
+          <a:ext cx="0" cy="0"/>
+          <a:chOff x="0" y="0"/>
+          <a:chExt cx="0" cy="0"/>
+        </a:xfrm>
+      </p:grpSpPr>
+      <p:sp>
+        <p:nvSpPr>
+          <p:cNvPr id="2" name="슬라이드 이미지 개체 틀 1"/>
+          <p:cNvSpPr>
+            <a:spLocks noGrp="1" noRot="1" noChangeAspect="1"/>
+          </p:cNvSpPr>
+          <p:nvPr>
+            <p:ph type="sldImg"/>
+          </p:nvPr>
+        </p:nvSpPr>
+        <p:spPr/>
+      </p:sp>
+      <p:sp>
+        <p:nvSpPr>
+          <p:cNvPr id="3" name="슬라이드 노트 개체 틀 2"/>
+          <p:cNvSpPr>
+            <a:spLocks noGrp="1"/>
+          </p:cNvSpPr>
+          <p:nvPr>
+            <p:ph type="body" idx="1"/>
+          </p:nvPr>
+        </p:nvSpPr>
+        <p:spPr/>
+        <p:txBody>
+          <a:bodyPr>
+            <a:normAutofit/>
+          </a:bodyPr>
+          <a:lstStyle/>
+          <a:p>
+            <a:endParaRPr lang="ko-KR" altLang="en-US" dirty="0"/>
+          </a:p>
+        </p:txBody>
+      </p:sp>
+      <p:sp>
+        <p:nvSpPr>
+          <p:cNvPr id="4" name="슬라이드 번호 개체 틀 3"/>
+          <p:cNvSpPr>
+            <a:spLocks noGrp="1"/>
+          </p:cNvSpPr>
+          <p:nvPr>
+            <p:ph type="sldNum" sz="quarter" idx="10"/>
+          </p:nvPr>
+        </p:nvSpPr>
+        <p:spPr/>
+        <p:txBody>
+          <a:bodyPr/>
+          <a:lstStyle/>
+          <a:p>
+            <a:fld id="{4A154A2B-6412-4D58-A6C1-BD0167DA1068}" type="slidenum">
+              <a:rPr lang="ko-KR" altLang="en-US" smtClean="0"/>
+              <a:pPr/>
+              <a:t>18</a:t>
+            </a:fld>
+            <a:endParaRPr lang="ko-KR" altLang="en-US"/>
+          </a:p>
+        </p:txBody>
+      </p:sp>
+    </p:spTree>
+  </p:cSld>
+  <p:clrMapOvr>
+    <a:masterClrMapping/>
+  </p:clrMapOvr>
+</p:notes>
+</file>
+
+<file path=ppt/notesSlides/notesSlide15.xml><?xml version="1.0" encoding="utf-8"?>
+<p:notes xmlns:a="http://schemas.openxmlformats.org/drawingml/2006/main" xmlns:r="http://schemas.openxmlformats.org/officeDocument/2006/relationships" xmlns:p="http://schemas.openxmlformats.org/presentationml/2006/main">
+  <p:cSld>
+    <p:spTree>
+      <p:nvGrpSpPr>
+        <p:cNvPr id="1" name=""/>
+        <p:cNvGrpSpPr/>
+        <p:nvPr/>
+      </p:nvGrpSpPr>
+      <p:grpSpPr>
+        <a:xfrm>
+          <a:off x="0" y="0"/>
+          <a:ext cx="0" cy="0"/>
+          <a:chOff x="0" y="0"/>
+          <a:chExt cx="0" cy="0"/>
+        </a:xfrm>
+      </p:grpSpPr>
+      <p:sp>
+        <p:nvSpPr>
+          <p:cNvPr id="2" name="슬라이드 이미지 개체 틀 1"/>
+          <p:cNvSpPr>
+            <a:spLocks noGrp="1" noRot="1" noChangeAspect="1"/>
+          </p:cNvSpPr>
+          <p:nvPr>
+            <p:ph type="sldImg"/>
+          </p:nvPr>
+        </p:nvSpPr>
+        <p:spPr/>
+      </p:sp>
+      <p:sp>
+        <p:nvSpPr>
+          <p:cNvPr id="3" name="슬라이드 노트 개체 틀 2"/>
+          <p:cNvSpPr>
+            <a:spLocks noGrp="1"/>
+          </p:cNvSpPr>
+          <p:nvPr>
+            <p:ph type="body" idx="1"/>
+          </p:nvPr>
+        </p:nvSpPr>
+        <p:spPr/>
+        <p:txBody>
+          <a:bodyPr>
+            <a:normAutofit/>
+          </a:bodyPr>
+          <a:lstStyle/>
+          <a:p>
+            <a:endParaRPr lang="ko-KR" altLang="en-US" dirty="0"/>
+          </a:p>
+        </p:txBody>
+      </p:sp>
+      <p:sp>
+        <p:nvSpPr>
+          <p:cNvPr id="4" name="슬라이드 번호 개체 틀 3"/>
+          <p:cNvSpPr>
+            <a:spLocks noGrp="1"/>
+          </p:cNvSpPr>
+          <p:nvPr>
+            <p:ph type="sldNum" sz="quarter" idx="10"/>
+          </p:nvPr>
+        </p:nvSpPr>
+        <p:spPr/>
+        <p:txBody>
+          <a:bodyPr/>
+          <a:lstStyle/>
+          <a:p>
+            <a:fld id="{4A154A2B-6412-4D58-A6C1-BD0167DA1068}" type="slidenum">
+              <a:rPr lang="ko-KR" altLang="en-US" smtClean="0"/>
+              <a:pPr/>
+              <a:t>19</a:t>
             </a:fld>
             <a:endParaRPr lang="ko-KR" altLang="en-US"/>
           </a:p>
@@ -6277,11 +6526,7 @@
             </a:r>
             <a:r>
               <a:rPr lang="ko-KR" altLang="en-US" dirty="0" smtClean="0"/>
-              <a:t> 회전을 </a:t>
-            </a:r>
-            <a:r>
-              <a:rPr lang="ko-KR" altLang="en-US" dirty="0" smtClean="0"/>
-              <a:t>반복함</a:t>
+              <a:t> 회전을 반복함</a:t>
             </a:r>
             <a:endParaRPr lang="en-US" altLang="ko-KR" dirty="0" smtClean="0"/>
           </a:p>
@@ -8098,20 +8343,7 @@
                 </a:ln>
                 <a:latin typeface="+mn-ea"/>
               </a:rPr>
-              <a:t>기술요</a:t>
-            </a:r>
-            <a:r>
-              <a:rPr lang="ko-KR" altLang="en-US" sz="2000" b="1" dirty="0">
-                <a:ln>
-                  <a:solidFill>
-                    <a:schemeClr val="accent1">
-                      <a:alpha val="0"/>
-                    </a:schemeClr>
-                  </a:solidFill>
-                </a:ln>
-                <a:latin typeface="+mn-ea"/>
-              </a:rPr>
-              <a:t>소</a:t>
+              <a:t>개발환경</a:t>
             </a:r>
             <a:endParaRPr lang="ko-KR" altLang="en-US" b="1" dirty="0">
               <a:ln>
@@ -8126,6 +8358,816 @@
           </a:p>
         </p:txBody>
       </p:sp>
+      <p:grpSp>
+        <p:nvGrpSpPr>
+          <p:cNvPr id="58" name="그룹 57"/>
+          <p:cNvGrpSpPr/>
+          <p:nvPr/>
+        </p:nvGrpSpPr>
+        <p:grpSpPr>
+          <a:xfrm>
+            <a:off x="4697149" y="4172872"/>
+            <a:ext cx="4068452" cy="643487"/>
+            <a:chOff x="899592" y="1724864"/>
+            <a:chExt cx="4237997" cy="713179"/>
+          </a:xfrm>
+        </p:grpSpPr>
+        <p:sp>
+          <p:nvSpPr>
+            <p:cNvPr id="59" name="직사각형 58"/>
+            <p:cNvSpPr/>
+            <p:nvPr/>
+          </p:nvSpPr>
+          <p:spPr>
+            <a:xfrm>
+              <a:off x="1691678" y="2000082"/>
+              <a:ext cx="3351554" cy="437960"/>
+            </a:xfrm>
+            <a:prstGeom prst="rect">
+              <a:avLst/>
+            </a:prstGeom>
+          </p:spPr>
+          <p:txBody>
+            <a:bodyPr wrap="square">
+              <a:spAutoFit/>
+            </a:bodyPr>
+            <a:lstStyle/>
+            <a:p>
+              <a:pPr algn="ctr">
+                <a:defRPr lang="ko-KR" altLang="en-US"/>
+              </a:pPr>
+              <a:r>
+                <a:rPr lang="en-US" altLang="ko-KR" sz="2000" dirty="0">
+                  <a:ln w="9525">
+                    <a:solidFill>
+                      <a:schemeClr val="bg1">
+                        <a:lumMod val="65000"/>
+                        <a:alpha val="0"/>
+                      </a:schemeClr>
+                    </a:solidFill>
+                  </a:ln>
+                  <a:latin typeface="한컴 윤고딕 720"/>
+                  <a:ea typeface="한컴 윤고딕 720"/>
+                </a:rPr>
+                <a:t>Autodesk 3Ds Max</a:t>
+              </a:r>
+              <a:endParaRPr lang="ko-KR" altLang="en-US" sz="2000" dirty="0">
+                <a:ln w="9525">
+                  <a:solidFill>
+                    <a:schemeClr val="bg1">
+                      <a:lumMod val="65000"/>
+                      <a:alpha val="0"/>
+                    </a:schemeClr>
+                  </a:solidFill>
+                </a:ln>
+                <a:latin typeface="한컴 윤고딕 720"/>
+                <a:ea typeface="한컴 윤고딕 720"/>
+              </a:endParaRPr>
+            </a:p>
+          </p:txBody>
+        </p:sp>
+        <p:cxnSp>
+          <p:nvCxnSpPr>
+            <p:cNvPr id="60" name="직선 연결선 59"/>
+            <p:cNvCxnSpPr/>
+            <p:nvPr/>
+          </p:nvCxnSpPr>
+          <p:spPr>
+            <a:xfrm>
+              <a:off x="899592" y="2430310"/>
+              <a:ext cx="4237997" cy="0"/>
+            </a:xfrm>
+            <a:prstGeom prst="line">
+              <a:avLst/>
+            </a:prstGeom>
+            <a:ln w="12700">
+              <a:solidFill>
+                <a:schemeClr val="tx1">
+                  <a:lumMod val="65000"/>
+                  <a:lumOff val="35000"/>
+                </a:schemeClr>
+              </a:solidFill>
+            </a:ln>
+          </p:spPr>
+          <p:style>
+            <a:lnRef idx="1">
+              <a:schemeClr val="accent1"/>
+            </a:lnRef>
+            <a:fillRef idx="0">
+              <a:schemeClr val="accent1"/>
+            </a:fillRef>
+            <a:effectRef idx="0">
+              <a:schemeClr val="accent1"/>
+            </a:effectRef>
+            <a:fontRef idx="minor">
+              <a:schemeClr val="tx1"/>
+            </a:fontRef>
+          </p:style>
+        </p:cxnSp>
+        <p:pic>
+          <p:nvPicPr>
+            <p:cNvPr id="61" name="그림 60"/>
+            <p:cNvPicPr>
+              <a:picLocks noChangeAspect="1"/>
+            </p:cNvPicPr>
+            <p:nvPr/>
+          </p:nvPicPr>
+          <p:blipFill rotWithShape="1">
+            <a:blip r:embed="rId3"/>
+            <a:stretch>
+              <a:fillRect/>
+            </a:stretch>
+          </p:blipFill>
+          <p:spPr>
+            <a:xfrm>
+              <a:off x="950349" y="1724864"/>
+              <a:ext cx="551395" cy="675333"/>
+            </a:xfrm>
+            <a:prstGeom prst="rect">
+              <a:avLst/>
+            </a:prstGeom>
+          </p:spPr>
+        </p:pic>
+      </p:grpSp>
+      <p:grpSp>
+        <p:nvGrpSpPr>
+          <p:cNvPr id="66" name="그룹 65"/>
+          <p:cNvGrpSpPr/>
+          <p:nvPr/>
+        </p:nvGrpSpPr>
+        <p:grpSpPr>
+          <a:xfrm>
+            <a:off x="233520" y="4168287"/>
+            <a:ext cx="4068360" cy="648072"/>
+            <a:chOff x="899592" y="1755279"/>
+            <a:chExt cx="4237997" cy="675031"/>
+          </a:xfrm>
+        </p:grpSpPr>
+        <p:sp>
+          <p:nvSpPr>
+            <p:cNvPr id="67" name="직사각형 66"/>
+            <p:cNvSpPr/>
+            <p:nvPr/>
+          </p:nvSpPr>
+          <p:spPr>
+            <a:xfrm>
+              <a:off x="1691678" y="2000084"/>
+              <a:ext cx="3351552" cy="412377"/>
+            </a:xfrm>
+            <a:prstGeom prst="rect">
+              <a:avLst/>
+            </a:prstGeom>
+          </p:spPr>
+          <p:txBody>
+            <a:bodyPr wrap="square">
+              <a:spAutoFit/>
+            </a:bodyPr>
+            <a:lstStyle/>
+            <a:p>
+              <a:pPr algn="ctr">
+                <a:defRPr lang="ko-KR" altLang="en-US"/>
+              </a:pPr>
+              <a:r>
+                <a:rPr lang="en-US" altLang="ko-KR" sz="2000" dirty="0">
+                  <a:ln w="9525">
+                    <a:solidFill>
+                      <a:schemeClr val="bg1">
+                        <a:lumMod val="65000"/>
+                        <a:alpha val="0"/>
+                      </a:schemeClr>
+                    </a:solidFill>
+                  </a:ln>
+                  <a:latin typeface="한컴 윤고딕 720"/>
+                  <a:ea typeface="한컴 윤고딕 720"/>
+                </a:rPr>
+                <a:t>Adobe Photoshop CS5</a:t>
+              </a:r>
+              <a:endParaRPr lang="ko-KR" altLang="en-US" sz="2000" dirty="0">
+                <a:ln w="9525">
+                  <a:solidFill>
+                    <a:schemeClr val="bg1">
+                      <a:lumMod val="65000"/>
+                      <a:alpha val="0"/>
+                    </a:schemeClr>
+                  </a:solidFill>
+                </a:ln>
+                <a:latin typeface="한컴 윤고딕 720"/>
+                <a:ea typeface="한컴 윤고딕 720"/>
+              </a:endParaRPr>
+            </a:p>
+          </p:txBody>
+        </p:sp>
+        <p:cxnSp>
+          <p:nvCxnSpPr>
+            <p:cNvPr id="68" name="직선 연결선 67"/>
+            <p:cNvCxnSpPr/>
+            <p:nvPr/>
+          </p:nvCxnSpPr>
+          <p:spPr>
+            <a:xfrm>
+              <a:off x="899592" y="2430310"/>
+              <a:ext cx="4237997" cy="0"/>
+            </a:xfrm>
+            <a:prstGeom prst="line">
+              <a:avLst/>
+            </a:prstGeom>
+            <a:ln w="12700">
+              <a:solidFill>
+                <a:schemeClr val="tx1">
+                  <a:lumMod val="65000"/>
+                  <a:lumOff val="35000"/>
+                </a:schemeClr>
+              </a:solidFill>
+            </a:ln>
+          </p:spPr>
+          <p:style>
+            <a:lnRef idx="1">
+              <a:schemeClr val="accent1"/>
+            </a:lnRef>
+            <a:fillRef idx="0">
+              <a:schemeClr val="accent1"/>
+            </a:fillRef>
+            <a:effectRef idx="0">
+              <a:schemeClr val="accent1"/>
+            </a:effectRef>
+            <a:fontRef idx="minor">
+              <a:schemeClr val="tx1"/>
+            </a:fontRef>
+          </p:style>
+        </p:cxnSp>
+        <p:pic>
+          <p:nvPicPr>
+            <p:cNvPr id="69" name="그림 68"/>
+            <p:cNvPicPr>
+              <a:picLocks noChangeAspect="1"/>
+            </p:cNvPicPr>
+            <p:nvPr/>
+          </p:nvPicPr>
+          <p:blipFill rotWithShape="1">
+            <a:blip r:embed="rId4"/>
+            <a:stretch>
+              <a:fillRect/>
+            </a:stretch>
+          </p:blipFill>
+          <p:spPr>
+            <a:xfrm>
+              <a:off x="899592" y="1755279"/>
+              <a:ext cx="652910" cy="614503"/>
+            </a:xfrm>
+            <a:prstGeom prst="rect">
+              <a:avLst/>
+            </a:prstGeom>
+          </p:spPr>
+        </p:pic>
+      </p:grpSp>
+      <p:grpSp>
+        <p:nvGrpSpPr>
+          <p:cNvPr id="70" name="그룹 69"/>
+          <p:cNvGrpSpPr/>
+          <p:nvPr/>
+        </p:nvGrpSpPr>
+        <p:grpSpPr>
+          <a:xfrm>
+            <a:off x="4697241" y="2839270"/>
+            <a:ext cx="4068360" cy="435501"/>
+            <a:chOff x="899591" y="1953371"/>
+            <a:chExt cx="4237998" cy="517287"/>
+          </a:xfrm>
+        </p:grpSpPr>
+        <p:sp>
+          <p:nvSpPr>
+            <p:cNvPr id="71" name="직사각형 70"/>
+            <p:cNvSpPr/>
+            <p:nvPr/>
+          </p:nvSpPr>
+          <p:spPr>
+            <a:xfrm>
+              <a:off x="1691674" y="2000081"/>
+              <a:ext cx="3351552" cy="470577"/>
+            </a:xfrm>
+            <a:prstGeom prst="rect">
+              <a:avLst/>
+            </a:prstGeom>
+          </p:spPr>
+          <p:txBody>
+            <a:bodyPr wrap="square">
+              <a:spAutoFit/>
+            </a:bodyPr>
+            <a:lstStyle/>
+            <a:p>
+              <a:pPr algn="ctr">
+                <a:defRPr lang="ko-KR" altLang="en-US"/>
+              </a:pPr>
+              <a:r>
+                <a:rPr lang="en-US" altLang="ko-KR" sz="2000" dirty="0">
+                  <a:ln w="9525">
+                    <a:solidFill>
+                      <a:schemeClr val="bg1">
+                        <a:lumMod val="65000"/>
+                        <a:alpha val="0"/>
+                      </a:schemeClr>
+                    </a:solidFill>
+                  </a:ln>
+                  <a:latin typeface="한컴 윤고딕 720"/>
+                  <a:ea typeface="한컴 윤고딕 720"/>
+                </a:rPr>
+                <a:t>DirectX 11</a:t>
+              </a:r>
+              <a:endParaRPr lang="ko-KR" altLang="en-US" sz="2000" dirty="0">
+                <a:ln w="9525">
+                  <a:solidFill>
+                    <a:schemeClr val="bg1">
+                      <a:lumMod val="65000"/>
+                      <a:alpha val="0"/>
+                    </a:schemeClr>
+                  </a:solidFill>
+                </a:ln>
+                <a:latin typeface="한컴 윤고딕 720"/>
+                <a:ea typeface="한컴 윤고딕 720"/>
+              </a:endParaRPr>
+            </a:p>
+          </p:txBody>
+        </p:sp>
+        <p:cxnSp>
+          <p:nvCxnSpPr>
+            <p:cNvPr id="72" name="직선 연결선 71"/>
+            <p:cNvCxnSpPr/>
+            <p:nvPr/>
+          </p:nvCxnSpPr>
+          <p:spPr>
+            <a:xfrm>
+              <a:off x="899592" y="2430310"/>
+              <a:ext cx="4237997" cy="0"/>
+            </a:xfrm>
+            <a:prstGeom prst="line">
+              <a:avLst/>
+            </a:prstGeom>
+            <a:ln w="12700">
+              <a:solidFill>
+                <a:schemeClr val="tx1">
+                  <a:lumMod val="65000"/>
+                  <a:lumOff val="35000"/>
+                </a:schemeClr>
+              </a:solidFill>
+            </a:ln>
+          </p:spPr>
+          <p:style>
+            <a:lnRef idx="1">
+              <a:schemeClr val="accent1"/>
+            </a:lnRef>
+            <a:fillRef idx="0">
+              <a:schemeClr val="accent1"/>
+            </a:fillRef>
+            <a:effectRef idx="0">
+              <a:schemeClr val="accent1"/>
+            </a:effectRef>
+            <a:fontRef idx="minor">
+              <a:schemeClr val="tx1"/>
+            </a:fontRef>
+          </p:style>
+        </p:cxnSp>
+        <p:pic>
+          <p:nvPicPr>
+            <p:cNvPr id="73" name="그림 72"/>
+            <p:cNvPicPr>
+              <a:picLocks noChangeAspect="1"/>
+            </p:cNvPicPr>
+            <p:nvPr/>
+          </p:nvPicPr>
+          <p:blipFill rotWithShape="1">
+            <a:blip r:embed="rId5"/>
+            <a:stretch>
+              <a:fillRect/>
+            </a:stretch>
+          </p:blipFill>
+          <p:spPr>
+            <a:xfrm>
+              <a:off x="899591" y="1953371"/>
+              <a:ext cx="1336305" cy="446826"/>
+            </a:xfrm>
+            <a:prstGeom prst="rect">
+              <a:avLst/>
+            </a:prstGeom>
+          </p:spPr>
+        </p:pic>
+      </p:grpSp>
+      <p:grpSp>
+        <p:nvGrpSpPr>
+          <p:cNvPr id="74" name="그룹 73"/>
+          <p:cNvGrpSpPr/>
+          <p:nvPr/>
+        </p:nvGrpSpPr>
+        <p:grpSpPr>
+          <a:xfrm>
+            <a:off x="2267791" y="5608447"/>
+            <a:ext cx="4068360" cy="628865"/>
+            <a:chOff x="832187" y="1572165"/>
+            <a:chExt cx="4305402" cy="860381"/>
+          </a:xfrm>
+        </p:grpSpPr>
+        <p:sp>
+          <p:nvSpPr>
+            <p:cNvPr id="75" name="직사각형 74"/>
+            <p:cNvSpPr/>
+            <p:nvPr/>
+          </p:nvSpPr>
+          <p:spPr>
+            <a:xfrm>
+              <a:off x="1701547" y="1890566"/>
+              <a:ext cx="3351553" cy="541979"/>
+            </a:xfrm>
+            <a:prstGeom prst="rect">
+              <a:avLst/>
+            </a:prstGeom>
+          </p:spPr>
+          <p:txBody>
+            <a:bodyPr wrap="square">
+              <a:spAutoFit/>
+            </a:bodyPr>
+            <a:lstStyle/>
+            <a:p>
+              <a:pPr algn="ctr">
+                <a:defRPr lang="ko-KR" altLang="en-US"/>
+              </a:pPr>
+              <a:r>
+                <a:rPr lang="en-US" altLang="ko-KR" sz="2000" dirty="0">
+                  <a:ln w="9525">
+                    <a:solidFill>
+                      <a:schemeClr val="bg1">
+                        <a:lumMod val="65000"/>
+                        <a:alpha val="0"/>
+                      </a:schemeClr>
+                    </a:solidFill>
+                  </a:ln>
+                  <a:latin typeface="한컴 윤고딕 720"/>
+                  <a:ea typeface="한컴 윤고딕 720"/>
+                </a:rPr>
+                <a:t>GitHub</a:t>
+              </a:r>
+              <a:endParaRPr lang="ko-KR" altLang="en-US" sz="2000" dirty="0">
+                <a:ln w="9525">
+                  <a:solidFill>
+                    <a:schemeClr val="bg1">
+                      <a:lumMod val="65000"/>
+                      <a:alpha val="0"/>
+                    </a:schemeClr>
+                  </a:solidFill>
+                </a:ln>
+                <a:latin typeface="한컴 윤고딕 720"/>
+                <a:ea typeface="한컴 윤고딕 720"/>
+              </a:endParaRPr>
+            </a:p>
+          </p:txBody>
+        </p:sp>
+        <p:cxnSp>
+          <p:nvCxnSpPr>
+            <p:cNvPr id="76" name="직선 연결선 75"/>
+            <p:cNvCxnSpPr/>
+            <p:nvPr/>
+          </p:nvCxnSpPr>
+          <p:spPr>
+            <a:xfrm>
+              <a:off x="899592" y="2430310"/>
+              <a:ext cx="4237997" cy="0"/>
+            </a:xfrm>
+            <a:prstGeom prst="line">
+              <a:avLst/>
+            </a:prstGeom>
+            <a:ln w="12700">
+              <a:solidFill>
+                <a:schemeClr val="tx1">
+                  <a:lumMod val="65000"/>
+                  <a:lumOff val="35000"/>
+                </a:schemeClr>
+              </a:solidFill>
+            </a:ln>
+          </p:spPr>
+          <p:style>
+            <a:lnRef idx="1">
+              <a:schemeClr val="accent1"/>
+            </a:lnRef>
+            <a:fillRef idx="0">
+              <a:schemeClr val="accent1"/>
+            </a:fillRef>
+            <a:effectRef idx="0">
+              <a:schemeClr val="accent1"/>
+            </a:effectRef>
+            <a:fontRef idx="minor">
+              <a:schemeClr val="tx1"/>
+            </a:fontRef>
+          </p:style>
+        </p:cxnSp>
+        <p:pic>
+          <p:nvPicPr>
+            <p:cNvPr id="77" name="그림 76"/>
+            <p:cNvPicPr>
+              <a:picLocks noChangeAspect="1"/>
+            </p:cNvPicPr>
+            <p:nvPr/>
+          </p:nvPicPr>
+          <p:blipFill rotWithShape="1">
+            <a:blip r:embed="rId6"/>
+            <a:stretch>
+              <a:fillRect/>
+            </a:stretch>
+          </p:blipFill>
+          <p:spPr>
+            <a:xfrm>
+              <a:off x="832187" y="1572165"/>
+              <a:ext cx="859493" cy="859493"/>
+            </a:xfrm>
+            <a:prstGeom prst="rect">
+              <a:avLst/>
+            </a:prstGeom>
+          </p:spPr>
+        </p:pic>
+      </p:grpSp>
+      <p:grpSp>
+        <p:nvGrpSpPr>
+          <p:cNvPr id="78" name="그룹 77"/>
+          <p:cNvGrpSpPr/>
+          <p:nvPr/>
+        </p:nvGrpSpPr>
+        <p:grpSpPr>
+          <a:xfrm>
+            <a:off x="2267744" y="1287967"/>
+            <a:ext cx="4068360" cy="720080"/>
+            <a:chOff x="899592" y="1733956"/>
+            <a:chExt cx="4237997" cy="696354"/>
+          </a:xfrm>
+        </p:grpSpPr>
+        <p:sp>
+          <p:nvSpPr>
+            <p:cNvPr id="79" name="직사각형 78"/>
+            <p:cNvSpPr/>
+            <p:nvPr/>
+          </p:nvSpPr>
+          <p:spPr>
+            <a:xfrm>
+              <a:off x="1691675" y="2000082"/>
+              <a:ext cx="3351555" cy="382329"/>
+            </a:xfrm>
+            <a:prstGeom prst="rect">
+              <a:avLst/>
+            </a:prstGeom>
+          </p:spPr>
+          <p:txBody>
+            <a:bodyPr wrap="square">
+              <a:spAutoFit/>
+            </a:bodyPr>
+            <a:lstStyle/>
+            <a:p>
+              <a:pPr algn="ctr">
+                <a:defRPr lang="ko-KR" altLang="en-US"/>
+              </a:pPr>
+              <a:r>
+                <a:rPr lang="en-US" altLang="ko-KR" sz="2000">
+                  <a:ln w="9525">
+                    <a:solidFill>
+                      <a:schemeClr val="bg1">
+                        <a:lumMod val="65000"/>
+                        <a:alpha val="0"/>
+                      </a:schemeClr>
+                    </a:solidFill>
+                  </a:ln>
+                  <a:latin typeface="한컴 윤고딕 720"/>
+                  <a:ea typeface="한컴 윤고딕 720"/>
+                </a:rPr>
+                <a:t>Microsoft Windows </a:t>
+              </a:r>
+              <a:r>
+                <a:rPr lang="ko-KR" altLang="en-US" sz="2000">
+                  <a:ln w="9525">
+                    <a:solidFill>
+                      <a:schemeClr val="bg1">
+                        <a:lumMod val="65000"/>
+                        <a:alpha val="0"/>
+                      </a:schemeClr>
+                    </a:solidFill>
+                  </a:ln>
+                  <a:latin typeface="한컴 윤고딕 720"/>
+                  <a:ea typeface="한컴 윤고딕 720"/>
+                </a:rPr>
+                <a:t>10</a:t>
+              </a:r>
+            </a:p>
+          </p:txBody>
+        </p:sp>
+        <p:cxnSp>
+          <p:nvCxnSpPr>
+            <p:cNvPr id="80" name="직선 연결선 79"/>
+            <p:cNvCxnSpPr/>
+            <p:nvPr/>
+          </p:nvCxnSpPr>
+          <p:spPr>
+            <a:xfrm>
+              <a:off x="899592" y="2430310"/>
+              <a:ext cx="4237997" cy="0"/>
+            </a:xfrm>
+            <a:prstGeom prst="line">
+              <a:avLst/>
+            </a:prstGeom>
+            <a:ln w="12700">
+              <a:solidFill>
+                <a:schemeClr val="tx1">
+                  <a:lumMod val="65000"/>
+                  <a:lumOff val="35000"/>
+                </a:schemeClr>
+              </a:solidFill>
+            </a:ln>
+          </p:spPr>
+          <p:style>
+            <a:lnRef idx="1">
+              <a:schemeClr val="accent1"/>
+            </a:lnRef>
+            <a:fillRef idx="0">
+              <a:schemeClr val="accent1"/>
+            </a:fillRef>
+            <a:effectRef idx="0">
+              <a:schemeClr val="accent1"/>
+            </a:effectRef>
+            <a:fontRef idx="minor">
+              <a:schemeClr val="tx1"/>
+            </a:fontRef>
+          </p:style>
+        </p:cxnSp>
+        <p:pic>
+          <p:nvPicPr>
+            <p:cNvPr id="81" name="그림 80"/>
+            <p:cNvPicPr>
+              <a:picLocks noChangeAspect="1"/>
+            </p:cNvPicPr>
+            <p:nvPr/>
+          </p:nvPicPr>
+          <p:blipFill rotWithShape="1">
+            <a:blip r:embed="rId7"/>
+            <a:stretch>
+              <a:fillRect/>
+            </a:stretch>
+          </p:blipFill>
+          <p:spPr>
+            <a:xfrm>
+              <a:off x="899592" y="1733956"/>
+              <a:ext cx="652910" cy="657149"/>
+            </a:xfrm>
+            <a:prstGeom prst="rect">
+              <a:avLst/>
+            </a:prstGeom>
+          </p:spPr>
+        </p:pic>
+      </p:grpSp>
+      <p:grpSp>
+        <p:nvGrpSpPr>
+          <p:cNvPr id="82" name="그룹 81"/>
+          <p:cNvGrpSpPr/>
+          <p:nvPr/>
+        </p:nvGrpSpPr>
+        <p:grpSpPr>
+          <a:xfrm>
+            <a:off x="233520" y="2564279"/>
+            <a:ext cx="4068451" cy="677717"/>
+            <a:chOff x="899592" y="1749076"/>
+            <a:chExt cx="4237997" cy="681234"/>
+          </a:xfrm>
+        </p:grpSpPr>
+        <p:sp>
+          <p:nvSpPr>
+            <p:cNvPr id="83" name="직사각형 82"/>
+            <p:cNvSpPr/>
+            <p:nvPr/>
+          </p:nvSpPr>
+          <p:spPr>
+            <a:xfrm>
+              <a:off x="1691678" y="2000083"/>
+              <a:ext cx="3351552" cy="402186"/>
+            </a:xfrm>
+            <a:prstGeom prst="rect">
+              <a:avLst/>
+            </a:prstGeom>
+          </p:spPr>
+          <p:txBody>
+            <a:bodyPr wrap="square">
+              <a:spAutoFit/>
+            </a:bodyPr>
+            <a:lstStyle/>
+            <a:p>
+              <a:pPr algn="ctr">
+                <a:defRPr lang="ko-KR" altLang="en-US"/>
+              </a:pPr>
+              <a:r>
+                <a:rPr lang="en-US" altLang="ko-KR" sz="2000" dirty="0">
+                  <a:ln w="9525">
+                    <a:solidFill>
+                      <a:schemeClr val="bg1">
+                        <a:lumMod val="65000"/>
+                        <a:alpha val="0"/>
+                      </a:schemeClr>
+                    </a:solidFill>
+                  </a:ln>
+                  <a:latin typeface="한컴 윤고딕 720"/>
+                  <a:ea typeface="한컴 윤고딕 720"/>
+                </a:rPr>
+                <a:t>Visual Studio </a:t>
+              </a:r>
+              <a:r>
+                <a:rPr lang="en-US" altLang="ko-KR" sz="2000" dirty="0" smtClean="0">
+                  <a:ln w="9525">
+                    <a:solidFill>
+                      <a:schemeClr val="bg1">
+                        <a:lumMod val="65000"/>
+                        <a:alpha val="0"/>
+                      </a:schemeClr>
+                    </a:solidFill>
+                  </a:ln>
+                  <a:latin typeface="한컴 윤고딕 720"/>
+                  <a:ea typeface="한컴 윤고딕 720"/>
+                </a:rPr>
+                <a:t>2017</a:t>
+              </a:r>
+              <a:endParaRPr lang="ko-KR" altLang="en-US" sz="2000" dirty="0">
+                <a:ln w="9525">
+                  <a:solidFill>
+                    <a:schemeClr val="bg1">
+                      <a:lumMod val="65000"/>
+                      <a:alpha val="0"/>
+                    </a:schemeClr>
+                  </a:solidFill>
+                </a:ln>
+                <a:latin typeface="한컴 윤고딕 720"/>
+                <a:ea typeface="한컴 윤고딕 720"/>
+              </a:endParaRPr>
+            </a:p>
+          </p:txBody>
+        </p:sp>
+        <p:cxnSp>
+          <p:nvCxnSpPr>
+            <p:cNvPr id="84" name="직선 연결선 83"/>
+            <p:cNvCxnSpPr/>
+            <p:nvPr/>
+          </p:nvCxnSpPr>
+          <p:spPr>
+            <a:xfrm>
+              <a:off x="899592" y="2430310"/>
+              <a:ext cx="4237997" cy="0"/>
+            </a:xfrm>
+            <a:prstGeom prst="line">
+              <a:avLst/>
+            </a:prstGeom>
+            <a:ln w="12700">
+              <a:solidFill>
+                <a:schemeClr val="tx1">
+                  <a:lumMod val="65000"/>
+                  <a:lumOff val="35000"/>
+                </a:schemeClr>
+              </a:solidFill>
+            </a:ln>
+          </p:spPr>
+          <p:style>
+            <a:lnRef idx="1">
+              <a:schemeClr val="accent1"/>
+            </a:lnRef>
+            <a:fillRef idx="0">
+              <a:schemeClr val="accent1"/>
+            </a:fillRef>
+            <a:effectRef idx="0">
+              <a:schemeClr val="accent1"/>
+            </a:effectRef>
+            <a:fontRef idx="minor">
+              <a:schemeClr val="tx1"/>
+            </a:fontRef>
+          </p:style>
+        </p:cxnSp>
+        <p:pic>
+          <p:nvPicPr>
+            <p:cNvPr id="85" name="그림 84"/>
+            <p:cNvPicPr>
+              <a:picLocks noChangeAspect="1"/>
+            </p:cNvPicPr>
+            <p:nvPr/>
+          </p:nvPicPr>
+          <p:blipFill>
+            <a:blip r:embed="rId8" cstate="print">
+              <a:extLst>
+                <a:ext uri="{28A0092B-C50C-407E-A947-70E740481C1C}">
+                  <a14:useLocalDpi xmlns:a14="http://schemas.microsoft.com/office/drawing/2010/main" val="0"/>
+                </a:ext>
+              </a:extLst>
+            </a:blip>
+            <a:stretch>
+              <a:fillRect/>
+            </a:stretch>
+          </p:blipFill>
+          <p:spPr>
+            <a:xfrm>
+              <a:off x="899592" y="1749076"/>
+              <a:ext cx="652910" cy="626908"/>
+            </a:xfrm>
+            <a:prstGeom prst="rect">
+              <a:avLst/>
+            </a:prstGeom>
+          </p:spPr>
+        </p:pic>
+      </p:grpSp>
     </p:spTree>
     <p:extLst>
       <p:ext uri="{BB962C8B-B14F-4D97-AF65-F5344CB8AC3E}">
@@ -8244,7 +9286,7 @@
                 </a:ln>
                 <a:latin typeface="+mn-ea"/>
               </a:rPr>
-              <a:t>5/</a:t>
+              <a:t>4/</a:t>
             </a:r>
             <a:r>
               <a:rPr lang="ko-KR" altLang="en-US" sz="2000" b="1" dirty="0" smtClean="0">
@@ -8257,370 +9299,9 @@
                 </a:ln>
                 <a:latin typeface="+mn-ea"/>
               </a:rPr>
-              <a:t>출처</a:t>
+              <a:t>기술요소</a:t>
             </a:r>
             <a:endParaRPr lang="ko-KR" altLang="en-US" b="1" dirty="0">
-              <a:ln>
-                <a:solidFill>
-                  <a:schemeClr val="accent1">
-                    <a:alpha val="0"/>
-                  </a:schemeClr>
-                </a:solidFill>
-              </a:ln>
-              <a:latin typeface="+mn-ea"/>
-            </a:endParaRPr>
-          </a:p>
-        </p:txBody>
-      </p:sp>
-      <p:sp>
-        <p:nvSpPr>
-          <p:cNvPr id="6" name="TextBox 5"/>
-          <p:cNvSpPr txBox="1"/>
-          <p:nvPr/>
-        </p:nvSpPr>
-        <p:spPr>
-          <a:xfrm>
-            <a:off x="539552" y="1243407"/>
-            <a:ext cx="8280920" cy="2123658"/>
-          </a:xfrm>
-          <a:prstGeom prst="rect">
-            <a:avLst/>
-          </a:prstGeom>
-          <a:noFill/>
-        </p:spPr>
-        <p:txBody>
-          <a:bodyPr wrap="square" rtlCol="0">
-            <a:spAutoFit/>
-          </a:bodyPr>
-          <a:lstStyle/>
-          <a:p>
-            <a:r>
-              <a:rPr lang="ko-KR" altLang="en-US" sz="1100" b="1" dirty="0" smtClean="0">
-                <a:ln>
-                  <a:solidFill>
-                    <a:schemeClr val="accent1">
-                      <a:alpha val="0"/>
-                    </a:schemeClr>
-                  </a:solidFill>
-                </a:ln>
-                <a:latin typeface="+mn-ea"/>
-              </a:rPr>
-              <a:t>관절인형</a:t>
-            </a:r>
-            <a:endParaRPr lang="en-US" altLang="ko-KR" sz="1100" b="1" dirty="0" smtClean="0">
-              <a:ln>
-                <a:solidFill>
-                  <a:schemeClr val="accent1">
-                    <a:alpha val="0"/>
-                  </a:schemeClr>
-                </a:solidFill>
-              </a:ln>
-              <a:latin typeface="+mn-ea"/>
-            </a:endParaRPr>
-          </a:p>
-          <a:p>
-            <a:r>
-              <a:rPr lang="en-US" altLang="ko-KR" sz="1100" dirty="0">
-                <a:ln>
-                  <a:solidFill>
-                    <a:schemeClr val="accent1">
-                      <a:alpha val="0"/>
-                    </a:schemeClr>
-                  </a:solidFill>
-                </a:ln>
-                <a:latin typeface="+mn-ea"/>
-              </a:rPr>
-              <a:t> -http://www.ebay.es/itm/Robot-Time-Reloj-Despertador-ROJO-negro-con-Analogico-Pantalla-Retro-/</a:t>
-            </a:r>
-            <a:r>
-              <a:rPr lang="en-US" altLang="ko-KR" sz="1100" dirty="0" smtClean="0">
-                <a:ln>
-                  <a:solidFill>
-                    <a:schemeClr val="accent1">
-                      <a:alpha val="0"/>
-                    </a:schemeClr>
-                  </a:solidFill>
-                </a:ln>
-                <a:latin typeface="+mn-ea"/>
-              </a:rPr>
-              <a:t>311079023040</a:t>
-            </a:r>
-          </a:p>
-          <a:p>
-            <a:endParaRPr lang="en-US" altLang="ko-KR" sz="1100" dirty="0">
-              <a:ln>
-                <a:solidFill>
-                  <a:schemeClr val="accent1">
-                    <a:alpha val="0"/>
-                  </a:schemeClr>
-                </a:solidFill>
-              </a:ln>
-              <a:latin typeface="+mn-ea"/>
-            </a:endParaRPr>
-          </a:p>
-          <a:p>
-            <a:r>
-              <a:rPr lang="ko-KR" altLang="en-US" sz="1100" b="1" dirty="0" smtClean="0">
-                <a:ln>
-                  <a:solidFill>
-                    <a:schemeClr val="accent1">
-                      <a:alpha val="0"/>
-                    </a:schemeClr>
-                  </a:solidFill>
-                </a:ln>
-                <a:latin typeface="+mn-ea"/>
-              </a:rPr>
-              <a:t>로봇인형</a:t>
-            </a:r>
-            <a:endParaRPr lang="en-US" altLang="ko-KR" sz="1100" b="1" dirty="0" smtClean="0">
-              <a:ln>
-                <a:solidFill>
-                  <a:schemeClr val="accent1">
-                    <a:alpha val="0"/>
-                  </a:schemeClr>
-                </a:solidFill>
-              </a:ln>
-              <a:latin typeface="+mn-ea"/>
-            </a:endParaRPr>
-          </a:p>
-          <a:p>
-            <a:r>
-              <a:rPr lang="en-US" altLang="ko-KR" sz="1100" dirty="0">
-                <a:ln>
-                  <a:solidFill>
-                    <a:schemeClr val="accent1">
-                      <a:alpha val="0"/>
-                    </a:schemeClr>
-                  </a:solidFill>
-                </a:ln>
-                <a:latin typeface="+mn-ea"/>
-              </a:rPr>
-              <a:t> -http://www.ebay.es/itm/Robot-Time-Reloj-Despertador-ROJO-negro-con-Analogico-Pantalla-Retro-/</a:t>
-            </a:r>
-            <a:r>
-              <a:rPr lang="en-US" altLang="ko-KR" sz="1100" dirty="0" smtClean="0">
-                <a:ln>
-                  <a:solidFill>
-                    <a:schemeClr val="accent1">
-                      <a:alpha val="0"/>
-                    </a:schemeClr>
-                  </a:solidFill>
-                </a:ln>
-                <a:latin typeface="+mn-ea"/>
-              </a:rPr>
-              <a:t>311079023040</a:t>
-            </a:r>
-          </a:p>
-          <a:p>
-            <a:endParaRPr lang="en-US" altLang="ko-KR" sz="1100" dirty="0">
-              <a:ln>
-                <a:solidFill>
-                  <a:schemeClr val="accent1">
-                    <a:alpha val="0"/>
-                  </a:schemeClr>
-                </a:solidFill>
-              </a:ln>
-              <a:latin typeface="+mn-ea"/>
-            </a:endParaRPr>
-          </a:p>
-          <a:p>
-            <a:r>
-              <a:rPr lang="ko-KR" altLang="en-US" sz="1100" b="1" dirty="0" smtClean="0">
-                <a:ln>
-                  <a:solidFill>
-                    <a:schemeClr val="accent1">
-                      <a:alpha val="0"/>
-                    </a:schemeClr>
-                  </a:solidFill>
-                </a:ln>
-                <a:latin typeface="+mn-ea"/>
-              </a:rPr>
-              <a:t>태엽</a:t>
-            </a:r>
-            <a:endParaRPr lang="en-US" altLang="ko-KR" sz="1100" b="1" dirty="0" smtClean="0">
-              <a:ln>
-                <a:solidFill>
-                  <a:schemeClr val="accent1">
-                    <a:alpha val="0"/>
-                  </a:schemeClr>
-                </a:solidFill>
-              </a:ln>
-              <a:latin typeface="+mn-ea"/>
-            </a:endParaRPr>
-          </a:p>
-          <a:p>
-            <a:r>
-              <a:rPr lang="en-US" altLang="ko-KR" sz="1100" dirty="0">
-                <a:ln>
-                  <a:solidFill>
-                    <a:schemeClr val="accent1">
-                      <a:alpha val="0"/>
-                    </a:schemeClr>
-                  </a:solidFill>
-                </a:ln>
-                <a:latin typeface="+mn-ea"/>
-              </a:rPr>
-              <a:t> -http://free-3d-textures.com/</a:t>
-            </a:r>
-            <a:r>
-              <a:rPr lang="en-US" altLang="ko-KR" sz="1100" dirty="0" err="1">
-                <a:ln>
-                  <a:solidFill>
-                    <a:schemeClr val="accent1">
-                      <a:alpha val="0"/>
-                    </a:schemeClr>
-                  </a:solidFill>
-                </a:ln>
-                <a:latin typeface="+mn-ea"/>
-              </a:rPr>
-              <a:t>png</a:t>
-            </a:r>
-            <a:r>
-              <a:rPr lang="en-US" altLang="ko-KR" sz="1100" dirty="0">
-                <a:ln>
-                  <a:solidFill>
-                    <a:schemeClr val="accent1">
-                      <a:alpha val="0"/>
-                    </a:schemeClr>
-                  </a:solidFill>
-                </a:ln>
-                <a:latin typeface="+mn-ea"/>
-              </a:rPr>
-              <a:t>/</a:t>
-            </a:r>
-            <a:r>
-              <a:rPr lang="en-US" altLang="ko-KR" sz="1100" dirty="0" err="1">
-                <a:ln>
-                  <a:solidFill>
-                    <a:schemeClr val="accent1">
-                      <a:alpha val="0"/>
-                    </a:schemeClr>
-                  </a:solidFill>
-                </a:ln>
-                <a:latin typeface="+mn-ea"/>
-              </a:rPr>
-              <a:t>png</a:t>
-            </a:r>
-            <a:r>
-              <a:rPr lang="en-US" altLang="ko-KR" sz="1100" dirty="0">
-                <a:ln>
-                  <a:solidFill>
-                    <a:schemeClr val="accent1">
-                      <a:alpha val="0"/>
-                    </a:schemeClr>
-                  </a:solidFill>
-                </a:ln>
-                <a:latin typeface="+mn-ea"/>
-              </a:rPr>
-              <a:t>-</a:t>
-            </a:r>
-            <a:r>
-              <a:rPr lang="en-US" altLang="ko-KR" sz="1100" dirty="0" err="1">
-                <a:ln>
-                  <a:solidFill>
-                    <a:schemeClr val="accent1">
-                      <a:alpha val="0"/>
-                    </a:schemeClr>
-                  </a:solidFill>
-                </a:ln>
-                <a:latin typeface="+mn-ea"/>
-              </a:rPr>
-              <a:t>miscellanous</a:t>
-            </a:r>
-            <a:r>
-              <a:rPr lang="en-US" altLang="ko-KR" sz="1100" dirty="0">
-                <a:ln>
-                  <a:solidFill>
-                    <a:schemeClr val="accent1">
-                      <a:alpha val="0"/>
-                    </a:schemeClr>
-                  </a:solidFill>
-                </a:ln>
-                <a:latin typeface="+mn-ea"/>
-              </a:rPr>
-              <a:t>-stuff/</a:t>
-            </a:r>
-          </a:p>
-          <a:p>
-            <a:endParaRPr lang="en-US" altLang="ko-KR" sz="1100" dirty="0" smtClean="0">
-              <a:ln>
-                <a:solidFill>
-                  <a:schemeClr val="accent1">
-                    <a:alpha val="0"/>
-                  </a:schemeClr>
-                </a:solidFill>
-              </a:ln>
-              <a:latin typeface="+mn-ea"/>
-            </a:endParaRPr>
-          </a:p>
-          <a:p>
-            <a:r>
-              <a:rPr lang="ko-KR" altLang="en-US" sz="1100" b="1" dirty="0" err="1" smtClean="0">
-                <a:ln>
-                  <a:solidFill>
-                    <a:schemeClr val="accent1">
-                      <a:alpha val="0"/>
-                    </a:schemeClr>
-                  </a:solidFill>
-                </a:ln>
-                <a:latin typeface="+mn-ea"/>
-              </a:rPr>
-              <a:t>리틀</a:t>
-            </a:r>
-            <a:r>
-              <a:rPr lang="ko-KR" altLang="en-US" sz="1100" b="1" dirty="0" smtClean="0">
-                <a:ln>
-                  <a:solidFill>
-                    <a:schemeClr val="accent1">
-                      <a:alpha val="0"/>
-                    </a:schemeClr>
-                  </a:solidFill>
-                </a:ln>
-                <a:latin typeface="+mn-ea"/>
-              </a:rPr>
-              <a:t> </a:t>
-            </a:r>
-            <a:r>
-              <a:rPr lang="ko-KR" altLang="en-US" sz="1100" b="1" dirty="0" err="1" smtClean="0">
-                <a:ln>
-                  <a:solidFill>
-                    <a:schemeClr val="accent1">
-                      <a:alpha val="0"/>
-                    </a:schemeClr>
-                  </a:solidFill>
-                </a:ln>
-                <a:latin typeface="+mn-ea"/>
-              </a:rPr>
-              <a:t>나이트메어</a:t>
-            </a:r>
-            <a:endParaRPr lang="en-US" altLang="ko-KR" sz="1100" b="1" dirty="0" smtClean="0">
-              <a:ln>
-                <a:solidFill>
-                  <a:schemeClr val="accent1">
-                    <a:alpha val="0"/>
-                  </a:schemeClr>
-                </a:solidFill>
-              </a:ln>
-              <a:latin typeface="+mn-ea"/>
-            </a:endParaRPr>
-          </a:p>
-          <a:p>
-            <a:r>
-              <a:rPr lang="en-US" altLang="ko-KR" sz="1100" dirty="0">
-                <a:ln>
-                  <a:solidFill>
-                    <a:schemeClr val="accent1">
-                      <a:alpha val="0"/>
-                    </a:schemeClr>
-                  </a:solidFill>
-                </a:ln>
-                <a:latin typeface="+mn-ea"/>
-              </a:rPr>
-              <a:t> -http://blog.naver.com/ps3player/220934403639</a:t>
-            </a:r>
-          </a:p>
-          <a:p>
-            <a:endParaRPr lang="ko-KR" altLang="en-US" sz="1100" dirty="0">
               <a:ln>
                 <a:solidFill>
                   <a:schemeClr val="accent1">
@@ -8671,7 +9352,7 @@
         </p:nvSpPr>
         <p:spPr>
           <a:xfrm>
-            <a:off x="0" y="2996952"/>
+            <a:off x="0" y="404664"/>
             <a:ext cx="9144000" cy="504056"/>
           </a:xfrm>
           <a:prstGeom prst="rect">
@@ -8705,8 +9386,43 @@
           <a:lstStyle/>
           <a:p>
             <a:pPr algn="ctr"/>
-            <a:r>
-              <a:rPr lang="en-US" altLang="ko-KR" dirty="0" smtClean="0">
+            <a:endParaRPr lang="ko-KR" altLang="en-US" sz="2000" b="1" dirty="0">
+              <a:ln>
+                <a:solidFill>
+                  <a:schemeClr val="accent1">
+                    <a:alpha val="0"/>
+                  </a:schemeClr>
+                </a:solidFill>
+              </a:ln>
+              <a:latin typeface="+mn-ea"/>
+            </a:endParaRPr>
+          </a:p>
+        </p:txBody>
+      </p:sp>
+      <p:sp>
+        <p:nvSpPr>
+          <p:cNvPr id="5" name="TextBox 4"/>
+          <p:cNvSpPr txBox="1"/>
+          <p:nvPr/>
+        </p:nvSpPr>
+        <p:spPr>
+          <a:xfrm>
+            <a:off x="0" y="0"/>
+            <a:ext cx="3059832" cy="400110"/>
+          </a:xfrm>
+          <a:prstGeom prst="rect">
+            <a:avLst/>
+          </a:prstGeom>
+          <a:noFill/>
+        </p:spPr>
+        <p:txBody>
+          <a:bodyPr wrap="square" rtlCol="0">
+            <a:spAutoFit/>
+          </a:bodyPr>
+          <a:lstStyle/>
+          <a:p>
+            <a:r>
+              <a:rPr lang="en-US" altLang="ko-KR" sz="2000" b="1" dirty="0" smtClean="0">
                 <a:ln>
                   <a:solidFill>
                     <a:schemeClr val="accent1">
@@ -8714,12 +9430,24 @@
                     </a:schemeClr>
                   </a:solidFill>
                 </a:ln>
-                <a:latin typeface="나눔고딕 ExtraBold" panose="020D0904000000000000" pitchFamily="50" charset="-127"/>
-                <a:ea typeface="나눔고딕 ExtraBold" panose="020D0904000000000000" pitchFamily="50" charset="-127"/>
+                <a:latin typeface="+mn-ea"/>
               </a:rPr>
-              <a:t>Thank you for listening!</a:t>
-            </a:r>
-            <a:endParaRPr lang="ko-KR" altLang="en-US" dirty="0">
+              <a:t>5/</a:t>
+            </a:r>
+            <a:r>
+              <a:rPr lang="ko-KR" altLang="en-US" sz="2000" b="1" dirty="0" smtClean="0">
+                <a:ln>
+                  <a:solidFill>
+                    <a:schemeClr val="accent1">
+                      <a:alpha val="0"/>
+                    </a:schemeClr>
+                  </a:solidFill>
+                </a:ln>
+                <a:latin typeface="+mn-ea"/>
+              </a:rPr>
+              <a:t>역할분담</a:t>
+            </a:r>
+            <a:endParaRPr lang="ko-KR" altLang="en-US" b="1" dirty="0">
               <a:ln>
                 <a:solidFill>
                   <a:schemeClr val="accent1">
@@ -8727,24 +9455,1375 @@
                   </a:schemeClr>
                 </a:solidFill>
               </a:ln>
-              <a:latin typeface="나눔고딕 ExtraBold" panose="020D0904000000000000" pitchFamily="50" charset="-127"/>
-              <a:ea typeface="나눔고딕 ExtraBold" panose="020D0904000000000000" pitchFamily="50" charset="-127"/>
+              <a:latin typeface="+mn-ea"/>
             </a:endParaRPr>
           </a:p>
         </p:txBody>
       </p:sp>
+      <p:sp>
+        <p:nvSpPr>
+          <p:cNvPr id="7" name="직사각형 6"/>
+          <p:cNvSpPr/>
+          <p:nvPr/>
+        </p:nvSpPr>
+        <p:spPr>
+          <a:xfrm>
+            <a:off x="960591" y="5025370"/>
+            <a:ext cx="3035345" cy="707886"/>
+          </a:xfrm>
+          <a:prstGeom prst="rect">
+            <a:avLst/>
+          </a:prstGeom>
+        </p:spPr>
+        <p:txBody>
+          <a:bodyPr wrap="square">
+            <a:spAutoFit/>
+          </a:bodyPr>
+          <a:lstStyle/>
+          <a:p>
+            <a:pPr algn="ctr">
+              <a:defRPr lang="ko-KR" altLang="en-US"/>
+            </a:pPr>
+            <a:r>
+              <a:rPr lang="en-US" altLang="ko-KR" sz="2000" dirty="0">
+                <a:ln w="9525">
+                  <a:solidFill>
+                    <a:schemeClr val="bg1">
+                      <a:lumMod val="65000"/>
+                      <a:alpha val="0"/>
+                    </a:schemeClr>
+                  </a:solidFill>
+                </a:ln>
+                <a:latin typeface="한컴 윤고딕 720"/>
+                <a:ea typeface="한컴 윤고딕 720"/>
+              </a:rPr>
+              <a:t>AI</a:t>
+            </a:r>
+            <a:r>
+              <a:rPr lang="ko-KR" altLang="en-US" sz="2000" dirty="0">
+                <a:ln w="9525">
+                  <a:solidFill>
+                    <a:schemeClr val="bg1">
+                      <a:lumMod val="65000"/>
+                      <a:alpha val="0"/>
+                    </a:schemeClr>
+                  </a:solidFill>
+                </a:ln>
+                <a:latin typeface="한컴 윤고딕 720"/>
+                <a:ea typeface="한컴 윤고딕 720"/>
+              </a:rPr>
+              <a:t> 알고리즘 및 </a:t>
+            </a:r>
+            <a:endParaRPr lang="en-US" altLang="ko-KR" sz="2000" dirty="0" smtClean="0">
+              <a:ln w="9525">
+                <a:solidFill>
+                  <a:schemeClr val="bg1">
+                    <a:lumMod val="65000"/>
+                    <a:alpha val="0"/>
+                  </a:schemeClr>
+                </a:solidFill>
+              </a:ln>
+              <a:latin typeface="한컴 윤고딕 720"/>
+              <a:ea typeface="한컴 윤고딕 720"/>
+            </a:endParaRPr>
+          </a:p>
+          <a:p>
+            <a:pPr algn="ctr">
+              <a:defRPr lang="ko-KR" altLang="en-US"/>
+            </a:pPr>
+            <a:r>
+              <a:rPr lang="ko-KR" altLang="en-US" sz="2000" dirty="0" smtClean="0">
+                <a:ln w="9525">
+                  <a:solidFill>
+                    <a:schemeClr val="bg1">
+                      <a:lumMod val="65000"/>
+                      <a:alpha val="0"/>
+                    </a:schemeClr>
+                  </a:solidFill>
+                </a:ln>
+                <a:latin typeface="한컴 윤고딕 720"/>
+                <a:ea typeface="한컴 윤고딕 720"/>
+              </a:rPr>
+              <a:t>기본 </a:t>
+            </a:r>
+            <a:r>
+              <a:rPr lang="ko-KR" altLang="en-US" sz="2000" dirty="0">
+                <a:ln w="9525">
+                  <a:solidFill>
+                    <a:schemeClr val="bg1">
+                      <a:lumMod val="65000"/>
+                      <a:alpha val="0"/>
+                    </a:schemeClr>
+                  </a:solidFill>
+                </a:ln>
+                <a:latin typeface="한컴 윤고딕 720"/>
+                <a:ea typeface="한컴 윤고딕 720"/>
+              </a:rPr>
+              <a:t>물리 구현</a:t>
+            </a:r>
+          </a:p>
+        </p:txBody>
+      </p:sp>
+      <p:cxnSp>
+        <p:nvCxnSpPr>
+          <p:cNvPr id="8" name="직선 연결선 7"/>
+          <p:cNvCxnSpPr/>
+          <p:nvPr/>
+        </p:nvCxnSpPr>
+        <p:spPr>
+          <a:xfrm>
+            <a:off x="287799" y="1733770"/>
+            <a:ext cx="3990062" cy="2"/>
+          </a:xfrm>
+          <a:prstGeom prst="line">
+            <a:avLst/>
+          </a:prstGeom>
+          <a:ln w="12700">
+            <a:solidFill>
+              <a:schemeClr val="tx1">
+                <a:lumMod val="65000"/>
+                <a:lumOff val="35000"/>
+              </a:schemeClr>
+            </a:solidFill>
+          </a:ln>
+        </p:spPr>
+        <p:style>
+          <a:lnRef idx="1">
+            <a:schemeClr val="accent1"/>
+          </a:lnRef>
+          <a:fillRef idx="0">
+            <a:schemeClr val="accent1"/>
+          </a:fillRef>
+          <a:effectRef idx="0">
+            <a:schemeClr val="accent1"/>
+          </a:effectRef>
+          <a:fontRef idx="minor">
+            <a:schemeClr val="tx1"/>
+          </a:fontRef>
+        </p:style>
+      </p:cxnSp>
+      <p:sp>
+        <p:nvSpPr>
+          <p:cNvPr id="9" name="직사각형 8"/>
+          <p:cNvSpPr/>
+          <p:nvPr/>
+        </p:nvSpPr>
+        <p:spPr>
+          <a:xfrm>
+            <a:off x="425559" y="1373731"/>
+            <a:ext cx="3796331" cy="400110"/>
+          </a:xfrm>
+          <a:prstGeom prst="rect">
+            <a:avLst/>
+          </a:prstGeom>
+        </p:spPr>
+        <p:txBody>
+          <a:bodyPr wrap="square">
+            <a:spAutoFit/>
+          </a:bodyPr>
+          <a:lstStyle/>
+          <a:p>
+            <a:pPr algn="ctr">
+              <a:defRPr lang="ko-KR" altLang="en-US"/>
+            </a:pPr>
+            <a:r>
+              <a:rPr lang="ko-KR" altLang="en-US" sz="2000" b="1" dirty="0" smtClean="0">
+                <a:ln w="9525">
+                  <a:solidFill>
+                    <a:schemeClr val="bg1">
+                      <a:lumMod val="65000"/>
+                      <a:alpha val="0"/>
+                    </a:schemeClr>
+                  </a:solidFill>
+                </a:ln>
+                <a:latin typeface="한컴 윤고딕 760"/>
+                <a:ea typeface="한컴 윤고딕 760"/>
+              </a:rPr>
+              <a:t>정우준</a:t>
+            </a:r>
+            <a:endParaRPr lang="ko-KR" altLang="en-US" sz="2000" b="1" dirty="0">
+              <a:ln w="9525">
+                <a:solidFill>
+                  <a:schemeClr val="bg1">
+                    <a:lumMod val="65000"/>
+                    <a:alpha val="0"/>
+                  </a:schemeClr>
+                </a:solidFill>
+              </a:ln>
+              <a:latin typeface="한컴 윤고딕 760"/>
+              <a:ea typeface="한컴 윤고딕 760"/>
+            </a:endParaRPr>
+          </a:p>
+        </p:txBody>
+      </p:sp>
+      <p:sp>
+        <p:nvSpPr>
+          <p:cNvPr id="10" name="직사각형 9"/>
+          <p:cNvSpPr/>
+          <p:nvPr/>
+        </p:nvSpPr>
+        <p:spPr>
+          <a:xfrm>
+            <a:off x="559645" y="3028890"/>
+            <a:ext cx="3796331" cy="400110"/>
+          </a:xfrm>
+          <a:prstGeom prst="rect">
+            <a:avLst/>
+          </a:prstGeom>
+        </p:spPr>
+        <p:txBody>
+          <a:bodyPr wrap="square">
+            <a:spAutoFit/>
+          </a:bodyPr>
+          <a:lstStyle/>
+          <a:p>
+            <a:pPr algn="ctr">
+              <a:defRPr lang="ko-KR" altLang="en-US"/>
+            </a:pPr>
+            <a:r>
+              <a:rPr lang="ko-KR" altLang="en-US" sz="2000" dirty="0" err="1" smtClean="0">
+                <a:ln w="9525">
+                  <a:solidFill>
+                    <a:schemeClr val="bg1">
+                      <a:lumMod val="65000"/>
+                      <a:alpha val="0"/>
+                    </a:schemeClr>
+                  </a:solidFill>
+                </a:ln>
+                <a:latin typeface="한컴 윤고딕 720"/>
+                <a:ea typeface="한컴 윤고딕 720"/>
+              </a:rPr>
+              <a:t>맵</a:t>
+            </a:r>
+            <a:r>
+              <a:rPr lang="ko-KR" altLang="en-US" sz="2000" dirty="0" smtClean="0">
+                <a:ln w="9525">
+                  <a:solidFill>
+                    <a:schemeClr val="bg1">
+                      <a:lumMod val="65000"/>
+                      <a:alpha val="0"/>
+                    </a:schemeClr>
+                  </a:solidFill>
+                </a:ln>
+                <a:latin typeface="한컴 윤고딕 720"/>
+                <a:ea typeface="한컴 윤고딕 720"/>
+              </a:rPr>
+              <a:t> 및 오브젝트 툴 구현</a:t>
+            </a:r>
+            <a:endParaRPr lang="ko-KR" altLang="en-US" sz="2000" dirty="0">
+              <a:ln w="9525">
+                <a:solidFill>
+                  <a:schemeClr val="bg1">
+                    <a:lumMod val="65000"/>
+                    <a:alpha val="0"/>
+                  </a:schemeClr>
+                </a:solidFill>
+              </a:ln>
+              <a:latin typeface="한컴 윤고딕 720"/>
+              <a:ea typeface="한컴 윤고딕 720"/>
+            </a:endParaRPr>
+          </a:p>
+        </p:txBody>
+      </p:sp>
+      <p:sp>
+        <p:nvSpPr>
+          <p:cNvPr id="11" name="직사각형 10"/>
+          <p:cNvSpPr/>
+          <p:nvPr/>
+        </p:nvSpPr>
+        <p:spPr>
+          <a:xfrm>
+            <a:off x="559645" y="2092786"/>
+            <a:ext cx="3796331" cy="400110"/>
+          </a:xfrm>
+          <a:prstGeom prst="rect">
+            <a:avLst/>
+          </a:prstGeom>
+        </p:spPr>
+        <p:txBody>
+          <a:bodyPr wrap="square">
+            <a:spAutoFit/>
+          </a:bodyPr>
+          <a:lstStyle/>
+          <a:p>
+            <a:pPr algn="ctr">
+              <a:defRPr lang="ko-KR" altLang="en-US"/>
+            </a:pPr>
+            <a:r>
+              <a:rPr lang="ko-KR" altLang="en-US" sz="2000">
+                <a:ln w="9525">
+                  <a:solidFill>
+                    <a:schemeClr val="bg1">
+                      <a:lumMod val="65000"/>
+                      <a:alpha val="0"/>
+                    </a:schemeClr>
+                  </a:solidFill>
+                </a:ln>
+                <a:latin typeface="한컴 윤고딕 720"/>
+                <a:ea typeface="한컴 윤고딕 720"/>
+              </a:rPr>
+              <a:t>게임프레임워크 구축</a:t>
+            </a:r>
+            <a:endParaRPr lang="ko-KR" altLang="en-US" sz="2000">
+              <a:latin typeface="한컴 윤고딕 720"/>
+              <a:ea typeface="한컴 윤고딕 720"/>
+            </a:endParaRPr>
+          </a:p>
+        </p:txBody>
+      </p:sp>
+      <p:pic>
+        <p:nvPicPr>
+          <p:cNvPr id="12" name="그림 11"/>
+          <p:cNvPicPr>
+            <a:picLocks noChangeAspect="1"/>
+          </p:cNvPicPr>
+          <p:nvPr/>
+        </p:nvPicPr>
+        <p:blipFill rotWithShape="1">
+          <a:blip r:embed="rId3"/>
+          <a:stretch>
+            <a:fillRect/>
+          </a:stretch>
+        </p:blipFill>
+        <p:spPr>
+          <a:xfrm>
+            <a:off x="323803" y="2056785"/>
+            <a:ext cx="372874" cy="396044"/>
+          </a:xfrm>
+          <a:prstGeom prst="rect">
+            <a:avLst/>
+          </a:prstGeom>
+        </p:spPr>
+      </p:pic>
+      <p:pic>
+        <p:nvPicPr>
+          <p:cNvPr id="13" name="그림 12"/>
+          <p:cNvPicPr>
+            <a:picLocks noChangeAspect="1"/>
+          </p:cNvPicPr>
+          <p:nvPr/>
+        </p:nvPicPr>
+        <p:blipFill rotWithShape="1">
+          <a:blip r:embed="rId3"/>
+          <a:stretch>
+            <a:fillRect/>
+          </a:stretch>
+        </p:blipFill>
+        <p:spPr>
+          <a:xfrm>
+            <a:off x="323803" y="2956887"/>
+            <a:ext cx="372874" cy="396044"/>
+          </a:xfrm>
+          <a:prstGeom prst="rect">
+            <a:avLst/>
+          </a:prstGeom>
+        </p:spPr>
+      </p:pic>
+      <p:pic>
+        <p:nvPicPr>
+          <p:cNvPr id="14" name="그림 13"/>
+          <p:cNvPicPr>
+            <a:picLocks noChangeAspect="1"/>
+          </p:cNvPicPr>
+          <p:nvPr/>
+        </p:nvPicPr>
+        <p:blipFill rotWithShape="1">
+          <a:blip r:embed="rId3"/>
+          <a:stretch>
+            <a:fillRect/>
+          </a:stretch>
+        </p:blipFill>
+        <p:spPr>
+          <a:xfrm>
+            <a:off x="323803" y="5205390"/>
+            <a:ext cx="372874" cy="396044"/>
+          </a:xfrm>
+          <a:prstGeom prst="rect">
+            <a:avLst/>
+          </a:prstGeom>
+        </p:spPr>
+      </p:pic>
+      <p:cxnSp>
+        <p:nvCxnSpPr>
+          <p:cNvPr id="24" name="직선 연결선 23"/>
+          <p:cNvCxnSpPr/>
+          <p:nvPr/>
+        </p:nvCxnSpPr>
+        <p:spPr>
+          <a:xfrm>
+            <a:off x="4794280" y="1733770"/>
+            <a:ext cx="3990062" cy="2"/>
+          </a:xfrm>
+          <a:prstGeom prst="line">
+            <a:avLst/>
+          </a:prstGeom>
+          <a:ln w="12700">
+            <a:solidFill>
+              <a:schemeClr val="tx1">
+                <a:lumMod val="65000"/>
+                <a:lumOff val="35000"/>
+              </a:schemeClr>
+            </a:solidFill>
+          </a:ln>
+        </p:spPr>
+        <p:style>
+          <a:lnRef idx="1">
+            <a:schemeClr val="accent1"/>
+          </a:lnRef>
+          <a:fillRef idx="0">
+            <a:schemeClr val="accent1"/>
+          </a:fillRef>
+          <a:effectRef idx="0">
+            <a:schemeClr val="accent1"/>
+          </a:effectRef>
+          <a:fontRef idx="minor">
+            <a:schemeClr val="tx1"/>
+          </a:fontRef>
+        </p:style>
+      </p:cxnSp>
+      <p:sp>
+        <p:nvSpPr>
+          <p:cNvPr id="25" name="직사각형 24"/>
+          <p:cNvSpPr/>
+          <p:nvPr/>
+        </p:nvSpPr>
+        <p:spPr>
+          <a:xfrm>
+            <a:off x="4932040" y="1373731"/>
+            <a:ext cx="3796331" cy="400110"/>
+          </a:xfrm>
+          <a:prstGeom prst="rect">
+            <a:avLst/>
+          </a:prstGeom>
+        </p:spPr>
+        <p:txBody>
+          <a:bodyPr wrap="square">
+            <a:spAutoFit/>
+          </a:bodyPr>
+          <a:lstStyle/>
+          <a:p>
+            <a:pPr algn="ctr">
+              <a:defRPr lang="ko-KR" altLang="en-US"/>
+            </a:pPr>
+            <a:r>
+              <a:rPr lang="ko-KR" altLang="en-US" sz="2000" b="1" dirty="0" smtClean="0">
+                <a:ln w="9525">
+                  <a:solidFill>
+                    <a:schemeClr val="bg1">
+                      <a:lumMod val="65000"/>
+                      <a:alpha val="0"/>
+                    </a:schemeClr>
+                  </a:solidFill>
+                </a:ln>
+                <a:latin typeface="한컴 윤고딕 760"/>
+                <a:ea typeface="한컴 윤고딕 760"/>
+              </a:rPr>
+              <a:t>정하</a:t>
+            </a:r>
+            <a:r>
+              <a:rPr lang="ko-KR" altLang="en-US" sz="2000" b="1" dirty="0">
+                <a:ln w="9525">
+                  <a:solidFill>
+                    <a:schemeClr val="bg1">
+                      <a:lumMod val="65000"/>
+                      <a:alpha val="0"/>
+                    </a:schemeClr>
+                  </a:solidFill>
+                </a:ln>
+                <a:latin typeface="한컴 윤고딕 760"/>
+                <a:ea typeface="한컴 윤고딕 760"/>
+              </a:rPr>
+              <a:t>은</a:t>
+            </a:r>
+          </a:p>
+        </p:txBody>
+      </p:sp>
+      <p:pic>
+        <p:nvPicPr>
+          <p:cNvPr id="28" name="그림 27"/>
+          <p:cNvPicPr>
+            <a:picLocks noChangeAspect="1"/>
+          </p:cNvPicPr>
+          <p:nvPr/>
+        </p:nvPicPr>
+        <p:blipFill rotWithShape="1">
+          <a:blip r:embed="rId3"/>
+          <a:stretch>
+            <a:fillRect/>
+          </a:stretch>
+        </p:blipFill>
+        <p:spPr>
+          <a:xfrm>
+            <a:off x="4830284" y="2056785"/>
+            <a:ext cx="372874" cy="396044"/>
+          </a:xfrm>
+          <a:prstGeom prst="rect">
+            <a:avLst/>
+          </a:prstGeom>
+        </p:spPr>
+      </p:pic>
+      <p:pic>
+        <p:nvPicPr>
+          <p:cNvPr id="29" name="그림 28"/>
+          <p:cNvPicPr>
+            <a:picLocks noChangeAspect="1"/>
+          </p:cNvPicPr>
+          <p:nvPr/>
+        </p:nvPicPr>
+        <p:blipFill rotWithShape="1">
+          <a:blip r:embed="rId3"/>
+          <a:stretch>
+            <a:fillRect/>
+          </a:stretch>
+        </p:blipFill>
+        <p:spPr>
+          <a:xfrm>
+            <a:off x="4830284" y="2956887"/>
+            <a:ext cx="372874" cy="396044"/>
+          </a:xfrm>
+          <a:prstGeom prst="rect">
+            <a:avLst/>
+          </a:prstGeom>
+        </p:spPr>
+      </p:pic>
+      <p:pic>
+        <p:nvPicPr>
+          <p:cNvPr id="30" name="그림 29"/>
+          <p:cNvPicPr>
+            <a:picLocks noChangeAspect="1"/>
+          </p:cNvPicPr>
+          <p:nvPr/>
+        </p:nvPicPr>
+        <p:blipFill rotWithShape="1">
+          <a:blip r:embed="rId3"/>
+          <a:stretch>
+            <a:fillRect/>
+          </a:stretch>
+        </p:blipFill>
+        <p:spPr>
+          <a:xfrm>
+            <a:off x="4830284" y="3945251"/>
+            <a:ext cx="372874" cy="396044"/>
+          </a:xfrm>
+          <a:prstGeom prst="rect">
+            <a:avLst/>
+          </a:prstGeom>
+        </p:spPr>
+      </p:pic>
+      <p:sp>
+        <p:nvSpPr>
+          <p:cNvPr id="31" name="직사각형 30"/>
+          <p:cNvSpPr/>
+          <p:nvPr/>
+        </p:nvSpPr>
+        <p:spPr>
+          <a:xfrm>
+            <a:off x="559370" y="3861048"/>
+            <a:ext cx="3796331" cy="707886"/>
+          </a:xfrm>
+          <a:prstGeom prst="rect">
+            <a:avLst/>
+          </a:prstGeom>
+        </p:spPr>
+        <p:txBody>
+          <a:bodyPr wrap="square">
+            <a:spAutoFit/>
+          </a:bodyPr>
+          <a:lstStyle/>
+          <a:p>
+            <a:pPr algn="ctr">
+              <a:defRPr lang="ko-KR" altLang="en-US"/>
+            </a:pPr>
+            <a:r>
+              <a:rPr lang="ko-KR" altLang="en-US" sz="2000" dirty="0" err="1" smtClean="0">
+                <a:ln w="9525">
+                  <a:solidFill>
+                    <a:schemeClr val="bg1">
+                      <a:lumMod val="65000"/>
+                      <a:alpha val="0"/>
+                    </a:schemeClr>
+                  </a:solidFill>
+                </a:ln>
+                <a:latin typeface="한컴 윤고딕 720"/>
+                <a:ea typeface="한컴 윤고딕 720"/>
+              </a:rPr>
+              <a:t>쉐이더</a:t>
+            </a:r>
+            <a:r>
+              <a:rPr lang="ko-KR" altLang="en-US" sz="2000" dirty="0" smtClean="0">
+                <a:ln w="9525">
+                  <a:solidFill>
+                    <a:schemeClr val="bg1">
+                      <a:lumMod val="65000"/>
+                      <a:alpha val="0"/>
+                    </a:schemeClr>
+                  </a:solidFill>
+                </a:ln>
+                <a:latin typeface="한컴 윤고딕 720"/>
+                <a:ea typeface="한컴 윤고딕 720"/>
+              </a:rPr>
+              <a:t> 및 </a:t>
+            </a:r>
+            <a:endParaRPr lang="en-US" altLang="ko-KR" sz="2000" dirty="0" smtClean="0">
+              <a:ln w="9525">
+                <a:solidFill>
+                  <a:schemeClr val="bg1">
+                    <a:lumMod val="65000"/>
+                    <a:alpha val="0"/>
+                  </a:schemeClr>
+                </a:solidFill>
+              </a:ln>
+              <a:latin typeface="한컴 윤고딕 720"/>
+              <a:ea typeface="한컴 윤고딕 720"/>
+            </a:endParaRPr>
+          </a:p>
+          <a:p>
+            <a:pPr algn="ctr">
+              <a:defRPr lang="ko-KR" altLang="en-US"/>
+            </a:pPr>
+            <a:r>
+              <a:rPr lang="ko-KR" altLang="en-US" sz="2000" dirty="0" smtClean="0">
+                <a:ln w="9525">
+                  <a:solidFill>
+                    <a:schemeClr val="bg1">
+                      <a:lumMod val="65000"/>
+                      <a:alpha val="0"/>
+                    </a:schemeClr>
+                  </a:solidFill>
+                </a:ln>
+                <a:latin typeface="한컴 윤고딕 720"/>
+                <a:ea typeface="한컴 윤고딕 720"/>
+              </a:rPr>
+              <a:t>캐릭터 애니메이션</a:t>
+            </a:r>
+            <a:endParaRPr lang="ko-KR" altLang="en-US" sz="2000" dirty="0">
+              <a:ln w="9525">
+                <a:solidFill>
+                  <a:schemeClr val="bg1">
+                    <a:lumMod val="65000"/>
+                    <a:alpha val="0"/>
+                  </a:schemeClr>
+                </a:solidFill>
+              </a:ln>
+              <a:latin typeface="한컴 윤고딕 720"/>
+              <a:ea typeface="한컴 윤고딕 720"/>
+            </a:endParaRPr>
+          </a:p>
+        </p:txBody>
+      </p:sp>
+      <p:pic>
+        <p:nvPicPr>
+          <p:cNvPr id="32" name="그림 31"/>
+          <p:cNvPicPr>
+            <a:picLocks noChangeAspect="1"/>
+          </p:cNvPicPr>
+          <p:nvPr/>
+        </p:nvPicPr>
+        <p:blipFill rotWithShape="1">
+          <a:blip r:embed="rId3"/>
+          <a:stretch>
+            <a:fillRect/>
+          </a:stretch>
+        </p:blipFill>
+        <p:spPr>
+          <a:xfrm>
+            <a:off x="323528" y="4064878"/>
+            <a:ext cx="372874" cy="396044"/>
+          </a:xfrm>
+          <a:prstGeom prst="rect">
+            <a:avLst/>
+          </a:prstGeom>
+        </p:spPr>
+      </p:pic>
     </p:spTree>
+    <p:extLst>
+      <p:ext uri="{BB962C8B-B14F-4D97-AF65-F5344CB8AC3E}">
+        <p14:creationId xmlns:p14="http://schemas.microsoft.com/office/powerpoint/2010/main" val="3875834907"/>
+      </p:ext>
+    </p:extLst>
   </p:cSld>
   <p:clrMapOvr>
     <a:masterClrMapping/>
   </p:clrMapOvr>
-  <p:timing>
-    <p:tnLst>
-      <p:par>
-        <p:cTn id="1" dur="indefinite" restart="never" nodeType="tmRoot"/>
-      </p:par>
-    </p:tnLst>
-  </p:timing>
+</p:sld>
+</file>
+
+<file path=ppt/slides/slide18.xml><?xml version="1.0" encoding="utf-8"?>
+<p:sld xmlns:a="http://schemas.openxmlformats.org/drawingml/2006/main" xmlns:r="http://schemas.openxmlformats.org/officeDocument/2006/relationships" xmlns:p="http://schemas.openxmlformats.org/presentationml/2006/main">
+  <p:cSld>
+    <p:spTree>
+      <p:nvGrpSpPr>
+        <p:cNvPr id="1" name=""/>
+        <p:cNvGrpSpPr/>
+        <p:nvPr/>
+      </p:nvGrpSpPr>
+      <p:grpSpPr>
+        <a:xfrm>
+          <a:off x="0" y="0"/>
+          <a:ext cx="0" cy="0"/>
+          <a:chOff x="0" y="0"/>
+          <a:chExt cx="0" cy="0"/>
+        </a:xfrm>
+      </p:grpSpPr>
+      <p:sp>
+        <p:nvSpPr>
+          <p:cNvPr id="4" name="직사각형 3"/>
+          <p:cNvSpPr/>
+          <p:nvPr/>
+        </p:nvSpPr>
+        <p:spPr>
+          <a:xfrm>
+            <a:off x="0" y="404664"/>
+            <a:ext cx="9144000" cy="504056"/>
+          </a:xfrm>
+          <a:prstGeom prst="rect">
+            <a:avLst/>
+          </a:prstGeom>
+          <a:solidFill>
+            <a:srgbClr val="FD4B62"/>
+          </a:solidFill>
+          <a:ln>
+            <a:noFill/>
+          </a:ln>
+        </p:spPr>
+        <p:style>
+          <a:lnRef idx="2">
+            <a:schemeClr val="accent1">
+              <a:shade val="50000"/>
+            </a:schemeClr>
+          </a:lnRef>
+          <a:fillRef idx="1">
+            <a:schemeClr val="accent1"/>
+          </a:fillRef>
+          <a:effectRef idx="0">
+            <a:schemeClr val="accent1"/>
+          </a:effectRef>
+          <a:fontRef idx="minor">
+            <a:schemeClr val="lt1"/>
+          </a:fontRef>
+        </p:style>
+        <p:txBody>
+          <a:bodyPr rtlCol="0" anchor="ctr"/>
+          <a:lstStyle/>
+          <a:p>
+            <a:pPr algn="ctr"/>
+            <a:endParaRPr lang="ko-KR" altLang="en-US" sz="2000" b="1" dirty="0">
+              <a:ln>
+                <a:solidFill>
+                  <a:schemeClr val="accent1">
+                    <a:alpha val="0"/>
+                  </a:schemeClr>
+                </a:solidFill>
+              </a:ln>
+              <a:latin typeface="+mn-ea"/>
+            </a:endParaRPr>
+          </a:p>
+        </p:txBody>
+      </p:sp>
+      <p:sp>
+        <p:nvSpPr>
+          <p:cNvPr id="5" name="TextBox 4"/>
+          <p:cNvSpPr txBox="1"/>
+          <p:nvPr/>
+        </p:nvSpPr>
+        <p:spPr>
+          <a:xfrm>
+            <a:off x="0" y="0"/>
+            <a:ext cx="3059832" cy="400110"/>
+          </a:xfrm>
+          <a:prstGeom prst="rect">
+            <a:avLst/>
+          </a:prstGeom>
+          <a:noFill/>
+        </p:spPr>
+        <p:txBody>
+          <a:bodyPr wrap="square" rtlCol="0">
+            <a:spAutoFit/>
+          </a:bodyPr>
+          <a:lstStyle/>
+          <a:p>
+            <a:r>
+              <a:rPr lang="en-US" altLang="ko-KR" sz="2000" b="1" dirty="0">
+                <a:ln>
+                  <a:solidFill>
+                    <a:schemeClr val="accent1">
+                      <a:alpha val="0"/>
+                    </a:schemeClr>
+                  </a:solidFill>
+                </a:ln>
+                <a:latin typeface="+mn-ea"/>
+              </a:rPr>
+              <a:t>6</a:t>
+            </a:r>
+            <a:r>
+              <a:rPr lang="en-US" altLang="ko-KR" sz="2000" b="1" dirty="0" smtClean="0">
+                <a:ln>
+                  <a:solidFill>
+                    <a:schemeClr val="accent1">
+                      <a:alpha val="0"/>
+                    </a:schemeClr>
+                  </a:solidFill>
+                </a:ln>
+                <a:latin typeface="+mn-ea"/>
+              </a:rPr>
+              <a:t>/</a:t>
+            </a:r>
+            <a:r>
+              <a:rPr lang="ko-KR" altLang="en-US" sz="2000" b="1" dirty="0" smtClean="0">
+                <a:ln>
+                  <a:solidFill>
+                    <a:schemeClr val="accent1">
+                      <a:alpha val="0"/>
+                    </a:schemeClr>
+                  </a:solidFill>
+                </a:ln>
+                <a:latin typeface="+mn-ea"/>
+              </a:rPr>
+              <a:t>일정</a:t>
+            </a:r>
+            <a:endParaRPr lang="ko-KR" altLang="en-US" b="1" dirty="0">
+              <a:ln>
+                <a:solidFill>
+                  <a:schemeClr val="accent1">
+                    <a:alpha val="0"/>
+                  </a:schemeClr>
+                </a:solidFill>
+              </a:ln>
+              <a:latin typeface="+mn-ea"/>
+            </a:endParaRPr>
+          </a:p>
+        </p:txBody>
+      </p:sp>
+    </p:spTree>
+    <p:extLst>
+      <p:ext uri="{BB962C8B-B14F-4D97-AF65-F5344CB8AC3E}">
+        <p14:creationId xmlns:p14="http://schemas.microsoft.com/office/powerpoint/2010/main" val="3974606752"/>
+      </p:ext>
+    </p:extLst>
+  </p:cSld>
+  <p:clrMapOvr>
+    <a:masterClrMapping/>
+  </p:clrMapOvr>
+</p:sld>
+</file>
+
+<file path=ppt/slides/slide19.xml><?xml version="1.0" encoding="utf-8"?>
+<p:sld xmlns:a="http://schemas.openxmlformats.org/drawingml/2006/main" xmlns:r="http://schemas.openxmlformats.org/officeDocument/2006/relationships" xmlns:p="http://schemas.openxmlformats.org/presentationml/2006/main">
+  <p:cSld>
+    <p:spTree>
+      <p:nvGrpSpPr>
+        <p:cNvPr id="1" name=""/>
+        <p:cNvGrpSpPr/>
+        <p:nvPr/>
+      </p:nvGrpSpPr>
+      <p:grpSpPr>
+        <a:xfrm>
+          <a:off x="0" y="0"/>
+          <a:ext cx="0" cy="0"/>
+          <a:chOff x="0" y="0"/>
+          <a:chExt cx="0" cy="0"/>
+        </a:xfrm>
+      </p:grpSpPr>
+      <p:sp>
+        <p:nvSpPr>
+          <p:cNvPr id="4" name="직사각형 3"/>
+          <p:cNvSpPr/>
+          <p:nvPr/>
+        </p:nvSpPr>
+        <p:spPr>
+          <a:xfrm>
+            <a:off x="0" y="404664"/>
+            <a:ext cx="9144000" cy="504056"/>
+          </a:xfrm>
+          <a:prstGeom prst="rect">
+            <a:avLst/>
+          </a:prstGeom>
+          <a:solidFill>
+            <a:srgbClr val="FD4B62"/>
+          </a:solidFill>
+          <a:ln>
+            <a:noFill/>
+          </a:ln>
+        </p:spPr>
+        <p:style>
+          <a:lnRef idx="2">
+            <a:schemeClr val="accent1">
+              <a:shade val="50000"/>
+            </a:schemeClr>
+          </a:lnRef>
+          <a:fillRef idx="1">
+            <a:schemeClr val="accent1"/>
+          </a:fillRef>
+          <a:effectRef idx="0">
+            <a:schemeClr val="accent1"/>
+          </a:effectRef>
+          <a:fontRef idx="minor">
+            <a:schemeClr val="lt1"/>
+          </a:fontRef>
+        </p:style>
+        <p:txBody>
+          <a:bodyPr rtlCol="0" anchor="ctr"/>
+          <a:lstStyle/>
+          <a:p>
+            <a:pPr algn="ctr"/>
+            <a:endParaRPr lang="ko-KR" altLang="en-US" sz="2000" b="1" dirty="0">
+              <a:ln>
+                <a:solidFill>
+                  <a:schemeClr val="accent1">
+                    <a:alpha val="0"/>
+                  </a:schemeClr>
+                </a:solidFill>
+              </a:ln>
+              <a:latin typeface="+mn-ea"/>
+            </a:endParaRPr>
+          </a:p>
+        </p:txBody>
+      </p:sp>
+      <p:sp>
+        <p:nvSpPr>
+          <p:cNvPr id="5" name="TextBox 4"/>
+          <p:cNvSpPr txBox="1"/>
+          <p:nvPr/>
+        </p:nvSpPr>
+        <p:spPr>
+          <a:xfrm>
+            <a:off x="0" y="0"/>
+            <a:ext cx="3059832" cy="400110"/>
+          </a:xfrm>
+          <a:prstGeom prst="rect">
+            <a:avLst/>
+          </a:prstGeom>
+          <a:noFill/>
+        </p:spPr>
+        <p:txBody>
+          <a:bodyPr wrap="square" rtlCol="0">
+            <a:spAutoFit/>
+          </a:bodyPr>
+          <a:lstStyle/>
+          <a:p>
+            <a:r>
+              <a:rPr lang="en-US" altLang="ko-KR" sz="2000" b="1" dirty="0">
+                <a:ln>
+                  <a:solidFill>
+                    <a:schemeClr val="accent1">
+                      <a:alpha val="0"/>
+                    </a:schemeClr>
+                  </a:solidFill>
+                </a:ln>
+                <a:latin typeface="+mn-ea"/>
+              </a:rPr>
+              <a:t>7</a:t>
+            </a:r>
+            <a:r>
+              <a:rPr lang="en-US" altLang="ko-KR" sz="2000" b="1" dirty="0" smtClean="0">
+                <a:ln>
+                  <a:solidFill>
+                    <a:schemeClr val="accent1">
+                      <a:alpha val="0"/>
+                    </a:schemeClr>
+                  </a:solidFill>
+                </a:ln>
+                <a:latin typeface="+mn-ea"/>
+              </a:rPr>
+              <a:t>/</a:t>
+            </a:r>
+            <a:r>
+              <a:rPr lang="ko-KR" altLang="en-US" sz="2000" b="1" dirty="0" smtClean="0">
+                <a:ln>
+                  <a:solidFill>
+                    <a:schemeClr val="accent1">
+                      <a:alpha val="0"/>
+                    </a:schemeClr>
+                  </a:solidFill>
+                </a:ln>
+                <a:latin typeface="+mn-ea"/>
+              </a:rPr>
+              <a:t>출처</a:t>
+            </a:r>
+            <a:endParaRPr lang="ko-KR" altLang="en-US" b="1" dirty="0">
+              <a:ln>
+                <a:solidFill>
+                  <a:schemeClr val="accent1">
+                    <a:alpha val="0"/>
+                  </a:schemeClr>
+                </a:solidFill>
+              </a:ln>
+              <a:latin typeface="+mn-ea"/>
+            </a:endParaRPr>
+          </a:p>
+        </p:txBody>
+      </p:sp>
+      <p:sp>
+        <p:nvSpPr>
+          <p:cNvPr id="6" name="TextBox 5"/>
+          <p:cNvSpPr txBox="1"/>
+          <p:nvPr/>
+        </p:nvSpPr>
+        <p:spPr>
+          <a:xfrm>
+            <a:off x="539552" y="1243407"/>
+            <a:ext cx="8280920" cy="2123658"/>
+          </a:xfrm>
+          <a:prstGeom prst="rect">
+            <a:avLst/>
+          </a:prstGeom>
+          <a:noFill/>
+        </p:spPr>
+        <p:txBody>
+          <a:bodyPr wrap="square" rtlCol="0">
+            <a:spAutoFit/>
+          </a:bodyPr>
+          <a:lstStyle/>
+          <a:p>
+            <a:r>
+              <a:rPr lang="ko-KR" altLang="en-US" sz="1100" b="1" dirty="0" smtClean="0">
+                <a:ln>
+                  <a:solidFill>
+                    <a:schemeClr val="accent1">
+                      <a:alpha val="0"/>
+                    </a:schemeClr>
+                  </a:solidFill>
+                </a:ln>
+                <a:latin typeface="+mn-ea"/>
+              </a:rPr>
+              <a:t>관절인형</a:t>
+            </a:r>
+            <a:endParaRPr lang="en-US" altLang="ko-KR" sz="1100" b="1" dirty="0" smtClean="0">
+              <a:ln>
+                <a:solidFill>
+                  <a:schemeClr val="accent1">
+                    <a:alpha val="0"/>
+                  </a:schemeClr>
+                </a:solidFill>
+              </a:ln>
+              <a:latin typeface="+mn-ea"/>
+            </a:endParaRPr>
+          </a:p>
+          <a:p>
+            <a:r>
+              <a:rPr lang="en-US" altLang="ko-KR" sz="1100" dirty="0">
+                <a:ln>
+                  <a:solidFill>
+                    <a:schemeClr val="accent1">
+                      <a:alpha val="0"/>
+                    </a:schemeClr>
+                  </a:solidFill>
+                </a:ln>
+                <a:latin typeface="+mn-ea"/>
+              </a:rPr>
+              <a:t> -http://www.ebay.es/itm/Robot-Time-Reloj-Despertador-ROJO-negro-con-Analogico-Pantalla-Retro-/</a:t>
+            </a:r>
+            <a:r>
+              <a:rPr lang="en-US" altLang="ko-KR" sz="1100" dirty="0" smtClean="0">
+                <a:ln>
+                  <a:solidFill>
+                    <a:schemeClr val="accent1">
+                      <a:alpha val="0"/>
+                    </a:schemeClr>
+                  </a:solidFill>
+                </a:ln>
+                <a:latin typeface="+mn-ea"/>
+              </a:rPr>
+              <a:t>311079023040</a:t>
+            </a:r>
+          </a:p>
+          <a:p>
+            <a:endParaRPr lang="en-US" altLang="ko-KR" sz="1100" dirty="0">
+              <a:ln>
+                <a:solidFill>
+                  <a:schemeClr val="accent1">
+                    <a:alpha val="0"/>
+                  </a:schemeClr>
+                </a:solidFill>
+              </a:ln>
+              <a:latin typeface="+mn-ea"/>
+            </a:endParaRPr>
+          </a:p>
+          <a:p>
+            <a:r>
+              <a:rPr lang="ko-KR" altLang="en-US" sz="1100" b="1" dirty="0" smtClean="0">
+                <a:ln>
+                  <a:solidFill>
+                    <a:schemeClr val="accent1">
+                      <a:alpha val="0"/>
+                    </a:schemeClr>
+                  </a:solidFill>
+                </a:ln>
+                <a:latin typeface="+mn-ea"/>
+              </a:rPr>
+              <a:t>로봇인형</a:t>
+            </a:r>
+            <a:endParaRPr lang="en-US" altLang="ko-KR" sz="1100" b="1" dirty="0" smtClean="0">
+              <a:ln>
+                <a:solidFill>
+                  <a:schemeClr val="accent1">
+                    <a:alpha val="0"/>
+                  </a:schemeClr>
+                </a:solidFill>
+              </a:ln>
+              <a:latin typeface="+mn-ea"/>
+            </a:endParaRPr>
+          </a:p>
+          <a:p>
+            <a:r>
+              <a:rPr lang="en-US" altLang="ko-KR" sz="1100" dirty="0">
+                <a:ln>
+                  <a:solidFill>
+                    <a:schemeClr val="accent1">
+                      <a:alpha val="0"/>
+                    </a:schemeClr>
+                  </a:solidFill>
+                </a:ln>
+                <a:latin typeface="+mn-ea"/>
+              </a:rPr>
+              <a:t> -http://www.ebay.es/itm/Robot-Time-Reloj-Despertador-ROJO-negro-con-Analogico-Pantalla-Retro-/</a:t>
+            </a:r>
+            <a:r>
+              <a:rPr lang="en-US" altLang="ko-KR" sz="1100" dirty="0" smtClean="0">
+                <a:ln>
+                  <a:solidFill>
+                    <a:schemeClr val="accent1">
+                      <a:alpha val="0"/>
+                    </a:schemeClr>
+                  </a:solidFill>
+                </a:ln>
+                <a:latin typeface="+mn-ea"/>
+              </a:rPr>
+              <a:t>311079023040</a:t>
+            </a:r>
+          </a:p>
+          <a:p>
+            <a:endParaRPr lang="en-US" altLang="ko-KR" sz="1100" dirty="0">
+              <a:ln>
+                <a:solidFill>
+                  <a:schemeClr val="accent1">
+                    <a:alpha val="0"/>
+                  </a:schemeClr>
+                </a:solidFill>
+              </a:ln>
+              <a:latin typeface="+mn-ea"/>
+            </a:endParaRPr>
+          </a:p>
+          <a:p>
+            <a:r>
+              <a:rPr lang="ko-KR" altLang="en-US" sz="1100" b="1" dirty="0" smtClean="0">
+                <a:ln>
+                  <a:solidFill>
+                    <a:schemeClr val="accent1">
+                      <a:alpha val="0"/>
+                    </a:schemeClr>
+                  </a:solidFill>
+                </a:ln>
+                <a:latin typeface="+mn-ea"/>
+              </a:rPr>
+              <a:t>태엽</a:t>
+            </a:r>
+            <a:endParaRPr lang="en-US" altLang="ko-KR" sz="1100" b="1" dirty="0" smtClean="0">
+              <a:ln>
+                <a:solidFill>
+                  <a:schemeClr val="accent1">
+                    <a:alpha val="0"/>
+                  </a:schemeClr>
+                </a:solidFill>
+              </a:ln>
+              <a:latin typeface="+mn-ea"/>
+            </a:endParaRPr>
+          </a:p>
+          <a:p>
+            <a:r>
+              <a:rPr lang="en-US" altLang="ko-KR" sz="1100" dirty="0">
+                <a:ln>
+                  <a:solidFill>
+                    <a:schemeClr val="accent1">
+                      <a:alpha val="0"/>
+                    </a:schemeClr>
+                  </a:solidFill>
+                </a:ln>
+                <a:latin typeface="+mn-ea"/>
+              </a:rPr>
+              <a:t> -http://free-3d-textures.com/</a:t>
+            </a:r>
+            <a:r>
+              <a:rPr lang="en-US" altLang="ko-KR" sz="1100" dirty="0" err="1">
+                <a:ln>
+                  <a:solidFill>
+                    <a:schemeClr val="accent1">
+                      <a:alpha val="0"/>
+                    </a:schemeClr>
+                  </a:solidFill>
+                </a:ln>
+                <a:latin typeface="+mn-ea"/>
+              </a:rPr>
+              <a:t>png</a:t>
+            </a:r>
+            <a:r>
+              <a:rPr lang="en-US" altLang="ko-KR" sz="1100" dirty="0">
+                <a:ln>
+                  <a:solidFill>
+                    <a:schemeClr val="accent1">
+                      <a:alpha val="0"/>
+                    </a:schemeClr>
+                  </a:solidFill>
+                </a:ln>
+                <a:latin typeface="+mn-ea"/>
+              </a:rPr>
+              <a:t>/</a:t>
+            </a:r>
+            <a:r>
+              <a:rPr lang="en-US" altLang="ko-KR" sz="1100" dirty="0" err="1">
+                <a:ln>
+                  <a:solidFill>
+                    <a:schemeClr val="accent1">
+                      <a:alpha val="0"/>
+                    </a:schemeClr>
+                  </a:solidFill>
+                </a:ln>
+                <a:latin typeface="+mn-ea"/>
+              </a:rPr>
+              <a:t>png</a:t>
+            </a:r>
+            <a:r>
+              <a:rPr lang="en-US" altLang="ko-KR" sz="1100" dirty="0">
+                <a:ln>
+                  <a:solidFill>
+                    <a:schemeClr val="accent1">
+                      <a:alpha val="0"/>
+                    </a:schemeClr>
+                  </a:solidFill>
+                </a:ln>
+                <a:latin typeface="+mn-ea"/>
+              </a:rPr>
+              <a:t>-</a:t>
+            </a:r>
+            <a:r>
+              <a:rPr lang="en-US" altLang="ko-KR" sz="1100" dirty="0" err="1">
+                <a:ln>
+                  <a:solidFill>
+                    <a:schemeClr val="accent1">
+                      <a:alpha val="0"/>
+                    </a:schemeClr>
+                  </a:solidFill>
+                </a:ln>
+                <a:latin typeface="+mn-ea"/>
+              </a:rPr>
+              <a:t>miscellanous</a:t>
+            </a:r>
+            <a:r>
+              <a:rPr lang="en-US" altLang="ko-KR" sz="1100" dirty="0">
+                <a:ln>
+                  <a:solidFill>
+                    <a:schemeClr val="accent1">
+                      <a:alpha val="0"/>
+                    </a:schemeClr>
+                  </a:solidFill>
+                </a:ln>
+                <a:latin typeface="+mn-ea"/>
+              </a:rPr>
+              <a:t>-stuff/</a:t>
+            </a:r>
+          </a:p>
+          <a:p>
+            <a:endParaRPr lang="en-US" altLang="ko-KR" sz="1100" dirty="0" smtClean="0">
+              <a:ln>
+                <a:solidFill>
+                  <a:schemeClr val="accent1">
+                    <a:alpha val="0"/>
+                  </a:schemeClr>
+                </a:solidFill>
+              </a:ln>
+              <a:latin typeface="+mn-ea"/>
+            </a:endParaRPr>
+          </a:p>
+          <a:p>
+            <a:r>
+              <a:rPr lang="ko-KR" altLang="en-US" sz="1100" b="1" dirty="0" err="1" smtClean="0">
+                <a:ln>
+                  <a:solidFill>
+                    <a:schemeClr val="accent1">
+                      <a:alpha val="0"/>
+                    </a:schemeClr>
+                  </a:solidFill>
+                </a:ln>
+                <a:latin typeface="+mn-ea"/>
+              </a:rPr>
+              <a:t>리틀</a:t>
+            </a:r>
+            <a:r>
+              <a:rPr lang="ko-KR" altLang="en-US" sz="1100" b="1" dirty="0" smtClean="0">
+                <a:ln>
+                  <a:solidFill>
+                    <a:schemeClr val="accent1">
+                      <a:alpha val="0"/>
+                    </a:schemeClr>
+                  </a:solidFill>
+                </a:ln>
+                <a:latin typeface="+mn-ea"/>
+              </a:rPr>
+              <a:t> </a:t>
+            </a:r>
+            <a:r>
+              <a:rPr lang="ko-KR" altLang="en-US" sz="1100" b="1" dirty="0" err="1" smtClean="0">
+                <a:ln>
+                  <a:solidFill>
+                    <a:schemeClr val="accent1">
+                      <a:alpha val="0"/>
+                    </a:schemeClr>
+                  </a:solidFill>
+                </a:ln>
+                <a:latin typeface="+mn-ea"/>
+              </a:rPr>
+              <a:t>나이트메어</a:t>
+            </a:r>
+            <a:endParaRPr lang="en-US" altLang="ko-KR" sz="1100" b="1" dirty="0" smtClean="0">
+              <a:ln>
+                <a:solidFill>
+                  <a:schemeClr val="accent1">
+                    <a:alpha val="0"/>
+                  </a:schemeClr>
+                </a:solidFill>
+              </a:ln>
+              <a:latin typeface="+mn-ea"/>
+            </a:endParaRPr>
+          </a:p>
+          <a:p>
+            <a:r>
+              <a:rPr lang="en-US" altLang="ko-KR" sz="1100" dirty="0">
+                <a:ln>
+                  <a:solidFill>
+                    <a:schemeClr val="accent1">
+                      <a:alpha val="0"/>
+                    </a:schemeClr>
+                  </a:solidFill>
+                </a:ln>
+                <a:latin typeface="+mn-ea"/>
+              </a:rPr>
+              <a:t> -http://blog.naver.com/ps3player/220934403639</a:t>
+            </a:r>
+          </a:p>
+          <a:p>
+            <a:endParaRPr lang="ko-KR" altLang="en-US" sz="1100" dirty="0">
+              <a:ln>
+                <a:solidFill>
+                  <a:schemeClr val="accent1">
+                    <a:alpha val="0"/>
+                  </a:schemeClr>
+                </a:solidFill>
+              </a:ln>
+              <a:latin typeface="+mn-ea"/>
+            </a:endParaRPr>
+          </a:p>
+        </p:txBody>
+      </p:sp>
+    </p:spTree>
+    <p:extLst>
+      <p:ext uri="{BB962C8B-B14F-4D97-AF65-F5344CB8AC3E}">
+        <p14:creationId xmlns:p14="http://schemas.microsoft.com/office/powerpoint/2010/main" val="3875834907"/>
+      </p:ext>
+    </p:extLst>
+  </p:cSld>
+  <p:clrMapOvr>
+    <a:masterClrMapping/>
+  </p:clrMapOvr>
 </p:sld>
 </file>
 
@@ -8914,6 +10993,25 @@
               <a:t>1/ </a:t>
             </a:r>
             <a:r>
+              <a:rPr lang="ko-KR" altLang="en-US" dirty="0" smtClean="0">
+                <a:ln>
+                  <a:solidFill>
+                    <a:schemeClr val="accent1">
+                      <a:alpha val="0"/>
+                    </a:schemeClr>
+                  </a:solidFill>
+                </a:ln>
+                <a:solidFill>
+                  <a:schemeClr val="tx1">
+                    <a:lumMod val="75000"/>
+                    <a:lumOff val="25000"/>
+                  </a:schemeClr>
+                </a:solidFill>
+                <a:latin typeface="+mn-ea"/>
+              </a:rPr>
+              <a:t>기획 </a:t>
+            </a:r>
+            <a:r>
               <a:rPr lang="ko-KR" altLang="en-US" dirty="0" err="1" smtClean="0">
                 <a:ln>
                   <a:solidFill>
@@ -8930,28 +11028,9 @@
                 </a:solidFill>
                 <a:latin typeface="+mn-ea"/>
               </a:rPr>
-              <a:t>기획컨</a:t>
-            </a:r>
-            <a:r>
-              <a:rPr lang="ko-KR" altLang="en-US" dirty="0" err="1">
-                <a:ln>
-                  <a:solidFill>
-                    <a:schemeClr val="accent1">
-                      <a:alpha val="0"/>
-                    </a:schemeClr>
-                  </a:solidFill>
-                </a:ln>
-                <a:solidFill>
-                  <a:schemeClr val="tx1">
-                    <a:lumMod val="75000"/>
-                    <a:lumOff val="25000"/>
-                  </a:schemeClr>
-                </a:solidFill>
-                <a:latin typeface="+mn-ea"/>
-              </a:rPr>
-              <a:t>셉</a:t>
-            </a:r>
-            <a:endParaRPr lang="ko-KR" altLang="en-US" sz="1600" dirty="0">
+              <a:t>컨셉</a:t>
+            </a:r>
+            <a:endParaRPr lang="ko-KR" altLang="en-US" dirty="0">
               <a:ln>
                 <a:solidFill>
                   <a:schemeClr val="accent1">
@@ -8978,8 +11057,8 @@
         </p:nvSpPr>
         <p:spPr>
           <a:xfrm>
-            <a:off x="1115616" y="2618910"/>
-            <a:ext cx="3059832" cy="2123658"/>
+            <a:off x="1115616" y="2662461"/>
+            <a:ext cx="3059832" cy="1846659"/>
           </a:xfrm>
           <a:prstGeom prst="rect">
             <a:avLst/>
@@ -9029,9 +11108,47 @@
                 </a:solidFill>
                 <a:latin typeface="+mn-ea"/>
               </a:rPr>
-              <a:t>게임 소개</a:t>
-            </a:r>
-            <a:endParaRPr lang="en-US" altLang="ko-KR" dirty="0" smtClean="0">
+              <a:t>게임 </a:t>
+            </a:r>
+            <a:r>
+              <a:rPr lang="ko-KR" altLang="en-US" dirty="0" smtClean="0">
+                <a:ln>
+                  <a:solidFill>
+                    <a:schemeClr val="accent1">
+                      <a:alpha val="0"/>
+                    </a:schemeClr>
+                  </a:solidFill>
+                </a:ln>
+                <a:solidFill>
+                  <a:schemeClr val="tx1">
+                    <a:lumMod val="75000"/>
+                    <a:lumOff val="25000"/>
+                  </a:schemeClr>
+                </a:solidFill>
+                <a:latin typeface="+mn-ea"/>
+              </a:rPr>
+              <a:t>소개</a:t>
+            </a:r>
+            <a:r>
+              <a:rPr lang="en-US" altLang="ko-KR" sz="1600" dirty="0" smtClean="0">
+                <a:ln>
+                  <a:solidFill>
+                    <a:schemeClr val="accent1">
+                      <a:alpha val="0"/>
+                    </a:schemeClr>
+                  </a:solidFill>
+                </a:ln>
+                <a:solidFill>
+                  <a:schemeClr val="tx1">
+                    <a:lumMod val="75000"/>
+                    <a:lumOff val="25000"/>
+                  </a:schemeClr>
+                </a:solidFill>
+                <a:latin typeface="+mn-ea"/>
+              </a:rPr>
+              <a:t>     </a:t>
+            </a:r>
+            <a:endParaRPr lang="en-US" altLang="ko-KR" sz="1600" dirty="0" smtClean="0">
               <a:ln>
                 <a:solidFill>
                   <a:schemeClr val="accent1">
@@ -9085,66 +11202,7 @@
                 </a:solidFill>
                 <a:latin typeface="+mn-ea"/>
               </a:rPr>
-              <a:t>    </a:t>
-            </a:r>
-          </a:p>
-          <a:p>
-            <a:r>
-              <a:rPr lang="en-US" altLang="ko-KR" dirty="0">
-                <a:ln>
-                  <a:solidFill>
-                    <a:schemeClr val="accent1">
-                      <a:alpha val="0"/>
-                    </a:schemeClr>
-                  </a:solidFill>
-                </a:ln>
-                <a:solidFill>
-                  <a:schemeClr val="tx1">
-                    <a:lumMod val="75000"/>
-                    <a:lumOff val="25000"/>
-                  </a:schemeClr>
-                </a:solidFill>
-                <a:latin typeface="+mn-ea"/>
-              </a:rPr>
-              <a:t> </a:t>
-            </a:r>
-            <a:r>
-              <a:rPr lang="en-US" altLang="ko-KR" dirty="0" smtClean="0">
-                <a:ln>
-                  <a:solidFill>
-                    <a:schemeClr val="accent1">
-                      <a:alpha val="0"/>
-                    </a:schemeClr>
-                  </a:solidFill>
-                </a:ln>
-                <a:solidFill>
-                  <a:schemeClr val="tx1">
-                    <a:lumMod val="75000"/>
-                    <a:lumOff val="25000"/>
-                  </a:schemeClr>
-                </a:solidFill>
-                <a:latin typeface="+mn-ea"/>
-              </a:rPr>
-              <a:t>     </a:t>
-            </a:r>
-            <a:r>
-              <a:rPr lang="en-US" altLang="ko-KR" sz="1600" dirty="0" smtClean="0">
-                <a:ln>
-                  <a:solidFill>
-                    <a:schemeClr val="accent1">
-                      <a:alpha val="0"/>
-                    </a:schemeClr>
-                  </a:solidFill>
-                </a:ln>
-                <a:solidFill>
-                  <a:schemeClr val="tx1">
-                    <a:lumMod val="75000"/>
-                    <a:lumOff val="25000"/>
-                  </a:schemeClr>
-                </a:solidFill>
-                <a:latin typeface="+mn-ea"/>
-              </a:rPr>
-              <a:t>- </a:t>
+              <a:t>      - </a:t>
             </a:r>
             <a:r>
               <a:rPr lang="ko-KR" altLang="en-US" sz="1600" dirty="0" smtClean="0">
@@ -9586,7 +11644,381 @@
         </p:nvSpPr>
         <p:spPr>
           <a:xfrm>
-            <a:off x="5148064" y="1988840"/>
+            <a:off x="5148064" y="1979548"/>
+            <a:ext cx="3059832" cy="369332"/>
+          </a:xfrm>
+          <a:prstGeom prst="rect">
+            <a:avLst/>
+          </a:prstGeom>
+          <a:noFill/>
+        </p:spPr>
+        <p:txBody>
+          <a:bodyPr wrap="square" rtlCol="0">
+            <a:spAutoFit/>
+          </a:bodyPr>
+          <a:lstStyle/>
+          <a:p>
+            <a:r>
+              <a:rPr lang="en-US" altLang="ko-KR" dirty="0">
+                <a:ln>
+                  <a:solidFill>
+                    <a:schemeClr val="accent1">
+                      <a:alpha val="0"/>
+                    </a:schemeClr>
+                  </a:solidFill>
+                </a:ln>
+                <a:solidFill>
+                  <a:schemeClr val="tx1">
+                    <a:lumMod val="75000"/>
+                    <a:lumOff val="25000"/>
+                  </a:schemeClr>
+                </a:solidFill>
+                <a:latin typeface="나눔고딕 ExtraBold" panose="020D0904000000000000" pitchFamily="50" charset="-127"/>
+                <a:ea typeface="나눔고딕 ExtraBold" panose="020D0904000000000000" pitchFamily="50" charset="-127"/>
+              </a:rPr>
+              <a:t>4</a:t>
+            </a:r>
+            <a:r>
+              <a:rPr lang="en-US" altLang="ko-KR" dirty="0" smtClean="0">
+                <a:ln>
+                  <a:solidFill>
+                    <a:schemeClr val="accent1">
+                      <a:alpha val="0"/>
+                    </a:schemeClr>
+                  </a:solidFill>
+                </a:ln>
+                <a:solidFill>
+                  <a:schemeClr val="tx1">
+                    <a:lumMod val="75000"/>
+                    <a:lumOff val="25000"/>
+                  </a:schemeClr>
+                </a:solidFill>
+                <a:latin typeface="나눔고딕 ExtraBold" panose="020D0904000000000000" pitchFamily="50" charset="-127"/>
+                <a:ea typeface="나눔고딕 ExtraBold" panose="020D0904000000000000" pitchFamily="50" charset="-127"/>
+              </a:rPr>
+              <a:t>/ </a:t>
+            </a:r>
+            <a:r>
+              <a:rPr lang="ko-KR" altLang="en-US" dirty="0" smtClean="0">
+                <a:ln>
+                  <a:solidFill>
+                    <a:schemeClr val="accent1">
+                      <a:alpha val="0"/>
+                    </a:schemeClr>
+                  </a:solidFill>
+                </a:ln>
+                <a:solidFill>
+                  <a:schemeClr val="tx1">
+                    <a:lumMod val="75000"/>
+                    <a:lumOff val="25000"/>
+                  </a:schemeClr>
+                </a:solidFill>
+                <a:latin typeface="+mn-ea"/>
+              </a:rPr>
+              <a:t>기술요</a:t>
+            </a:r>
+            <a:r>
+              <a:rPr lang="ko-KR" altLang="en-US" dirty="0">
+                <a:ln>
+                  <a:solidFill>
+                    <a:schemeClr val="accent1">
+                      <a:alpha val="0"/>
+                    </a:schemeClr>
+                  </a:solidFill>
+                </a:ln>
+                <a:solidFill>
+                  <a:schemeClr val="tx1">
+                    <a:lumMod val="75000"/>
+                    <a:lumOff val="25000"/>
+                  </a:schemeClr>
+                </a:solidFill>
+                <a:latin typeface="+mn-ea"/>
+              </a:rPr>
+              <a:t>소</a:t>
+            </a:r>
+            <a:endParaRPr lang="ko-KR" altLang="en-US" sz="1600" dirty="0">
+              <a:ln>
+                <a:solidFill>
+                  <a:schemeClr val="accent1">
+                    <a:alpha val="0"/>
+                  </a:schemeClr>
+                </a:solidFill>
+              </a:ln>
+              <a:solidFill>
+                <a:schemeClr val="tx1">
+                  <a:lumMod val="75000"/>
+                  <a:lumOff val="25000"/>
+                </a:schemeClr>
+              </a:solidFill>
+              <a:latin typeface="+mn-ea"/>
+            </a:endParaRPr>
+          </a:p>
+        </p:txBody>
+      </p:sp>
+      <p:sp>
+        <p:nvSpPr>
+          <p:cNvPr id="11" name="TextBox 10"/>
+          <p:cNvSpPr txBox="1"/>
+          <p:nvPr/>
+        </p:nvSpPr>
+        <p:spPr>
+          <a:xfrm>
+            <a:off x="5143527" y="2843644"/>
+            <a:ext cx="3059832" cy="369332"/>
+          </a:xfrm>
+          <a:prstGeom prst="rect">
+            <a:avLst/>
+          </a:prstGeom>
+          <a:noFill/>
+        </p:spPr>
+        <p:txBody>
+          <a:bodyPr wrap="square" rtlCol="0">
+            <a:spAutoFit/>
+          </a:bodyPr>
+          <a:lstStyle/>
+          <a:p>
+            <a:r>
+              <a:rPr lang="en-US" altLang="ko-KR" dirty="0">
+                <a:ln>
+                  <a:solidFill>
+                    <a:schemeClr val="accent1">
+                      <a:alpha val="0"/>
+                    </a:schemeClr>
+                  </a:solidFill>
+                </a:ln>
+                <a:solidFill>
+                  <a:schemeClr val="tx1">
+                    <a:lumMod val="75000"/>
+                    <a:lumOff val="25000"/>
+                  </a:schemeClr>
+                </a:solidFill>
+                <a:latin typeface="나눔고딕 ExtraBold" panose="020D0904000000000000" pitchFamily="50" charset="-127"/>
+                <a:ea typeface="나눔고딕 ExtraBold" panose="020D0904000000000000" pitchFamily="50" charset="-127"/>
+              </a:rPr>
+              <a:t>5</a:t>
+            </a:r>
+            <a:r>
+              <a:rPr lang="en-US" altLang="ko-KR" dirty="0" smtClean="0">
+                <a:ln>
+                  <a:solidFill>
+                    <a:schemeClr val="accent1">
+                      <a:alpha val="0"/>
+                    </a:schemeClr>
+                  </a:solidFill>
+                </a:ln>
+                <a:solidFill>
+                  <a:schemeClr val="tx1">
+                    <a:lumMod val="75000"/>
+                    <a:lumOff val="25000"/>
+                  </a:schemeClr>
+                </a:solidFill>
+                <a:latin typeface="나눔고딕 ExtraBold" panose="020D0904000000000000" pitchFamily="50" charset="-127"/>
+                <a:ea typeface="나눔고딕 ExtraBold" panose="020D0904000000000000" pitchFamily="50" charset="-127"/>
+              </a:rPr>
+              <a:t>/ </a:t>
+            </a:r>
+            <a:r>
+              <a:rPr lang="ko-KR" altLang="en-US" dirty="0" smtClean="0">
+                <a:ln>
+                  <a:solidFill>
+                    <a:schemeClr val="accent1">
+                      <a:alpha val="0"/>
+                    </a:schemeClr>
+                  </a:solidFill>
+                </a:ln>
+                <a:solidFill>
+                  <a:schemeClr val="tx1">
+                    <a:lumMod val="75000"/>
+                    <a:lumOff val="25000"/>
+                  </a:schemeClr>
+                </a:solidFill>
+                <a:latin typeface="+mn-ea"/>
+              </a:rPr>
+              <a:t>역할분</a:t>
+            </a:r>
+            <a:r>
+              <a:rPr lang="ko-KR" altLang="en-US" dirty="0">
+                <a:ln>
+                  <a:solidFill>
+                    <a:schemeClr val="accent1">
+                      <a:alpha val="0"/>
+                    </a:schemeClr>
+                  </a:solidFill>
+                </a:ln>
+                <a:solidFill>
+                  <a:schemeClr val="tx1">
+                    <a:lumMod val="75000"/>
+                    <a:lumOff val="25000"/>
+                  </a:schemeClr>
+                </a:solidFill>
+                <a:latin typeface="+mn-ea"/>
+              </a:rPr>
+              <a:t>담</a:t>
+            </a:r>
+            <a:endParaRPr lang="ko-KR" altLang="en-US" sz="1600" dirty="0">
+              <a:ln>
+                <a:solidFill>
+                  <a:schemeClr val="accent1">
+                    <a:alpha val="0"/>
+                  </a:schemeClr>
+                </a:solidFill>
+              </a:ln>
+              <a:solidFill>
+                <a:schemeClr val="tx1">
+                  <a:lumMod val="75000"/>
+                  <a:lumOff val="25000"/>
+                </a:schemeClr>
+              </a:solidFill>
+              <a:latin typeface="+mn-ea"/>
+            </a:endParaRPr>
+          </a:p>
+        </p:txBody>
+      </p:sp>
+      <p:sp>
+        <p:nvSpPr>
+          <p:cNvPr id="12" name="TextBox 11"/>
+          <p:cNvSpPr txBox="1"/>
+          <p:nvPr/>
+        </p:nvSpPr>
+        <p:spPr>
+          <a:xfrm>
+            <a:off x="5148064" y="3779748"/>
+            <a:ext cx="3059832" cy="369332"/>
+          </a:xfrm>
+          <a:prstGeom prst="rect">
+            <a:avLst/>
+          </a:prstGeom>
+          <a:noFill/>
+        </p:spPr>
+        <p:txBody>
+          <a:bodyPr wrap="square" rtlCol="0">
+            <a:spAutoFit/>
+          </a:bodyPr>
+          <a:lstStyle/>
+          <a:p>
+            <a:r>
+              <a:rPr lang="en-US" altLang="ko-KR" dirty="0" smtClean="0">
+                <a:ln>
+                  <a:solidFill>
+                    <a:schemeClr val="accent1">
+                      <a:alpha val="0"/>
+                    </a:schemeClr>
+                  </a:solidFill>
+                </a:ln>
+                <a:solidFill>
+                  <a:schemeClr val="tx1">
+                    <a:lumMod val="75000"/>
+                    <a:lumOff val="25000"/>
+                  </a:schemeClr>
+                </a:solidFill>
+                <a:latin typeface="나눔고딕 ExtraBold" panose="020D0904000000000000" pitchFamily="50" charset="-127"/>
+                <a:ea typeface="나눔고딕 ExtraBold" panose="020D0904000000000000" pitchFamily="50" charset="-127"/>
+              </a:rPr>
+              <a:t>6/ </a:t>
+            </a:r>
+            <a:r>
+              <a:rPr lang="ko-KR" altLang="en-US" dirty="0" smtClean="0">
+                <a:ln>
+                  <a:solidFill>
+                    <a:schemeClr val="accent1">
+                      <a:alpha val="0"/>
+                    </a:schemeClr>
+                  </a:solidFill>
+                </a:ln>
+                <a:solidFill>
+                  <a:schemeClr val="tx1">
+                    <a:lumMod val="75000"/>
+                    <a:lumOff val="25000"/>
+                  </a:schemeClr>
+                </a:solidFill>
+                <a:latin typeface="+mn-ea"/>
+              </a:rPr>
+              <a:t>일정</a:t>
+            </a:r>
+            <a:endParaRPr lang="ko-KR" altLang="en-US" dirty="0">
+              <a:ln>
+                <a:solidFill>
+                  <a:schemeClr val="accent1">
+                    <a:alpha val="0"/>
+                  </a:schemeClr>
+                </a:solidFill>
+              </a:ln>
+              <a:solidFill>
+                <a:schemeClr val="tx1">
+                  <a:lumMod val="75000"/>
+                  <a:lumOff val="25000"/>
+                </a:schemeClr>
+              </a:solidFill>
+              <a:latin typeface="+mn-ea"/>
+            </a:endParaRPr>
+          </a:p>
+        </p:txBody>
+      </p:sp>
+      <p:sp>
+        <p:nvSpPr>
+          <p:cNvPr id="13" name="직사각형 12"/>
+          <p:cNvSpPr/>
+          <p:nvPr/>
+        </p:nvSpPr>
+        <p:spPr>
+          <a:xfrm>
+            <a:off x="0" y="6093296"/>
+            <a:ext cx="9144000" cy="504056"/>
+          </a:xfrm>
+          <a:prstGeom prst="rect">
+            <a:avLst/>
+          </a:prstGeom>
+          <a:solidFill>
+            <a:srgbClr val="FD4B62"/>
+          </a:solidFill>
+          <a:ln>
+            <a:noFill/>
+          </a:ln>
+        </p:spPr>
+        <p:style>
+          <a:lnRef idx="2">
+            <a:schemeClr val="accent1">
+              <a:shade val="50000"/>
+            </a:schemeClr>
+          </a:lnRef>
+          <a:fillRef idx="1">
+            <a:schemeClr val="accent1"/>
+          </a:fillRef>
+          <a:effectRef idx="0">
+            <a:schemeClr val="accent1"/>
+          </a:effectRef>
+          <a:fontRef idx="minor">
+            <a:schemeClr val="lt1"/>
+          </a:fontRef>
+        </p:style>
+        <p:txBody>
+          <a:bodyPr rtlCol="0" anchor="ctr"/>
+          <a:lstStyle/>
+          <a:p>
+            <a:pPr algn="ctr"/>
+            <a:endParaRPr lang="ko-KR" altLang="en-US" dirty="0">
+              <a:ln>
+                <a:solidFill>
+                  <a:schemeClr val="accent1">
+                    <a:alpha val="0"/>
+                  </a:schemeClr>
+                </a:solidFill>
+              </a:ln>
+              <a:latin typeface="나눔고딕 ExtraBold" panose="020D0904000000000000" pitchFamily="50" charset="-127"/>
+              <a:ea typeface="나눔고딕 ExtraBold" panose="020D0904000000000000" pitchFamily="50" charset="-127"/>
+            </a:endParaRPr>
+          </a:p>
+        </p:txBody>
+      </p:sp>
+      <p:sp>
+        <p:nvSpPr>
+          <p:cNvPr id="16" name="TextBox 15"/>
+          <p:cNvSpPr txBox="1"/>
+          <p:nvPr/>
+        </p:nvSpPr>
+        <p:spPr>
+          <a:xfrm>
+            <a:off x="1115616" y="4715852"/>
             <a:ext cx="3059832" cy="369332"/>
           </a:xfrm>
           <a:prstGeom prst="rect">
@@ -9657,26 +12089,7 @@
                 </a:solidFill>
                 <a:latin typeface="+mn-ea"/>
               </a:rPr>
-              <a:t>기술요</a:t>
-            </a:r>
-            <a:r>
-              <a:rPr lang="ko-KR" altLang="en-US" dirty="0">
-                <a:ln>
-                  <a:solidFill>
-                    <a:schemeClr val="accent1">
-                      <a:alpha val="0"/>
-                    </a:schemeClr>
-                  </a:solidFill>
-                </a:ln>
-                <a:solidFill>
-                  <a:schemeClr val="tx1">
-                    <a:lumMod val="75000"/>
-                    <a:lumOff val="25000"/>
-                  </a:schemeClr>
-                </a:solidFill>
-                <a:latin typeface="+mn-ea"/>
-              </a:rPr>
-              <a:t>소</a:t>
+              <a:t>개발환경</a:t>
             </a:r>
             <a:endParaRPr lang="ko-KR" altLang="en-US" sz="1600" dirty="0">
               <a:ln>
@@ -9699,13 +12112,13 @@
       </p:sp>
       <p:sp>
         <p:nvSpPr>
-          <p:cNvPr id="11" name="TextBox 10"/>
+          <p:cNvPr id="17" name="TextBox 16"/>
           <p:cNvSpPr txBox="1"/>
           <p:nvPr/>
         </p:nvSpPr>
         <p:spPr>
           <a:xfrm>
-            <a:off x="5143527" y="2659088"/>
+            <a:off x="5148064" y="4715852"/>
             <a:ext cx="3059832" cy="369332"/>
           </a:xfrm>
           <a:prstGeom prst="rect">
@@ -9737,7 +12150,7 @@
                 <a:latin typeface="나눔고딕 ExtraBold" panose="020D0904000000000000" pitchFamily="50" charset="-127"/>
                 <a:ea typeface="나눔고딕 ExtraBold" panose="020D0904000000000000" pitchFamily="50" charset="-127"/>
               </a:rPr>
-              <a:t>4</a:t>
+              <a:t>7</a:t>
             </a:r>
             <a:r>
               <a:rPr lang="en-US" altLang="ko-KR" dirty="0" smtClean="0">
@@ -9776,124 +12189,7 @@
                 </a:solidFill>
                 <a:latin typeface="+mn-ea"/>
               </a:rPr>
-              <a:t>역할분</a:t>
-            </a:r>
-            <a:r>
-              <a:rPr lang="ko-KR" altLang="en-US" dirty="0">
-                <a:ln>
-                  <a:solidFill>
-                    <a:schemeClr val="accent1">
-                      <a:alpha val="0"/>
-                    </a:schemeClr>
-                  </a:solidFill>
-                </a:ln>
-                <a:solidFill>
-                  <a:schemeClr val="tx1">
-                    <a:lumMod val="75000"/>
-                    <a:lumOff val="25000"/>
-                  </a:schemeClr>
-                </a:solidFill>
-                <a:latin typeface="+mn-ea"/>
-              </a:rPr>
-              <a:t>담</a:t>
-            </a:r>
-            <a:endParaRPr lang="ko-KR" altLang="en-US" sz="1600" dirty="0">
-              <a:ln>
-                <a:solidFill>
-                  <a:schemeClr val="accent1">
-                    <a:alpha val="0"/>
-                  </a:schemeClr>
-                </a:solidFill>
-              </a:ln>
-              <a:solidFill>
-                <a:schemeClr val="tx1">
-                  <a:lumMod val="75000"/>
-                  <a:lumOff val="25000"/>
-                </a:schemeClr>
-              </a:solidFill>
-              <a:latin typeface="+mn-ea"/>
-            </a:endParaRPr>
-          </a:p>
-        </p:txBody>
-      </p:sp>
-      <p:sp>
-        <p:nvSpPr>
-          <p:cNvPr id="12" name="TextBox 11"/>
-          <p:cNvSpPr txBox="1"/>
-          <p:nvPr/>
-        </p:nvSpPr>
-        <p:spPr>
-          <a:xfrm>
-            <a:off x="5148064" y="3323265"/>
-            <a:ext cx="3059832" cy="400110"/>
-          </a:xfrm>
-          <a:prstGeom prst="rect">
-            <a:avLst/>
-          </a:prstGeom>
-          <a:noFill/>
-        </p:spPr>
-        <p:txBody>
-          <a:bodyPr wrap="square" rtlCol="0">
-            <a:spAutoFit/>
-          </a:bodyPr>
-          <a:lstStyle/>
-          <a:p>
-            <a:r>
-              <a:rPr lang="en-US" altLang="ko-KR" b="1" dirty="0" smtClean="0">
-                <a:ln>
-                  <a:solidFill>
-                    <a:schemeClr val="accent1">
-                      <a:alpha val="0"/>
-                    </a:schemeClr>
-                  </a:solidFill>
-                </a:ln>
-                <a:solidFill>
-                  <a:schemeClr val="tx1">
-                    <a:lumMod val="75000"/>
-                    <a:lumOff val="25000"/>
-                  </a:schemeClr>
-                </a:solidFill>
-                <a:latin typeface="+mn-ea"/>
-              </a:rPr>
-              <a:t>5</a:t>
-            </a:r>
-            <a:r>
-              <a:rPr lang="en-US" altLang="ko-KR" sz="2000" b="1" dirty="0" smtClean="0">
-                <a:ln>
-                  <a:solidFill>
-                    <a:schemeClr val="accent1">
-                      <a:alpha val="0"/>
-                    </a:schemeClr>
-                  </a:solidFill>
-                </a:ln>
-                <a:solidFill>
-                  <a:schemeClr val="tx1">
-                    <a:lumMod val="75000"/>
-                    <a:lumOff val="25000"/>
-                  </a:schemeClr>
-                </a:solidFill>
-                <a:latin typeface="+mn-ea"/>
-              </a:rPr>
-              <a:t>/ </a:t>
-            </a:r>
-            <a:r>
-              <a:rPr lang="ko-KR" altLang="en-US" dirty="0" smtClean="0">
-                <a:ln>
-                  <a:solidFill>
-                    <a:schemeClr val="accent1">
-                      <a:alpha val="0"/>
-                    </a:schemeClr>
-                  </a:solidFill>
-                </a:ln>
-                <a:solidFill>
-                  <a:schemeClr val="tx1">
-                    <a:lumMod val="75000"/>
-                    <a:lumOff val="25000"/>
-                  </a:schemeClr>
-                </a:solidFill>
-                <a:latin typeface="+mn-ea"/>
-              </a:rPr>
-              <a:t>일정</a:t>
+              <a:t>출처</a:t>
             </a:r>
             <a:endParaRPr lang="ko-KR" altLang="en-US" dirty="0">
               <a:ln>
@@ -9914,15 +12210,45 @@
           </a:p>
         </p:txBody>
       </p:sp>
-      <p:sp>
-        <p:nvSpPr>
-          <p:cNvPr id="13" name="직사각형 12"/>
+    </p:spTree>
+    <p:extLst>
+      <p:ext uri="{BB962C8B-B14F-4D97-AF65-F5344CB8AC3E}">
+        <p14:creationId xmlns:p14="http://schemas.microsoft.com/office/powerpoint/2010/main" val="3329168119"/>
+      </p:ext>
+    </p:extLst>
+  </p:cSld>
+  <p:clrMapOvr>
+    <a:masterClrMapping/>
+  </p:clrMapOvr>
+</p:sld>
+</file>
+
+<file path=ppt/slides/slide20.xml><?xml version="1.0" encoding="utf-8"?>
+<p:sld xmlns:a="http://schemas.openxmlformats.org/drawingml/2006/main" xmlns:r="http://schemas.openxmlformats.org/officeDocument/2006/relationships" xmlns:p="http://schemas.openxmlformats.org/presentationml/2006/main">
+  <p:cSld>
+    <p:spTree>
+      <p:nvGrpSpPr>
+        <p:cNvPr id="1" name=""/>
+        <p:cNvGrpSpPr/>
+        <p:nvPr/>
+      </p:nvGrpSpPr>
+      <p:grpSpPr>
+        <a:xfrm>
+          <a:off x="0" y="0"/>
+          <a:ext cx="0" cy="0"/>
+          <a:chOff x="0" y="0"/>
+          <a:chExt cx="0" cy="0"/>
+        </a:xfrm>
+      </p:grpSpPr>
+      <p:sp>
+        <p:nvSpPr>
+          <p:cNvPr id="4" name="직사각형 3"/>
           <p:cNvSpPr/>
           <p:nvPr/>
         </p:nvSpPr>
         <p:spPr>
           <a:xfrm>
-            <a:off x="0" y="6093296"/>
+            <a:off x="0" y="2996952"/>
             <a:ext cx="9144000" cy="504056"/>
           </a:xfrm>
           <a:prstGeom prst="rect">
@@ -9956,6 +12282,20 @@
           <a:lstStyle/>
           <a:p>
             <a:pPr algn="ctr"/>
+            <a:r>
+              <a:rPr lang="en-US" altLang="ko-KR" dirty="0" smtClean="0">
+                <a:ln>
+                  <a:solidFill>
+                    <a:schemeClr val="accent1">
+                      <a:alpha val="0"/>
+                    </a:schemeClr>
+                  </a:solidFill>
+                </a:ln>
+                <a:latin typeface="나눔고딕 ExtraBold" panose="020D0904000000000000" pitchFamily="50" charset="-127"/>
+                <a:ea typeface="나눔고딕 ExtraBold" panose="020D0904000000000000" pitchFamily="50" charset="-127"/>
+              </a:rPr>
+              <a:t>Thank you for listening!</a:t>
+            </a:r>
             <a:endParaRPr lang="ko-KR" altLang="en-US" dirty="0">
               <a:ln>
                 <a:solidFill>
@@ -9971,15 +12311,17 @@
         </p:txBody>
       </p:sp>
     </p:spTree>
-    <p:extLst>
-      <p:ext uri="{BB962C8B-B14F-4D97-AF65-F5344CB8AC3E}">
-        <p14:creationId xmlns:p14="http://schemas.microsoft.com/office/powerpoint/2010/main" val="3329168119"/>
-      </p:ext>
-    </p:extLst>
   </p:cSld>
   <p:clrMapOvr>
     <a:masterClrMapping/>
   </p:clrMapOvr>
+  <p:timing>
+    <p:tnLst>
+      <p:par>
+        <p:cTn id="1" dur="indefinite" restart="never" nodeType="tmRoot"/>
+      </p:par>
+    </p:tnLst>
+  </p:timing>
 </p:sld>
 </file>
 
@@ -10107,7 +12449,7 @@
               <a:t>/ </a:t>
             </a:r>
             <a:r>
-              <a:rPr lang="ko-KR" altLang="en-US" sz="2000" b="1" dirty="0" err="1" smtClean="0">
+              <a:rPr lang="ko-KR" altLang="en-US" sz="2000" b="1" dirty="0" smtClean="0">
                 <a:ln>
                   <a:solidFill>
                     <a:schemeClr val="accent1">
@@ -10117,20 +12459,7 @@
                 </a:ln>
                 <a:latin typeface="+mn-ea"/>
               </a:rPr>
-              <a:t>기</a:t>
-            </a:r>
-            <a:r>
-              <a:rPr lang="ko-KR" altLang="en-US" sz="2000" b="1" dirty="0" err="1">
-                <a:ln>
-                  <a:solidFill>
-                    <a:schemeClr val="accent1">
-                      <a:alpha val="0"/>
-                    </a:schemeClr>
-                  </a:solidFill>
-                </a:ln>
-                <a:latin typeface="+mn-ea"/>
-              </a:rPr>
-              <a:t>획</a:t>
+              <a:t>기획 </a:t>
             </a:r>
             <a:r>
               <a:rPr lang="ko-KR" altLang="en-US" sz="2000" b="1" dirty="0" err="1" smtClean="0">

--- a/기획문서/게임 제안서.pptx
+++ b/기획문서/게임 제안서.pptx
@@ -33,12 +33,12 @@
   <p:notesSz cx="6858000" cy="9144000"/>
   <p:embeddedFontLst>
     <p:embeddedFont>
-      <p:font typeface="나눔고딕 ExtraBold" panose="020B0600000101010101" charset="-127"/>
-      <p:bold r:id="rId23"/>
+      <p:font typeface="맑은 고딕" pitchFamily="50" charset="-127"/>
+      <p:regular r:id="rId23"/>
+      <p:bold r:id="rId24"/>
     </p:embeddedFont>
     <p:embeddedFont>
-      <p:font typeface="맑은 고딕" panose="020B0503020000020004" pitchFamily="50" charset="-127"/>
-      <p:regular r:id="rId24"/>
+      <p:font typeface="나눔고딕 ExtraBold" charset="-127"/>
       <p:bold r:id="rId25"/>
     </p:embeddedFont>
   </p:embeddedFontLst>
@@ -223,7 +223,7 @@
             <a:fld id="{D84393A8-633A-44BC-88CE-FCA3A15FDEAB}" type="datetimeFigureOut">
               <a:rPr lang="ko-KR" altLang="en-US" smtClean="0"/>
               <a:pPr/>
-              <a:t>2017-11-29</a:t>
+              <a:t>2017-11-30</a:t>
             </a:fld>
             <a:endParaRPr lang="ko-KR" altLang="en-US"/>
           </a:p>
@@ -1906,7 +1906,7 @@
             <a:fld id="{D4F645AA-E039-4E57-8F7F-F37FFD3EA154}" type="datetimeFigureOut">
               <a:rPr lang="ko-KR" altLang="en-US" smtClean="0"/>
               <a:pPr/>
-              <a:t>2017-11-29</a:t>
+              <a:t>2017-11-30</a:t>
             </a:fld>
             <a:endParaRPr lang="ko-KR" altLang="en-US"/>
           </a:p>
@@ -2078,7 +2078,7 @@
             <a:fld id="{D4F645AA-E039-4E57-8F7F-F37FFD3EA154}" type="datetimeFigureOut">
               <a:rPr lang="ko-KR" altLang="en-US" smtClean="0"/>
               <a:pPr/>
-              <a:t>2017-11-29</a:t>
+              <a:t>2017-11-30</a:t>
             </a:fld>
             <a:endParaRPr lang="ko-KR" altLang="en-US"/>
           </a:p>
@@ -2260,7 +2260,7 @@
             <a:fld id="{D4F645AA-E039-4E57-8F7F-F37FFD3EA154}" type="datetimeFigureOut">
               <a:rPr lang="ko-KR" altLang="en-US" smtClean="0"/>
               <a:pPr/>
-              <a:t>2017-11-29</a:t>
+              <a:t>2017-11-30</a:t>
             </a:fld>
             <a:endParaRPr lang="ko-KR" altLang="en-US"/>
           </a:p>
@@ -2432,7 +2432,7 @@
             <a:fld id="{D4F645AA-E039-4E57-8F7F-F37FFD3EA154}" type="datetimeFigureOut">
               <a:rPr lang="ko-KR" altLang="en-US" smtClean="0"/>
               <a:pPr/>
-              <a:t>2017-11-29</a:t>
+              <a:t>2017-11-30</a:t>
             </a:fld>
             <a:endParaRPr lang="ko-KR" altLang="en-US"/>
           </a:p>
@@ -2680,7 +2680,7 @@
             <a:fld id="{D4F645AA-E039-4E57-8F7F-F37FFD3EA154}" type="datetimeFigureOut">
               <a:rPr lang="ko-KR" altLang="en-US" smtClean="0"/>
               <a:pPr/>
-              <a:t>2017-11-29</a:t>
+              <a:t>2017-11-30</a:t>
             </a:fld>
             <a:endParaRPr lang="ko-KR" altLang="en-US"/>
           </a:p>
@@ -2970,7 +2970,7 @@
             <a:fld id="{D4F645AA-E039-4E57-8F7F-F37FFD3EA154}" type="datetimeFigureOut">
               <a:rPr lang="ko-KR" altLang="en-US" smtClean="0"/>
               <a:pPr/>
-              <a:t>2017-11-29</a:t>
+              <a:t>2017-11-30</a:t>
             </a:fld>
             <a:endParaRPr lang="ko-KR" altLang="en-US"/>
           </a:p>
@@ -3394,7 +3394,7 @@
             <a:fld id="{D4F645AA-E039-4E57-8F7F-F37FFD3EA154}" type="datetimeFigureOut">
               <a:rPr lang="ko-KR" altLang="en-US" smtClean="0"/>
               <a:pPr/>
-              <a:t>2017-11-29</a:t>
+              <a:t>2017-11-30</a:t>
             </a:fld>
             <a:endParaRPr lang="ko-KR" altLang="en-US"/>
           </a:p>
@@ -3514,7 +3514,7 @@
             <a:fld id="{D4F645AA-E039-4E57-8F7F-F37FFD3EA154}" type="datetimeFigureOut">
               <a:rPr lang="ko-KR" altLang="en-US" smtClean="0"/>
               <a:pPr/>
-              <a:t>2017-11-29</a:t>
+              <a:t>2017-11-30</a:t>
             </a:fld>
             <a:endParaRPr lang="ko-KR" altLang="en-US"/>
           </a:p>
@@ -3611,7 +3611,7 @@
             <a:fld id="{D4F645AA-E039-4E57-8F7F-F37FFD3EA154}" type="datetimeFigureOut">
               <a:rPr lang="ko-KR" altLang="en-US" smtClean="0"/>
               <a:pPr/>
-              <a:t>2017-11-29</a:t>
+              <a:t>2017-11-30</a:t>
             </a:fld>
             <a:endParaRPr lang="ko-KR" altLang="en-US"/>
           </a:p>
@@ -3890,7 +3890,7 @@
             <a:fld id="{D4F645AA-E039-4E57-8F7F-F37FFD3EA154}" type="datetimeFigureOut">
               <a:rPr lang="ko-KR" altLang="en-US" smtClean="0"/>
               <a:pPr/>
-              <a:t>2017-11-29</a:t>
+              <a:t>2017-11-30</a:t>
             </a:fld>
             <a:endParaRPr lang="ko-KR" altLang="en-US"/>
           </a:p>
@@ -4145,7 +4145,7 @@
             <a:fld id="{D4F645AA-E039-4E57-8F7F-F37FFD3EA154}" type="datetimeFigureOut">
               <a:rPr lang="ko-KR" altLang="en-US" smtClean="0"/>
               <a:pPr/>
-              <a:t>2017-11-29</a:t>
+              <a:t>2017-11-30</a:t>
             </a:fld>
             <a:endParaRPr lang="ko-KR" altLang="en-US"/>
           </a:p>
@@ -4360,7 +4360,7 @@
             <a:fld id="{D4F645AA-E039-4E57-8F7F-F37FFD3EA154}" type="datetimeFigureOut">
               <a:rPr lang="ko-KR" altLang="en-US" smtClean="0"/>
               <a:pPr/>
-              <a:t>2017-11-29</a:t>
+              <a:t>2017-11-30</a:t>
             </a:fld>
             <a:endParaRPr lang="ko-KR" altLang="en-US"/>
           </a:p>
@@ -9432,7 +9432,20 @@
                 </a:ln>
                 <a:latin typeface="+mn-ea"/>
               </a:rPr>
-              <a:t>5/</a:t>
+              <a:t>5</a:t>
+            </a:r>
+            <a:r>
+              <a:rPr lang="en-US" altLang="ko-KR" sz="2000" b="1" dirty="0" smtClean="0">
+                <a:ln>
+                  <a:solidFill>
+                    <a:schemeClr val="accent1">
+                      <a:alpha val="0"/>
+                    </a:schemeClr>
+                  </a:solidFill>
+                </a:ln>
+                <a:latin typeface="+mn-ea"/>
+              </a:rPr>
+              <a:t>/</a:t>
             </a:r>
             <a:r>
               <a:rPr lang="ko-KR" altLang="en-US" sz="2000" b="1" dirty="0" smtClean="0">
@@ -9445,7 +9458,7 @@
                 </a:ln>
                 <a:latin typeface="+mn-ea"/>
               </a:rPr>
-              <a:t>역할분담</a:t>
+              <a:t>중점 연구분야</a:t>
             </a:r>
             <a:endParaRPr lang="ko-KR" altLang="en-US" b="1" dirty="0">
               <a:ln>
@@ -9750,7 +9763,7 @@
               <a:defRPr lang="ko-KR" altLang="en-US"/>
             </a:pPr>
             <a:r>
-              <a:rPr lang="ko-KR" altLang="en-US" sz="2000">
+              <a:rPr lang="ko-KR" altLang="en-US" sz="2000" dirty="0">
                 <a:ln w="9525">
                   <a:solidFill>
                     <a:schemeClr val="bg1">
@@ -9764,7 +9777,7 @@
               </a:rPr>
               <a:t>게임프레임워크 구축</a:t>
             </a:r>
-            <a:endParaRPr lang="ko-KR" altLang="en-US" sz="2000">
+            <a:endParaRPr lang="ko-KR" altLang="en-US" sz="2000" dirty="0">
               <a:latin typeface="한컴 윤고딕 720"/>
               <a:ea typeface="한컴 윤고딕 720"/>
             </a:endParaRPr>
@@ -10002,7 +10015,7 @@
         </p:blipFill>
         <p:spPr>
           <a:xfrm>
-            <a:off x="4830284" y="3945251"/>
+            <a:off x="4844513" y="4064878"/>
             <a:ext cx="372874" cy="396044"/>
           </a:xfrm>
           <a:prstGeom prst="rect">
@@ -10135,6 +10148,210 @@
           </a:prstGeom>
         </p:spPr>
       </p:pic>
+      <p:sp>
+        <p:nvSpPr>
+          <p:cNvPr id="19" name="직사각형 18"/>
+          <p:cNvSpPr/>
+          <p:nvPr/>
+        </p:nvSpPr>
+        <p:spPr>
+          <a:xfrm>
+            <a:off x="5016721" y="2066771"/>
+            <a:ext cx="3796331" cy="400110"/>
+          </a:xfrm>
+          <a:prstGeom prst="rect">
+            <a:avLst/>
+          </a:prstGeom>
+        </p:spPr>
+        <p:txBody>
+          <a:bodyPr wrap="square">
+            <a:spAutoFit/>
+          </a:bodyPr>
+          <a:lstStyle/>
+          <a:p>
+            <a:pPr algn="ctr">
+              <a:defRPr lang="ko-KR" altLang="en-US"/>
+            </a:pPr>
+            <a:r>
+              <a:rPr lang="ko-KR" altLang="en-US" sz="2000" dirty="0" smtClean="0">
+                <a:latin typeface="한컴 윤고딕 720"/>
+                <a:ea typeface="한컴 윤고딕 720"/>
+              </a:rPr>
+              <a:t>게임 세부기획문서 작성</a:t>
+            </a:r>
+            <a:endParaRPr lang="ko-KR" altLang="en-US" sz="2000" dirty="0">
+              <a:latin typeface="한컴 윤고딕 720"/>
+              <a:ea typeface="한컴 윤고딕 720"/>
+            </a:endParaRPr>
+          </a:p>
+        </p:txBody>
+      </p:sp>
+      <p:sp>
+        <p:nvSpPr>
+          <p:cNvPr id="20" name="직사각형 19"/>
+          <p:cNvSpPr/>
+          <p:nvPr/>
+        </p:nvSpPr>
+        <p:spPr>
+          <a:xfrm>
+            <a:off x="5217387" y="2964739"/>
+            <a:ext cx="3315054" cy="707886"/>
+          </a:xfrm>
+          <a:prstGeom prst="rect">
+            <a:avLst/>
+          </a:prstGeom>
+        </p:spPr>
+        <p:txBody>
+          <a:bodyPr wrap="square">
+            <a:spAutoFit/>
+          </a:bodyPr>
+          <a:lstStyle/>
+          <a:p>
+            <a:pPr algn="ctr">
+              <a:defRPr lang="ko-KR" altLang="en-US"/>
+            </a:pPr>
+            <a:r>
+              <a:rPr lang="ko-KR" altLang="en-US" sz="2000" dirty="0" smtClean="0">
+                <a:latin typeface="한컴 윤고딕 720"/>
+                <a:ea typeface="한컴 윤고딕 720"/>
+              </a:rPr>
+              <a:t>캐릭터</a:t>
+            </a:r>
+            <a:r>
+              <a:rPr lang="en-US" altLang="ko-KR" sz="2000" dirty="0" smtClean="0">
+                <a:latin typeface="한컴 윤고딕 720"/>
+                <a:ea typeface="한컴 윤고딕 720"/>
+              </a:rPr>
+              <a:t>, </a:t>
+            </a:r>
+            <a:r>
+              <a:rPr lang="ko-KR" altLang="en-US" sz="2000" dirty="0" smtClean="0">
+                <a:latin typeface="한컴 윤고딕 720"/>
+                <a:ea typeface="한컴 윤고딕 720"/>
+              </a:rPr>
+              <a:t>배경 모델 및 모션 </a:t>
+            </a:r>
+            <a:r>
+              <a:rPr lang="ko-KR" altLang="en-US" sz="2000" dirty="0" smtClean="0">
+                <a:latin typeface="한컴 윤고딕 720"/>
+                <a:ea typeface="한컴 윤고딕 720"/>
+              </a:rPr>
+              <a:t>제</a:t>
+            </a:r>
+            <a:r>
+              <a:rPr lang="ko-KR" altLang="en-US" sz="2000" dirty="0">
+                <a:latin typeface="한컴 윤고딕 720"/>
+                <a:ea typeface="한컴 윤고딕 720"/>
+              </a:rPr>
+              <a:t>작</a:t>
+            </a:r>
+            <a:endParaRPr lang="ko-KR" altLang="en-US" sz="2000" dirty="0">
+              <a:latin typeface="한컴 윤고딕 720"/>
+              <a:ea typeface="한컴 윤고딕 720"/>
+            </a:endParaRPr>
+          </a:p>
+        </p:txBody>
+      </p:sp>
+      <p:sp>
+        <p:nvSpPr>
+          <p:cNvPr id="21" name="직사각형 20"/>
+          <p:cNvSpPr/>
+          <p:nvPr/>
+        </p:nvSpPr>
+        <p:spPr>
+          <a:xfrm>
+            <a:off x="5030950" y="4069063"/>
+            <a:ext cx="3796331" cy="400110"/>
+          </a:xfrm>
+          <a:prstGeom prst="rect">
+            <a:avLst/>
+          </a:prstGeom>
+        </p:spPr>
+        <p:txBody>
+          <a:bodyPr wrap="square">
+            <a:spAutoFit/>
+          </a:bodyPr>
+          <a:lstStyle/>
+          <a:p>
+            <a:pPr algn="ctr">
+              <a:defRPr lang="ko-KR" altLang="en-US"/>
+            </a:pPr>
+            <a:r>
+              <a:rPr lang="ko-KR" altLang="en-US" sz="2000" dirty="0" smtClean="0">
+                <a:latin typeface="한컴 윤고딕 720"/>
+                <a:ea typeface="한컴 윤고딕 720"/>
+              </a:rPr>
+              <a:t>레벨 디자인</a:t>
+            </a:r>
+            <a:endParaRPr lang="ko-KR" altLang="en-US" sz="2000" dirty="0">
+              <a:latin typeface="한컴 윤고딕 720"/>
+              <a:ea typeface="한컴 윤고딕 720"/>
+            </a:endParaRPr>
+          </a:p>
+        </p:txBody>
+      </p:sp>
+      <p:pic>
+        <p:nvPicPr>
+          <p:cNvPr id="22" name="그림 21"/>
+          <p:cNvPicPr>
+            <a:picLocks noChangeAspect="1"/>
+          </p:cNvPicPr>
+          <p:nvPr/>
+        </p:nvPicPr>
+        <p:blipFill rotWithShape="1">
+          <a:blip r:embed="rId3"/>
+          <a:stretch>
+            <a:fillRect/>
+          </a:stretch>
+        </p:blipFill>
+        <p:spPr>
+          <a:xfrm>
+            <a:off x="4794280" y="5181291"/>
+            <a:ext cx="372874" cy="396044"/>
+          </a:xfrm>
+          <a:prstGeom prst="rect">
+            <a:avLst/>
+          </a:prstGeom>
+        </p:spPr>
+      </p:pic>
+      <p:sp>
+        <p:nvSpPr>
+          <p:cNvPr id="26" name="직사각형 25"/>
+          <p:cNvSpPr/>
+          <p:nvPr/>
+        </p:nvSpPr>
+        <p:spPr>
+          <a:xfrm>
+            <a:off x="5022732" y="5203357"/>
+            <a:ext cx="3796331" cy="400110"/>
+          </a:xfrm>
+          <a:prstGeom prst="rect">
+            <a:avLst/>
+          </a:prstGeom>
+        </p:spPr>
+        <p:txBody>
+          <a:bodyPr wrap="square">
+            <a:spAutoFit/>
+          </a:bodyPr>
+          <a:lstStyle/>
+          <a:p>
+            <a:pPr algn="ctr">
+              <a:defRPr lang="ko-KR" altLang="en-US"/>
+            </a:pPr>
+            <a:r>
+              <a:rPr lang="ko-KR" altLang="en-US" sz="2000" dirty="0" smtClean="0">
+                <a:latin typeface="한컴 윤고딕 720"/>
+                <a:ea typeface="한컴 윤고딕 720"/>
+              </a:rPr>
+              <a:t>일정관리</a:t>
+            </a:r>
+            <a:endParaRPr lang="ko-KR" altLang="en-US" sz="2000" dirty="0">
+              <a:latin typeface="한컴 윤고딕 720"/>
+              <a:ea typeface="한컴 윤고딕 720"/>
+            </a:endParaRPr>
+          </a:p>
+        </p:txBody>
+      </p:sp>
     </p:spTree>
     <p:extLst>
       <p:ext uri="{BB962C8B-B14F-4D97-AF65-F5344CB8AC3E}">
@@ -11108,26 +11325,7 @@
                 </a:solidFill>
                 <a:latin typeface="+mn-ea"/>
               </a:rPr>
-              <a:t>게임 </a:t>
-            </a:r>
-            <a:r>
-              <a:rPr lang="ko-KR" altLang="en-US" dirty="0" smtClean="0">
-                <a:ln>
-                  <a:solidFill>
-                    <a:schemeClr val="accent1">
-                      <a:alpha val="0"/>
-                    </a:schemeClr>
-                  </a:solidFill>
-                </a:ln>
-                <a:solidFill>
-                  <a:schemeClr val="tx1">
-                    <a:lumMod val="75000"/>
-                    <a:lumOff val="25000"/>
-                  </a:schemeClr>
-                </a:solidFill>
-                <a:latin typeface="+mn-ea"/>
-              </a:rPr>
-              <a:t>소개</a:t>
+              <a:t>게임 소개</a:t>
             </a:r>
             <a:r>
               <a:rPr lang="en-US" altLang="ko-KR" sz="1600" dirty="0" smtClean="0">
@@ -11147,6 +11345,84 @@
                 <a:latin typeface="+mn-ea"/>
               </a:rPr>
               <a:t>     </a:t>
+            </a:r>
+          </a:p>
+          <a:p>
+            <a:r>
+              <a:rPr lang="en-US" altLang="ko-KR" sz="1600" dirty="0">
+                <a:ln>
+                  <a:solidFill>
+                    <a:schemeClr val="accent1">
+                      <a:alpha val="0"/>
+                    </a:schemeClr>
+                  </a:solidFill>
+                </a:ln>
+                <a:solidFill>
+                  <a:schemeClr val="tx1">
+                    <a:lumMod val="75000"/>
+                    <a:lumOff val="25000"/>
+                  </a:schemeClr>
+                </a:solidFill>
+                <a:latin typeface="+mn-ea"/>
+              </a:rPr>
+              <a:t> </a:t>
+            </a:r>
+            <a:r>
+              <a:rPr lang="en-US" altLang="ko-KR" sz="1600" dirty="0" smtClean="0">
+                <a:ln>
+                  <a:solidFill>
+                    <a:schemeClr val="accent1">
+                      <a:alpha val="0"/>
+                    </a:schemeClr>
+                  </a:solidFill>
+                </a:ln>
+                <a:solidFill>
+                  <a:schemeClr val="tx1">
+                    <a:lumMod val="75000"/>
+                    <a:lumOff val="25000"/>
+                  </a:schemeClr>
+                </a:solidFill>
+                <a:latin typeface="+mn-ea"/>
+              </a:rPr>
+              <a:t>      - </a:t>
+            </a:r>
+            <a:r>
+              <a:rPr lang="ko-KR" altLang="en-US" sz="1600" dirty="0" smtClean="0">
+                <a:ln>
+                  <a:solidFill>
+                    <a:schemeClr val="accent1">
+                      <a:alpha val="0"/>
+                    </a:schemeClr>
+                  </a:solidFill>
+                </a:ln>
+                <a:solidFill>
+                  <a:schemeClr val="tx1">
+                    <a:lumMod val="75000"/>
+                    <a:lumOff val="25000"/>
+                  </a:schemeClr>
+                </a:solidFill>
+                <a:latin typeface="+mn-ea"/>
+              </a:rPr>
+              <a:t>스토</a:t>
+            </a:r>
+            <a:r>
+              <a:rPr lang="ko-KR" altLang="en-US" sz="1600" dirty="0">
+                <a:ln>
+                  <a:solidFill>
+                    <a:schemeClr val="accent1">
+                      <a:alpha val="0"/>
+                    </a:schemeClr>
+                  </a:solidFill>
+                </a:ln>
+                <a:solidFill>
+                  <a:schemeClr val="tx1">
+                    <a:lumMod val="75000"/>
+                    <a:lumOff val="25000"/>
+                  </a:schemeClr>
+                </a:solidFill>
+                <a:latin typeface="+mn-ea"/>
+              </a:rPr>
+              <a:t>리</a:t>
             </a:r>
             <a:endParaRPr lang="en-US" altLang="ko-KR" sz="1600" dirty="0" smtClean="0">
               <a:ln>
@@ -11221,7 +11497,7 @@
                 </a:solidFill>
                 <a:latin typeface="+mn-ea"/>
               </a:rPr>
-              <a:t>스토</a:t>
+              <a:t>조작</a:t>
             </a:r>
             <a:r>
               <a:rPr lang="ko-KR" altLang="en-US" sz="1600" dirty="0">
@@ -11240,7 +11516,7 @@
                 </a:solidFill>
                 <a:latin typeface="+mn-ea"/>
               </a:rPr>
-              <a:t>리</a:t>
+              <a:t>법</a:t>
             </a:r>
             <a:endParaRPr lang="en-US" altLang="ko-KR" sz="1600" dirty="0" smtClean="0">
               <a:ln>
@@ -11296,7 +11572,26 @@
                 </a:solidFill>
                 <a:latin typeface="+mn-ea"/>
               </a:rPr>
-              <a:t>      - </a:t>
+              <a:t>      -</a:t>
+            </a:r>
+            <a:r>
+              <a:rPr lang="ko-KR" altLang="en-US" sz="1600" dirty="0">
+                <a:ln>
+                  <a:solidFill>
+                    <a:schemeClr val="accent1">
+                      <a:alpha val="0"/>
+                    </a:schemeClr>
+                  </a:solidFill>
+                </a:ln>
+                <a:solidFill>
+                  <a:schemeClr val="tx1">
+                    <a:lumMod val="75000"/>
+                    <a:lumOff val="25000"/>
+                  </a:schemeClr>
+                </a:solidFill>
+                <a:latin typeface="+mn-ea"/>
+              </a:rPr>
+              <a:t> </a:t>
             </a:r>
             <a:r>
               <a:rPr lang="ko-KR" altLang="en-US" sz="1600" dirty="0" smtClean="0">
@@ -11315,26 +11610,7 @@
                 </a:solidFill>
                 <a:latin typeface="+mn-ea"/>
               </a:rPr>
-              <a:t>조작</a:t>
-            </a:r>
-            <a:r>
-              <a:rPr lang="ko-KR" altLang="en-US" sz="1600" dirty="0">
-                <a:ln>
-                  <a:solidFill>
-                    <a:schemeClr val="accent1">
-                      <a:alpha val="0"/>
-                    </a:schemeClr>
-                  </a:solidFill>
-                </a:ln>
-                <a:solidFill>
-                  <a:schemeClr val="tx1">
-                    <a:lumMod val="75000"/>
-                    <a:lumOff val="25000"/>
-                  </a:schemeClr>
-                </a:solidFill>
-                <a:latin typeface="+mn-ea"/>
-              </a:rPr>
-              <a:t>법</a:t>
+              <a:t>캐릭터</a:t>
             </a:r>
             <a:endParaRPr lang="en-US" altLang="ko-KR" sz="1600" dirty="0" smtClean="0">
               <a:ln>
@@ -11390,10 +11666,10 @@
                 </a:solidFill>
                 <a:latin typeface="+mn-ea"/>
               </a:rPr>
-              <a:t>      -</a:t>
-            </a:r>
-            <a:r>
-              <a:rPr lang="ko-KR" altLang="en-US" sz="1600" dirty="0">
+              <a:t>      - </a:t>
+            </a:r>
+            <a:r>
+              <a:rPr lang="ko-KR" altLang="en-US" sz="1600" dirty="0" err="1">
                 <a:ln>
                   <a:solidFill>
                     <a:schemeClr val="accent1">
@@ -11409,26 +11685,7 @@
                 </a:solidFill>
                 <a:latin typeface="+mn-ea"/>
               </a:rPr>
-              <a:t> </a:t>
-            </a:r>
-            <a:r>
-              <a:rPr lang="ko-KR" altLang="en-US" sz="1600" dirty="0" smtClean="0">
-                <a:ln>
-                  <a:solidFill>
-                    <a:schemeClr val="accent1">
-                      <a:alpha val="0"/>
-                    </a:schemeClr>
-                  </a:solidFill>
-                </a:ln>
-                <a:solidFill>
-                  <a:schemeClr val="tx1">
-                    <a:lumMod val="75000"/>
-                    <a:lumOff val="25000"/>
-                  </a:schemeClr>
-                </a:solidFill>
-                <a:latin typeface="+mn-ea"/>
-              </a:rPr>
-              <a:t>캐릭터</a:t>
+              <a:t>맵</a:t>
             </a:r>
             <a:endParaRPr lang="en-US" altLang="ko-KR" sz="1600" dirty="0" smtClean="0">
               <a:ln>
@@ -11449,25 +11706,6 @@
           </a:p>
           <a:p>
             <a:r>
-              <a:rPr lang="en-US" altLang="ko-KR" sz="1600" dirty="0">
-                <a:ln>
-                  <a:solidFill>
-                    <a:schemeClr val="accent1">
-                      <a:alpha val="0"/>
-                    </a:schemeClr>
-                  </a:solidFill>
-                </a:ln>
-                <a:solidFill>
-                  <a:schemeClr val="tx1">
-                    <a:lumMod val="75000"/>
-                    <a:lumOff val="25000"/>
-                  </a:schemeClr>
-                </a:solidFill>
-                <a:latin typeface="+mn-ea"/>
-              </a:rPr>
-              <a:t> </a:t>
-            </a:r>
-            <a:r>
               <a:rPr lang="en-US" altLang="ko-KR" sz="1600" dirty="0" smtClean="0">
                 <a:ln>
                   <a:solidFill>
@@ -11484,10 +11722,10 @@
                 </a:solidFill>
                 <a:latin typeface="+mn-ea"/>
               </a:rPr>
-              <a:t>      - </a:t>
-            </a:r>
-            <a:r>
-              <a:rPr lang="ko-KR" altLang="en-US" sz="1600" dirty="0" err="1">
+              <a:t>       - </a:t>
+            </a:r>
+            <a:r>
+              <a:rPr lang="ko-KR" altLang="en-US" sz="1600" dirty="0" smtClean="0">
                 <a:ln>
                   <a:solidFill>
                     <a:schemeClr val="accent1">
@@ -11503,7 +11741,7 @@
                 </a:solidFill>
                 <a:latin typeface="+mn-ea"/>
               </a:rPr>
-              <a:t>맵</a:t>
+              <a:t>게임 플레이</a:t>
             </a:r>
             <a:endParaRPr lang="en-US" altLang="ko-KR" sz="1600" dirty="0" smtClean="0">
               <a:ln>
@@ -11524,62 +11762,6 @@
           </a:p>
           <a:p>
             <a:r>
-              <a:rPr lang="en-US" altLang="ko-KR" sz="1600" dirty="0" smtClean="0">
-                <a:ln>
-                  <a:solidFill>
-                    <a:schemeClr val="accent1">
-                      <a:alpha val="0"/>
-                    </a:schemeClr>
-                  </a:solidFill>
-                </a:ln>
-                <a:solidFill>
-                  <a:schemeClr val="tx1">
-                    <a:lumMod val="75000"/>
-                    <a:lumOff val="25000"/>
-                  </a:schemeClr>
-                </a:solidFill>
-                <a:latin typeface="+mn-ea"/>
-              </a:rPr>
-              <a:t>       - </a:t>
-            </a:r>
-            <a:r>
-              <a:rPr lang="ko-KR" altLang="en-US" sz="1600" dirty="0" smtClean="0">
-                <a:ln>
-                  <a:solidFill>
-                    <a:schemeClr val="accent1">
-                      <a:alpha val="0"/>
-                    </a:schemeClr>
-                  </a:solidFill>
-                </a:ln>
-                <a:solidFill>
-                  <a:schemeClr val="tx1">
-                    <a:lumMod val="75000"/>
-                    <a:lumOff val="25000"/>
-                  </a:schemeClr>
-                </a:solidFill>
-                <a:latin typeface="+mn-ea"/>
-              </a:rPr>
-              <a:t>게임 플레이</a:t>
-            </a:r>
-            <a:endParaRPr lang="en-US" altLang="ko-KR" sz="1600" dirty="0" smtClean="0">
-              <a:ln>
-                <a:solidFill>
-                  <a:schemeClr val="accent1">
-                    <a:alpha val="0"/>
-                  </a:schemeClr>
-                </a:solidFill>
-              </a:ln>
-              <a:solidFill>
-                <a:schemeClr val="tx1">
-                  <a:lumMod val="75000"/>
-                  <a:lumOff val="25000"/>
-                </a:schemeClr>
-              </a:solidFill>
-              <a:latin typeface="+mn-ea"/>
-            </a:endParaRPr>
-          </a:p>
-          <a:p>
-            <a:r>
               <a:rPr lang="en-US" altLang="ko-KR" sz="1600" dirty="0">
                 <a:ln>
                   <a:solidFill>
@@ -11834,26 +12016,7 @@
                 </a:solidFill>
                 <a:latin typeface="+mn-ea"/>
               </a:rPr>
-              <a:t>역할분</a:t>
-            </a:r>
-            <a:r>
-              <a:rPr lang="ko-KR" altLang="en-US" dirty="0">
-                <a:ln>
-                  <a:solidFill>
-                    <a:schemeClr val="accent1">
-                      <a:alpha val="0"/>
-                    </a:schemeClr>
-                  </a:solidFill>
-                </a:ln>
-                <a:solidFill>
-                  <a:schemeClr val="tx1">
-                    <a:lumMod val="75000"/>
-                    <a:lumOff val="25000"/>
-                  </a:schemeClr>
-                </a:solidFill>
-                <a:latin typeface="+mn-ea"/>
-              </a:rPr>
-              <a:t>담</a:t>
+              <a:t>중점 연구분야</a:t>
             </a:r>
             <a:endParaRPr lang="ko-KR" altLang="en-US" sz="1600" dirty="0">
               <a:ln>
